--- a/06-paper_tesis.pptx
+++ b/06-paper_tesis.pptx
@@ -5,7 +5,7 @@
     <p:sldMasterId id="2147483648" r:id="rId1"/>
   </p:sldMasterIdLst>
   <p:notesMasterIdLst>
-    <p:NotesMasterId r:id="rId10"/>
+    <p:NotesMasterId r:id="rId11"/>
   </p:notesMasterIdLst>
   <p:sldIdLst>
     <p:sldId id="256" r:id="rId2"/>
@@ -16,6 +16,7 @@
     <p:sldId id="261" r:id="rId7"/>
     <p:sldId id="262" r:id="rId8"/>
     <p:sldId id="263" r:id="rId9"/>
+    <p:sldId id="264" r:id="rId10"/>
   </p:sldIdLst>
   <p:sldSz cx="12192000" cy="6858000"/>
   <p:notesSz cx="6858000" cy="9144000"/>
@@ -2422,7 +2423,7 @@
           <a:p>
             <a:fld id="{18BDFEC3-8487-43E8-A154-7C12CBC1FFF2}" type="slidenum">
               <a:rPr lang="en-US"/>
-              <a:t>2</a:t>
+              <a:t>3</a:t>
             </a:fld>
             <a:endParaRPr lang="en-US"/>
           </a:p>
@@ -2812,415 +2813,7 @@
             </a:pPr>
             <a:r>
               <a:rPr/>
-              <a:t>The</a:t>
-            </a:r>
-            <a:r>
-              <a:rPr/>
-              <a:t> </a:t>
-            </a:r>
-            <a:r>
-              <a:rPr/>
-              <a:t>reconstructed</a:t>
-            </a:r>
-            <a:r>
-              <a:rPr/>
-              <a:t> </a:t>
-            </a:r>
-            <a:r>
-              <a:rPr/>
-              <a:t>QS3</a:t>
-            </a:r>
-            <a:r>
-              <a:rPr/>
-              <a:t> </a:t>
-            </a:r>
-            <a:r>
-              <a:rPr/>
-              <a:t>field</a:t>
-            </a:r>
-            <a:r>
-              <a:rPr/>
-              <a:t> </a:t>
-            </a:r>
-            <a:r>
-              <a:rPr/>
-              <a:t>at</a:t>
-            </a:r>
-            <a:r>
-              <a:rPr/>
-              <a:t> </a:t>
-            </a:r>
-            <a:r>
-              <a:rPr/>
-              <a:t>200hPa</a:t>
-            </a:r>
-            <a:r>
-              <a:rPr/>
-              <a:t> </a:t>
-            </a:r>
-            <a:r>
-              <a:rPr/>
-              <a:t>show</a:t>
-            </a:r>
-            <a:r>
-              <a:rPr/>
-              <a:t> </a:t>
-            </a:r>
-            <a:r>
-              <a:rPr/>
-              <a:t>the</a:t>
-            </a:r>
-            <a:r>
-              <a:rPr/>
-              <a:t> </a:t>
-            </a:r>
-            <a:r>
-              <a:rPr/>
-              <a:t>expected</a:t>
-            </a:r>
-            <a:r>
-              <a:rPr/>
-              <a:t> </a:t>
-            </a:r>
-            <a:r>
-              <a:rPr/>
-              <a:t>maximum</a:t>
-            </a:r>
-            <a:r>
-              <a:rPr/>
-              <a:t> </a:t>
-            </a:r>
-            <a:r>
-              <a:rPr/>
-              <a:t>at</a:t>
-            </a:r>
-            <a:r>
-              <a:rPr/>
-              <a:t> </a:t>
-            </a:r>
-            <a:r>
-              <a:rPr/>
-              <a:t>50°S</a:t>
-            </a:r>
-            <a:r>
-              <a:rPr/>
-              <a:t> </a:t>
-            </a:r>
-            <a:r>
-              <a:rPr/>
-              <a:t>and</a:t>
-            </a:r>
-            <a:r>
-              <a:rPr/>
-              <a:t> </a:t>
-            </a:r>
-            <a:r>
-              <a:rPr/>
-              <a:t>the</a:t>
-            </a:r>
-            <a:r>
-              <a:rPr/>
-              <a:t> </a:t>
-            </a:r>
-            <a:r>
-              <a:rPr/>
-              <a:t>anual</a:t>
-            </a:r>
-            <a:r>
-              <a:rPr/>
-              <a:t> </a:t>
-            </a:r>
-            <a:r>
-              <a:rPr/>
-              <a:t>cycle</a:t>
-            </a:r>
-            <a:r>
-              <a:rPr/>
-              <a:t> </a:t>
-            </a:r>
-            <a:r>
-              <a:rPr/>
-              <a:t>in</a:t>
-            </a:r>
-            <a:r>
-              <a:rPr/>
-              <a:t> </a:t>
-            </a:r>
-            <a:r>
-              <a:rPr/>
-              <a:t>its</a:t>
-            </a:r>
-            <a:r>
-              <a:rPr/>
-              <a:t> </a:t>
-            </a:r>
-            <a:r>
-              <a:rPr/>
-              <a:t>phase</a:t>
-            </a:r>
-            <a:r>
-              <a:rPr/>
-              <a:t> </a:t>
-            </a:r>
-            <a:r>
-              <a:rPr/>
-              <a:t>already</a:t>
-            </a:r>
-            <a:r>
-              <a:rPr/>
-              <a:t> </a:t>
-            </a:r>
-            <a:r>
-              <a:rPr/>
-              <a:t>observed</a:t>
-            </a:r>
-            <a:r>
-              <a:rPr/>
-              <a:t> </a:t>
-            </a:r>
-            <a:r>
-              <a:rPr/>
-              <a:t>in</a:t>
-            </a:r>
-            <a:r>
-              <a:rPr/>
-              <a:t> </a:t>
-            </a:r>
-            <a:r>
-              <a:rPr/>
-              <a:t>previous</a:t>
-            </a:r>
-            <a:r>
-              <a:rPr/>
-              <a:t> </a:t>
-            </a:r>
-            <a:r>
-              <a:rPr/>
-              <a:t>studies.</a:t>
-            </a:r>
-            <a:r>
-              <a:rPr/>
-              <a:t> </a:t>
-            </a:r>
-            <a:r>
-              <a:rPr/>
-              <a:t>It</a:t>
-            </a:r>
-            <a:r>
-              <a:rPr/>
-              <a:t> </a:t>
-            </a:r>
-            <a:r>
-              <a:rPr/>
-              <a:t>also</a:t>
-            </a:r>
-            <a:r>
-              <a:rPr/>
-              <a:t> </a:t>
-            </a:r>
-            <a:r>
-              <a:rPr/>
-              <a:t>shows</a:t>
-            </a:r>
-            <a:r>
-              <a:rPr/>
-              <a:t> </a:t>
-            </a:r>
-            <a:r>
-              <a:rPr/>
-              <a:t>an</a:t>
-            </a:r>
-            <a:r>
-              <a:rPr/>
-              <a:t> </a:t>
-            </a:r>
-            <a:r>
-              <a:rPr/>
-              <a:t>easterly</a:t>
-            </a:r>
-            <a:r>
-              <a:rPr/>
-              <a:t> </a:t>
-            </a:r>
-            <a:r>
-              <a:rPr/>
-              <a:t>inclination</a:t>
-            </a:r>
-            <a:r>
-              <a:rPr/>
-              <a:t> </a:t>
-            </a:r>
-            <a:r>
-              <a:rPr/>
-              <a:t>of</a:t>
-            </a:r>
-            <a:r>
-              <a:rPr/>
-              <a:t> </a:t>
-            </a:r>
-            <a:r>
-              <a:rPr/>
-              <a:t>the</a:t>
-            </a:r>
-            <a:r>
-              <a:rPr/>
-              <a:t> </a:t>
-            </a:r>
-            <a:r>
-              <a:rPr/>
-              <a:t>systems</a:t>
-            </a:r>
-            <a:r>
-              <a:rPr/>
-              <a:t> </a:t>
-            </a:r>
-            <a:r>
-              <a:rPr/>
-              <a:t>evident</a:t>
-            </a:r>
-            <a:r>
-              <a:rPr/>
-              <a:t> </a:t>
-            </a:r>
-            <a:r>
-              <a:rPr/>
-              <a:t>in</a:t>
-            </a:r>
-            <a:r>
-              <a:rPr/>
-              <a:t> </a:t>
-            </a:r>
-            <a:r>
-              <a:rPr/>
-              <a:t>summer</a:t>
-            </a:r>
-            <a:r>
-              <a:rPr/>
-              <a:t> </a:t>
-            </a:r>
-            <a:r>
-              <a:rPr/>
-              <a:t>but</a:t>
-            </a:r>
-            <a:r>
-              <a:rPr/>
-              <a:t> </a:t>
-            </a:r>
-            <a:r>
-              <a:rPr/>
-              <a:t>absent</a:t>
-            </a:r>
-            <a:r>
-              <a:rPr/>
-              <a:t> </a:t>
-            </a:r>
-            <a:r>
-              <a:rPr/>
-              <a:t>in</a:t>
-            </a:r>
-            <a:r>
-              <a:rPr/>
-              <a:t> </a:t>
-            </a:r>
-            <a:r>
-              <a:rPr/>
-              <a:t>winter,</a:t>
-            </a:r>
-            <a:r>
-              <a:rPr/>
-              <a:t> </a:t>
-            </a:r>
-            <a:r>
-              <a:rPr/>
-              <a:t>suggesting</a:t>
-            </a:r>
-            <a:r>
-              <a:rPr/>
-              <a:t> </a:t>
-            </a:r>
-            <a:r>
-              <a:rPr/>
-              <a:t>that</a:t>
-            </a:r>
-            <a:r>
-              <a:rPr/>
-              <a:t> </a:t>
-            </a:r>
-            <a:r>
-              <a:rPr/>
-              <a:t>the</a:t>
-            </a:r>
-            <a:r>
-              <a:rPr/>
-              <a:t> </a:t>
-            </a:r>
-            <a:r>
-              <a:rPr/>
-              <a:t>QS3</a:t>
-            </a:r>
-            <a:r>
-              <a:rPr/>
-              <a:t> </a:t>
-            </a:r>
-            <a:r>
-              <a:rPr/>
-              <a:t>might</a:t>
-            </a:r>
-            <a:r>
-              <a:rPr/>
-              <a:t> </a:t>
-            </a:r>
-            <a:r>
-              <a:rPr/>
-              <a:t>be</a:t>
-            </a:r>
-            <a:r>
-              <a:rPr/>
-              <a:t> </a:t>
-            </a:r>
-            <a:r>
-              <a:rPr/>
-              <a:t>related</a:t>
-            </a:r>
-            <a:r>
-              <a:rPr/>
-              <a:t> </a:t>
-            </a:r>
-            <a:r>
-              <a:rPr/>
-              <a:t>to</a:t>
-            </a:r>
-            <a:r>
-              <a:rPr/>
-              <a:t> </a:t>
-            </a:r>
-            <a:r>
-              <a:rPr/>
-              <a:t>southerly</a:t>
-            </a:r>
-            <a:r>
-              <a:rPr/>
-              <a:t> </a:t>
-            </a:r>
-            <a:r>
-              <a:rPr/>
-              <a:t>transport</a:t>
-            </a:r>
-            <a:r>
-              <a:rPr/>
-              <a:t> </a:t>
-            </a:r>
-            <a:r>
-              <a:rPr/>
-              <a:t>of</a:t>
-            </a:r>
-            <a:r>
-              <a:rPr/>
-              <a:t> </a:t>
-            </a:r>
-            <a:r>
-              <a:rPr/>
-              <a:t>momentum.</a:t>
+              <a:t>Percent</a:t>
             </a:r>
           </a:p>
         </p:txBody>
@@ -3310,15 +2903,231 @@
             </a:r>
             <a:r>
               <a:rPr/>
-              <a:t>vertical</a:t>
-            </a:r>
-            <a:r>
-              <a:rPr/>
-              <a:t> </a:t>
-            </a:r>
-            <a:r>
-              <a:rPr/>
-              <a:t>strucure</a:t>
+              <a:t>reconstructed</a:t>
+            </a:r>
+            <a:r>
+              <a:rPr/>
+              <a:t> </a:t>
+            </a:r>
+            <a:r>
+              <a:rPr/>
+              <a:t>QS3</a:t>
+            </a:r>
+            <a:r>
+              <a:rPr/>
+              <a:t> </a:t>
+            </a:r>
+            <a:r>
+              <a:rPr/>
+              <a:t>field</a:t>
+            </a:r>
+            <a:r>
+              <a:rPr/>
+              <a:t> </a:t>
+            </a:r>
+            <a:r>
+              <a:rPr/>
+              <a:t>at</a:t>
+            </a:r>
+            <a:r>
+              <a:rPr/>
+              <a:t> </a:t>
+            </a:r>
+            <a:r>
+              <a:rPr/>
+              <a:t>200hPa</a:t>
+            </a:r>
+            <a:r>
+              <a:rPr/>
+              <a:t> </a:t>
+            </a:r>
+            <a:r>
+              <a:rPr/>
+              <a:t>show</a:t>
+            </a:r>
+            <a:r>
+              <a:rPr/>
+              <a:t> </a:t>
+            </a:r>
+            <a:r>
+              <a:rPr/>
+              <a:t>the</a:t>
+            </a:r>
+            <a:r>
+              <a:rPr/>
+              <a:t> </a:t>
+            </a:r>
+            <a:r>
+              <a:rPr/>
+              <a:t>expected</a:t>
+            </a:r>
+            <a:r>
+              <a:rPr/>
+              <a:t> </a:t>
+            </a:r>
+            <a:r>
+              <a:rPr/>
+              <a:t>maximum</a:t>
+            </a:r>
+            <a:r>
+              <a:rPr/>
+              <a:t> </a:t>
+            </a:r>
+            <a:r>
+              <a:rPr/>
+              <a:t>at</a:t>
+            </a:r>
+            <a:r>
+              <a:rPr/>
+              <a:t> </a:t>
+            </a:r>
+            <a:r>
+              <a:rPr/>
+              <a:t>50°S</a:t>
+            </a:r>
+            <a:r>
+              <a:rPr/>
+              <a:t> </a:t>
+            </a:r>
+            <a:r>
+              <a:rPr/>
+              <a:t>and</a:t>
+            </a:r>
+            <a:r>
+              <a:rPr/>
+              <a:t> </a:t>
+            </a:r>
+            <a:r>
+              <a:rPr/>
+              <a:t>the</a:t>
+            </a:r>
+            <a:r>
+              <a:rPr/>
+              <a:t> </a:t>
+            </a:r>
+            <a:r>
+              <a:rPr/>
+              <a:t>anual</a:t>
+            </a:r>
+            <a:r>
+              <a:rPr/>
+              <a:t> </a:t>
+            </a:r>
+            <a:r>
+              <a:rPr/>
+              <a:t>cycle</a:t>
+            </a:r>
+            <a:r>
+              <a:rPr/>
+              <a:t> </a:t>
+            </a:r>
+            <a:r>
+              <a:rPr/>
+              <a:t>in</a:t>
+            </a:r>
+            <a:r>
+              <a:rPr/>
+              <a:t> </a:t>
+            </a:r>
+            <a:r>
+              <a:rPr/>
+              <a:t>its</a:t>
+            </a:r>
+            <a:r>
+              <a:rPr/>
+              <a:t> </a:t>
+            </a:r>
+            <a:r>
+              <a:rPr/>
+              <a:t>phase</a:t>
+            </a:r>
+            <a:r>
+              <a:rPr/>
+              <a:t> </a:t>
+            </a:r>
+            <a:r>
+              <a:rPr/>
+              <a:t>already</a:t>
+            </a:r>
+            <a:r>
+              <a:rPr/>
+              <a:t> </a:t>
+            </a:r>
+            <a:r>
+              <a:rPr/>
+              <a:t>observed</a:t>
+            </a:r>
+            <a:r>
+              <a:rPr/>
+              <a:t> </a:t>
+            </a:r>
+            <a:r>
+              <a:rPr/>
+              <a:t>in</a:t>
+            </a:r>
+            <a:r>
+              <a:rPr/>
+              <a:t> </a:t>
+            </a:r>
+            <a:r>
+              <a:rPr/>
+              <a:t>previous</a:t>
+            </a:r>
+            <a:r>
+              <a:rPr/>
+              <a:t> </a:t>
+            </a:r>
+            <a:r>
+              <a:rPr/>
+              <a:t>studies.</a:t>
+            </a:r>
+            <a:r>
+              <a:rPr/>
+              <a:t> </a:t>
+            </a:r>
+            <a:r>
+              <a:rPr/>
+              <a:t>It</a:t>
+            </a:r>
+            <a:r>
+              <a:rPr/>
+              <a:t> </a:t>
+            </a:r>
+            <a:r>
+              <a:rPr/>
+              <a:t>also</a:t>
+            </a:r>
+            <a:r>
+              <a:rPr/>
+              <a:t> </a:t>
+            </a:r>
+            <a:r>
+              <a:rPr/>
+              <a:t>shows</a:t>
+            </a:r>
+            <a:r>
+              <a:rPr/>
+              <a:t> </a:t>
+            </a:r>
+            <a:r>
+              <a:rPr/>
+              <a:t>an</a:t>
+            </a:r>
+            <a:r>
+              <a:rPr/>
+              <a:t> </a:t>
+            </a:r>
+            <a:r>
+              <a:rPr/>
+              <a:t>easterly</a:t>
+            </a:r>
+            <a:r>
+              <a:rPr/>
+              <a:t> </a:t>
+            </a:r>
+            <a:r>
+              <a:rPr/>
+              <a:t>inclination</a:t>
             </a:r>
             <a:r>
               <a:rPr/>
@@ -3342,6 +3151,94 @@
             </a:r>
             <a:r>
               <a:rPr/>
+              <a:t>systems</a:t>
+            </a:r>
+            <a:r>
+              <a:rPr/>
+              <a:t> </a:t>
+            </a:r>
+            <a:r>
+              <a:rPr/>
+              <a:t>evident</a:t>
+            </a:r>
+            <a:r>
+              <a:rPr/>
+              <a:t> </a:t>
+            </a:r>
+            <a:r>
+              <a:rPr/>
+              <a:t>in</a:t>
+            </a:r>
+            <a:r>
+              <a:rPr/>
+              <a:t> </a:t>
+            </a:r>
+            <a:r>
+              <a:rPr/>
+              <a:t>summer</a:t>
+            </a:r>
+            <a:r>
+              <a:rPr/>
+              <a:t> </a:t>
+            </a:r>
+            <a:r>
+              <a:rPr/>
+              <a:t>but</a:t>
+            </a:r>
+            <a:r>
+              <a:rPr/>
+              <a:t> </a:t>
+            </a:r>
+            <a:r>
+              <a:rPr/>
+              <a:t>absent</a:t>
+            </a:r>
+            <a:r>
+              <a:rPr/>
+              <a:t> </a:t>
+            </a:r>
+            <a:r>
+              <a:rPr/>
+              <a:t>in</a:t>
+            </a:r>
+            <a:r>
+              <a:rPr/>
+              <a:t> </a:t>
+            </a:r>
+            <a:r>
+              <a:rPr/>
+              <a:t>winter,</a:t>
+            </a:r>
+            <a:r>
+              <a:rPr/>
+              <a:t> </a:t>
+            </a:r>
+            <a:r>
+              <a:rPr/>
+              <a:t>suggesting</a:t>
+            </a:r>
+            <a:r>
+              <a:rPr/>
+              <a:t> </a:t>
+            </a:r>
+            <a:r>
+              <a:rPr/>
+              <a:t>that</a:t>
+            </a:r>
+            <a:r>
+              <a:rPr/>
+              <a:t> </a:t>
+            </a:r>
+            <a:r>
+              <a:rPr/>
+              <a:t>the</a:t>
+            </a:r>
+            <a:r>
+              <a:rPr/>
+              <a:t> </a:t>
+            </a:r>
+            <a:r>
+              <a:rPr/>
               <a:t>QS3</a:t>
             </a:r>
             <a:r>
@@ -3350,119 +3247,47 @@
             </a:r>
             <a:r>
               <a:rPr/>
-              <a:t>shows</a:t>
-            </a:r>
-            <a:r>
-              <a:rPr/>
-              <a:t> </a:t>
-            </a:r>
-            <a:r>
-              <a:rPr/>
-              <a:t>that</a:t>
-            </a:r>
-            <a:r>
-              <a:rPr/>
-              <a:t> </a:t>
-            </a:r>
-            <a:r>
-              <a:rPr/>
-              <a:t>the</a:t>
-            </a:r>
-            <a:r>
-              <a:rPr/>
-              <a:t> </a:t>
-            </a:r>
-            <a:r>
-              <a:rPr/>
-              <a:t>expected</a:t>
-            </a:r>
-            <a:r>
-              <a:rPr/>
-              <a:t> </a:t>
-            </a:r>
-            <a:r>
-              <a:rPr/>
-              <a:t>seasonal</a:t>
-            </a:r>
-            <a:r>
-              <a:rPr/>
-              <a:t> </a:t>
-            </a:r>
-            <a:r>
-              <a:rPr/>
-              <a:t>cycle</a:t>
-            </a:r>
-            <a:r>
-              <a:rPr/>
-              <a:t> </a:t>
-            </a:r>
-            <a:r>
-              <a:rPr/>
-              <a:t>in</a:t>
-            </a:r>
-            <a:r>
-              <a:rPr/>
-              <a:t> </a:t>
-            </a:r>
-            <a:r>
-              <a:rPr/>
-              <a:t>vertical</a:t>
-            </a:r>
-            <a:r>
-              <a:rPr/>
-              <a:t> </a:t>
-            </a:r>
-            <a:r>
-              <a:rPr/>
-              <a:t>extent</a:t>
-            </a:r>
-            <a:r>
-              <a:rPr/>
-              <a:t> </a:t>
-            </a:r>
-            <a:r>
-              <a:rPr/>
-              <a:t>is</a:t>
-            </a:r>
-            <a:r>
-              <a:rPr/>
-              <a:t> </a:t>
-            </a:r>
-            <a:r>
-              <a:rPr/>
-              <a:t>followed</a:t>
-            </a:r>
-            <a:r>
-              <a:rPr/>
-              <a:t> </a:t>
-            </a:r>
-            <a:r>
-              <a:rPr/>
-              <a:t>by</a:t>
-            </a:r>
-            <a:r>
-              <a:rPr/>
-              <a:t> </a:t>
-            </a:r>
-            <a:r>
-              <a:rPr/>
-              <a:t>a</a:t>
-            </a:r>
-            <a:r>
-              <a:rPr/>
-              <a:t> </a:t>
-            </a:r>
-            <a:r>
-              <a:rPr/>
-              <a:t>slight</a:t>
-            </a:r>
-            <a:r>
-              <a:rPr/>
-              <a:t> </a:t>
-            </a:r>
-            <a:r>
-              <a:rPr/>
-              <a:t>inclination</a:t>
+              <a:t>might</a:t>
+            </a:r>
+            <a:r>
+              <a:rPr/>
+              <a:t> </a:t>
+            </a:r>
+            <a:r>
+              <a:rPr/>
+              <a:t>be</a:t>
+            </a:r>
+            <a:r>
+              <a:rPr/>
+              <a:t> </a:t>
+            </a:r>
+            <a:r>
+              <a:rPr/>
+              <a:t>related</a:t>
+            </a:r>
+            <a:r>
+              <a:rPr/>
+              <a:t> </a:t>
+            </a:r>
+            <a:r>
+              <a:rPr/>
+              <a:t>to</a:t>
+            </a:r>
+            <a:r>
+              <a:rPr/>
+              <a:t> </a:t>
+            </a:r>
+            <a:r>
+              <a:rPr/>
+              <a:t>southerly</a:t>
+            </a:r>
+            <a:r>
+              <a:rPr/>
+              <a:t> </a:t>
+            </a:r>
+            <a:r>
+              <a:rPr/>
+              <a:t>transport</a:t>
             </a:r>
             <a:r>
               <a:rPr/>
@@ -3478,301 +3303,7 @@
             </a:r>
             <a:r>
               <a:rPr/>
-              <a:t>the</a:t>
-            </a:r>
-            <a:r>
-              <a:rPr/>
-              <a:t> </a:t>
-            </a:r>
-            <a:r>
-              <a:rPr/>
-              <a:t>disturances.</a:t>
-            </a:r>
-          </a:p>
-          <a:p>
-            <a:pPr lvl="0" marL="0" indent="0">
-              <a:buNone/>
-            </a:pPr>
-          </a:p>
-          <a:p>
-            <a:pPr lvl="0" marL="0" indent="0">
-              <a:buNone/>
-            </a:pPr>
-            <a:r>
-              <a:rPr/>
-              <a:t>Taken</a:t>
-            </a:r>
-            <a:r>
-              <a:rPr/>
-              <a:t> </a:t>
-            </a:r>
-            <a:r>
-              <a:rPr/>
-              <a:t>together,</a:t>
-            </a:r>
-            <a:r>
-              <a:rPr/>
-              <a:t> </a:t>
-            </a:r>
-            <a:r>
-              <a:rPr/>
-              <a:t>this</a:t>
-            </a:r>
-            <a:r>
-              <a:rPr/>
-              <a:t> </a:t>
-            </a:r>
-            <a:r>
-              <a:rPr/>
-              <a:t>suggests</a:t>
-            </a:r>
-            <a:r>
-              <a:rPr/>
-              <a:t> </a:t>
-            </a:r>
-            <a:r>
-              <a:rPr/>
-              <a:t>a</a:t>
-            </a:r>
-            <a:r>
-              <a:rPr/>
-              <a:t> </a:t>
-            </a:r>
-            <a:r>
-              <a:rPr/>
-              <a:t>mix</a:t>
-            </a:r>
-            <a:r>
-              <a:rPr/>
-              <a:t> </a:t>
-            </a:r>
-            <a:r>
-              <a:rPr/>
-              <a:t>of</a:t>
-            </a:r>
-            <a:r>
-              <a:rPr/>
-              <a:t> </a:t>
-            </a:r>
-            <a:r>
-              <a:rPr/>
-              <a:t>baroclinic</a:t>
-            </a:r>
-            <a:r>
-              <a:rPr/>
-              <a:t> </a:t>
-            </a:r>
-            <a:r>
-              <a:rPr/>
-              <a:t>and</a:t>
-            </a:r>
-            <a:r>
-              <a:rPr/>
-              <a:t> </a:t>
-            </a:r>
-            <a:r>
-              <a:rPr/>
-              <a:t>barotropic</a:t>
-            </a:r>
-            <a:r>
-              <a:rPr/>
-              <a:t> </a:t>
-            </a:r>
-            <a:r>
-              <a:rPr/>
-              <a:t>processes</a:t>
-            </a:r>
-            <a:r>
-              <a:rPr/>
-              <a:t> </a:t>
-            </a:r>
-            <a:r>
-              <a:rPr/>
-              <a:t>related</a:t>
-            </a:r>
-            <a:r>
-              <a:rPr/>
-              <a:t> </a:t>
-            </a:r>
-            <a:r>
-              <a:rPr/>
-              <a:t>to</a:t>
-            </a:r>
-            <a:r>
-              <a:rPr/>
-              <a:t> </a:t>
-            </a:r>
-            <a:r>
-              <a:rPr/>
-              <a:t>the</a:t>
-            </a:r>
-            <a:r>
-              <a:rPr/>
-              <a:t> </a:t>
-            </a:r>
-            <a:r>
-              <a:rPr/>
-              <a:t>QS3.</a:t>
-            </a:r>
-            <a:r>
-              <a:rPr/>
-              <a:t> </a:t>
-            </a:r>
-            <a:r>
-              <a:rPr/>
-              <a:t>The</a:t>
-            </a:r>
-            <a:r>
-              <a:rPr/>
-              <a:t> </a:t>
-            </a:r>
-            <a:r>
-              <a:rPr/>
-              <a:t>former,</a:t>
-            </a:r>
-            <a:r>
-              <a:rPr/>
-              <a:t> </a:t>
-            </a:r>
-            <a:r>
-              <a:rPr/>
-              <a:t>more</a:t>
-            </a:r>
-            <a:r>
-              <a:rPr/>
-              <a:t> </a:t>
-            </a:r>
-            <a:r>
-              <a:rPr/>
-              <a:t>important</a:t>
-            </a:r>
-            <a:r>
-              <a:rPr/>
-              <a:t> </a:t>
-            </a:r>
-            <a:r>
-              <a:rPr/>
-              <a:t>during</a:t>
-            </a:r>
-            <a:r>
-              <a:rPr/>
-              <a:t> </a:t>
-            </a:r>
-            <a:r>
-              <a:rPr/>
-              <a:t>summer</a:t>
-            </a:r>
-            <a:r>
-              <a:rPr/>
-              <a:t> </a:t>
-            </a:r>
-            <a:r>
-              <a:rPr/>
-              <a:t>and</a:t>
-            </a:r>
-            <a:r>
-              <a:rPr/>
-              <a:t> </a:t>
-            </a:r>
-            <a:r>
-              <a:rPr/>
-              <a:t>the</a:t>
-            </a:r>
-            <a:r>
-              <a:rPr/>
-              <a:t> </a:t>
-            </a:r>
-            <a:r>
-              <a:rPr/>
-              <a:t>the</a:t>
-            </a:r>
-            <a:r>
-              <a:rPr/>
-              <a:t> </a:t>
-            </a:r>
-            <a:r>
-              <a:rPr/>
-              <a:t>latter</a:t>
-            </a:r>
-            <a:r>
-              <a:rPr/>
-              <a:t> </a:t>
-            </a:r>
-            <a:r>
-              <a:rPr/>
-              <a:t>dominating</a:t>
-            </a:r>
-            <a:r>
-              <a:rPr/>
-              <a:t> </a:t>
-            </a:r>
-            <a:r>
-              <a:rPr/>
-              <a:t>in</a:t>
-            </a:r>
-            <a:r>
-              <a:rPr/>
-              <a:t> </a:t>
-            </a:r>
-            <a:r>
-              <a:rPr/>
-              <a:t>winter.</a:t>
-            </a:r>
-            <a:r>
-              <a:rPr/>
-              <a:t> </a:t>
-            </a:r>
-            <a:r>
-              <a:rPr/>
-              <a:t>(Esto</a:t>
-            </a:r>
-            <a:r>
-              <a:rPr/>
-              <a:t> </a:t>
-            </a:r>
-            <a:r>
-              <a:rPr/>
-              <a:t>se</a:t>
-            </a:r>
-            <a:r>
-              <a:rPr/>
-              <a:t> </a:t>
-            </a:r>
-            <a:r>
-              <a:rPr/>
-              <a:t>debería</a:t>
-            </a:r>
-            <a:r>
-              <a:rPr/>
-              <a:t> </a:t>
-            </a:r>
-            <a:r>
-              <a:rPr/>
-              <a:t>ver</a:t>
-            </a:r>
-            <a:r>
-              <a:rPr/>
-              <a:t> </a:t>
-            </a:r>
-            <a:r>
-              <a:rPr/>
-              <a:t>con</a:t>
-            </a:r>
-            <a:r>
-              <a:rPr/>
-              <a:t> </a:t>
-            </a:r>
-            <a:r>
-              <a:rPr/>
-              <a:t>la</a:t>
-            </a:r>
-            <a:r>
-              <a:rPr/>
-              <a:t> </a:t>
-            </a:r>
-            <a:r>
-              <a:rPr/>
-              <a:t>energética)</a:t>
+              <a:t>momentum.</a:t>
             </a:r>
           </a:p>
         </p:txBody>
@@ -3854,23 +3385,143 @@
             </a:pPr>
             <a:r>
               <a:rPr/>
-              <a:t>ZW3</a:t>
-            </a:r>
-            <a:r>
-              <a:rPr/>
-              <a:t> </a:t>
-            </a:r>
-            <a:r>
-              <a:rPr/>
-              <a:t>activiy</a:t>
-            </a:r>
-            <a:r>
-              <a:rPr/>
-              <a:t> </a:t>
-            </a:r>
-            <a:r>
-              <a:rPr/>
-              <a:t>exhibits</a:t>
+              <a:t>The</a:t>
+            </a:r>
+            <a:r>
+              <a:rPr/>
+              <a:t> </a:t>
+            </a:r>
+            <a:r>
+              <a:rPr/>
+              <a:t>vertical</a:t>
+            </a:r>
+            <a:r>
+              <a:rPr/>
+              <a:t> </a:t>
+            </a:r>
+            <a:r>
+              <a:rPr/>
+              <a:t>strucure</a:t>
+            </a:r>
+            <a:r>
+              <a:rPr/>
+              <a:t> </a:t>
+            </a:r>
+            <a:r>
+              <a:rPr/>
+              <a:t>of</a:t>
+            </a:r>
+            <a:r>
+              <a:rPr/>
+              <a:t> </a:t>
+            </a:r>
+            <a:r>
+              <a:rPr/>
+              <a:t>the</a:t>
+            </a:r>
+            <a:r>
+              <a:rPr/>
+              <a:t> </a:t>
+            </a:r>
+            <a:r>
+              <a:rPr/>
+              <a:t>QS3</a:t>
+            </a:r>
+            <a:r>
+              <a:rPr/>
+              <a:t> </a:t>
+            </a:r>
+            <a:r>
+              <a:rPr/>
+              <a:t>shows</a:t>
+            </a:r>
+            <a:r>
+              <a:rPr/>
+              <a:t> </a:t>
+            </a:r>
+            <a:r>
+              <a:rPr/>
+              <a:t>that</a:t>
+            </a:r>
+            <a:r>
+              <a:rPr/>
+              <a:t> </a:t>
+            </a:r>
+            <a:r>
+              <a:rPr/>
+              <a:t>the</a:t>
+            </a:r>
+            <a:r>
+              <a:rPr/>
+              <a:t> </a:t>
+            </a:r>
+            <a:r>
+              <a:rPr/>
+              <a:t>expected</a:t>
+            </a:r>
+            <a:r>
+              <a:rPr/>
+              <a:t> </a:t>
+            </a:r>
+            <a:r>
+              <a:rPr/>
+              <a:t>seasonal</a:t>
+            </a:r>
+            <a:r>
+              <a:rPr/>
+              <a:t> </a:t>
+            </a:r>
+            <a:r>
+              <a:rPr/>
+              <a:t>cycle</a:t>
+            </a:r>
+            <a:r>
+              <a:rPr/>
+              <a:t> </a:t>
+            </a:r>
+            <a:r>
+              <a:rPr/>
+              <a:t>in</a:t>
+            </a:r>
+            <a:r>
+              <a:rPr/>
+              <a:t> </a:t>
+            </a:r>
+            <a:r>
+              <a:rPr/>
+              <a:t>vertical</a:t>
+            </a:r>
+            <a:r>
+              <a:rPr/>
+              <a:t> </a:t>
+            </a:r>
+            <a:r>
+              <a:rPr/>
+              <a:t>extent</a:t>
+            </a:r>
+            <a:r>
+              <a:rPr/>
+              <a:t> </a:t>
+            </a:r>
+            <a:r>
+              <a:rPr/>
+              <a:t>is</a:t>
+            </a:r>
+            <a:r>
+              <a:rPr/>
+              <a:t> </a:t>
+            </a:r>
+            <a:r>
+              <a:rPr/>
+              <a:t>followed</a:t>
+            </a:r>
+            <a:r>
+              <a:rPr/>
+              <a:t> </a:t>
+            </a:r>
+            <a:r>
+              <a:rPr/>
+              <a:t>by</a:t>
             </a:r>
             <a:r>
               <a:rPr/>
@@ -3886,55 +3537,23 @@
             </a:r>
             <a:r>
               <a:rPr/>
-              <a:t>clear</a:t>
-            </a:r>
-            <a:r>
-              <a:rPr/>
-              <a:t> </a:t>
-            </a:r>
-            <a:r>
-              <a:rPr/>
-              <a:t>annual</a:t>
-            </a:r>
-            <a:r>
-              <a:rPr/>
-              <a:t> </a:t>
-            </a:r>
-            <a:r>
-              <a:rPr/>
-              <a:t>cycle</a:t>
-            </a:r>
-            <a:r>
-              <a:rPr/>
-              <a:t> </a:t>
-            </a:r>
-            <a:r>
-              <a:rPr/>
-              <a:t>with</a:t>
-            </a:r>
-            <a:r>
-              <a:rPr/>
-              <a:t> </a:t>
-            </a:r>
-            <a:r>
-              <a:rPr/>
-              <a:t>higher</a:t>
-            </a:r>
-            <a:r>
-              <a:rPr/>
-              <a:t> </a:t>
-            </a:r>
-            <a:r>
-              <a:rPr/>
-              <a:t>amplitude</a:t>
-            </a:r>
-            <a:r>
-              <a:rPr/>
-              <a:t> </a:t>
-            </a:r>
-            <a:r>
-              <a:rPr/>
-              <a:t>during</a:t>
+              <a:t>slight</a:t>
+            </a:r>
+            <a:r>
+              <a:rPr/>
+              <a:t> </a:t>
+            </a:r>
+            <a:r>
+              <a:rPr/>
+              <a:t>inclination</a:t>
+            </a:r>
+            <a:r>
+              <a:rPr/>
+              <a:t> </a:t>
+            </a:r>
+            <a:r>
+              <a:rPr/>
+              <a:t>of</a:t>
             </a:r>
             <a:r>
               <a:rPr/>
@@ -3950,171 +3569,7 @@
             </a:r>
             <a:r>
               <a:rPr/>
-              <a:t>austral</a:t>
-            </a:r>
-            <a:r>
-              <a:rPr/>
-              <a:t> </a:t>
-            </a:r>
-            <a:r>
-              <a:rPr/>
-              <a:t>winter</a:t>
-            </a:r>
-            <a:r>
-              <a:rPr/>
-              <a:t> </a:t>
-            </a:r>
-            <a:r>
-              <a:rPr/>
-              <a:t>months</a:t>
-            </a:r>
-            <a:r>
-              <a:rPr/>
-              <a:t> </a:t>
-            </a:r>
-            <a:r>
-              <a:rPr/>
-              <a:t>and</a:t>
-            </a:r>
-            <a:r>
-              <a:rPr/>
-              <a:t> </a:t>
-            </a:r>
-            <a:r>
-              <a:rPr/>
-              <a:t>lower</a:t>
-            </a:r>
-            <a:r>
-              <a:rPr/>
-              <a:t> </a:t>
-            </a:r>
-            <a:r>
-              <a:rPr/>
-              <a:t>amplitude</a:t>
-            </a:r>
-            <a:r>
-              <a:rPr/>
-              <a:t> </a:t>
-            </a:r>
-            <a:r>
-              <a:rPr/>
-              <a:t>during</a:t>
-            </a:r>
-            <a:r>
-              <a:rPr/>
-              <a:t> </a:t>
-            </a:r>
-            <a:r>
-              <a:rPr/>
-              <a:t>the</a:t>
-            </a:r>
-            <a:r>
-              <a:rPr/>
-              <a:t> </a:t>
-            </a:r>
-            <a:r>
-              <a:rPr/>
-              <a:t>summer</a:t>
-            </a:r>
-            <a:r>
-              <a:rPr/>
-              <a:t> </a:t>
-            </a:r>
-            <a:r>
-              <a:rPr/>
-              <a:t>months.</a:t>
-            </a:r>
-            <a:r>
-              <a:rPr/>
-              <a:t> </a:t>
-            </a:r>
-            <a:r>
-              <a:rPr/>
-              <a:t>This</a:t>
-            </a:r>
-            <a:r>
-              <a:rPr/>
-              <a:t> </a:t>
-            </a:r>
-            <a:r>
-              <a:rPr/>
-              <a:t>annual</a:t>
-            </a:r>
-            <a:r>
-              <a:rPr/>
-              <a:t> </a:t>
-            </a:r>
-            <a:r>
-              <a:rPr/>
-              <a:t>cycle</a:t>
-            </a:r>
-            <a:r>
-              <a:rPr/>
-              <a:t> </a:t>
-            </a:r>
-            <a:r>
-              <a:rPr/>
-              <a:t>is</a:t>
-            </a:r>
-            <a:r>
-              <a:rPr/>
-              <a:t> </a:t>
-            </a:r>
-            <a:r>
-              <a:rPr/>
-              <a:t>consistent</a:t>
-            </a:r>
-            <a:r>
-              <a:rPr/>
-              <a:t> </a:t>
-            </a:r>
-            <a:r>
-              <a:rPr/>
-              <a:t>with</a:t>
-            </a:r>
-            <a:r>
-              <a:rPr/>
-              <a:t> </a:t>
-            </a:r>
-            <a:r>
-              <a:rPr/>
-              <a:t>previous</a:t>
-            </a:r>
-            <a:r>
-              <a:rPr/>
-              <a:t> </a:t>
-            </a:r>
-            <a:r>
-              <a:rPr/>
-              <a:t>work</a:t>
-            </a:r>
-            <a:r>
-              <a:rPr/>
-              <a:t> </a:t>
-            </a:r>
-            <a:r>
-              <a:rPr/>
-              <a:t>[@Loon1972;</a:t>
-            </a:r>
-            <a:r>
-              <a:rPr/>
-              <a:t> </a:t>
-            </a:r>
-            <a:r>
-              <a:rPr/>
-              <a:t>@Karoly1985;</a:t>
-            </a:r>
-            <a:r>
-              <a:rPr/>
-              <a:t> </a:t>
-            </a:r>
-            <a:r>
-              <a:rPr/>
-              <a:t>@Raphael2004]</a:t>
-            </a:r>
-            <a:r>
-              <a:rPr/>
-              <a:t>.</a:t>
+              <a:t>disturances.</a:t>
             </a:r>
           </a:p>
           <a:p>
@@ -4128,23 +3583,103 @@
             </a:pPr>
             <a:r>
               <a:rPr/>
-              <a:t>As</a:t>
-            </a:r>
-            <a:r>
-              <a:rPr/>
-              <a:t> </a:t>
-            </a:r>
-            <a:r>
-              <a:rPr/>
-              <a:t>suggested</a:t>
-            </a:r>
-            <a:r>
-              <a:rPr/>
-              <a:t> </a:t>
-            </a:r>
-            <a:r>
-              <a:rPr/>
-              <a:t>previously,</a:t>
+              <a:t>Taken</a:t>
+            </a:r>
+            <a:r>
+              <a:rPr/>
+              <a:t> </a:t>
+            </a:r>
+            <a:r>
+              <a:rPr/>
+              <a:t>together,</a:t>
+            </a:r>
+            <a:r>
+              <a:rPr/>
+              <a:t> </a:t>
+            </a:r>
+            <a:r>
+              <a:rPr/>
+              <a:t>this</a:t>
+            </a:r>
+            <a:r>
+              <a:rPr/>
+              <a:t> </a:t>
+            </a:r>
+            <a:r>
+              <a:rPr/>
+              <a:t>suggests</a:t>
+            </a:r>
+            <a:r>
+              <a:rPr/>
+              <a:t> </a:t>
+            </a:r>
+            <a:r>
+              <a:rPr/>
+              <a:t>a</a:t>
+            </a:r>
+            <a:r>
+              <a:rPr/>
+              <a:t> </a:t>
+            </a:r>
+            <a:r>
+              <a:rPr/>
+              <a:t>mix</a:t>
+            </a:r>
+            <a:r>
+              <a:rPr/>
+              <a:t> </a:t>
+            </a:r>
+            <a:r>
+              <a:rPr/>
+              <a:t>of</a:t>
+            </a:r>
+            <a:r>
+              <a:rPr/>
+              <a:t> </a:t>
+            </a:r>
+            <a:r>
+              <a:rPr/>
+              <a:t>baroclinic</a:t>
+            </a:r>
+            <a:r>
+              <a:rPr/>
+              <a:t> </a:t>
+            </a:r>
+            <a:r>
+              <a:rPr/>
+              <a:t>and</a:t>
+            </a:r>
+            <a:r>
+              <a:rPr/>
+              <a:t> </a:t>
+            </a:r>
+            <a:r>
+              <a:rPr/>
+              <a:t>barotropic</a:t>
+            </a:r>
+            <a:r>
+              <a:rPr/>
+              <a:t> </a:t>
+            </a:r>
+            <a:r>
+              <a:rPr/>
+              <a:t>processes</a:t>
+            </a:r>
+            <a:r>
+              <a:rPr/>
+              <a:t> </a:t>
+            </a:r>
+            <a:r>
+              <a:rPr/>
+              <a:t>related</a:t>
+            </a:r>
+            <a:r>
+              <a:rPr/>
+              <a:t> </a:t>
+            </a:r>
+            <a:r>
+              <a:rPr/>
+              <a:t>to</a:t>
             </a:r>
             <a:r>
               <a:rPr/>
@@ -4160,39 +3695,95 @@
             </a:r>
             <a:r>
               <a:rPr/>
-              <a:t>low</a:t>
-            </a:r>
-            <a:r>
-              <a:rPr/>
-              <a:t> </a:t>
-            </a:r>
-            <a:r>
-              <a:rPr/>
-              <a:t>amplitude</a:t>
-            </a:r>
-            <a:r>
-              <a:rPr/>
-              <a:t> </a:t>
-            </a:r>
-            <a:r>
-              <a:rPr/>
-              <a:t>of</a:t>
-            </a:r>
-            <a:r>
-              <a:rPr/>
-              <a:t> </a:t>
-            </a:r>
-            <a:r>
-              <a:rPr/>
-              <a:t>QS3</a:t>
-            </a:r>
-            <a:r>
-              <a:rPr/>
-              <a:t> </a:t>
-            </a:r>
-            <a:r>
-              <a:rPr/>
-              <a:t>wave</a:t>
+              <a:t>QS3.</a:t>
+            </a:r>
+            <a:r>
+              <a:rPr/>
+              <a:t> </a:t>
+            </a:r>
+            <a:r>
+              <a:rPr/>
+              <a:t>The</a:t>
+            </a:r>
+            <a:r>
+              <a:rPr/>
+              <a:t> </a:t>
+            </a:r>
+            <a:r>
+              <a:rPr/>
+              <a:t>former,</a:t>
+            </a:r>
+            <a:r>
+              <a:rPr/>
+              <a:t> </a:t>
+            </a:r>
+            <a:r>
+              <a:rPr/>
+              <a:t>more</a:t>
+            </a:r>
+            <a:r>
+              <a:rPr/>
+              <a:t> </a:t>
+            </a:r>
+            <a:r>
+              <a:rPr/>
+              <a:t>important</a:t>
+            </a:r>
+            <a:r>
+              <a:rPr/>
+              <a:t> </a:t>
+            </a:r>
+            <a:r>
+              <a:rPr/>
+              <a:t>during</a:t>
+            </a:r>
+            <a:r>
+              <a:rPr/>
+              <a:t> </a:t>
+            </a:r>
+            <a:r>
+              <a:rPr/>
+              <a:t>summer</a:t>
+            </a:r>
+            <a:r>
+              <a:rPr/>
+              <a:t> </a:t>
+            </a:r>
+            <a:r>
+              <a:rPr/>
+              <a:t>and</a:t>
+            </a:r>
+            <a:r>
+              <a:rPr/>
+              <a:t> </a:t>
+            </a:r>
+            <a:r>
+              <a:rPr/>
+              <a:t>the</a:t>
+            </a:r>
+            <a:r>
+              <a:rPr/>
+              <a:t> </a:t>
+            </a:r>
+            <a:r>
+              <a:rPr/>
+              <a:t>the</a:t>
+            </a:r>
+            <a:r>
+              <a:rPr/>
+              <a:t> </a:t>
+            </a:r>
+            <a:r>
+              <a:rPr/>
+              <a:t>latter</a:t>
+            </a:r>
+            <a:r>
+              <a:rPr/>
+              <a:t> </a:t>
+            </a:r>
+            <a:r>
+              <a:rPr/>
+              <a:t>dominating</a:t>
             </a:r>
             <a:r>
               <a:rPr/>
@@ -4208,159 +3799,63 @@
             </a:r>
             <a:r>
               <a:rPr/>
-              <a:t>spring</a:t>
-            </a:r>
-            <a:r>
-              <a:rPr/>
-              <a:t> </a:t>
-            </a:r>
-            <a:r>
-              <a:rPr/>
-              <a:t>is</a:t>
-            </a:r>
-            <a:r>
-              <a:rPr/>
-              <a:t> </a:t>
-            </a:r>
-            <a:r>
-              <a:rPr/>
-              <a:t>not</a:t>
-            </a:r>
-            <a:r>
-              <a:rPr/>
-              <a:t> </a:t>
-            </a:r>
-            <a:r>
-              <a:rPr/>
-              <a:t>due</a:t>
-            </a:r>
-            <a:r>
-              <a:rPr/>
-              <a:t> </a:t>
-            </a:r>
-            <a:r>
-              <a:rPr/>
-              <a:t>to</a:t>
-            </a:r>
-            <a:r>
-              <a:rPr/>
-              <a:t> </a:t>
-            </a:r>
-            <a:r>
-              <a:rPr/>
-              <a:t>a</a:t>
-            </a:r>
-            <a:r>
-              <a:rPr/>
-              <a:t> </a:t>
-            </a:r>
-            <a:r>
-              <a:rPr/>
-              <a:t>reduction</a:t>
-            </a:r>
-            <a:r>
-              <a:rPr/>
-              <a:t> </a:t>
-            </a:r>
-            <a:r>
-              <a:rPr/>
-              <a:t>in</a:t>
-            </a:r>
-            <a:r>
-              <a:rPr/>
-              <a:t> </a:t>
-            </a:r>
-            <a:r>
-              <a:rPr/>
-              <a:t>the</a:t>
-            </a:r>
-            <a:r>
-              <a:rPr/>
-              <a:t> </a:t>
-            </a:r>
-            <a:r>
-              <a:rPr/>
-              <a:t>amplitude</a:t>
-            </a:r>
-            <a:r>
-              <a:rPr/>
-              <a:t> </a:t>
-            </a:r>
-            <a:r>
-              <a:rPr/>
-              <a:t>of</a:t>
-            </a:r>
-            <a:r>
-              <a:rPr/>
-              <a:t> </a:t>
-            </a:r>
-            <a:r>
-              <a:rPr/>
-              <a:t>the</a:t>
-            </a:r>
-            <a:r>
-              <a:rPr/>
-              <a:t> </a:t>
-            </a:r>
-            <a:r>
-              <a:rPr/>
-              <a:t>planetary</a:t>
-            </a:r>
-            <a:r>
-              <a:rPr/>
-              <a:t> </a:t>
-            </a:r>
-            <a:r>
-              <a:rPr/>
-              <a:t>wave</a:t>
-            </a:r>
-            <a:r>
-              <a:rPr/>
-              <a:t> </a:t>
-            </a:r>
-            <a:r>
-              <a:rPr/>
-              <a:t>3</a:t>
-            </a:r>
-            <a:r>
-              <a:rPr/>
-              <a:t> </a:t>
-            </a:r>
-            <a:r>
-              <a:rPr/>
-              <a:t>but</a:t>
-            </a:r>
-            <a:r>
-              <a:rPr/>
-              <a:t> </a:t>
-            </a:r>
-            <a:r>
-              <a:rPr/>
-              <a:t>to</a:t>
-            </a:r>
-            <a:r>
-              <a:rPr/>
-              <a:t> </a:t>
-            </a:r>
-            <a:r>
-              <a:rPr/>
-              <a:t>its</a:t>
-            </a:r>
-            <a:r>
-              <a:rPr/>
-              <a:t> </a:t>
-            </a:r>
-            <a:r>
-              <a:rPr/>
-              <a:t>reduced</a:t>
-            </a:r>
-            <a:r>
-              <a:rPr/>
-              <a:t> </a:t>
-            </a:r>
-            <a:r>
-              <a:rPr/>
-              <a:t>stationarity.</a:t>
+              <a:t>winter.</a:t>
+            </a:r>
+            <a:r>
+              <a:rPr/>
+              <a:t> </a:t>
+            </a:r>
+            <a:r>
+              <a:rPr/>
+              <a:t>(Esto</a:t>
+            </a:r>
+            <a:r>
+              <a:rPr/>
+              <a:t> </a:t>
+            </a:r>
+            <a:r>
+              <a:rPr/>
+              <a:t>se</a:t>
+            </a:r>
+            <a:r>
+              <a:rPr/>
+              <a:t> </a:t>
+            </a:r>
+            <a:r>
+              <a:rPr/>
+              <a:t>debería</a:t>
+            </a:r>
+            <a:r>
+              <a:rPr/>
+              <a:t> </a:t>
+            </a:r>
+            <a:r>
+              <a:rPr/>
+              <a:t>ver</a:t>
+            </a:r>
+            <a:r>
+              <a:rPr/>
+              <a:t> </a:t>
+            </a:r>
+            <a:r>
+              <a:rPr/>
+              <a:t>con</a:t>
+            </a:r>
+            <a:r>
+              <a:rPr/>
+              <a:t> </a:t>
+            </a:r>
+            <a:r>
+              <a:rPr/>
+              <a:t>la</a:t>
+            </a:r>
+            <a:r>
+              <a:rPr/>
+              <a:t> </a:t>
+            </a:r>
+            <a:r>
+              <a:rPr/>
+              <a:t>energética)</a:t>
             </a:r>
           </a:p>
         </p:txBody>
@@ -4383,6 +3878,2310 @@
             <a:fld id="{18BDFEC3-8487-43E8-A154-7C12CBC1FFF2}" type="slidenum">
               <a:rPr lang="en-US"/>
               <a:t>7</a:t>
+            </a:fld>
+            <a:endParaRPr lang="en-US"/>
+          </a:p>
+        </p:txBody>
+      </p:sp>
+    </p:spTree>
+  </p:cSld>
+</p:notes>
+</file>
+
+<file path=ppt/notesSlides/notesSlide6.xml><?xml version="1.0" encoding="utf-8"?>
+<p:notes xmlns:a="http://schemas.openxmlformats.org/drawingml/2006/main" xmlns:r="http://schemas.openxmlformats.org/officeDocument/2006/relationships" xmlns:p="http://schemas.openxmlformats.org/presentationml/2006/main">
+  <p:cSld>
+    <p:spTree>
+      <p:nvGrpSpPr>
+        <p:cNvPr id="1" name=""/>
+        <p:cNvGrpSpPr/>
+        <p:nvPr/>
+      </p:nvGrpSpPr>
+      <p:grpSpPr>
+        <a:xfrm>
+          <a:off x="0" y="0"/>
+          <a:ext cx="0" cy="0"/>
+          <a:chOff x="0" y="0"/>
+          <a:chExt cx="0" cy="0"/>
+        </a:xfrm>
+      </p:grpSpPr>
+      <p:sp>
+        <p:nvSpPr>
+          <p:cNvPr id="2" name="Slide Image Placeholder 1"/>
+          <p:cNvSpPr>
+            <a:spLocks noGrp="1" noRot="1" noChangeAspect="1"/>
+          </p:cNvSpPr>
+          <p:nvPr>
+            <p:ph type="sldImg"/>
+          </p:nvPr>
+        </p:nvSpPr>
+        <p:spPr/>
+      </p:sp>
+      <p:sp>
+        <p:nvSpPr>
+          <p:cNvPr id="3" name="Notes Placeholder 2"/>
+          <p:cNvSpPr>
+            <a:spLocks noGrp="1"/>
+          </p:cNvSpPr>
+          <p:nvPr>
+            <p:ph type="body" idx="1"/>
+          </p:nvPr>
+        </p:nvSpPr>
+        <p:spPr/>
+        <p:txBody>
+          <a:bodyPr/>
+          <a:lstStyle/>
+          <a:p>
+            <a:pPr lvl="0" marL="0" indent="0">
+              <a:buNone/>
+            </a:pPr>
+            <a:r>
+              <a:rPr/>
+              <a:t>ZW3</a:t>
+            </a:r>
+            <a:r>
+              <a:rPr/>
+              <a:t> </a:t>
+            </a:r>
+            <a:r>
+              <a:rPr/>
+              <a:t>activiy</a:t>
+            </a:r>
+            <a:r>
+              <a:rPr/>
+              <a:t> </a:t>
+            </a:r>
+            <a:r>
+              <a:rPr/>
+              <a:t>exhibits</a:t>
+            </a:r>
+            <a:r>
+              <a:rPr/>
+              <a:t> </a:t>
+            </a:r>
+            <a:r>
+              <a:rPr/>
+              <a:t>a</a:t>
+            </a:r>
+            <a:r>
+              <a:rPr/>
+              <a:t> </a:t>
+            </a:r>
+            <a:r>
+              <a:rPr/>
+              <a:t>clear</a:t>
+            </a:r>
+            <a:r>
+              <a:rPr/>
+              <a:t> </a:t>
+            </a:r>
+            <a:r>
+              <a:rPr/>
+              <a:t>annual</a:t>
+            </a:r>
+            <a:r>
+              <a:rPr/>
+              <a:t> </a:t>
+            </a:r>
+            <a:r>
+              <a:rPr/>
+              <a:t>cycle</a:t>
+            </a:r>
+            <a:r>
+              <a:rPr/>
+              <a:t> </a:t>
+            </a:r>
+            <a:r>
+              <a:rPr/>
+              <a:t>with</a:t>
+            </a:r>
+            <a:r>
+              <a:rPr/>
+              <a:t> </a:t>
+            </a:r>
+            <a:r>
+              <a:rPr/>
+              <a:t>higher</a:t>
+            </a:r>
+            <a:r>
+              <a:rPr/>
+              <a:t> </a:t>
+            </a:r>
+            <a:r>
+              <a:rPr/>
+              <a:t>amplitude</a:t>
+            </a:r>
+            <a:r>
+              <a:rPr/>
+              <a:t> </a:t>
+            </a:r>
+            <a:r>
+              <a:rPr/>
+              <a:t>during</a:t>
+            </a:r>
+            <a:r>
+              <a:rPr/>
+              <a:t> </a:t>
+            </a:r>
+            <a:r>
+              <a:rPr/>
+              <a:t>the</a:t>
+            </a:r>
+            <a:r>
+              <a:rPr/>
+              <a:t> </a:t>
+            </a:r>
+            <a:r>
+              <a:rPr/>
+              <a:t>austral</a:t>
+            </a:r>
+            <a:r>
+              <a:rPr/>
+              <a:t> </a:t>
+            </a:r>
+            <a:r>
+              <a:rPr/>
+              <a:t>winter</a:t>
+            </a:r>
+            <a:r>
+              <a:rPr/>
+              <a:t> </a:t>
+            </a:r>
+            <a:r>
+              <a:rPr/>
+              <a:t>months</a:t>
+            </a:r>
+            <a:r>
+              <a:rPr/>
+              <a:t> </a:t>
+            </a:r>
+            <a:r>
+              <a:rPr/>
+              <a:t>and</a:t>
+            </a:r>
+            <a:r>
+              <a:rPr/>
+              <a:t> </a:t>
+            </a:r>
+            <a:r>
+              <a:rPr/>
+              <a:t>lower</a:t>
+            </a:r>
+            <a:r>
+              <a:rPr/>
+              <a:t> </a:t>
+            </a:r>
+            <a:r>
+              <a:rPr/>
+              <a:t>amplitude</a:t>
+            </a:r>
+            <a:r>
+              <a:rPr/>
+              <a:t> </a:t>
+            </a:r>
+            <a:r>
+              <a:rPr/>
+              <a:t>during</a:t>
+            </a:r>
+            <a:r>
+              <a:rPr/>
+              <a:t> </a:t>
+            </a:r>
+            <a:r>
+              <a:rPr/>
+              <a:t>the</a:t>
+            </a:r>
+            <a:r>
+              <a:rPr/>
+              <a:t> </a:t>
+            </a:r>
+            <a:r>
+              <a:rPr/>
+              <a:t>summer</a:t>
+            </a:r>
+            <a:r>
+              <a:rPr/>
+              <a:t> </a:t>
+            </a:r>
+            <a:r>
+              <a:rPr/>
+              <a:t>months.</a:t>
+            </a:r>
+            <a:r>
+              <a:rPr/>
+              <a:t> </a:t>
+            </a:r>
+            <a:r>
+              <a:rPr/>
+              <a:t>This</a:t>
+            </a:r>
+            <a:r>
+              <a:rPr/>
+              <a:t> </a:t>
+            </a:r>
+            <a:r>
+              <a:rPr/>
+              <a:t>annual</a:t>
+            </a:r>
+            <a:r>
+              <a:rPr/>
+              <a:t> </a:t>
+            </a:r>
+            <a:r>
+              <a:rPr/>
+              <a:t>cycle</a:t>
+            </a:r>
+            <a:r>
+              <a:rPr/>
+              <a:t> </a:t>
+            </a:r>
+            <a:r>
+              <a:rPr/>
+              <a:t>is</a:t>
+            </a:r>
+            <a:r>
+              <a:rPr/>
+              <a:t> </a:t>
+            </a:r>
+            <a:r>
+              <a:rPr/>
+              <a:t>consistent</a:t>
+            </a:r>
+            <a:r>
+              <a:rPr/>
+              <a:t> </a:t>
+            </a:r>
+            <a:r>
+              <a:rPr/>
+              <a:t>with</a:t>
+            </a:r>
+            <a:r>
+              <a:rPr/>
+              <a:t> </a:t>
+            </a:r>
+            <a:r>
+              <a:rPr/>
+              <a:t>previous</a:t>
+            </a:r>
+            <a:r>
+              <a:rPr/>
+              <a:t> </a:t>
+            </a:r>
+            <a:r>
+              <a:rPr/>
+              <a:t>work</a:t>
+            </a:r>
+            <a:r>
+              <a:rPr/>
+              <a:t> </a:t>
+            </a:r>
+            <a:r>
+              <a:rPr/>
+              <a:t>[@Loon1972;</a:t>
+            </a:r>
+            <a:r>
+              <a:rPr/>
+              <a:t> </a:t>
+            </a:r>
+            <a:r>
+              <a:rPr/>
+              <a:t>@Karoly1985;</a:t>
+            </a:r>
+            <a:r>
+              <a:rPr/>
+              <a:t> </a:t>
+            </a:r>
+            <a:r>
+              <a:rPr/>
+              <a:t>@Raphael2004]</a:t>
+            </a:r>
+            <a:r>
+              <a:rPr/>
+              <a:t>.</a:t>
+            </a:r>
+          </a:p>
+          <a:p>
+            <a:pPr lvl="0" marL="0" indent="0">
+              <a:buNone/>
+            </a:pPr>
+          </a:p>
+          <a:p>
+            <a:pPr lvl="0" marL="0" indent="0">
+              <a:buNone/>
+            </a:pPr>
+            <a:r>
+              <a:rPr/>
+              <a:t>As</a:t>
+            </a:r>
+            <a:r>
+              <a:rPr/>
+              <a:t> </a:t>
+            </a:r>
+            <a:r>
+              <a:rPr/>
+              <a:t>suggested</a:t>
+            </a:r>
+            <a:r>
+              <a:rPr/>
+              <a:t> </a:t>
+            </a:r>
+            <a:r>
+              <a:rPr/>
+              <a:t>previously,</a:t>
+            </a:r>
+            <a:r>
+              <a:rPr/>
+              <a:t> </a:t>
+            </a:r>
+            <a:r>
+              <a:rPr/>
+              <a:t>the</a:t>
+            </a:r>
+            <a:r>
+              <a:rPr/>
+              <a:t> </a:t>
+            </a:r>
+            <a:r>
+              <a:rPr/>
+              <a:t>low</a:t>
+            </a:r>
+            <a:r>
+              <a:rPr/>
+              <a:t> </a:t>
+            </a:r>
+            <a:r>
+              <a:rPr/>
+              <a:t>amplitude</a:t>
+            </a:r>
+            <a:r>
+              <a:rPr/>
+              <a:t> </a:t>
+            </a:r>
+            <a:r>
+              <a:rPr/>
+              <a:t>of</a:t>
+            </a:r>
+            <a:r>
+              <a:rPr/>
+              <a:t> </a:t>
+            </a:r>
+            <a:r>
+              <a:rPr/>
+              <a:t>QS3</a:t>
+            </a:r>
+            <a:r>
+              <a:rPr/>
+              <a:t> </a:t>
+            </a:r>
+            <a:r>
+              <a:rPr/>
+              <a:t>wave</a:t>
+            </a:r>
+            <a:r>
+              <a:rPr/>
+              <a:t> </a:t>
+            </a:r>
+            <a:r>
+              <a:rPr/>
+              <a:t>in</a:t>
+            </a:r>
+            <a:r>
+              <a:rPr/>
+              <a:t> </a:t>
+            </a:r>
+            <a:r>
+              <a:rPr/>
+              <a:t>spring</a:t>
+            </a:r>
+            <a:r>
+              <a:rPr/>
+              <a:t> </a:t>
+            </a:r>
+            <a:r>
+              <a:rPr/>
+              <a:t>is</a:t>
+            </a:r>
+            <a:r>
+              <a:rPr/>
+              <a:t> </a:t>
+            </a:r>
+            <a:r>
+              <a:rPr/>
+              <a:t>not</a:t>
+            </a:r>
+            <a:r>
+              <a:rPr/>
+              <a:t> </a:t>
+            </a:r>
+            <a:r>
+              <a:rPr/>
+              <a:t>due</a:t>
+            </a:r>
+            <a:r>
+              <a:rPr/>
+              <a:t> </a:t>
+            </a:r>
+            <a:r>
+              <a:rPr/>
+              <a:t>to</a:t>
+            </a:r>
+            <a:r>
+              <a:rPr/>
+              <a:t> </a:t>
+            </a:r>
+            <a:r>
+              <a:rPr/>
+              <a:t>a</a:t>
+            </a:r>
+            <a:r>
+              <a:rPr/>
+              <a:t> </a:t>
+            </a:r>
+            <a:r>
+              <a:rPr/>
+              <a:t>reduction</a:t>
+            </a:r>
+            <a:r>
+              <a:rPr/>
+              <a:t> </a:t>
+            </a:r>
+            <a:r>
+              <a:rPr/>
+              <a:t>in</a:t>
+            </a:r>
+            <a:r>
+              <a:rPr/>
+              <a:t> </a:t>
+            </a:r>
+            <a:r>
+              <a:rPr/>
+              <a:t>the</a:t>
+            </a:r>
+            <a:r>
+              <a:rPr/>
+              <a:t> </a:t>
+            </a:r>
+            <a:r>
+              <a:rPr/>
+              <a:t>amplitude</a:t>
+            </a:r>
+            <a:r>
+              <a:rPr/>
+              <a:t> </a:t>
+            </a:r>
+            <a:r>
+              <a:rPr/>
+              <a:t>of</a:t>
+            </a:r>
+            <a:r>
+              <a:rPr/>
+              <a:t> </a:t>
+            </a:r>
+            <a:r>
+              <a:rPr/>
+              <a:t>the</a:t>
+            </a:r>
+            <a:r>
+              <a:rPr/>
+              <a:t> </a:t>
+            </a:r>
+            <a:r>
+              <a:rPr/>
+              <a:t>planetary</a:t>
+            </a:r>
+            <a:r>
+              <a:rPr/>
+              <a:t> </a:t>
+            </a:r>
+            <a:r>
+              <a:rPr/>
+              <a:t>wave</a:t>
+            </a:r>
+            <a:r>
+              <a:rPr/>
+              <a:t> </a:t>
+            </a:r>
+            <a:r>
+              <a:rPr/>
+              <a:t>3</a:t>
+            </a:r>
+            <a:r>
+              <a:rPr/>
+              <a:t> </a:t>
+            </a:r>
+            <a:r>
+              <a:rPr/>
+              <a:t>but</a:t>
+            </a:r>
+            <a:r>
+              <a:rPr/>
+              <a:t> </a:t>
+            </a:r>
+            <a:r>
+              <a:rPr/>
+              <a:t>to</a:t>
+            </a:r>
+            <a:r>
+              <a:rPr/>
+              <a:t> </a:t>
+            </a:r>
+            <a:r>
+              <a:rPr/>
+              <a:t>its</a:t>
+            </a:r>
+            <a:r>
+              <a:rPr/>
+              <a:t> </a:t>
+            </a:r>
+            <a:r>
+              <a:rPr/>
+              <a:t>reduced</a:t>
+            </a:r>
+            <a:r>
+              <a:rPr/>
+              <a:t> </a:t>
+            </a:r>
+            <a:r>
+              <a:rPr/>
+              <a:t>stationarity.</a:t>
+            </a:r>
+          </a:p>
+        </p:txBody>
+      </p:sp>
+      <p:sp>
+        <p:nvSpPr>
+          <p:cNvPr id="4" name="Slide Number Placeholder 3"/>
+          <p:cNvSpPr>
+            <a:spLocks noGrp="1"/>
+          </p:cNvSpPr>
+          <p:nvPr>
+            <p:ph type="sldNum" sz="quarter" idx="10"/>
+          </p:nvPr>
+        </p:nvSpPr>
+        <p:spPr/>
+        <p:txBody>
+          <a:bodyPr/>
+          <a:lstStyle/>
+          <a:p>
+            <a:fld id="{18BDFEC3-8487-43E8-A154-7C12CBC1FFF2}" type="slidenum">
+              <a:rPr lang="en-US"/>
+              <a:t>8</a:t>
+            </a:fld>
+            <a:endParaRPr lang="en-US"/>
+          </a:p>
+        </p:txBody>
+      </p:sp>
+    </p:spTree>
+  </p:cSld>
+</p:notes>
+</file>
+
+<file path=ppt/notesSlides/notesSlide7.xml><?xml version="1.0" encoding="utf-8"?>
+<p:notes xmlns:a="http://schemas.openxmlformats.org/drawingml/2006/main" xmlns:r="http://schemas.openxmlformats.org/officeDocument/2006/relationships" xmlns:p="http://schemas.openxmlformats.org/presentationml/2006/main">
+  <p:cSld>
+    <p:spTree>
+      <p:nvGrpSpPr>
+        <p:cNvPr id="1" name=""/>
+        <p:cNvGrpSpPr/>
+        <p:nvPr/>
+      </p:nvGrpSpPr>
+      <p:grpSpPr>
+        <a:xfrm>
+          <a:off x="0" y="0"/>
+          <a:ext cx="0" cy="0"/>
+          <a:chOff x="0" y="0"/>
+          <a:chExt cx="0" cy="0"/>
+        </a:xfrm>
+      </p:grpSpPr>
+      <p:sp>
+        <p:nvSpPr>
+          <p:cNvPr id="2" name="Slide Image Placeholder 1"/>
+          <p:cNvSpPr>
+            <a:spLocks noGrp="1" noRot="1" noChangeAspect="1"/>
+          </p:cNvSpPr>
+          <p:nvPr>
+            <p:ph type="sldImg"/>
+          </p:nvPr>
+        </p:nvSpPr>
+        <p:spPr/>
+      </p:sp>
+      <p:sp>
+        <p:nvSpPr>
+          <p:cNvPr id="3" name="Notes Placeholder 2"/>
+          <p:cNvSpPr>
+            <a:spLocks noGrp="1"/>
+          </p:cNvSpPr>
+          <p:nvPr>
+            <p:ph type="body" idx="1"/>
+          </p:nvPr>
+        </p:nvSpPr>
+        <p:spPr/>
+        <p:txBody>
+          <a:bodyPr/>
+          <a:lstStyle/>
+          <a:p>
+            <a:pPr lvl="0" marL="0" indent="0">
+              <a:buNone/>
+            </a:pPr>
+            <a:r>
+              <a:rPr/>
+              <a:t>All</a:t>
+            </a:r>
+            <a:r>
+              <a:rPr/>
+              <a:t> </a:t>
+            </a:r>
+            <a:r>
+              <a:rPr/>
+              <a:t>months</a:t>
+            </a:r>
+            <a:r>
+              <a:rPr/>
+              <a:t> </a:t>
+            </a:r>
+            <a:r>
+              <a:rPr/>
+              <a:t>show</a:t>
+            </a:r>
+            <a:r>
+              <a:rPr/>
+              <a:t> </a:t>
+            </a:r>
+            <a:r>
+              <a:rPr/>
+              <a:t>evidence</a:t>
+            </a:r>
+            <a:r>
+              <a:rPr/>
+              <a:t> </a:t>
+            </a:r>
+            <a:r>
+              <a:rPr/>
+              <a:t>of</a:t>
+            </a:r>
+            <a:r>
+              <a:rPr/>
+              <a:t> </a:t>
+            </a:r>
+            <a:r>
+              <a:rPr/>
+              <a:t>planetary</a:t>
+            </a:r>
+            <a:r>
+              <a:rPr/>
+              <a:t> </a:t>
+            </a:r>
+            <a:r>
+              <a:rPr/>
+              <a:t>wave</a:t>
+            </a:r>
+            <a:r>
+              <a:rPr/>
+              <a:t> </a:t>
+            </a:r>
+            <a:r>
+              <a:rPr/>
+              <a:t>3</a:t>
+            </a:r>
+            <a:r>
+              <a:rPr/>
+              <a:t> </a:t>
+            </a:r>
+            <a:r>
+              <a:rPr/>
+              <a:t>activity,</a:t>
+            </a:r>
+            <a:r>
+              <a:rPr/>
+              <a:t> </a:t>
+            </a:r>
+            <a:r>
+              <a:rPr/>
+              <a:t>but</a:t>
+            </a:r>
+            <a:r>
+              <a:rPr/>
+              <a:t> </a:t>
+            </a:r>
+            <a:r>
+              <a:rPr/>
+              <a:t>with</a:t>
+            </a:r>
+            <a:r>
+              <a:rPr/>
+              <a:t> </a:t>
+            </a:r>
+            <a:r>
+              <a:rPr/>
+              <a:t>considerable</a:t>
+            </a:r>
+            <a:r>
+              <a:rPr/>
+              <a:t> </a:t>
+            </a:r>
+            <a:r>
+              <a:rPr/>
+              <a:t>heterogeneity</a:t>
+            </a:r>
+            <a:r>
+              <a:rPr/>
+              <a:t> </a:t>
+            </a:r>
+            <a:r>
+              <a:rPr/>
+              <a:t>in</a:t>
+            </a:r>
+            <a:r>
+              <a:rPr/>
+              <a:t> </a:t>
+            </a:r>
+            <a:r>
+              <a:rPr/>
+              <a:t>its</a:t>
+            </a:r>
+            <a:r>
+              <a:rPr/>
+              <a:t> </a:t>
+            </a:r>
+            <a:r>
+              <a:rPr/>
+              <a:t>characteristics.</a:t>
+            </a:r>
+            <a:r>
+              <a:rPr/>
+              <a:t> </a:t>
+            </a:r>
+            <a:r>
+              <a:rPr/>
+              <a:t>In</a:t>
+            </a:r>
+            <a:r>
+              <a:rPr/>
+              <a:t> </a:t>
+            </a:r>
+            <a:r>
+              <a:rPr/>
+              <a:t>January,</a:t>
+            </a:r>
+            <a:r>
+              <a:rPr/>
+              <a:t> </a:t>
+            </a:r>
+            <a:r>
+              <a:rPr/>
+              <a:t>September</a:t>
+            </a:r>
+            <a:r>
+              <a:rPr/>
+              <a:t> </a:t>
+            </a:r>
+            <a:r>
+              <a:rPr/>
+              <a:t>and</a:t>
+            </a:r>
+            <a:r>
+              <a:rPr/>
+              <a:t> </a:t>
+            </a:r>
+            <a:r>
+              <a:rPr/>
+              <a:t>December,</a:t>
+            </a:r>
+            <a:r>
+              <a:rPr/>
+              <a:t> </a:t>
+            </a:r>
+            <a:r>
+              <a:rPr/>
+              <a:t>zonal</a:t>
+            </a:r>
+            <a:r>
+              <a:rPr/>
+              <a:t> </a:t>
+            </a:r>
+            <a:r>
+              <a:rPr/>
+              <a:t>wave</a:t>
+            </a:r>
+            <a:r>
+              <a:rPr/>
+              <a:t> </a:t>
+            </a:r>
+            <a:r>
+              <a:rPr/>
+              <a:t>3</a:t>
+            </a:r>
+            <a:r>
+              <a:rPr/>
+              <a:t> </a:t>
+            </a:r>
+            <a:r>
+              <a:rPr/>
+              <a:t>is</a:t>
+            </a:r>
+            <a:r>
+              <a:rPr/>
+              <a:t> </a:t>
+            </a:r>
+            <a:r>
+              <a:rPr/>
+              <a:t>related</a:t>
+            </a:r>
+            <a:r>
+              <a:rPr/>
+              <a:t> </a:t>
+            </a:r>
+            <a:r>
+              <a:rPr/>
+              <a:t>to</a:t>
+            </a:r>
+            <a:r>
+              <a:rPr/>
+              <a:t> </a:t>
+            </a:r>
+            <a:r>
+              <a:rPr/>
+              <a:t>a</a:t>
+            </a:r>
+            <a:r>
+              <a:rPr/>
+              <a:t> </a:t>
+            </a:r>
+            <a:r>
+              <a:rPr/>
+              <a:t>wave</a:t>
+            </a:r>
+            <a:r>
+              <a:rPr/>
+              <a:t> </a:t>
+            </a:r>
+            <a:r>
+              <a:rPr/>
+              <a:t>train</a:t>
+            </a:r>
+            <a:r>
+              <a:rPr/>
+              <a:t> </a:t>
+            </a:r>
+            <a:r>
+              <a:rPr/>
+              <a:t>emanating</a:t>
+            </a:r>
+            <a:r>
+              <a:rPr/>
+              <a:t> </a:t>
+            </a:r>
+            <a:r>
+              <a:rPr/>
+              <a:t>from</a:t>
+            </a:r>
+            <a:r>
+              <a:rPr/>
+              <a:t> </a:t>
+            </a:r>
+            <a:r>
+              <a:rPr/>
+              <a:t>the</a:t>
+            </a:r>
+            <a:r>
+              <a:rPr/>
+              <a:t> </a:t>
+            </a:r>
+            <a:r>
+              <a:rPr/>
+              <a:t>tropical</a:t>
+            </a:r>
+            <a:r>
+              <a:rPr/>
+              <a:t> </a:t>
+            </a:r>
+            <a:r>
+              <a:rPr/>
+              <a:t>western</a:t>
+            </a:r>
+            <a:r>
+              <a:rPr/>
+              <a:t> </a:t>
+            </a:r>
+            <a:r>
+              <a:rPr/>
+              <a:t>Pacific</a:t>
+            </a:r>
+            <a:r>
+              <a:rPr/>
+              <a:t> </a:t>
+            </a:r>
+            <a:r>
+              <a:rPr/>
+              <a:t>propagating</a:t>
+            </a:r>
+            <a:r>
+              <a:rPr/>
+              <a:t> </a:t>
+            </a:r>
+            <a:r>
+              <a:rPr/>
+              <a:t>to</a:t>
+            </a:r>
+            <a:r>
+              <a:rPr/>
+              <a:t> </a:t>
+            </a:r>
+            <a:r>
+              <a:rPr/>
+              <a:t>the</a:t>
+            </a:r>
+            <a:r>
+              <a:rPr/>
+              <a:t> </a:t>
+            </a:r>
+            <a:r>
+              <a:rPr/>
+              <a:t>southeast</a:t>
+            </a:r>
+            <a:r>
+              <a:rPr/>
+              <a:t> </a:t>
+            </a:r>
+            <a:r>
+              <a:rPr/>
+              <a:t>and</a:t>
+            </a:r>
+            <a:r>
+              <a:rPr/>
+              <a:t> </a:t>
+            </a:r>
+            <a:r>
+              <a:rPr/>
+              <a:t>then</a:t>
+            </a:r>
+            <a:r>
+              <a:rPr/>
+              <a:t> </a:t>
+            </a:r>
+            <a:r>
+              <a:rPr/>
+              <a:t>turning</a:t>
+            </a:r>
+            <a:r>
+              <a:rPr/>
+              <a:t> </a:t>
+            </a:r>
+            <a:r>
+              <a:rPr/>
+              <a:t>to</a:t>
+            </a:r>
+            <a:r>
+              <a:rPr/>
+              <a:t> </a:t>
+            </a:r>
+            <a:r>
+              <a:rPr/>
+              <a:t>the</a:t>
+            </a:r>
+            <a:r>
+              <a:rPr/>
+              <a:t> </a:t>
+            </a:r>
+            <a:r>
+              <a:rPr/>
+              <a:t>northeast.</a:t>
+            </a:r>
+          </a:p>
+          <a:p>
+            <a:pPr lvl="0" marL="0" indent="0">
+              <a:buNone/>
+            </a:pPr>
+          </a:p>
+          <a:p>
+            <a:pPr lvl="0" marL="0" indent="0">
+              <a:buNone/>
+            </a:pPr>
+            <a:r>
+              <a:rPr/>
+              <a:t>En</a:t>
+            </a:r>
+            <a:r>
+              <a:rPr/>
+              <a:t> </a:t>
+            </a:r>
+            <a:r>
+              <a:rPr/>
+              <a:t>enero,</a:t>
+            </a:r>
+            <a:r>
+              <a:rPr/>
+              <a:t> </a:t>
+            </a:r>
+            <a:r>
+              <a:rPr/>
+              <a:t>se</a:t>
+            </a:r>
+            <a:r>
+              <a:rPr/>
+              <a:t> </a:t>
+            </a:r>
+            <a:r>
+              <a:rPr/>
+              <a:t>observa</a:t>
+            </a:r>
+            <a:r>
+              <a:rPr/>
+              <a:t> </a:t>
+            </a:r>
+            <a:r>
+              <a:rPr/>
+              <a:t>un</a:t>
+            </a:r>
+            <a:r>
+              <a:rPr/>
+              <a:t> </a:t>
+            </a:r>
+            <a:r>
+              <a:rPr/>
+              <a:t>patrón</a:t>
+            </a:r>
+            <a:r>
+              <a:rPr/>
+              <a:t> </a:t>
+            </a:r>
+            <a:r>
+              <a:rPr/>
+              <a:t>hemisférico</a:t>
+            </a:r>
+            <a:r>
+              <a:rPr/>
+              <a:t> </a:t>
+            </a:r>
+            <a:r>
+              <a:rPr/>
+              <a:t>de</a:t>
+            </a:r>
+            <a:r>
+              <a:rPr/>
+              <a:t> </a:t>
+            </a:r>
+            <a:r>
+              <a:rPr/>
+              <a:t>onda</a:t>
+            </a:r>
+            <a:r>
+              <a:rPr/>
+              <a:t> </a:t>
+            </a:r>
+            <a:r>
+              <a:rPr/>
+              <a:t>3,</a:t>
+            </a:r>
+            <a:r>
+              <a:rPr/>
+              <a:t> </a:t>
+            </a:r>
+            <a:r>
+              <a:rPr/>
+              <a:t>con</a:t>
+            </a:r>
+            <a:r>
+              <a:rPr/>
+              <a:t> </a:t>
+            </a:r>
+            <a:r>
+              <a:rPr/>
+              <a:t>un</a:t>
+            </a:r>
+            <a:r>
+              <a:rPr/>
+              <a:t> </a:t>
+            </a:r>
+            <a:r>
+              <a:rPr/>
+              <a:t>centro</a:t>
+            </a:r>
+            <a:r>
+              <a:rPr/>
+              <a:t> </a:t>
+            </a:r>
+            <a:r>
+              <a:rPr/>
+              <a:t>anómalamente</a:t>
+            </a:r>
+            <a:r>
+              <a:rPr/>
+              <a:t> </a:t>
+            </a:r>
+            <a:r>
+              <a:rPr/>
+              <a:t>negativo</a:t>
+            </a:r>
+            <a:r>
+              <a:rPr/>
+              <a:t> </a:t>
+            </a:r>
+            <a:r>
+              <a:rPr/>
+              <a:t>importante</a:t>
+            </a:r>
+            <a:r>
+              <a:rPr/>
+              <a:t> </a:t>
+            </a:r>
+            <a:r>
+              <a:rPr/>
+              <a:t>en</a:t>
+            </a:r>
+            <a:r>
+              <a:rPr/>
+              <a:t> </a:t>
+            </a:r>
+            <a:r>
+              <a:rPr/>
+              <a:t>el</a:t>
+            </a:r>
+            <a:r>
+              <a:rPr/>
+              <a:t> </a:t>
+            </a:r>
+            <a:r>
+              <a:rPr/>
+              <a:t>Pacífico</a:t>
+            </a:r>
+            <a:r>
+              <a:rPr/>
+              <a:t> </a:t>
+            </a:r>
+            <a:r>
+              <a:rPr/>
+              <a:t>sudeste,</a:t>
+            </a:r>
+            <a:r>
+              <a:rPr/>
+              <a:t> </a:t>
+            </a:r>
+            <a:r>
+              <a:rPr/>
+              <a:t>embebido</a:t>
+            </a:r>
+            <a:r>
+              <a:rPr/>
+              <a:t> </a:t>
+            </a:r>
+            <a:r>
+              <a:rPr/>
+              <a:t>además</a:t>
+            </a:r>
+            <a:r>
+              <a:rPr/>
+              <a:t> </a:t>
+            </a:r>
+            <a:r>
+              <a:rPr/>
+              <a:t>en</a:t>
+            </a:r>
+            <a:r>
+              <a:rPr/>
+              <a:t> </a:t>
+            </a:r>
+            <a:r>
+              <a:rPr/>
+              <a:t>un</a:t>
+            </a:r>
+            <a:r>
+              <a:rPr/>
+              <a:t> </a:t>
+            </a:r>
+            <a:r>
+              <a:rPr/>
+              <a:t>tren</a:t>
+            </a:r>
+            <a:r>
+              <a:rPr/>
+              <a:t> </a:t>
+            </a:r>
+            <a:r>
+              <a:rPr/>
+              <a:t>de</a:t>
+            </a:r>
+            <a:r>
+              <a:rPr/>
+              <a:t> </a:t>
+            </a:r>
+            <a:r>
+              <a:rPr/>
+              <a:t>ondas</a:t>
+            </a:r>
+            <a:r>
+              <a:rPr/>
+              <a:t> </a:t>
+            </a:r>
+            <a:r>
+              <a:rPr/>
+              <a:t>extendido</a:t>
+            </a:r>
+            <a:r>
+              <a:rPr/>
+              <a:t> </a:t>
+            </a:r>
+            <a:r>
+              <a:rPr/>
+              <a:t>entre</a:t>
+            </a:r>
+            <a:r>
+              <a:rPr/>
+              <a:t> </a:t>
+            </a:r>
+            <a:r>
+              <a:rPr/>
+              <a:t>el</a:t>
+            </a:r>
+            <a:r>
+              <a:rPr/>
+              <a:t> </a:t>
+            </a:r>
+            <a:r>
+              <a:rPr/>
+              <a:t>este</a:t>
+            </a:r>
+            <a:r>
+              <a:rPr/>
+              <a:t> </a:t>
+            </a:r>
+            <a:r>
+              <a:rPr/>
+              <a:t>de</a:t>
+            </a:r>
+            <a:r>
+              <a:rPr/>
+              <a:t> </a:t>
+            </a:r>
+            <a:r>
+              <a:rPr/>
+              <a:t>Nueva</a:t>
+            </a:r>
+            <a:r>
+              <a:rPr/>
+              <a:t> </a:t>
+            </a:r>
+            <a:r>
+              <a:rPr/>
+              <a:t>Zelanda,</a:t>
+            </a:r>
+            <a:r>
+              <a:rPr/>
+              <a:t> </a:t>
+            </a:r>
+            <a:r>
+              <a:rPr/>
+              <a:t>y</a:t>
+            </a:r>
+            <a:r>
+              <a:rPr/>
+              <a:t> </a:t>
+            </a:r>
+            <a:r>
+              <a:rPr/>
+              <a:t>Sudamérica.</a:t>
+            </a:r>
+            <a:r>
+              <a:rPr/>
+              <a:t> </a:t>
+            </a:r>
+            <a:r>
+              <a:rPr/>
+              <a:t>En</a:t>
+            </a:r>
+            <a:r>
+              <a:rPr/>
+              <a:t> </a:t>
+            </a:r>
+            <a:r>
+              <a:rPr/>
+              <a:t>febrero,</a:t>
+            </a:r>
+            <a:r>
+              <a:rPr/>
+              <a:t> </a:t>
+            </a:r>
+            <a:r>
+              <a:rPr/>
+              <a:t>la</a:t>
+            </a:r>
+            <a:r>
+              <a:rPr/>
+              <a:t> </a:t>
+            </a:r>
+            <a:r>
+              <a:rPr/>
+              <a:t>estructura</a:t>
+            </a:r>
+            <a:r>
+              <a:rPr/>
+              <a:t> </a:t>
+            </a:r>
+            <a:r>
+              <a:rPr/>
+              <a:t>se</a:t>
+            </a:r>
+            <a:r>
+              <a:rPr/>
+              <a:t> </a:t>
+            </a:r>
+            <a:r>
+              <a:rPr/>
+              <a:t>mantiene</a:t>
+            </a:r>
+            <a:r>
+              <a:rPr/>
+              <a:t> </a:t>
+            </a:r>
+            <a:r>
+              <a:rPr/>
+              <a:t>similar,</a:t>
+            </a:r>
+            <a:r>
+              <a:rPr/>
+              <a:t> </a:t>
+            </a:r>
+            <a:r>
+              <a:rPr/>
+              <a:t>pero</a:t>
+            </a:r>
+            <a:r>
+              <a:rPr/>
+              <a:t> </a:t>
+            </a:r>
+            <a:r>
+              <a:rPr/>
+              <a:t>con</a:t>
+            </a:r>
+            <a:r>
+              <a:rPr/>
+              <a:t> </a:t>
+            </a:r>
+            <a:r>
+              <a:rPr/>
+              <a:t>menor</a:t>
+            </a:r>
+            <a:r>
+              <a:rPr/>
+              <a:t> </a:t>
+            </a:r>
+            <a:r>
+              <a:rPr/>
+              <a:t>evidencia</a:t>
+            </a:r>
+            <a:r>
+              <a:rPr/>
+              <a:t> </a:t>
+            </a:r>
+            <a:r>
+              <a:rPr/>
+              <a:t>de</a:t>
+            </a:r>
+            <a:r>
+              <a:rPr/>
+              <a:t> </a:t>
+            </a:r>
+            <a:r>
+              <a:rPr/>
+              <a:t>propagación</a:t>
+            </a:r>
+            <a:r>
+              <a:rPr/>
+              <a:t> </a:t>
+            </a:r>
+            <a:r>
+              <a:rPr/>
+              <a:t>meridional,</a:t>
+            </a:r>
+            <a:r>
+              <a:rPr/>
+              <a:t> </a:t>
+            </a:r>
+            <a:r>
+              <a:rPr/>
+              <a:t>y</a:t>
+            </a:r>
+            <a:r>
+              <a:rPr/>
+              <a:t> </a:t>
+            </a:r>
+            <a:r>
+              <a:rPr/>
+              <a:t>el</a:t>
+            </a:r>
+            <a:r>
+              <a:rPr/>
+              <a:t> </a:t>
+            </a:r>
+            <a:r>
+              <a:rPr/>
+              <a:t>centro</a:t>
+            </a:r>
+            <a:r>
+              <a:rPr/>
+              <a:t> </a:t>
+            </a:r>
+            <a:r>
+              <a:rPr/>
+              <a:t>anticiclónico</a:t>
+            </a:r>
+            <a:r>
+              <a:rPr/>
+              <a:t> </a:t>
+            </a:r>
+            <a:r>
+              <a:rPr/>
+              <a:t>en</a:t>
+            </a:r>
+            <a:r>
+              <a:rPr/>
+              <a:t> </a:t>
+            </a:r>
+            <a:r>
+              <a:rPr/>
+              <a:t>Sudamérica</a:t>
+            </a:r>
+            <a:r>
+              <a:rPr/>
+              <a:t> </a:t>
+            </a:r>
+            <a:r>
+              <a:rPr/>
+              <a:t>intensificado</a:t>
+            </a:r>
+            <a:r>
+              <a:rPr/>
+              <a:t> </a:t>
+            </a:r>
+            <a:r>
+              <a:rPr/>
+              <a:t>y</a:t>
+            </a:r>
+            <a:r>
+              <a:rPr/>
+              <a:t> </a:t>
+            </a:r>
+            <a:r>
+              <a:rPr/>
+              <a:t>un</a:t>
+            </a:r>
+            <a:r>
+              <a:rPr/>
+              <a:t> </a:t>
+            </a:r>
+            <a:r>
+              <a:rPr/>
+              <a:t>debilitamiento</a:t>
+            </a:r>
+            <a:r>
+              <a:rPr/>
+              <a:t> </a:t>
+            </a:r>
+            <a:r>
+              <a:rPr/>
+              <a:t>de</a:t>
+            </a:r>
+            <a:r>
+              <a:rPr/>
+              <a:t> </a:t>
+            </a:r>
+            <a:r>
+              <a:rPr/>
+              <a:t>aquel</a:t>
+            </a:r>
+            <a:r>
+              <a:rPr/>
+              <a:t> </a:t>
+            </a:r>
+            <a:r>
+              <a:rPr/>
+              <a:t>ubicado</a:t>
+            </a:r>
+            <a:r>
+              <a:rPr/>
+              <a:t> </a:t>
+            </a:r>
+            <a:r>
+              <a:rPr/>
+              <a:t>al</a:t>
+            </a:r>
+            <a:r>
+              <a:rPr/>
+              <a:t> </a:t>
+            </a:r>
+            <a:r>
+              <a:rPr/>
+              <a:t>sur</a:t>
+            </a:r>
+            <a:r>
+              <a:rPr/>
+              <a:t> </a:t>
+            </a:r>
+            <a:r>
+              <a:rPr/>
+              <a:t>del</a:t>
+            </a:r>
+            <a:r>
+              <a:rPr/>
+              <a:t> </a:t>
+            </a:r>
+            <a:r>
+              <a:rPr/>
+              <a:t>Índico.</a:t>
+            </a:r>
+            <a:r>
+              <a:rPr/>
+              <a:t> </a:t>
+            </a:r>
+            <a:r>
+              <a:rPr/>
+              <a:t>En</a:t>
+            </a:r>
+            <a:r>
+              <a:rPr/>
+              <a:t> </a:t>
+            </a:r>
+            <a:r>
+              <a:rPr/>
+              <a:t>marzo,</a:t>
+            </a:r>
+            <a:r>
+              <a:rPr/>
+              <a:t> </a:t>
+            </a:r>
+            <a:r>
+              <a:rPr/>
+              <a:t>la</a:t>
+            </a:r>
+            <a:r>
+              <a:rPr/>
+              <a:t> </a:t>
+            </a:r>
+            <a:r>
+              <a:rPr/>
+              <a:t>estructura</a:t>
+            </a:r>
+            <a:r>
+              <a:rPr/>
+              <a:t> </a:t>
+            </a:r>
+            <a:r>
+              <a:rPr/>
+              <a:t>de</a:t>
+            </a:r>
+            <a:r>
+              <a:rPr/>
+              <a:t> </a:t>
+            </a:r>
+            <a:r>
+              <a:rPr/>
+              <a:t>onda</a:t>
+            </a:r>
+            <a:r>
+              <a:rPr/>
+              <a:t> </a:t>
+            </a:r>
+            <a:r>
+              <a:rPr/>
+              <a:t>3</a:t>
+            </a:r>
+            <a:r>
+              <a:rPr/>
+              <a:t> </a:t>
+            </a:r>
+            <a:r>
+              <a:rPr/>
+              <a:t>exhibe</a:t>
+            </a:r>
+            <a:r>
+              <a:rPr/>
+              <a:t> </a:t>
+            </a:r>
+            <a:r>
+              <a:rPr/>
+              <a:t>mínima</a:t>
+            </a:r>
+            <a:r>
+              <a:rPr/>
+              <a:t> </a:t>
+            </a:r>
+            <a:r>
+              <a:rPr/>
+              <a:t>variación</a:t>
+            </a:r>
+            <a:r>
+              <a:rPr/>
+              <a:t> </a:t>
+            </a:r>
+            <a:r>
+              <a:rPr/>
+              <a:t>meridional</a:t>
+            </a:r>
+            <a:r>
+              <a:rPr/>
+              <a:t> </a:t>
+            </a:r>
+            <a:r>
+              <a:rPr/>
+              <a:t>y</a:t>
+            </a:r>
+            <a:r>
+              <a:rPr/>
+              <a:t> </a:t>
+            </a:r>
+            <a:r>
+              <a:rPr/>
+              <a:t>ocupa</a:t>
+            </a:r>
+            <a:r>
+              <a:rPr/>
+              <a:t> </a:t>
+            </a:r>
+            <a:r>
+              <a:rPr/>
+              <a:t>todo</a:t>
+            </a:r>
+            <a:r>
+              <a:rPr/>
+              <a:t> </a:t>
+            </a:r>
+            <a:r>
+              <a:rPr/>
+              <a:t>el</a:t>
+            </a:r>
+            <a:r>
+              <a:rPr/>
+              <a:t> </a:t>
+            </a:r>
+            <a:r>
+              <a:rPr/>
+              <a:t>círculo</a:t>
+            </a:r>
+            <a:r>
+              <a:rPr/>
+              <a:t> </a:t>
+            </a:r>
+            <a:r>
+              <a:rPr/>
+              <a:t>de</a:t>
+            </a:r>
+            <a:r>
+              <a:rPr/>
+              <a:t> </a:t>
+            </a:r>
+            <a:r>
+              <a:rPr/>
+              <a:t>latitud</a:t>
+            </a:r>
+            <a:r>
+              <a:rPr/>
+              <a:t> </a:t>
+            </a:r>
+            <a:r>
+              <a:rPr/>
+              <a:t>entre</a:t>
+            </a:r>
+            <a:r>
+              <a:rPr/>
+              <a:t> </a:t>
+            </a:r>
+            <a:r>
+              <a:rPr/>
+              <a:t>60°S</a:t>
+            </a:r>
+            <a:r>
+              <a:rPr/>
+              <a:t> </a:t>
+            </a:r>
+            <a:r>
+              <a:rPr/>
+              <a:t>y</a:t>
+            </a:r>
+            <a:r>
+              <a:rPr/>
+              <a:t> </a:t>
+            </a:r>
+            <a:r>
+              <a:rPr/>
+              <a:t>45°S.</a:t>
+            </a:r>
+            <a:r>
+              <a:rPr/>
+              <a:t> </a:t>
+            </a:r>
+            <a:r>
+              <a:rPr/>
+              <a:t>Abril</a:t>
+            </a:r>
+            <a:r>
+              <a:rPr/>
+              <a:t> </a:t>
+            </a:r>
+            <a:r>
+              <a:rPr/>
+              <a:t>es</a:t>
+            </a:r>
+            <a:r>
+              <a:rPr/>
+              <a:t> </a:t>
+            </a:r>
+            <a:r>
+              <a:rPr/>
+              <a:t>similar</a:t>
+            </a:r>
+            <a:r>
+              <a:rPr/>
+              <a:t> </a:t>
+            </a:r>
+            <a:r>
+              <a:rPr/>
+              <a:t>a</a:t>
+            </a:r>
+            <a:r>
+              <a:rPr/>
+              <a:t> </a:t>
+            </a:r>
+            <a:r>
+              <a:rPr/>
+              <a:t>marzo,</a:t>
+            </a:r>
+            <a:r>
+              <a:rPr/>
+              <a:t> </a:t>
+            </a:r>
+            <a:r>
+              <a:rPr/>
+              <a:t>pero</a:t>
+            </a:r>
+            <a:r>
+              <a:rPr/>
+              <a:t> </a:t>
+            </a:r>
+            <a:r>
+              <a:rPr/>
+              <a:t>sin</a:t>
+            </a:r>
+            <a:r>
+              <a:rPr/>
+              <a:t> </a:t>
+            </a:r>
+            <a:r>
+              <a:rPr/>
+              <a:t>centros</a:t>
+            </a:r>
+            <a:r>
+              <a:rPr/>
+              <a:t> </a:t>
+            </a:r>
+            <a:r>
+              <a:rPr/>
+              <a:t>ciclónicos</a:t>
+            </a:r>
+            <a:r>
+              <a:rPr/>
+              <a:t> </a:t>
+            </a:r>
+            <a:r>
+              <a:rPr/>
+              <a:t>significativos.</a:t>
+            </a:r>
+            <a:r>
+              <a:rPr/>
+              <a:t> </a:t>
+            </a:r>
+            <a:r>
+              <a:rPr/>
+              <a:t>En</a:t>
+            </a:r>
+            <a:r>
+              <a:rPr/>
+              <a:t> </a:t>
+            </a:r>
+            <a:r>
+              <a:rPr/>
+              <a:t>mayo,</a:t>
+            </a:r>
+            <a:r>
+              <a:rPr/>
+              <a:t> </a:t>
+            </a:r>
+            <a:r>
+              <a:rPr/>
+              <a:t>se</a:t>
+            </a:r>
+            <a:r>
+              <a:rPr/>
+              <a:t> </a:t>
+            </a:r>
+            <a:r>
+              <a:rPr/>
+              <a:t>distingue</a:t>
+            </a:r>
+            <a:r>
+              <a:rPr/>
+              <a:t> </a:t>
+            </a:r>
+            <a:r>
+              <a:rPr/>
+              <a:t>nuevamente</a:t>
+            </a:r>
+            <a:r>
+              <a:rPr/>
+              <a:t> </a:t>
+            </a:r>
+            <a:r>
+              <a:rPr/>
+              <a:t>un</a:t>
+            </a:r>
+            <a:r>
+              <a:rPr/>
+              <a:t> </a:t>
+            </a:r>
+            <a:r>
+              <a:rPr/>
+              <a:t>tren</a:t>
+            </a:r>
+            <a:r>
+              <a:rPr/>
+              <a:t> </a:t>
+            </a:r>
+            <a:r>
+              <a:rPr/>
+              <a:t>de</a:t>
+            </a:r>
+            <a:r>
+              <a:rPr/>
+              <a:t> </a:t>
+            </a:r>
+            <a:r>
+              <a:rPr/>
+              <a:t>ondas</a:t>
+            </a:r>
+            <a:r>
+              <a:rPr/>
+              <a:t> </a:t>
+            </a:r>
+            <a:r>
+              <a:rPr/>
+              <a:t>con</a:t>
+            </a:r>
+            <a:r>
+              <a:rPr/>
+              <a:t> </a:t>
+            </a:r>
+            <a:r>
+              <a:rPr/>
+              <a:t>propagación</a:t>
+            </a:r>
+            <a:r>
+              <a:rPr/>
+              <a:t> </a:t>
+            </a:r>
+            <a:r>
+              <a:rPr/>
+              <a:t>meridional,</a:t>
+            </a:r>
+            <a:r>
+              <a:rPr/>
+              <a:t> </a:t>
+            </a:r>
+            <a:r>
+              <a:rPr/>
+              <a:t>emanando</a:t>
+            </a:r>
+            <a:r>
+              <a:rPr/>
+              <a:t> </a:t>
+            </a:r>
+            <a:r>
+              <a:rPr/>
+              <a:t>desde</a:t>
+            </a:r>
+            <a:r>
+              <a:rPr/>
+              <a:t> </a:t>
+            </a:r>
+            <a:r>
+              <a:rPr/>
+              <a:t>Australia,</a:t>
+            </a:r>
+            <a:r>
+              <a:rPr/>
+              <a:t> </a:t>
+            </a:r>
+            <a:r>
+              <a:rPr/>
+              <a:t>pero</a:t>
+            </a:r>
+            <a:r>
+              <a:rPr/>
+              <a:t> </a:t>
+            </a:r>
+            <a:r>
+              <a:rPr/>
+              <a:t>con</a:t>
+            </a:r>
+            <a:r>
+              <a:rPr/>
+              <a:t> </a:t>
+            </a:r>
+            <a:r>
+              <a:rPr/>
+              <a:t>evidencias</a:t>
+            </a:r>
+            <a:r>
+              <a:rPr/>
+              <a:t> </a:t>
+            </a:r>
+            <a:r>
+              <a:rPr/>
+              <a:t>de</a:t>
+            </a:r>
+            <a:r>
+              <a:rPr/>
+              <a:t> </a:t>
+            </a:r>
+            <a:r>
+              <a:rPr/>
+              <a:t>reflexión</a:t>
+            </a:r>
+            <a:r>
+              <a:rPr/>
+              <a:t> </a:t>
+            </a:r>
+            <a:r>
+              <a:rPr/>
+              <a:t>en</a:t>
+            </a:r>
+            <a:r>
+              <a:rPr/>
+              <a:t> </a:t>
+            </a:r>
+            <a:r>
+              <a:rPr/>
+              <a:t>el</a:t>
+            </a:r>
+            <a:r>
+              <a:rPr/>
+              <a:t> </a:t>
+            </a:r>
+            <a:r>
+              <a:rPr/>
+              <a:t>Mar</a:t>
+            </a:r>
+            <a:r>
+              <a:rPr/>
+              <a:t> </a:t>
+            </a:r>
+            <a:r>
+              <a:rPr/>
+              <a:t>de</a:t>
+            </a:r>
+            <a:r>
+              <a:rPr/>
+              <a:t> </a:t>
+            </a:r>
+            <a:r>
+              <a:rPr/>
+              <a:t>Weddell.</a:t>
+            </a:r>
+            <a:r>
+              <a:rPr/>
+              <a:t> </a:t>
+            </a:r>
+            <a:r>
+              <a:rPr/>
+              <a:t>Junio,</a:t>
+            </a:r>
+            <a:r>
+              <a:rPr/>
+              <a:t> </a:t>
+            </a:r>
+            <a:r>
+              <a:rPr/>
+              <a:t>al</a:t>
+            </a:r>
+            <a:r>
+              <a:rPr/>
+              <a:t> </a:t>
+            </a:r>
+            <a:r>
+              <a:rPr/>
+              <a:t>igual</a:t>
+            </a:r>
+            <a:r>
+              <a:rPr/>
+              <a:t> </a:t>
+            </a:r>
+            <a:r>
+              <a:rPr/>
+              <a:t>que</a:t>
+            </a:r>
+            <a:r>
+              <a:rPr/>
+              <a:t> </a:t>
+            </a:r>
+            <a:r>
+              <a:rPr/>
+              <a:t>marzo,</a:t>
+            </a:r>
+            <a:r>
+              <a:rPr/>
+              <a:t> </a:t>
+            </a:r>
+            <a:r>
+              <a:rPr/>
+              <a:t>presenta</a:t>
+            </a:r>
+            <a:r>
+              <a:rPr/>
+              <a:t> </a:t>
+            </a:r>
+            <a:r>
+              <a:rPr/>
+              <a:t>una</a:t>
+            </a:r>
+            <a:r>
+              <a:rPr/>
+              <a:t> </a:t>
+            </a:r>
+            <a:r>
+              <a:rPr/>
+              <a:t>estructura</a:t>
+            </a:r>
+            <a:r>
+              <a:rPr/>
+              <a:t> </a:t>
+            </a:r>
+            <a:r>
+              <a:rPr/>
+              <a:t>de</a:t>
+            </a:r>
+            <a:r>
+              <a:rPr/>
+              <a:t> </a:t>
+            </a:r>
+            <a:r>
+              <a:rPr/>
+              <a:t>QS3</a:t>
+            </a:r>
+            <a:r>
+              <a:rPr/>
+              <a:t> </a:t>
+            </a:r>
+            <a:r>
+              <a:rPr/>
+              <a:t>zonal,</a:t>
+            </a:r>
+            <a:r>
+              <a:rPr/>
+              <a:t> </a:t>
+            </a:r>
+            <a:r>
+              <a:rPr/>
+              <a:t>pero</a:t>
+            </a:r>
+            <a:r>
+              <a:rPr/>
+              <a:t> </a:t>
+            </a:r>
+            <a:r>
+              <a:rPr/>
+              <a:t>menos</a:t>
+            </a:r>
+            <a:r>
+              <a:rPr/>
+              <a:t> </a:t>
+            </a:r>
+            <a:r>
+              <a:rPr/>
+              <a:t>definida</a:t>
+            </a:r>
+            <a:r>
+              <a:rPr/>
+              <a:t> </a:t>
+            </a:r>
+            <a:r>
+              <a:rPr/>
+              <a:t>y,</a:t>
+            </a:r>
+            <a:r>
+              <a:rPr/>
+              <a:t> </a:t>
+            </a:r>
+            <a:r>
+              <a:rPr/>
+              <a:t>consistente</a:t>
+            </a:r>
+            <a:r>
+              <a:rPr/>
+              <a:t> </a:t>
+            </a:r>
+            <a:r>
+              <a:rPr/>
+              <a:t>con</a:t>
+            </a:r>
+            <a:r>
+              <a:rPr/>
+              <a:t> </a:t>
+            </a:r>
+            <a:r>
+              <a:rPr/>
+              <a:t>el</a:t>
+            </a:r>
+            <a:r>
+              <a:rPr/>
+              <a:t> </a:t>
+            </a:r>
+            <a:r>
+              <a:rPr/>
+              <a:t>corrimiento</a:t>
+            </a:r>
+            <a:r>
+              <a:rPr/>
+              <a:t> </a:t>
+            </a:r>
+            <a:r>
+              <a:rPr/>
+              <a:t>de</a:t>
+            </a:r>
+            <a:r>
+              <a:rPr/>
+              <a:t> </a:t>
+            </a:r>
+            <a:r>
+              <a:rPr/>
+              <a:t>la</a:t>
+            </a:r>
+            <a:r>
+              <a:rPr/>
+              <a:t> </a:t>
+            </a:r>
+            <a:r>
+              <a:rPr/>
+              <a:t>fase</a:t>
+            </a:r>
+            <a:r>
+              <a:rPr/>
+              <a:t> </a:t>
+            </a:r>
+            <a:r>
+              <a:rPr/>
+              <a:t>observado</a:t>
+            </a:r>
+            <a:r>
+              <a:rPr/>
+              <a:t> </a:t>
+            </a:r>
+            <a:r>
+              <a:rPr/>
+              <a:t>(</a:t>
+            </a:r>
+            <a:r>
+              <a:rPr/>
+              <a:t>),</a:t>
+            </a:r>
+            <a:r>
+              <a:rPr/>
+              <a:t> </a:t>
+            </a:r>
+            <a:r>
+              <a:rPr/>
+              <a:t>con</a:t>
+            </a:r>
+            <a:r>
+              <a:rPr/>
+              <a:t> </a:t>
+            </a:r>
+            <a:r>
+              <a:rPr/>
+              <a:t>los</a:t>
+            </a:r>
+            <a:r>
+              <a:rPr/>
+              <a:t> </a:t>
+            </a:r>
+            <a:r>
+              <a:rPr/>
+              <a:t>centros</a:t>
+            </a:r>
+            <a:r>
+              <a:rPr/>
+              <a:t> </a:t>
+            </a:r>
+            <a:r>
+              <a:rPr/>
+              <a:t>ciclónicos</a:t>
+            </a:r>
+            <a:r>
+              <a:rPr/>
+              <a:t> </a:t>
+            </a:r>
+            <a:r>
+              <a:rPr/>
+              <a:t>y</a:t>
+            </a:r>
+            <a:r>
+              <a:rPr/>
+              <a:t> </a:t>
+            </a:r>
+            <a:r>
+              <a:rPr/>
+              <a:t>anticiclónicos</a:t>
+            </a:r>
+            <a:r>
+              <a:rPr/>
+              <a:t> </a:t>
+            </a:r>
+            <a:r>
+              <a:rPr/>
+              <a:t>desplazados</a:t>
+            </a:r>
+            <a:r>
+              <a:rPr/>
+              <a:t> </a:t>
+            </a:r>
+            <a:r>
+              <a:rPr/>
+              <a:t>hacia</a:t>
+            </a:r>
+            <a:r>
+              <a:rPr/>
+              <a:t> </a:t>
+            </a:r>
+            <a:r>
+              <a:rPr/>
+              <a:t>el</a:t>
+            </a:r>
+            <a:r>
+              <a:rPr/>
+              <a:t> </a:t>
+            </a:r>
+            <a:r>
+              <a:rPr/>
+              <a:t>oeste.</a:t>
+            </a:r>
+          </a:p>
+        </p:txBody>
+      </p:sp>
+      <p:sp>
+        <p:nvSpPr>
+          <p:cNvPr id="4" name="Slide Number Placeholder 3"/>
+          <p:cNvSpPr>
+            <a:spLocks noGrp="1"/>
+          </p:cNvSpPr>
+          <p:nvPr>
+            <p:ph type="sldNum" sz="quarter" idx="10"/>
+          </p:nvPr>
+        </p:nvSpPr>
+        <p:spPr/>
+        <p:txBody>
+          <a:bodyPr/>
+          <a:lstStyle/>
+          <a:p>
+            <a:fld id="{18BDFEC3-8487-43E8-A154-7C12CBC1FFF2}" type="slidenum">
+              <a:rPr lang="en-US"/>
+              <a:t>9</a:t>
             </a:fld>
             <a:endParaRPr lang="en-US"/>
           </a:p>
@@ -8202,8 +10001,8 @@
         </p:nvSpPr>
         <p:spPr>
           <a:xfrm>
-            <a:off x="178435" y="156210"/>
-            <a:ext cx="10515600" cy="745490"/>
+            <a:off x="831850" y="1710055"/>
+            <a:ext cx="10515600" cy="2852420"/>
           </a:xfrm>
         </p:spPr>
         <p:txBody>
@@ -8252,6 +10051,28 @@
           </a:p>
         </p:txBody>
       </p:sp>
+    </p:spTree>
+  </p:cSld>
+</p:sld>
+</file>
+
+<file path=ppt/slides/slide3.xml><?xml version="1.0" encoding="utf-8"?>
+<p:sld xmlns:a="http://schemas.openxmlformats.org/drawingml/2006/main" xmlns:r="http://schemas.openxmlformats.org/officeDocument/2006/relationships" xmlns:p="http://schemas.openxmlformats.org/presentationml/2006/main">
+  <p:cSld>
+    <p:spTree>
+      <p:nvGrpSpPr>
+        <p:cNvPr id="1" name=""/>
+        <p:cNvGrpSpPr/>
+        <p:nvPr/>
+      </p:nvGrpSpPr>
+      <p:grpSpPr>
+        <a:xfrm>
+          <a:off x="0" y="0"/>
+          <a:ext cx="0" cy="0"/>
+          <a:chOff x="0" y="0"/>
+          <a:chExt cx="0" cy="0"/>
+        </a:xfrm>
+      </p:grpSpPr>
       <p:pic>
         <p:nvPicPr>
           <p:cNvPr descr="fig/06-paper_tesisampl-ncep-1.png" id="0" name="Picture 1"/>
@@ -8395,15 +10216,39 @@
             </a:r>
             <a:r>
               <a:rPr/>
-              <a:t>geopotential</a:t>
-            </a:r>
-            <a:r>
-              <a:rPr/>
-              <a:t> </a:t>
-            </a:r>
-            <a:r>
-              <a:rPr/>
-              <a:t>height</a:t>
+              <a:t>the</a:t>
+            </a:r>
+            <a:r>
+              <a:rPr/>
+              <a:t> </a:t>
+            </a:r>
+            <a:r>
+              <a:rPr/>
+              <a:t>mean</a:t>
+            </a:r>
+            <a:r>
+              <a:rPr/>
+              <a:t> </a:t>
+            </a:r>
+            <a:r>
+              <a:rPr/>
+              <a:t>zonal</a:t>
+            </a:r>
+            <a:r>
+              <a:rPr/>
+              <a:t> </a:t>
+            </a:r>
+            <a:r>
+              <a:rPr/>
+              <a:t>wave</a:t>
+            </a:r>
+            <a:r>
+              <a:rPr/>
+              <a:t> </a:t>
+            </a:r>
+            <a:r>
+              <a:rPr/>
+              <a:t>3</a:t>
             </a:r>
             <a:r>
               <a:rPr/>
@@ -8421,7 +10266,7 @@
 </p:sld>
 </file>
 
-<file path=ppt/slides/slide3.xml><?xml version="1.0" encoding="utf-8"?>
+<file path=ppt/slides/slide4.xml><?xml version="1.0" encoding="utf-8"?>
 <p:sld xmlns:a="http://schemas.openxmlformats.org/drawingml/2006/main" xmlns:r="http://schemas.openxmlformats.org/officeDocument/2006/relationships" xmlns:p="http://schemas.openxmlformats.org/presentationml/2006/main">
   <p:cSld>
     <p:spTree>
@@ -8447,15 +10292,15 @@
           <p:nvPr/>
         </p:nvPicPr>
         <p:blipFill>
-          <a:blip r:embed="rId2"/>
+          <a:blip r:embed="rId3"/>
           <a:stretch>
             <a:fillRect/>
           </a:stretch>
         </p:blipFill>
         <p:spPr bwMode="auto">
           <a:xfrm>
-            <a:off x="190500" y="1155700"/>
-            <a:ext cx="11671300" cy="5308600"/>
+            <a:off x="279400" y="939800"/>
+            <a:ext cx="11480800" cy="5219700"/>
           </a:xfrm>
           <a:prstGeom prst="rect">
             <a:avLst/>
@@ -8468,12 +10313,154 @@
           </a:ln>
         </p:spPr>
       </p:pic>
+      <p:sp>
+        <p:nvSpPr>
+          <p:cNvPr id="1" name="TextBox 3"/>
+          <p:cNvSpPr txBox="1"/>
+          <p:nvPr/>
+        </p:nvSpPr>
+        <p:spPr>
+          <a:xfrm>
+            <a:off x="190500" y="6159500"/>
+            <a:ext cx="11671300" cy="508000"/>
+          </a:xfrm>
+          <a:prstGeom prst="rect">
+            <a:avLst/>
+          </a:prstGeom>
+          <a:noFill/>
+        </p:spPr>
+        <p:txBody>
+          <a:bodyPr/>
+          <a:lstStyle/>
+          <a:p>
+            <a:pPr lvl="0" marL="0" indent="0" algn="ctr">
+              <a:buNone/>
+            </a:pPr>
+            <a:r>
+              <a:rPr/>
+              <a:t>Stationarity</a:t>
+            </a:r>
+            <a:r>
+              <a:rPr/>
+              <a:t> </a:t>
+            </a:r>
+            <a:r>
+              <a:rPr/>
+              <a:t>of</a:t>
+            </a:r>
+            <a:r>
+              <a:rPr/>
+              <a:t> </a:t>
+            </a:r>
+            <a:r>
+              <a:rPr/>
+              <a:t>QS3</a:t>
+            </a:r>
+            <a:r>
+              <a:rPr/>
+              <a:t> </a:t>
+            </a:r>
+            <a:r>
+              <a:rPr/>
+              <a:t>(shaded,</a:t>
+            </a:r>
+            <a:r>
+              <a:rPr/>
+              <a:t> </a:t>
+            </a:r>
+            <a:r>
+              <a:rPr/>
+              <a:t>defined</a:t>
+            </a:r>
+            <a:r>
+              <a:rPr/>
+              <a:t> </a:t>
+            </a:r>
+            <a:r>
+              <a:rPr/>
+              <a:t>in</a:t>
+            </a:r>
+            <a:r>
+              <a:rPr/>
+              <a:t> </a:t>
+            </a:r>
+            <a:r>
+              <a:rPr/>
+              <a:t>text)</a:t>
+            </a:r>
+            <a:r>
+              <a:rPr/>
+              <a:t> </a:t>
+            </a:r>
+            <a:r>
+              <a:rPr/>
+              <a:t>and</a:t>
+            </a:r>
+            <a:r>
+              <a:rPr/>
+              <a:t> </a:t>
+            </a:r>
+            <a:r>
+              <a:rPr/>
+              <a:t>mean</a:t>
+            </a:r>
+            <a:r>
+              <a:rPr/>
+              <a:t> </a:t>
+            </a:r>
+            <a:r>
+              <a:rPr/>
+              <a:t>amplitude</a:t>
+            </a:r>
+            <a:r>
+              <a:rPr/>
+              <a:t> </a:t>
+            </a:r>
+            <a:r>
+              <a:rPr/>
+              <a:t>of</a:t>
+            </a:r>
+            <a:r>
+              <a:rPr/>
+              <a:t> </a:t>
+            </a:r>
+            <a:r>
+              <a:rPr/>
+              <a:t>the</a:t>
+            </a:r>
+            <a:r>
+              <a:rPr/>
+              <a:t> </a:t>
+            </a:r>
+            <a:r>
+              <a:rPr/>
+              <a:t>zonal</a:t>
+            </a:r>
+            <a:r>
+              <a:rPr/>
+              <a:t> </a:t>
+            </a:r>
+            <a:r>
+              <a:rPr/>
+              <a:t>wave</a:t>
+            </a:r>
+            <a:r>
+              <a:rPr/>
+              <a:t> </a:t>
+            </a:r>
+            <a:r>
+              <a:rPr/>
+              <a:t>3.</a:t>
+            </a:r>
+          </a:p>
+        </p:txBody>
+      </p:sp>
     </p:spTree>
   </p:cSld>
 </p:sld>
 </file>
 
-<file path=ppt/slides/slide4.xml><?xml version="1.0" encoding="utf-8"?>
+<file path=ppt/slides/slide5.xml><?xml version="1.0" encoding="utf-8"?>
 <p:sld xmlns:a="http://schemas.openxmlformats.org/drawingml/2006/main" xmlns:r="http://schemas.openxmlformats.org/officeDocument/2006/relationships" xmlns:p="http://schemas.openxmlformats.org/presentationml/2006/main">
   <p:cSld>
     <p:spTree>
@@ -8505,11 +10492,6 @@
           <a:bodyPr/>
           <a:lstStyle/>
           <a:p>
-            <a:pPr lvl="0" marL="0" indent="0">
-              <a:buNone/>
-            </a:pPr>
-          </a:p>
-          <a:p>
             <a:pPr lvl="0" marL="1270000" indent="0">
               <a:buNone/>
             </a:pPr>
@@ -8531,7 +10513,7 @@
 </p:sld>
 </file>
 
-<file path=ppt/slides/slide5.xml><?xml version="1.0" encoding="utf-8"?>
+<file path=ppt/slides/slide6.xml><?xml version="1.0" encoding="utf-8"?>
 <p:sld xmlns:a="http://schemas.openxmlformats.org/drawingml/2006/main" xmlns:r="http://schemas.openxmlformats.org/officeDocument/2006/relationships" xmlns:p="http://schemas.openxmlformats.org/presentationml/2006/main">
   <p:cSld>
     <p:spTree>
@@ -8701,7 +10683,7 @@
 </p:sld>
 </file>
 
-<file path=ppt/slides/slide6.xml><?xml version="1.0" encoding="utf-8"?>
+<file path=ppt/slides/slide7.xml><?xml version="1.0" encoding="utf-8"?>
 <p:sld xmlns:a="http://schemas.openxmlformats.org/drawingml/2006/main" xmlns:r="http://schemas.openxmlformats.org/officeDocument/2006/relationships" xmlns:p="http://schemas.openxmlformats.org/presentationml/2006/main">
   <p:cSld>
     <p:spTree>
@@ -8863,7 +10845,7 @@
 </p:sld>
 </file>
 
-<file path=ppt/slides/slide7.xml><?xml version="1.0" encoding="utf-8"?>
+<file path=ppt/slides/slide8.xml><?xml version="1.0" encoding="utf-8"?>
 <p:sld xmlns:a="http://schemas.openxmlformats.org/drawingml/2006/main" xmlns:r="http://schemas.openxmlformats.org/officeDocument/2006/relationships" xmlns:p="http://schemas.openxmlformats.org/presentationml/2006/main">
   <p:cSld>
     <p:spTree>
@@ -8977,7 +10959,7 @@
 </p:sld>
 </file>
 
-<file path=ppt/slides/slide8.xml><?xml version="1.0" encoding="utf-8"?>
+<file path=ppt/slides/slide9.xml><?xml version="1.0" encoding="utf-8"?>
 <p:sld xmlns:a="http://schemas.openxmlformats.org/drawingml/2006/main" xmlns:r="http://schemas.openxmlformats.org/officeDocument/2006/relationships" xmlns:p="http://schemas.openxmlformats.org/presentationml/2006/main">
   <p:cSld>
     <p:spTree>
@@ -9003,7 +10985,7 @@
           <p:nvPr/>
         </p:nvPicPr>
         <p:blipFill>
-          <a:blip r:embed="rId2"/>
+          <a:blip r:embed="rId3"/>
           <a:stretch>
             <a:fillRect/>
           </a:stretch>
@@ -9049,23 +11031,23 @@
             </a:pPr>
             <a:r>
               <a:rPr/>
-              <a:t>Regresión</a:t>
-            </a:r>
-            <a:r>
-              <a:rPr/>
-              <a:t> </a:t>
-            </a:r>
-            <a:r>
-              <a:rPr/>
-              <a:t>de</a:t>
-            </a:r>
-            <a:r>
-              <a:rPr/>
-              <a:t> </a:t>
-            </a:r>
-            <a:r>
-              <a:rPr/>
-              <a:t>altura</a:t>
+              <a:t>Regression</a:t>
+            </a:r>
+            <a:r>
+              <a:rPr/>
+              <a:t> </a:t>
+            </a:r>
+            <a:r>
+              <a:rPr/>
+              <a:t>of</a:t>
+            </a:r>
+            <a:r>
+              <a:rPr/>
+              <a:t> </a:t>
+            </a:r>
+            <a:r>
+              <a:rPr/>
+              <a:t>200hPa</a:t>
             </a:r>
             <a:r>
               <a:rPr/>
@@ -9081,47 +11063,15 @@
             </a:r>
             <a:r>
               <a:rPr/>
-              <a:t>en</a:t>
-            </a:r>
-            <a:r>
-              <a:rPr/>
-              <a:t> </a:t>
-            </a:r>
-            <a:r>
-              <a:rPr/>
-              <a:t>200hPa</a:t>
-            </a:r>
-            <a:r>
-              <a:rPr/>
-              <a:t> </a:t>
-            </a:r>
-            <a:r>
-              <a:rPr/>
-              <a:t>con</a:t>
-            </a:r>
-            <a:r>
-              <a:rPr/>
-              <a:t> </a:t>
-            </a:r>
-            <a:r>
-              <a:rPr/>
-              <a:t>el</a:t>
-            </a:r>
-            <a:r>
-              <a:rPr/>
-              <a:t> </a:t>
-            </a:r>
-            <a:r>
-              <a:rPr/>
-              <a:t>índice</a:t>
-            </a:r>
-            <a:r>
-              <a:rPr/>
-              <a:t> </a:t>
-            </a:r>
-            <a:r>
-              <a:rPr/>
-              <a:t>de</a:t>
+              <a:t>height</a:t>
+            </a:r>
+            <a:r>
+              <a:rPr/>
+              <a:t> </a:t>
+            </a:r>
+            <a:r>
+              <a:rPr/>
+              <a:t>and</a:t>
             </a:r>
             <a:r>
               <a:rPr/>
@@ -9137,175 +11087,95 @@
             </a:r>
             <a:r>
               <a:rPr/>
-              <a:t>estandarizado</a:t>
-            </a:r>
-            <a:r>
-              <a:rPr/>
-              <a:t> </a:t>
-            </a:r>
-            <a:r>
-              <a:rPr/>
-              <a:t>y</a:t>
-            </a:r>
-            <a:r>
-              <a:rPr/>
-              <a:t> </a:t>
-            </a:r>
-            <a:r>
-              <a:rPr/>
-              <a:t>flujos</a:t>
-            </a:r>
-            <a:r>
-              <a:rPr/>
-              <a:t> </a:t>
-            </a:r>
-            <a:r>
-              <a:rPr/>
-              <a:t>de</a:t>
-            </a:r>
-            <a:r>
-              <a:rPr/>
-              <a:t> </a:t>
-            </a:r>
-            <a:r>
-              <a:rPr/>
-              <a:t>actividad</a:t>
-            </a:r>
-            <a:r>
-              <a:rPr/>
-              <a:t> </a:t>
-            </a:r>
-            <a:r>
-              <a:rPr/>
-              <a:t>de</a:t>
-            </a:r>
-            <a:r>
-              <a:rPr/>
-              <a:t> </a:t>
-            </a:r>
-            <a:r>
-              <a:rPr/>
-              <a:t>onda</a:t>
-            </a:r>
-            <a:r>
-              <a:rPr/>
-              <a:t> </a:t>
-            </a:r>
-            <a:r>
-              <a:rPr/>
-              <a:t>calculados</a:t>
-            </a:r>
-            <a:r>
-              <a:rPr/>
-              <a:t> </a:t>
-            </a:r>
-            <a:r>
-              <a:rPr/>
-              <a:t>a</a:t>
-            </a:r>
-            <a:r>
-              <a:rPr/>
-              <a:t> </a:t>
-            </a:r>
-            <a:r>
-              <a:rPr/>
-              <a:t>partir</a:t>
-            </a:r>
-            <a:r>
-              <a:rPr/>
-              <a:t> </a:t>
-            </a:r>
-            <a:r>
-              <a:rPr/>
-              <a:t>de</a:t>
-            </a:r>
-            <a:r>
-              <a:rPr/>
-              <a:t> </a:t>
-            </a:r>
-            <a:r>
-              <a:rPr/>
-              <a:t>la</a:t>
-            </a:r>
-            <a:r>
-              <a:rPr/>
-              <a:t> </a:t>
-            </a:r>
-            <a:r>
-              <a:rPr/>
-              <a:t>regresión</a:t>
-            </a:r>
-            <a:r>
-              <a:rPr/>
-              <a:t> </a:t>
-            </a:r>
-            <a:r>
-              <a:rPr/>
-              <a:t>de</a:t>
-            </a:r>
-            <a:r>
-              <a:rPr/>
-              <a:t> </a:t>
-            </a:r>
-            <a:r>
-              <a:rPr/>
-              <a:t>psi</a:t>
-            </a:r>
-            <a:r>
-              <a:rPr/>
-              <a:t> </a:t>
-            </a:r>
-            <a:r>
-              <a:rPr/>
-              <a:t>con</a:t>
-            </a:r>
-            <a:r>
-              <a:rPr/>
-              <a:t> </a:t>
-            </a:r>
-            <a:r>
-              <a:rPr/>
-              <a:t>A3</a:t>
-            </a:r>
-            <a:r>
-              <a:rPr/>
-              <a:t> </a:t>
-            </a:r>
-            <a:r>
-              <a:rPr/>
-              <a:t>estandarizado</a:t>
-            </a:r>
-            <a:r>
-              <a:rPr/>
-              <a:t> </a:t>
-            </a:r>
-            <a:r>
-              <a:rPr/>
-              <a:t>en</a:t>
-            </a:r>
-            <a:r>
-              <a:rPr/>
-              <a:t> </a:t>
-            </a:r>
-            <a:r>
-              <a:rPr/>
-              <a:t>sigma</a:t>
-            </a:r>
-            <a:r>
-              <a:rPr/>
-              <a:t> </a:t>
-            </a:r>
-            <a:r>
-              <a:rPr/>
-              <a:t>=</a:t>
-            </a:r>
-            <a:r>
-              <a:rPr/>
-              <a:t> </a:t>
-            </a:r>
-            <a:r>
-              <a:rPr/>
-              <a:t>0.2101.</a:t>
+              <a:t>standarized</a:t>
+            </a:r>
+            <a:r>
+              <a:rPr/>
+              <a:t> </a:t>
+            </a:r>
+            <a:r>
+              <a:rPr/>
+              <a:t>index,</a:t>
+            </a:r>
+            <a:r>
+              <a:rPr/>
+              <a:t> </a:t>
+            </a:r>
+            <a:r>
+              <a:rPr/>
+              <a:t>and</a:t>
+            </a:r>
+            <a:r>
+              <a:rPr/>
+              <a:t> </a:t>
+            </a:r>
+            <a:r>
+              <a:rPr/>
+              <a:t>wave</a:t>
+            </a:r>
+            <a:r>
+              <a:rPr/>
+              <a:t> </a:t>
+            </a:r>
+            <a:r>
+              <a:rPr/>
+              <a:t>acivity</a:t>
+            </a:r>
+            <a:r>
+              <a:rPr/>
+              <a:t> </a:t>
+            </a:r>
+            <a:r>
+              <a:rPr/>
+              <a:t>flux</a:t>
+            </a:r>
+            <a:r>
+              <a:rPr/>
+              <a:t> </a:t>
+            </a:r>
+            <a:r>
+              <a:rPr/>
+              <a:t>computed</a:t>
+            </a:r>
+            <a:r>
+              <a:rPr/>
+              <a:t> </a:t>
+            </a:r>
+            <a:r>
+              <a:rPr/>
+              <a:t>from</a:t>
+            </a:r>
+            <a:r>
+              <a:rPr/>
+              <a:t> </a:t>
+            </a:r>
+            <a:r>
+              <a:rPr/>
+              <a:t>regression</a:t>
+            </a:r>
+            <a:r>
+              <a:rPr/>
+              <a:t> </a:t>
+            </a:r>
+            <a:r>
+              <a:rPr/>
+              <a:t>of</a:t>
+            </a:r>
+            <a:r>
+              <a:rPr/>
+              <a:t> </a:t>
+            </a:r>
+            <a:r>
+              <a:rPr/>
+              <a:t>0.201</a:t>
+            </a:r>
+            <a:r>
+              <a:rPr/>
+              <a:t> </a:t>
+            </a:r>
+            <a:r>
+              <a:rPr/>
+              <a:t>sigma.</a:t>
             </a:r>
           </a:p>
         </p:txBody>

--- a/06-paper_tesis.pptx
+++ b/06-paper_tesis.pptx
@@ -5,7 +5,7 @@
     <p:sldMasterId id="2147483648" r:id="rId1"/>
   </p:sldMasterIdLst>
   <p:notesMasterIdLst>
-    <p:NotesMasterId r:id="rId11"/>
+    <p:NotesMasterId r:id="rId17"/>
   </p:notesMasterIdLst>
   <p:sldIdLst>
     <p:sldId id="256" r:id="rId2"/>
@@ -17,6 +17,12 @@
     <p:sldId id="262" r:id="rId8"/>
     <p:sldId id="263" r:id="rId9"/>
     <p:sldId id="264" r:id="rId10"/>
+    <p:sldId id="265" r:id="rId11"/>
+    <p:sldId id="266" r:id="rId12"/>
+    <p:sldId id="267" r:id="rId13"/>
+    <p:sldId id="268" r:id="rId14"/>
+    <p:sldId id="269" r:id="rId15"/>
+    <p:sldId id="270" r:id="rId16"/>
   </p:sldIdLst>
   <p:sldSz cx="12192000" cy="6858000"/>
   <p:notesSz cx="6858000" cy="9144000"/>
@@ -2483,255 +2489,415 @@
             </a:pPr>
             <a:r>
               <a:rPr/>
-              <a:t>Esta</a:t>
-            </a:r>
-            <a:r>
-              <a:rPr/>
-              <a:t> </a:t>
-            </a:r>
-            <a:r>
-              <a:rPr/>
-              <a:t>figura</a:t>
-            </a:r>
-            <a:r>
-              <a:rPr/>
-              <a:t> </a:t>
-            </a:r>
-            <a:r>
-              <a:rPr/>
-              <a:t>es</a:t>
-            </a:r>
-            <a:r>
-              <a:rPr/>
-              <a:t> </a:t>
-            </a:r>
-            <a:r>
-              <a:rPr/>
-              <a:t>igual</a:t>
-            </a:r>
-            <a:r>
-              <a:rPr/>
-              <a:t> </a:t>
-            </a:r>
-            <a:r>
-              <a:rPr/>
-              <a:t>que</a:t>
-            </a:r>
-            <a:r>
-              <a:rPr/>
-              <a:t> </a:t>
-            </a:r>
-            <a:r>
-              <a:rPr/>
-              <a:t>la</a:t>
-            </a:r>
-            <a:r>
-              <a:rPr/>
-              <a:t> </a:t>
-            </a:r>
-            <a:r>
-              <a:rPr/>
-              <a:t>anterior</a:t>
-            </a:r>
-            <a:r>
-              <a:rPr/>
-              <a:t> </a:t>
-            </a:r>
-            <a:r>
-              <a:rPr/>
-              <a:t>pero</a:t>
-            </a:r>
-            <a:r>
-              <a:rPr/>
-              <a:t> </a:t>
-            </a:r>
-            <a:r>
-              <a:rPr/>
-              <a:t>en</a:t>
-            </a:r>
-            <a:r>
-              <a:rPr/>
-              <a:t> </a:t>
-            </a:r>
-            <a:r>
-              <a:rPr/>
-              <a:t>contornos</a:t>
-            </a:r>
-            <a:r>
-              <a:rPr/>
-              <a:t> </a:t>
-            </a:r>
-            <a:r>
-              <a:rPr/>
-              <a:t>pone</a:t>
-            </a:r>
-            <a:r>
-              <a:rPr/>
-              <a:t> </a:t>
-            </a:r>
-            <a:r>
-              <a:rPr/>
-              <a:t>la</a:t>
-            </a:r>
-            <a:r>
-              <a:rPr/>
-              <a:t> </a:t>
-            </a:r>
-            <a:r>
-              <a:rPr/>
-              <a:t>media</a:t>
-            </a:r>
-            <a:r>
-              <a:rPr/>
-              <a:t> </a:t>
-            </a:r>
-            <a:r>
-              <a:rPr/>
-              <a:t>de</a:t>
-            </a:r>
-            <a:r>
-              <a:rPr/>
-              <a:t> </a:t>
-            </a:r>
-            <a:r>
-              <a:rPr/>
-              <a:t>la</a:t>
-            </a:r>
-            <a:r>
-              <a:rPr/>
-              <a:t> </a:t>
-            </a:r>
-            <a:r>
-              <a:rPr/>
-              <a:t>amplitud</a:t>
-            </a:r>
-            <a:r>
-              <a:rPr/>
-              <a:t> </a:t>
-            </a:r>
-            <a:r>
-              <a:rPr/>
-              <a:t>en</a:t>
-            </a:r>
-            <a:r>
-              <a:rPr/>
-              <a:t> </a:t>
-            </a:r>
-            <a:r>
-              <a:rPr/>
-              <a:t>vez</a:t>
-            </a:r>
-            <a:r>
-              <a:rPr/>
-              <a:t> </a:t>
-            </a:r>
-            <a:r>
-              <a:rPr/>
-              <a:t>de</a:t>
-            </a:r>
-            <a:r>
-              <a:rPr/>
-              <a:t> </a:t>
-            </a:r>
-            <a:r>
-              <a:rPr/>
-              <a:t>la</a:t>
-            </a:r>
-            <a:r>
-              <a:rPr/>
-              <a:t> </a:t>
-            </a:r>
-            <a:r>
-              <a:rPr/>
-              <a:t>amplitud</a:t>
-            </a:r>
-            <a:r>
-              <a:rPr/>
-              <a:t> </a:t>
-            </a:r>
-            <a:r>
-              <a:rPr/>
-              <a:t>de</a:t>
-            </a:r>
-            <a:r>
-              <a:rPr/>
-              <a:t> </a:t>
-            </a:r>
-            <a:r>
-              <a:rPr/>
-              <a:t>la</a:t>
-            </a:r>
-            <a:r>
-              <a:rPr/>
-              <a:t> </a:t>
-            </a:r>
-            <a:r>
-              <a:rPr/>
-              <a:t>onda</a:t>
-            </a:r>
-            <a:r>
-              <a:rPr/>
-              <a:t> </a:t>
-            </a:r>
-            <a:r>
-              <a:rPr/>
-              <a:t>media.</a:t>
-            </a:r>
-            <a:r>
-              <a:rPr/>
-              <a:t> </a:t>
-            </a:r>
-            <a:r>
-              <a:rPr/>
-              <a:t>No</a:t>
-            </a:r>
-            <a:r>
-              <a:rPr/>
-              <a:t> </a:t>
-            </a:r>
-            <a:r>
-              <a:rPr/>
-              <a:t>sé</a:t>
-            </a:r>
-            <a:r>
-              <a:rPr/>
-              <a:t> </a:t>
-            </a:r>
-            <a:r>
-              <a:rPr/>
-              <a:t>cuál</a:t>
-            </a:r>
-            <a:r>
-              <a:rPr/>
-              <a:t> </a:t>
-            </a:r>
-            <a:r>
-              <a:rPr/>
-              <a:t>de</a:t>
-            </a:r>
-            <a:r>
-              <a:rPr/>
-              <a:t> </a:t>
-            </a:r>
-            <a:r>
-              <a:rPr/>
-              <a:t>las</a:t>
-            </a:r>
-            <a:r>
-              <a:rPr/>
-              <a:t> </a:t>
-            </a:r>
-            <a:r>
-              <a:rPr/>
-              <a:t>dos</a:t>
-            </a:r>
-            <a:r>
-              <a:rPr/>
-              <a:t> </a:t>
-            </a:r>
-            <a:r>
-              <a:rPr/>
-              <a:t>poner.</a:t>
+              <a:t>The</a:t>
+            </a:r>
+            <a:r>
+              <a:rPr/>
+              <a:t> </a:t>
+            </a:r>
+            <a:r>
+              <a:rPr/>
+              <a:t>reconstructed</a:t>
+            </a:r>
+            <a:r>
+              <a:rPr/>
+              <a:t> </a:t>
+            </a:r>
+            <a:r>
+              <a:rPr/>
+              <a:t>QS3</a:t>
+            </a:r>
+            <a:r>
+              <a:rPr/>
+              <a:t> </a:t>
+            </a:r>
+            <a:r>
+              <a:rPr/>
+              <a:t>field</a:t>
+            </a:r>
+            <a:r>
+              <a:rPr/>
+              <a:t> </a:t>
+            </a:r>
+            <a:r>
+              <a:rPr/>
+              <a:t>at</a:t>
+            </a:r>
+            <a:r>
+              <a:rPr/>
+              <a:t> </a:t>
+            </a:r>
+            <a:r>
+              <a:rPr/>
+              <a:t>200hPa</a:t>
+            </a:r>
+            <a:r>
+              <a:rPr/>
+              <a:t> </a:t>
+            </a:r>
+            <a:r>
+              <a:rPr/>
+              <a:t>show</a:t>
+            </a:r>
+            <a:r>
+              <a:rPr/>
+              <a:t> </a:t>
+            </a:r>
+            <a:r>
+              <a:rPr/>
+              <a:t>the</a:t>
+            </a:r>
+            <a:r>
+              <a:rPr/>
+              <a:t> </a:t>
+            </a:r>
+            <a:r>
+              <a:rPr/>
+              <a:t>expected</a:t>
+            </a:r>
+            <a:r>
+              <a:rPr/>
+              <a:t> </a:t>
+            </a:r>
+            <a:r>
+              <a:rPr/>
+              <a:t>maximum</a:t>
+            </a:r>
+            <a:r>
+              <a:rPr/>
+              <a:t> </a:t>
+            </a:r>
+            <a:r>
+              <a:rPr/>
+              <a:t>at</a:t>
+            </a:r>
+            <a:r>
+              <a:rPr/>
+              <a:t> </a:t>
+            </a:r>
+            <a:r>
+              <a:rPr/>
+              <a:t>50°S</a:t>
+            </a:r>
+            <a:r>
+              <a:rPr/>
+              <a:t> </a:t>
+            </a:r>
+            <a:r>
+              <a:rPr/>
+              <a:t>and</a:t>
+            </a:r>
+            <a:r>
+              <a:rPr/>
+              <a:t> </a:t>
+            </a:r>
+            <a:r>
+              <a:rPr/>
+              <a:t>the</a:t>
+            </a:r>
+            <a:r>
+              <a:rPr/>
+              <a:t> </a:t>
+            </a:r>
+            <a:r>
+              <a:rPr/>
+              <a:t>anual</a:t>
+            </a:r>
+            <a:r>
+              <a:rPr/>
+              <a:t> </a:t>
+            </a:r>
+            <a:r>
+              <a:rPr/>
+              <a:t>cycle</a:t>
+            </a:r>
+            <a:r>
+              <a:rPr/>
+              <a:t> </a:t>
+            </a:r>
+            <a:r>
+              <a:rPr/>
+              <a:t>in</a:t>
+            </a:r>
+            <a:r>
+              <a:rPr/>
+              <a:t> </a:t>
+            </a:r>
+            <a:r>
+              <a:rPr/>
+              <a:t>its</a:t>
+            </a:r>
+            <a:r>
+              <a:rPr/>
+              <a:t> </a:t>
+            </a:r>
+            <a:r>
+              <a:rPr/>
+              <a:t>phase</a:t>
+            </a:r>
+            <a:r>
+              <a:rPr/>
+              <a:t> </a:t>
+            </a:r>
+            <a:r>
+              <a:rPr/>
+              <a:t>already</a:t>
+            </a:r>
+            <a:r>
+              <a:rPr/>
+              <a:t> </a:t>
+            </a:r>
+            <a:r>
+              <a:rPr/>
+              <a:t>observed</a:t>
+            </a:r>
+            <a:r>
+              <a:rPr/>
+              <a:t> </a:t>
+            </a:r>
+            <a:r>
+              <a:rPr/>
+              <a:t>in</a:t>
+            </a:r>
+            <a:r>
+              <a:rPr/>
+              <a:t> </a:t>
+            </a:r>
+            <a:r>
+              <a:rPr/>
+              <a:t>previous</a:t>
+            </a:r>
+            <a:r>
+              <a:rPr/>
+              <a:t> </a:t>
+            </a:r>
+            <a:r>
+              <a:rPr/>
+              <a:t>studies.</a:t>
+            </a:r>
+            <a:r>
+              <a:rPr/>
+              <a:t> </a:t>
+            </a:r>
+            <a:r>
+              <a:rPr/>
+              <a:t>It</a:t>
+            </a:r>
+            <a:r>
+              <a:rPr/>
+              <a:t> </a:t>
+            </a:r>
+            <a:r>
+              <a:rPr/>
+              <a:t>also</a:t>
+            </a:r>
+            <a:r>
+              <a:rPr/>
+              <a:t> </a:t>
+            </a:r>
+            <a:r>
+              <a:rPr/>
+              <a:t>shows</a:t>
+            </a:r>
+            <a:r>
+              <a:rPr/>
+              <a:t> </a:t>
+            </a:r>
+            <a:r>
+              <a:rPr/>
+              <a:t>an</a:t>
+            </a:r>
+            <a:r>
+              <a:rPr/>
+              <a:t> </a:t>
+            </a:r>
+            <a:r>
+              <a:rPr/>
+              <a:t>easterly</a:t>
+            </a:r>
+            <a:r>
+              <a:rPr/>
+              <a:t> </a:t>
+            </a:r>
+            <a:r>
+              <a:rPr/>
+              <a:t>inclination</a:t>
+            </a:r>
+            <a:r>
+              <a:rPr/>
+              <a:t> </a:t>
+            </a:r>
+            <a:r>
+              <a:rPr/>
+              <a:t>of</a:t>
+            </a:r>
+            <a:r>
+              <a:rPr/>
+              <a:t> </a:t>
+            </a:r>
+            <a:r>
+              <a:rPr/>
+              <a:t>the</a:t>
+            </a:r>
+            <a:r>
+              <a:rPr/>
+              <a:t> </a:t>
+            </a:r>
+            <a:r>
+              <a:rPr/>
+              <a:t>systems</a:t>
+            </a:r>
+            <a:r>
+              <a:rPr/>
+              <a:t> </a:t>
+            </a:r>
+            <a:r>
+              <a:rPr/>
+              <a:t>evident</a:t>
+            </a:r>
+            <a:r>
+              <a:rPr/>
+              <a:t> </a:t>
+            </a:r>
+            <a:r>
+              <a:rPr/>
+              <a:t>in</a:t>
+            </a:r>
+            <a:r>
+              <a:rPr/>
+              <a:t> </a:t>
+            </a:r>
+            <a:r>
+              <a:rPr/>
+              <a:t>summer</a:t>
+            </a:r>
+            <a:r>
+              <a:rPr/>
+              <a:t> </a:t>
+            </a:r>
+            <a:r>
+              <a:rPr/>
+              <a:t>but</a:t>
+            </a:r>
+            <a:r>
+              <a:rPr/>
+              <a:t> </a:t>
+            </a:r>
+            <a:r>
+              <a:rPr/>
+              <a:t>absent</a:t>
+            </a:r>
+            <a:r>
+              <a:rPr/>
+              <a:t> </a:t>
+            </a:r>
+            <a:r>
+              <a:rPr/>
+              <a:t>in</a:t>
+            </a:r>
+            <a:r>
+              <a:rPr/>
+              <a:t> </a:t>
+            </a:r>
+            <a:r>
+              <a:rPr/>
+              <a:t>winter,</a:t>
+            </a:r>
+            <a:r>
+              <a:rPr/>
+              <a:t> </a:t>
+            </a:r>
+            <a:r>
+              <a:rPr/>
+              <a:t>suggesting</a:t>
+            </a:r>
+            <a:r>
+              <a:rPr/>
+              <a:t> </a:t>
+            </a:r>
+            <a:r>
+              <a:rPr/>
+              <a:t>that</a:t>
+            </a:r>
+            <a:r>
+              <a:rPr/>
+              <a:t> </a:t>
+            </a:r>
+            <a:r>
+              <a:rPr/>
+              <a:t>the</a:t>
+            </a:r>
+            <a:r>
+              <a:rPr/>
+              <a:t> </a:t>
+            </a:r>
+            <a:r>
+              <a:rPr/>
+              <a:t>QS3</a:t>
+            </a:r>
+            <a:r>
+              <a:rPr/>
+              <a:t> </a:t>
+            </a:r>
+            <a:r>
+              <a:rPr/>
+              <a:t>might</a:t>
+            </a:r>
+            <a:r>
+              <a:rPr/>
+              <a:t> </a:t>
+            </a:r>
+            <a:r>
+              <a:rPr/>
+              <a:t>be</a:t>
+            </a:r>
+            <a:r>
+              <a:rPr/>
+              <a:t> </a:t>
+            </a:r>
+            <a:r>
+              <a:rPr/>
+              <a:t>related</a:t>
+            </a:r>
+            <a:r>
+              <a:rPr/>
+              <a:t> </a:t>
+            </a:r>
+            <a:r>
+              <a:rPr/>
+              <a:t>to</a:t>
+            </a:r>
+            <a:r>
+              <a:rPr/>
+              <a:t> </a:t>
+            </a:r>
+            <a:r>
+              <a:rPr/>
+              <a:t>southerly</a:t>
+            </a:r>
+            <a:r>
+              <a:rPr/>
+              <a:t> </a:t>
+            </a:r>
+            <a:r>
+              <a:rPr/>
+              <a:t>transport</a:t>
+            </a:r>
+            <a:r>
+              <a:rPr/>
+              <a:t> </a:t>
+            </a:r>
+            <a:r>
+              <a:rPr/>
+              <a:t>of</a:t>
+            </a:r>
+            <a:r>
+              <a:rPr/>
+              <a:t> </a:t>
+            </a:r>
+            <a:r>
+              <a:rPr/>
+              <a:t>momentum.</a:t>
             </a:r>
           </a:p>
         </p:txBody>
@@ -2813,7 +2979,477 @@
             </a:pPr>
             <a:r>
               <a:rPr/>
-              <a:t>Percent</a:t>
+              <a:t>The</a:t>
+            </a:r>
+            <a:r>
+              <a:rPr/>
+              <a:t> </a:t>
+            </a:r>
+            <a:r>
+              <a:rPr/>
+              <a:t>vertical</a:t>
+            </a:r>
+            <a:r>
+              <a:rPr/>
+              <a:t> </a:t>
+            </a:r>
+            <a:r>
+              <a:rPr/>
+              <a:t>strucure</a:t>
+            </a:r>
+            <a:r>
+              <a:rPr/>
+              <a:t> </a:t>
+            </a:r>
+            <a:r>
+              <a:rPr/>
+              <a:t>of</a:t>
+            </a:r>
+            <a:r>
+              <a:rPr/>
+              <a:t> </a:t>
+            </a:r>
+            <a:r>
+              <a:rPr/>
+              <a:t>the</a:t>
+            </a:r>
+            <a:r>
+              <a:rPr/>
+              <a:t> </a:t>
+            </a:r>
+            <a:r>
+              <a:rPr/>
+              <a:t>QS3</a:t>
+            </a:r>
+            <a:r>
+              <a:rPr/>
+              <a:t> </a:t>
+            </a:r>
+            <a:r>
+              <a:rPr/>
+              <a:t>shows</a:t>
+            </a:r>
+            <a:r>
+              <a:rPr/>
+              <a:t> </a:t>
+            </a:r>
+            <a:r>
+              <a:rPr/>
+              <a:t>that</a:t>
+            </a:r>
+            <a:r>
+              <a:rPr/>
+              <a:t> </a:t>
+            </a:r>
+            <a:r>
+              <a:rPr/>
+              <a:t>the</a:t>
+            </a:r>
+            <a:r>
+              <a:rPr/>
+              <a:t> </a:t>
+            </a:r>
+            <a:r>
+              <a:rPr/>
+              <a:t>expected</a:t>
+            </a:r>
+            <a:r>
+              <a:rPr/>
+              <a:t> </a:t>
+            </a:r>
+            <a:r>
+              <a:rPr/>
+              <a:t>seasonal</a:t>
+            </a:r>
+            <a:r>
+              <a:rPr/>
+              <a:t> </a:t>
+            </a:r>
+            <a:r>
+              <a:rPr/>
+              <a:t>cycle</a:t>
+            </a:r>
+            <a:r>
+              <a:rPr/>
+              <a:t> </a:t>
+            </a:r>
+            <a:r>
+              <a:rPr/>
+              <a:t>in</a:t>
+            </a:r>
+            <a:r>
+              <a:rPr/>
+              <a:t> </a:t>
+            </a:r>
+            <a:r>
+              <a:rPr/>
+              <a:t>vertical</a:t>
+            </a:r>
+            <a:r>
+              <a:rPr/>
+              <a:t> </a:t>
+            </a:r>
+            <a:r>
+              <a:rPr/>
+              <a:t>extent</a:t>
+            </a:r>
+            <a:r>
+              <a:rPr/>
+              <a:t> </a:t>
+            </a:r>
+            <a:r>
+              <a:rPr/>
+              <a:t>is</a:t>
+            </a:r>
+            <a:r>
+              <a:rPr/>
+              <a:t> </a:t>
+            </a:r>
+            <a:r>
+              <a:rPr/>
+              <a:t>followed</a:t>
+            </a:r>
+            <a:r>
+              <a:rPr/>
+              <a:t> </a:t>
+            </a:r>
+            <a:r>
+              <a:rPr/>
+              <a:t>by</a:t>
+            </a:r>
+            <a:r>
+              <a:rPr/>
+              <a:t> </a:t>
+            </a:r>
+            <a:r>
+              <a:rPr/>
+              <a:t>a</a:t>
+            </a:r>
+            <a:r>
+              <a:rPr/>
+              <a:t> </a:t>
+            </a:r>
+            <a:r>
+              <a:rPr/>
+              <a:t>slight</a:t>
+            </a:r>
+            <a:r>
+              <a:rPr/>
+              <a:t> </a:t>
+            </a:r>
+            <a:r>
+              <a:rPr/>
+              <a:t>inclination</a:t>
+            </a:r>
+            <a:r>
+              <a:rPr/>
+              <a:t> </a:t>
+            </a:r>
+            <a:r>
+              <a:rPr/>
+              <a:t>of</a:t>
+            </a:r>
+            <a:r>
+              <a:rPr/>
+              <a:t> </a:t>
+            </a:r>
+            <a:r>
+              <a:rPr/>
+              <a:t>the</a:t>
+            </a:r>
+            <a:r>
+              <a:rPr/>
+              <a:t> </a:t>
+            </a:r>
+            <a:r>
+              <a:rPr/>
+              <a:t>disturances.</a:t>
+            </a:r>
+          </a:p>
+          <a:p>
+            <a:pPr lvl="0" marL="0" indent="0">
+              <a:buNone/>
+            </a:pPr>
+          </a:p>
+          <a:p>
+            <a:pPr lvl="0" marL="0" indent="0">
+              <a:buNone/>
+            </a:pPr>
+            <a:r>
+              <a:rPr/>
+              <a:t>Taken</a:t>
+            </a:r>
+            <a:r>
+              <a:rPr/>
+              <a:t> </a:t>
+            </a:r>
+            <a:r>
+              <a:rPr/>
+              <a:t>together,</a:t>
+            </a:r>
+            <a:r>
+              <a:rPr/>
+              <a:t> </a:t>
+            </a:r>
+            <a:r>
+              <a:rPr/>
+              <a:t>this</a:t>
+            </a:r>
+            <a:r>
+              <a:rPr/>
+              <a:t> </a:t>
+            </a:r>
+            <a:r>
+              <a:rPr/>
+              <a:t>suggests</a:t>
+            </a:r>
+            <a:r>
+              <a:rPr/>
+              <a:t> </a:t>
+            </a:r>
+            <a:r>
+              <a:rPr/>
+              <a:t>a</a:t>
+            </a:r>
+            <a:r>
+              <a:rPr/>
+              <a:t> </a:t>
+            </a:r>
+            <a:r>
+              <a:rPr/>
+              <a:t>mix</a:t>
+            </a:r>
+            <a:r>
+              <a:rPr/>
+              <a:t> </a:t>
+            </a:r>
+            <a:r>
+              <a:rPr/>
+              <a:t>of</a:t>
+            </a:r>
+            <a:r>
+              <a:rPr/>
+              <a:t> </a:t>
+            </a:r>
+            <a:r>
+              <a:rPr/>
+              <a:t>baroclinic</a:t>
+            </a:r>
+            <a:r>
+              <a:rPr/>
+              <a:t> </a:t>
+            </a:r>
+            <a:r>
+              <a:rPr/>
+              <a:t>and</a:t>
+            </a:r>
+            <a:r>
+              <a:rPr/>
+              <a:t> </a:t>
+            </a:r>
+            <a:r>
+              <a:rPr/>
+              <a:t>barotropic</a:t>
+            </a:r>
+            <a:r>
+              <a:rPr/>
+              <a:t> </a:t>
+            </a:r>
+            <a:r>
+              <a:rPr/>
+              <a:t>processes</a:t>
+            </a:r>
+            <a:r>
+              <a:rPr/>
+              <a:t> </a:t>
+            </a:r>
+            <a:r>
+              <a:rPr/>
+              <a:t>related</a:t>
+            </a:r>
+            <a:r>
+              <a:rPr/>
+              <a:t> </a:t>
+            </a:r>
+            <a:r>
+              <a:rPr/>
+              <a:t>to</a:t>
+            </a:r>
+            <a:r>
+              <a:rPr/>
+              <a:t> </a:t>
+            </a:r>
+            <a:r>
+              <a:rPr/>
+              <a:t>the</a:t>
+            </a:r>
+            <a:r>
+              <a:rPr/>
+              <a:t> </a:t>
+            </a:r>
+            <a:r>
+              <a:rPr/>
+              <a:t>QS3.</a:t>
+            </a:r>
+            <a:r>
+              <a:rPr/>
+              <a:t> </a:t>
+            </a:r>
+            <a:r>
+              <a:rPr/>
+              <a:t>The</a:t>
+            </a:r>
+            <a:r>
+              <a:rPr/>
+              <a:t> </a:t>
+            </a:r>
+            <a:r>
+              <a:rPr/>
+              <a:t>former,</a:t>
+            </a:r>
+            <a:r>
+              <a:rPr/>
+              <a:t> </a:t>
+            </a:r>
+            <a:r>
+              <a:rPr/>
+              <a:t>more</a:t>
+            </a:r>
+            <a:r>
+              <a:rPr/>
+              <a:t> </a:t>
+            </a:r>
+            <a:r>
+              <a:rPr/>
+              <a:t>important</a:t>
+            </a:r>
+            <a:r>
+              <a:rPr/>
+              <a:t> </a:t>
+            </a:r>
+            <a:r>
+              <a:rPr/>
+              <a:t>during</a:t>
+            </a:r>
+            <a:r>
+              <a:rPr/>
+              <a:t> </a:t>
+            </a:r>
+            <a:r>
+              <a:rPr/>
+              <a:t>summer</a:t>
+            </a:r>
+            <a:r>
+              <a:rPr/>
+              <a:t> </a:t>
+            </a:r>
+            <a:r>
+              <a:rPr/>
+              <a:t>and</a:t>
+            </a:r>
+            <a:r>
+              <a:rPr/>
+              <a:t> </a:t>
+            </a:r>
+            <a:r>
+              <a:rPr/>
+              <a:t>the</a:t>
+            </a:r>
+            <a:r>
+              <a:rPr/>
+              <a:t> </a:t>
+            </a:r>
+            <a:r>
+              <a:rPr/>
+              <a:t>the</a:t>
+            </a:r>
+            <a:r>
+              <a:rPr/>
+              <a:t> </a:t>
+            </a:r>
+            <a:r>
+              <a:rPr/>
+              <a:t>latter</a:t>
+            </a:r>
+            <a:r>
+              <a:rPr/>
+              <a:t> </a:t>
+            </a:r>
+            <a:r>
+              <a:rPr/>
+              <a:t>dominating</a:t>
+            </a:r>
+            <a:r>
+              <a:rPr/>
+              <a:t> </a:t>
+            </a:r>
+            <a:r>
+              <a:rPr/>
+              <a:t>in</a:t>
+            </a:r>
+            <a:r>
+              <a:rPr/>
+              <a:t> </a:t>
+            </a:r>
+            <a:r>
+              <a:rPr/>
+              <a:t>winter.</a:t>
+            </a:r>
+            <a:r>
+              <a:rPr/>
+              <a:t> </a:t>
+            </a:r>
+            <a:r>
+              <a:rPr/>
+              <a:t>(Esto</a:t>
+            </a:r>
+            <a:r>
+              <a:rPr/>
+              <a:t> </a:t>
+            </a:r>
+            <a:r>
+              <a:rPr/>
+              <a:t>se</a:t>
+            </a:r>
+            <a:r>
+              <a:rPr/>
+              <a:t> </a:t>
+            </a:r>
+            <a:r>
+              <a:rPr/>
+              <a:t>debería</a:t>
+            </a:r>
+            <a:r>
+              <a:rPr/>
+              <a:t> </a:t>
+            </a:r>
+            <a:r>
+              <a:rPr/>
+              <a:t>ver</a:t>
+            </a:r>
+            <a:r>
+              <a:rPr/>
+              <a:t> </a:t>
+            </a:r>
+            <a:r>
+              <a:rPr/>
+              <a:t>con</a:t>
+            </a:r>
+            <a:r>
+              <a:rPr/>
+              <a:t> </a:t>
+            </a:r>
+            <a:r>
+              <a:rPr/>
+              <a:t>la</a:t>
+            </a:r>
+            <a:r>
+              <a:rPr/>
+              <a:t> </a:t>
+            </a:r>
+            <a:r>
+              <a:rPr/>
+              <a:t>energética)</a:t>
             </a:r>
           </a:p>
         </p:txBody>
@@ -2895,15 +3531,329 @@
             </a:pPr>
             <a:r>
               <a:rPr/>
-              <a:t>The</a:t>
-            </a:r>
-            <a:r>
-              <a:rPr/>
-              <a:t> </a:t>
-            </a:r>
-            <a:r>
-              <a:rPr/>
-              <a:t>reconstructed</a:t>
+              <a:t>ZW3</a:t>
+            </a:r>
+            <a:r>
+              <a:rPr/>
+              <a:t> </a:t>
+            </a:r>
+            <a:r>
+              <a:rPr/>
+              <a:t>activiy</a:t>
+            </a:r>
+            <a:r>
+              <a:rPr/>
+              <a:t> </a:t>
+            </a:r>
+            <a:r>
+              <a:rPr/>
+              <a:t>exhibits</a:t>
+            </a:r>
+            <a:r>
+              <a:rPr/>
+              <a:t> </a:t>
+            </a:r>
+            <a:r>
+              <a:rPr/>
+              <a:t>a</a:t>
+            </a:r>
+            <a:r>
+              <a:rPr/>
+              <a:t> </a:t>
+            </a:r>
+            <a:r>
+              <a:rPr/>
+              <a:t>clear</a:t>
+            </a:r>
+            <a:r>
+              <a:rPr/>
+              <a:t> </a:t>
+            </a:r>
+            <a:r>
+              <a:rPr/>
+              <a:t>annual</a:t>
+            </a:r>
+            <a:r>
+              <a:rPr/>
+              <a:t> </a:t>
+            </a:r>
+            <a:r>
+              <a:rPr/>
+              <a:t>cycle</a:t>
+            </a:r>
+            <a:r>
+              <a:rPr/>
+              <a:t> </a:t>
+            </a:r>
+            <a:r>
+              <a:rPr/>
+              <a:t>with</a:t>
+            </a:r>
+            <a:r>
+              <a:rPr/>
+              <a:t> </a:t>
+            </a:r>
+            <a:r>
+              <a:rPr/>
+              <a:t>higher</a:t>
+            </a:r>
+            <a:r>
+              <a:rPr/>
+              <a:t> </a:t>
+            </a:r>
+            <a:r>
+              <a:rPr/>
+              <a:t>amplitude</a:t>
+            </a:r>
+            <a:r>
+              <a:rPr/>
+              <a:t> </a:t>
+            </a:r>
+            <a:r>
+              <a:rPr/>
+              <a:t>during</a:t>
+            </a:r>
+            <a:r>
+              <a:rPr/>
+              <a:t> </a:t>
+            </a:r>
+            <a:r>
+              <a:rPr/>
+              <a:t>the</a:t>
+            </a:r>
+            <a:r>
+              <a:rPr/>
+              <a:t> </a:t>
+            </a:r>
+            <a:r>
+              <a:rPr/>
+              <a:t>austral</a:t>
+            </a:r>
+            <a:r>
+              <a:rPr/>
+              <a:t> </a:t>
+            </a:r>
+            <a:r>
+              <a:rPr/>
+              <a:t>winter</a:t>
+            </a:r>
+            <a:r>
+              <a:rPr/>
+              <a:t> </a:t>
+            </a:r>
+            <a:r>
+              <a:rPr/>
+              <a:t>months</a:t>
+            </a:r>
+            <a:r>
+              <a:rPr/>
+              <a:t> </a:t>
+            </a:r>
+            <a:r>
+              <a:rPr/>
+              <a:t>and</a:t>
+            </a:r>
+            <a:r>
+              <a:rPr/>
+              <a:t> </a:t>
+            </a:r>
+            <a:r>
+              <a:rPr/>
+              <a:t>lower</a:t>
+            </a:r>
+            <a:r>
+              <a:rPr/>
+              <a:t> </a:t>
+            </a:r>
+            <a:r>
+              <a:rPr/>
+              <a:t>amplitude</a:t>
+            </a:r>
+            <a:r>
+              <a:rPr/>
+              <a:t> </a:t>
+            </a:r>
+            <a:r>
+              <a:rPr/>
+              <a:t>during</a:t>
+            </a:r>
+            <a:r>
+              <a:rPr/>
+              <a:t> </a:t>
+            </a:r>
+            <a:r>
+              <a:rPr/>
+              <a:t>the</a:t>
+            </a:r>
+            <a:r>
+              <a:rPr/>
+              <a:t> </a:t>
+            </a:r>
+            <a:r>
+              <a:rPr/>
+              <a:t>summer</a:t>
+            </a:r>
+            <a:r>
+              <a:rPr/>
+              <a:t> </a:t>
+            </a:r>
+            <a:r>
+              <a:rPr/>
+              <a:t>months.</a:t>
+            </a:r>
+            <a:r>
+              <a:rPr/>
+              <a:t> </a:t>
+            </a:r>
+            <a:r>
+              <a:rPr/>
+              <a:t>This</a:t>
+            </a:r>
+            <a:r>
+              <a:rPr/>
+              <a:t> </a:t>
+            </a:r>
+            <a:r>
+              <a:rPr/>
+              <a:t>annual</a:t>
+            </a:r>
+            <a:r>
+              <a:rPr/>
+              <a:t> </a:t>
+            </a:r>
+            <a:r>
+              <a:rPr/>
+              <a:t>cycle</a:t>
+            </a:r>
+            <a:r>
+              <a:rPr/>
+              <a:t> </a:t>
+            </a:r>
+            <a:r>
+              <a:rPr/>
+              <a:t>is</a:t>
+            </a:r>
+            <a:r>
+              <a:rPr/>
+              <a:t> </a:t>
+            </a:r>
+            <a:r>
+              <a:rPr/>
+              <a:t>consistent</a:t>
+            </a:r>
+            <a:r>
+              <a:rPr/>
+              <a:t> </a:t>
+            </a:r>
+            <a:r>
+              <a:rPr/>
+              <a:t>with</a:t>
+            </a:r>
+            <a:r>
+              <a:rPr/>
+              <a:t> </a:t>
+            </a:r>
+            <a:r>
+              <a:rPr/>
+              <a:t>previous</a:t>
+            </a:r>
+            <a:r>
+              <a:rPr/>
+              <a:t> </a:t>
+            </a:r>
+            <a:r>
+              <a:rPr/>
+              <a:t>work</a:t>
+            </a:r>
+            <a:r>
+              <a:rPr/>
+              <a:t> </a:t>
+            </a:r>
+            <a:r>
+              <a:rPr/>
+              <a:t>[@Loon1972;</a:t>
+            </a:r>
+            <a:r>
+              <a:rPr/>
+              <a:t> </a:t>
+            </a:r>
+            <a:r>
+              <a:rPr/>
+              <a:t>@Karoly1985;</a:t>
+            </a:r>
+            <a:r>
+              <a:rPr/>
+              <a:t> </a:t>
+            </a:r>
+            <a:r>
+              <a:rPr/>
+              <a:t>@Raphael2004]</a:t>
+            </a:r>
+            <a:r>
+              <a:rPr/>
+              <a:t>.</a:t>
+            </a:r>
+          </a:p>
+          <a:p>
+            <a:pPr lvl="0" marL="0" indent="0">
+              <a:buNone/>
+            </a:pPr>
+          </a:p>
+          <a:p>
+            <a:pPr lvl="0" marL="0" indent="0">
+              <a:buNone/>
+            </a:pPr>
+            <a:r>
+              <a:rPr/>
+              <a:t>As</a:t>
+            </a:r>
+            <a:r>
+              <a:rPr/>
+              <a:t> </a:t>
+            </a:r>
+            <a:r>
+              <a:rPr/>
+              <a:t>suggested</a:t>
+            </a:r>
+            <a:r>
+              <a:rPr/>
+              <a:t> </a:t>
+            </a:r>
+            <a:r>
+              <a:rPr/>
+              <a:t>previously,</a:t>
+            </a:r>
+            <a:r>
+              <a:rPr/>
+              <a:t> </a:t>
+            </a:r>
+            <a:r>
+              <a:rPr/>
+              <a:t>the</a:t>
+            </a:r>
+            <a:r>
+              <a:rPr/>
+              <a:t> </a:t>
+            </a:r>
+            <a:r>
+              <a:rPr/>
+              <a:t>low</a:t>
+            </a:r>
+            <a:r>
+              <a:rPr/>
+              <a:t> </a:t>
+            </a:r>
+            <a:r>
+              <a:rPr/>
+              <a:t>amplitude</a:t>
+            </a:r>
+            <a:r>
+              <a:rPr/>
+              <a:t> </a:t>
+            </a:r>
+            <a:r>
+              <a:rPr/>
+              <a:t>of</a:t>
             </a:r>
             <a:r>
               <a:rPr/>
@@ -2919,31 +3869,79 @@
             </a:r>
             <a:r>
               <a:rPr/>
-              <a:t>field</a:t>
-            </a:r>
-            <a:r>
-              <a:rPr/>
-              <a:t> </a:t>
-            </a:r>
-            <a:r>
-              <a:rPr/>
-              <a:t>at</a:t>
-            </a:r>
-            <a:r>
-              <a:rPr/>
-              <a:t> </a:t>
-            </a:r>
-            <a:r>
-              <a:rPr/>
-              <a:t>200hPa</a:t>
-            </a:r>
-            <a:r>
-              <a:rPr/>
-              <a:t> </a:t>
-            </a:r>
-            <a:r>
-              <a:rPr/>
-              <a:t>show</a:t>
+              <a:t>wave</a:t>
+            </a:r>
+            <a:r>
+              <a:rPr/>
+              <a:t> </a:t>
+            </a:r>
+            <a:r>
+              <a:rPr/>
+              <a:t>in</a:t>
+            </a:r>
+            <a:r>
+              <a:rPr/>
+              <a:t> </a:t>
+            </a:r>
+            <a:r>
+              <a:rPr/>
+              <a:t>spring</a:t>
+            </a:r>
+            <a:r>
+              <a:rPr/>
+              <a:t> </a:t>
+            </a:r>
+            <a:r>
+              <a:rPr/>
+              <a:t>is</a:t>
+            </a:r>
+            <a:r>
+              <a:rPr/>
+              <a:t> </a:t>
+            </a:r>
+            <a:r>
+              <a:rPr/>
+              <a:t>not</a:t>
+            </a:r>
+            <a:r>
+              <a:rPr/>
+              <a:t> </a:t>
+            </a:r>
+            <a:r>
+              <a:rPr/>
+              <a:t>due</a:t>
+            </a:r>
+            <a:r>
+              <a:rPr/>
+              <a:t> </a:t>
+            </a:r>
+            <a:r>
+              <a:rPr/>
+              <a:t>to</a:t>
+            </a:r>
+            <a:r>
+              <a:rPr/>
+              <a:t> </a:t>
+            </a:r>
+            <a:r>
+              <a:rPr/>
+              <a:t>a</a:t>
+            </a:r>
+            <a:r>
+              <a:rPr/>
+              <a:t> </a:t>
+            </a:r>
+            <a:r>
+              <a:rPr/>
+              <a:t>reduction</a:t>
+            </a:r>
+            <a:r>
+              <a:rPr/>
+              <a:t> </a:t>
+            </a:r>
+            <a:r>
+              <a:rPr/>
+              <a:t>in</a:t>
             </a:r>
             <a:r>
               <a:rPr/>
@@ -2959,39 +3957,15 @@
             </a:r>
             <a:r>
               <a:rPr/>
-              <a:t>expected</a:t>
-            </a:r>
-            <a:r>
-              <a:rPr/>
-              <a:t> </a:t>
-            </a:r>
-            <a:r>
-              <a:rPr/>
-              <a:t>maximum</a:t>
-            </a:r>
-            <a:r>
-              <a:rPr/>
-              <a:t> </a:t>
-            </a:r>
-            <a:r>
-              <a:rPr/>
-              <a:t>at</a:t>
-            </a:r>
-            <a:r>
-              <a:rPr/>
-              <a:t> </a:t>
-            </a:r>
-            <a:r>
-              <a:rPr/>
-              <a:t>50°S</a:t>
-            </a:r>
-            <a:r>
-              <a:rPr/>
-              <a:t> </a:t>
-            </a:r>
-            <a:r>
-              <a:rPr/>
-              <a:t>and</a:t>
+              <a:t>amplitude</a:t>
+            </a:r>
+            <a:r>
+              <a:rPr/>
+              <a:t> </a:t>
+            </a:r>
+            <a:r>
+              <a:rPr/>
+              <a:t>of</a:t>
             </a:r>
             <a:r>
               <a:rPr/>
@@ -3007,23 +3981,39 @@
             </a:r>
             <a:r>
               <a:rPr/>
-              <a:t>anual</a:t>
-            </a:r>
-            <a:r>
-              <a:rPr/>
-              <a:t> </a:t>
-            </a:r>
-            <a:r>
-              <a:rPr/>
-              <a:t>cycle</a:t>
-            </a:r>
-            <a:r>
-              <a:rPr/>
-              <a:t> </a:t>
-            </a:r>
-            <a:r>
-              <a:rPr/>
-              <a:t>in</a:t>
+              <a:t>planetary</a:t>
+            </a:r>
+            <a:r>
+              <a:rPr/>
+              <a:t> </a:t>
+            </a:r>
+            <a:r>
+              <a:rPr/>
+              <a:t>wave</a:t>
+            </a:r>
+            <a:r>
+              <a:rPr/>
+              <a:t> </a:t>
+            </a:r>
+            <a:r>
+              <a:rPr/>
+              <a:t>3</a:t>
+            </a:r>
+            <a:r>
+              <a:rPr/>
+              <a:t> </a:t>
+            </a:r>
+            <a:r>
+              <a:rPr/>
+              <a:t>but</a:t>
+            </a:r>
+            <a:r>
+              <a:rPr/>
+              <a:t> </a:t>
+            </a:r>
+            <a:r>
+              <a:rPr/>
+              <a:t>to</a:t>
             </a:r>
             <a:r>
               <a:rPr/>
@@ -3039,271 +4029,15 @@
             </a:r>
             <a:r>
               <a:rPr/>
-              <a:t>phase</a:t>
-            </a:r>
-            <a:r>
-              <a:rPr/>
-              <a:t> </a:t>
-            </a:r>
-            <a:r>
-              <a:rPr/>
-              <a:t>already</a:t>
-            </a:r>
-            <a:r>
-              <a:rPr/>
-              <a:t> </a:t>
-            </a:r>
-            <a:r>
-              <a:rPr/>
-              <a:t>observed</a:t>
-            </a:r>
-            <a:r>
-              <a:rPr/>
-              <a:t> </a:t>
-            </a:r>
-            <a:r>
-              <a:rPr/>
-              <a:t>in</a:t>
-            </a:r>
-            <a:r>
-              <a:rPr/>
-              <a:t> </a:t>
-            </a:r>
-            <a:r>
-              <a:rPr/>
-              <a:t>previous</a:t>
-            </a:r>
-            <a:r>
-              <a:rPr/>
-              <a:t> </a:t>
-            </a:r>
-            <a:r>
-              <a:rPr/>
-              <a:t>studies.</a:t>
-            </a:r>
-            <a:r>
-              <a:rPr/>
-              <a:t> </a:t>
-            </a:r>
-            <a:r>
-              <a:rPr/>
-              <a:t>It</a:t>
-            </a:r>
-            <a:r>
-              <a:rPr/>
-              <a:t> </a:t>
-            </a:r>
-            <a:r>
-              <a:rPr/>
-              <a:t>also</a:t>
-            </a:r>
-            <a:r>
-              <a:rPr/>
-              <a:t> </a:t>
-            </a:r>
-            <a:r>
-              <a:rPr/>
-              <a:t>shows</a:t>
-            </a:r>
-            <a:r>
-              <a:rPr/>
-              <a:t> </a:t>
-            </a:r>
-            <a:r>
-              <a:rPr/>
-              <a:t>an</a:t>
-            </a:r>
-            <a:r>
-              <a:rPr/>
-              <a:t> </a:t>
-            </a:r>
-            <a:r>
-              <a:rPr/>
-              <a:t>easterly</a:t>
-            </a:r>
-            <a:r>
-              <a:rPr/>
-              <a:t> </a:t>
-            </a:r>
-            <a:r>
-              <a:rPr/>
-              <a:t>inclination</a:t>
-            </a:r>
-            <a:r>
-              <a:rPr/>
-              <a:t> </a:t>
-            </a:r>
-            <a:r>
-              <a:rPr/>
-              <a:t>of</a:t>
-            </a:r>
-            <a:r>
-              <a:rPr/>
-              <a:t> </a:t>
-            </a:r>
-            <a:r>
-              <a:rPr/>
-              <a:t>the</a:t>
-            </a:r>
-            <a:r>
-              <a:rPr/>
-              <a:t> </a:t>
-            </a:r>
-            <a:r>
-              <a:rPr/>
-              <a:t>systems</a:t>
-            </a:r>
-            <a:r>
-              <a:rPr/>
-              <a:t> </a:t>
-            </a:r>
-            <a:r>
-              <a:rPr/>
-              <a:t>evident</a:t>
-            </a:r>
-            <a:r>
-              <a:rPr/>
-              <a:t> </a:t>
-            </a:r>
-            <a:r>
-              <a:rPr/>
-              <a:t>in</a:t>
-            </a:r>
-            <a:r>
-              <a:rPr/>
-              <a:t> </a:t>
-            </a:r>
-            <a:r>
-              <a:rPr/>
-              <a:t>summer</a:t>
-            </a:r>
-            <a:r>
-              <a:rPr/>
-              <a:t> </a:t>
-            </a:r>
-            <a:r>
-              <a:rPr/>
-              <a:t>but</a:t>
-            </a:r>
-            <a:r>
-              <a:rPr/>
-              <a:t> </a:t>
-            </a:r>
-            <a:r>
-              <a:rPr/>
-              <a:t>absent</a:t>
-            </a:r>
-            <a:r>
-              <a:rPr/>
-              <a:t> </a:t>
-            </a:r>
-            <a:r>
-              <a:rPr/>
-              <a:t>in</a:t>
-            </a:r>
-            <a:r>
-              <a:rPr/>
-              <a:t> </a:t>
-            </a:r>
-            <a:r>
-              <a:rPr/>
-              <a:t>winter,</a:t>
-            </a:r>
-            <a:r>
-              <a:rPr/>
-              <a:t> </a:t>
-            </a:r>
-            <a:r>
-              <a:rPr/>
-              <a:t>suggesting</a:t>
-            </a:r>
-            <a:r>
-              <a:rPr/>
-              <a:t> </a:t>
-            </a:r>
-            <a:r>
-              <a:rPr/>
-              <a:t>that</a:t>
-            </a:r>
-            <a:r>
-              <a:rPr/>
-              <a:t> </a:t>
-            </a:r>
-            <a:r>
-              <a:rPr/>
-              <a:t>the</a:t>
-            </a:r>
-            <a:r>
-              <a:rPr/>
-              <a:t> </a:t>
-            </a:r>
-            <a:r>
-              <a:rPr/>
-              <a:t>QS3</a:t>
-            </a:r>
-            <a:r>
-              <a:rPr/>
-              <a:t> </a:t>
-            </a:r>
-            <a:r>
-              <a:rPr/>
-              <a:t>might</a:t>
-            </a:r>
-            <a:r>
-              <a:rPr/>
-              <a:t> </a:t>
-            </a:r>
-            <a:r>
-              <a:rPr/>
-              <a:t>be</a:t>
-            </a:r>
-            <a:r>
-              <a:rPr/>
-              <a:t> </a:t>
-            </a:r>
-            <a:r>
-              <a:rPr/>
-              <a:t>related</a:t>
-            </a:r>
-            <a:r>
-              <a:rPr/>
-              <a:t> </a:t>
-            </a:r>
-            <a:r>
-              <a:rPr/>
-              <a:t>to</a:t>
-            </a:r>
-            <a:r>
-              <a:rPr/>
-              <a:t> </a:t>
-            </a:r>
-            <a:r>
-              <a:rPr/>
-              <a:t>southerly</a:t>
-            </a:r>
-            <a:r>
-              <a:rPr/>
-              <a:t> </a:t>
-            </a:r>
-            <a:r>
-              <a:rPr/>
-              <a:t>transport</a:t>
-            </a:r>
-            <a:r>
-              <a:rPr/>
-              <a:t> </a:t>
-            </a:r>
-            <a:r>
-              <a:rPr/>
-              <a:t>of</a:t>
-            </a:r>
-            <a:r>
-              <a:rPr/>
-              <a:t> </a:t>
-            </a:r>
-            <a:r>
-              <a:rPr/>
-              <a:t>momentum.</a:t>
+              <a:t>reduced</a:t>
+            </a:r>
+            <a:r>
+              <a:rPr/>
+              <a:t> </a:t>
+            </a:r>
+            <a:r>
+              <a:rPr/>
+              <a:t>stationarity.</a:t>
             </a:r>
           </a:p>
         </p:txBody>
@@ -3385,143 +4119,87 @@
             </a:pPr>
             <a:r>
               <a:rPr/>
-              <a:t>The</a:t>
-            </a:r>
-            <a:r>
-              <a:rPr/>
-              <a:t> </a:t>
-            </a:r>
-            <a:r>
-              <a:rPr/>
-              <a:t>vertical</a:t>
-            </a:r>
-            <a:r>
-              <a:rPr/>
-              <a:t> </a:t>
-            </a:r>
-            <a:r>
-              <a:rPr/>
-              <a:t>strucure</a:t>
-            </a:r>
-            <a:r>
-              <a:rPr/>
-              <a:t> </a:t>
-            </a:r>
-            <a:r>
-              <a:rPr/>
-              <a:t>of</a:t>
-            </a:r>
-            <a:r>
-              <a:rPr/>
-              <a:t> </a:t>
-            </a:r>
-            <a:r>
-              <a:rPr/>
-              <a:t>the</a:t>
-            </a:r>
-            <a:r>
-              <a:rPr/>
-              <a:t> </a:t>
-            </a:r>
-            <a:r>
-              <a:rPr/>
-              <a:t>QS3</a:t>
-            </a:r>
-            <a:r>
-              <a:rPr/>
-              <a:t> </a:t>
-            </a:r>
-            <a:r>
-              <a:rPr/>
-              <a:t>shows</a:t>
-            </a:r>
-            <a:r>
-              <a:rPr/>
-              <a:t> </a:t>
-            </a:r>
-            <a:r>
-              <a:rPr/>
-              <a:t>that</a:t>
-            </a:r>
-            <a:r>
-              <a:rPr/>
-              <a:t> </a:t>
-            </a:r>
-            <a:r>
-              <a:rPr/>
-              <a:t>the</a:t>
-            </a:r>
-            <a:r>
-              <a:rPr/>
-              <a:t> </a:t>
-            </a:r>
-            <a:r>
-              <a:rPr/>
-              <a:t>expected</a:t>
-            </a:r>
-            <a:r>
-              <a:rPr/>
-              <a:t> </a:t>
-            </a:r>
-            <a:r>
-              <a:rPr/>
-              <a:t>seasonal</a:t>
-            </a:r>
-            <a:r>
-              <a:rPr/>
-              <a:t> </a:t>
-            </a:r>
-            <a:r>
-              <a:rPr/>
-              <a:t>cycle</a:t>
-            </a:r>
-            <a:r>
-              <a:rPr/>
-              <a:t> </a:t>
-            </a:r>
-            <a:r>
-              <a:rPr/>
-              <a:t>in</a:t>
-            </a:r>
-            <a:r>
-              <a:rPr/>
-              <a:t> </a:t>
-            </a:r>
-            <a:r>
-              <a:rPr/>
-              <a:t>vertical</a:t>
-            </a:r>
-            <a:r>
-              <a:rPr/>
-              <a:t> </a:t>
-            </a:r>
-            <a:r>
-              <a:rPr/>
-              <a:t>extent</a:t>
-            </a:r>
-            <a:r>
-              <a:rPr/>
-              <a:t> </a:t>
-            </a:r>
-            <a:r>
-              <a:rPr/>
-              <a:t>is</a:t>
-            </a:r>
-            <a:r>
-              <a:rPr/>
-              <a:t> </a:t>
-            </a:r>
-            <a:r>
-              <a:rPr/>
-              <a:t>followed</a:t>
-            </a:r>
-            <a:r>
-              <a:rPr/>
-              <a:t> </a:t>
-            </a:r>
-            <a:r>
-              <a:rPr/>
-              <a:t>by</a:t>
+              <a:t>Se</a:t>
+            </a:r>
+            <a:r>
+              <a:rPr/>
+              <a:t> </a:t>
+            </a:r>
+            <a:r>
+              <a:rPr/>
+              <a:t>muestran</a:t>
+            </a:r>
+            <a:r>
+              <a:rPr/>
+              <a:t> </a:t>
+            </a:r>
+            <a:r>
+              <a:rPr/>
+              <a:t>los</a:t>
+            </a:r>
+            <a:r>
+              <a:rPr/>
+              <a:t> </a:t>
+            </a:r>
+            <a:r>
+              <a:rPr/>
+              <a:t>cuatro</a:t>
+            </a:r>
+            <a:r>
+              <a:rPr/>
+              <a:t> </a:t>
+            </a:r>
+            <a:r>
+              <a:rPr/>
+              <a:t>pares</a:t>
+            </a:r>
+            <a:r>
+              <a:rPr/>
+              <a:t> </a:t>
+            </a:r>
+            <a:r>
+              <a:rPr/>
+              <a:t>de</a:t>
+            </a:r>
+            <a:r>
+              <a:rPr/>
+              <a:t> </a:t>
+            </a:r>
+            <a:r>
+              <a:rPr/>
+              <a:t>campos</a:t>
+            </a:r>
+            <a:r>
+              <a:rPr/>
+              <a:t> </a:t>
+            </a:r>
+            <a:r>
+              <a:rPr/>
+              <a:t>más</a:t>
+            </a:r>
+            <a:r>
+              <a:rPr/>
+              <a:t> </a:t>
+            </a:r>
+            <a:r>
+              <a:rPr/>
+              <a:t>similares</a:t>
+            </a:r>
+            <a:r>
+              <a:rPr/>
+              <a:t> </a:t>
+            </a:r>
+            <a:r>
+              <a:rPr/>
+              <a:t>en</a:t>
+            </a:r>
+            <a:r>
+              <a:rPr/>
+              <a:t> </a:t>
+            </a:r>
+            <a:r>
+              <a:rPr/>
+              <a:t>cuanto</a:t>
             </a:r>
             <a:r>
               <a:rPr/>
@@ -3537,39 +4215,783 @@
             </a:r>
             <a:r>
               <a:rPr/>
-              <a:t>slight</a:t>
-            </a:r>
-            <a:r>
-              <a:rPr/>
-              <a:t> </a:t>
-            </a:r>
-            <a:r>
-              <a:rPr/>
-              <a:t>inclination</a:t>
-            </a:r>
-            <a:r>
-              <a:rPr/>
-              <a:t> </a:t>
-            </a:r>
-            <a:r>
-              <a:rPr/>
-              <a:t>of</a:t>
-            </a:r>
-            <a:r>
-              <a:rPr/>
-              <a:t> </a:t>
-            </a:r>
-            <a:r>
-              <a:rPr/>
-              <a:t>the</a:t>
-            </a:r>
-            <a:r>
-              <a:rPr/>
-              <a:t> </a:t>
-            </a:r>
-            <a:r>
-              <a:rPr/>
-              <a:t>disturances.</a:t>
+              <a:t>amplitud</a:t>
+            </a:r>
+            <a:r>
+              <a:rPr/>
+              <a:t> </a:t>
+            </a:r>
+            <a:r>
+              <a:rPr/>
+              <a:t>y</a:t>
+            </a:r>
+            <a:r>
+              <a:rPr/>
+              <a:t> </a:t>
+            </a:r>
+            <a:r>
+              <a:rPr/>
+              <a:t>fase.</a:t>
+            </a:r>
+            <a:r>
+              <a:rPr/>
+              <a:t> </a:t>
+            </a:r>
+            <a:r>
+              <a:rPr/>
+              <a:t>Aún</a:t>
+            </a:r>
+            <a:r>
+              <a:rPr/>
+              <a:t> </a:t>
+            </a:r>
+            <a:r>
+              <a:rPr/>
+              <a:t>en</a:t>
+            </a:r>
+            <a:r>
+              <a:rPr/>
+              <a:t> </a:t>
+            </a:r>
+            <a:r>
+              <a:rPr/>
+              <a:t>esta</a:t>
+            </a:r>
+            <a:r>
+              <a:rPr/>
+              <a:t> </a:t>
+            </a:r>
+            <a:r>
+              <a:rPr/>
+              <a:t>muestra</a:t>
+            </a:r>
+            <a:r>
+              <a:rPr/>
+              <a:t> </a:t>
+            </a:r>
+            <a:r>
+              <a:rPr/>
+              <a:t>puede</a:t>
+            </a:r>
+            <a:r>
+              <a:rPr/>
+              <a:t> </a:t>
+            </a:r>
+            <a:r>
+              <a:rPr/>
+              <a:t>verse</a:t>
+            </a:r>
+            <a:r>
+              <a:rPr/>
+              <a:t> </a:t>
+            </a:r>
+            <a:r>
+              <a:rPr/>
+              <a:t>grandes</a:t>
+            </a:r>
+            <a:r>
+              <a:rPr/>
+              <a:t> </a:t>
+            </a:r>
+            <a:r>
+              <a:rPr/>
+              <a:t>heterogeneidades.</a:t>
+            </a:r>
+            <a:r>
+              <a:rPr/>
+              <a:t> </a:t>
+            </a:r>
+            <a:r>
+              <a:rPr/>
+              <a:t>En</a:t>
+            </a:r>
+            <a:r>
+              <a:rPr/>
+              <a:t> </a:t>
+            </a:r>
+            <a:r>
+              <a:rPr/>
+              <a:t>el</a:t>
+            </a:r>
+            <a:r>
+              <a:rPr/>
+              <a:t> </a:t>
+            </a:r>
+            <a:r>
+              <a:rPr/>
+              <a:t>primer</a:t>
+            </a:r>
+            <a:r>
+              <a:rPr/>
+              <a:t> </a:t>
+            </a:r>
+            <a:r>
+              <a:rPr/>
+              <a:t>par</a:t>
+            </a:r>
+            <a:r>
+              <a:rPr/>
+              <a:t> </a:t>
+            </a:r>
+            <a:r>
+              <a:rPr/>
+              <a:t>de</a:t>
+            </a:r>
+            <a:r>
+              <a:rPr/>
+              <a:t> </a:t>
+            </a:r>
+            <a:r>
+              <a:rPr/>
+              <a:t>campos,</a:t>
+            </a:r>
+            <a:r>
+              <a:rPr/>
+              <a:t> </a:t>
+            </a:r>
+            <a:r>
+              <a:rPr/>
+              <a:t>por</a:t>
+            </a:r>
+            <a:r>
+              <a:rPr/>
+              <a:t> </a:t>
+            </a:r>
+            <a:r>
+              <a:rPr/>
+              <a:t>ejemplo,</a:t>
+            </a:r>
+            <a:r>
+              <a:rPr/>
+              <a:t> </a:t>
+            </a:r>
+            <a:r>
+              <a:rPr/>
+              <a:t>uno</a:t>
+            </a:r>
+            <a:r>
+              <a:rPr/>
+              <a:t> </a:t>
+            </a:r>
+            <a:r>
+              <a:rPr/>
+              <a:t>muestra</a:t>
+            </a:r>
+            <a:r>
+              <a:rPr/>
+              <a:t> </a:t>
+            </a:r>
+            <a:r>
+              <a:rPr/>
+              <a:t>anomalías</a:t>
+            </a:r>
+            <a:r>
+              <a:rPr/>
+              <a:t> </a:t>
+            </a:r>
+            <a:r>
+              <a:rPr/>
+              <a:t>zonales</a:t>
+            </a:r>
+            <a:r>
+              <a:rPr/>
+              <a:t> </a:t>
+            </a:r>
+            <a:r>
+              <a:rPr/>
+              <a:t>significativas</a:t>
+            </a:r>
+            <a:r>
+              <a:rPr/>
+              <a:t> </a:t>
+            </a:r>
+            <a:r>
+              <a:rPr/>
+              <a:t>principalmente</a:t>
+            </a:r>
+            <a:r>
+              <a:rPr/>
+              <a:t> </a:t>
+            </a:r>
+            <a:r>
+              <a:rPr/>
+              <a:t>sobre</a:t>
+            </a:r>
+            <a:r>
+              <a:rPr/>
+              <a:t> </a:t>
+            </a:r>
+            <a:r>
+              <a:rPr/>
+              <a:t>el</a:t>
+            </a:r>
+            <a:r>
+              <a:rPr/>
+              <a:t> </a:t>
+            </a:r>
+            <a:r>
+              <a:rPr/>
+              <a:t>Atlántico</a:t>
+            </a:r>
+            <a:r>
+              <a:rPr/>
+              <a:t> </a:t>
+            </a:r>
+            <a:r>
+              <a:rPr/>
+              <a:t>y</a:t>
+            </a:r>
+            <a:r>
+              <a:rPr/>
+              <a:t> </a:t>
+            </a:r>
+            <a:r>
+              <a:rPr/>
+              <a:t>el</a:t>
+            </a:r>
+            <a:r>
+              <a:rPr/>
+              <a:t> </a:t>
+            </a:r>
+            <a:r>
+              <a:rPr/>
+              <a:t>Índico</a:t>
+            </a:r>
+            <a:r>
+              <a:rPr/>
+              <a:t> </a:t>
+            </a:r>
+            <a:r>
+              <a:rPr/>
+              <a:t>mientrs</a:t>
+            </a:r>
+            <a:r>
+              <a:rPr/>
+              <a:t> </a:t>
+            </a:r>
+            <a:r>
+              <a:rPr/>
+              <a:t>que</a:t>
+            </a:r>
+            <a:r>
+              <a:rPr/>
+              <a:t> </a:t>
+            </a:r>
+            <a:r>
+              <a:rPr/>
+              <a:t>en</a:t>
+            </a:r>
+            <a:r>
+              <a:rPr/>
+              <a:t> </a:t>
+            </a:r>
+            <a:r>
+              <a:rPr/>
+              <a:t>el</a:t>
+            </a:r>
+            <a:r>
+              <a:rPr/>
+              <a:t> </a:t>
+            </a:r>
+            <a:r>
+              <a:rPr/>
+              <a:t>otro</a:t>
+            </a:r>
+            <a:r>
+              <a:rPr/>
+              <a:t> </a:t>
+            </a:r>
+            <a:r>
+              <a:rPr/>
+              <a:t>éstas</a:t>
+            </a:r>
+            <a:r>
+              <a:rPr/>
+              <a:t> </a:t>
+            </a:r>
+            <a:r>
+              <a:rPr/>
+              <a:t>ocupan</a:t>
+            </a:r>
+            <a:r>
+              <a:rPr/>
+              <a:t> </a:t>
+            </a:r>
+            <a:r>
+              <a:rPr/>
+              <a:t>todo</a:t>
+            </a:r>
+            <a:r>
+              <a:rPr/>
+              <a:t> </a:t>
+            </a:r>
+            <a:r>
+              <a:rPr/>
+              <a:t>el</a:t>
+            </a:r>
+            <a:r>
+              <a:rPr/>
+              <a:t> </a:t>
+            </a:r>
+            <a:r>
+              <a:rPr/>
+              <a:t>dominio.</a:t>
+            </a:r>
+            <a:r>
+              <a:rPr/>
+              <a:t> </a:t>
+            </a:r>
+            <a:r>
+              <a:rPr/>
+              <a:t>La</a:t>
+            </a:r>
+            <a:r>
+              <a:rPr/>
+              <a:t> </a:t>
+            </a:r>
+            <a:r>
+              <a:rPr/>
+              <a:t>latitud</a:t>
+            </a:r>
+            <a:r>
+              <a:rPr/>
+              <a:t> </a:t>
+            </a:r>
+            <a:r>
+              <a:rPr/>
+              <a:t>de</a:t>
+            </a:r>
+            <a:r>
+              <a:rPr/>
+              <a:t> </a:t>
+            </a:r>
+            <a:r>
+              <a:rPr/>
+              <a:t>las</a:t>
+            </a:r>
+            <a:r>
+              <a:rPr/>
+              <a:t> </a:t>
+            </a:r>
+            <a:r>
+              <a:rPr/>
+              <a:t>anomal</a:t>
+            </a:r>
+            <a:r>
+              <a:rPr/>
+              <a:t> </a:t>
+            </a:r>
+            <a:r>
+              <a:rPr/>
+              <a:t>ías</a:t>
+            </a:r>
+            <a:r>
+              <a:rPr/>
+              <a:t> </a:t>
+            </a:r>
+            <a:r>
+              <a:rPr/>
+              <a:t>también</a:t>
+            </a:r>
+            <a:r>
+              <a:rPr/>
+              <a:t> </a:t>
+            </a:r>
+            <a:r>
+              <a:rPr/>
+              <a:t>cambia</a:t>
+            </a:r>
+            <a:r>
+              <a:rPr/>
+              <a:t> </a:t>
+            </a:r>
+            <a:r>
+              <a:rPr/>
+              <a:t>mucho</a:t>
+            </a:r>
+            <a:r>
+              <a:rPr/>
+              <a:t> </a:t>
+            </a:r>
+            <a:r>
+              <a:rPr/>
+              <a:t>entre</a:t>
+            </a:r>
+            <a:r>
+              <a:rPr/>
+              <a:t> </a:t>
+            </a:r>
+            <a:r>
+              <a:rPr/>
+              <a:t>ambos</a:t>
+            </a:r>
+            <a:r>
+              <a:rPr/>
+              <a:t> </a:t>
+            </a:r>
+            <a:r>
+              <a:rPr/>
+              <a:t>casos.</a:t>
+            </a:r>
+            <a:r>
+              <a:rPr/>
+              <a:t> </a:t>
+            </a:r>
+            <a:r>
+              <a:rPr/>
+              <a:t>La</a:t>
+            </a:r>
+            <a:r>
+              <a:rPr/>
+              <a:t> </a:t>
+            </a:r>
+            <a:r>
+              <a:rPr/>
+              <a:t>correlación</a:t>
+            </a:r>
+            <a:r>
+              <a:rPr/>
+              <a:t> </a:t>
+            </a:r>
+            <a:r>
+              <a:rPr/>
+              <a:t>de</a:t>
+            </a:r>
+            <a:r>
+              <a:rPr/>
+              <a:t> </a:t>
+            </a:r>
+            <a:r>
+              <a:rPr/>
+              <a:t>campo</a:t>
+            </a:r>
+            <a:r>
+              <a:rPr/>
+              <a:t> </a:t>
+            </a:r>
+            <a:r>
+              <a:rPr/>
+              <a:t>es</a:t>
+            </a:r>
+            <a:r>
+              <a:rPr/>
+              <a:t> </a:t>
+            </a:r>
+            <a:r>
+              <a:rPr/>
+              <a:t>de</a:t>
+            </a:r>
+            <a:r>
+              <a:rPr/>
+              <a:t> </a:t>
+            </a:r>
+            <a:r>
+              <a:rPr/>
+              <a:t>0.37</a:t>
+            </a:r>
+            <a:r>
+              <a:rPr/>
+              <a:t> </a:t>
+            </a:r>
+            <a:r>
+              <a:rPr/>
+              <a:t>El</a:t>
+            </a:r>
+            <a:r>
+              <a:rPr/>
+              <a:t> </a:t>
+            </a:r>
+            <a:r>
+              <a:rPr/>
+              <a:t>segundo</a:t>
+            </a:r>
+            <a:r>
+              <a:rPr/>
+              <a:t> </a:t>
+            </a:r>
+            <a:r>
+              <a:rPr/>
+              <a:t>y</a:t>
+            </a:r>
+            <a:r>
+              <a:rPr/>
+              <a:t> </a:t>
+            </a:r>
+            <a:r>
+              <a:rPr/>
+              <a:t>tercer</a:t>
+            </a:r>
+            <a:r>
+              <a:rPr/>
+              <a:t> </a:t>
+            </a:r>
+            <a:r>
+              <a:rPr/>
+              <a:t>par</a:t>
+            </a:r>
+            <a:r>
+              <a:rPr/>
+              <a:t> </a:t>
+            </a:r>
+            <a:r>
+              <a:rPr/>
+              <a:t>de</a:t>
+            </a:r>
+            <a:r>
+              <a:rPr/>
+              <a:t> </a:t>
+            </a:r>
+            <a:r>
+              <a:rPr/>
+              <a:t>campos</a:t>
+            </a:r>
+            <a:r>
+              <a:rPr/>
+              <a:t> </a:t>
+            </a:r>
+            <a:r>
+              <a:rPr/>
+              <a:t>presenta</a:t>
+            </a:r>
+            <a:r>
+              <a:rPr/>
+              <a:t> </a:t>
+            </a:r>
+            <a:r>
+              <a:rPr/>
+              <a:t>mayor</a:t>
+            </a:r>
+            <a:r>
+              <a:rPr/>
+              <a:t> </a:t>
+            </a:r>
+            <a:r>
+              <a:rPr/>
+              <a:t>similaridad</a:t>
+            </a:r>
+            <a:r>
+              <a:rPr/>
+              <a:t> </a:t>
+            </a:r>
+            <a:r>
+              <a:rPr/>
+              <a:t>(correlación</a:t>
+            </a:r>
+            <a:r>
+              <a:rPr/>
+              <a:t> </a:t>
+            </a:r>
+            <a:r>
+              <a:rPr/>
+              <a:t>de</a:t>
+            </a:r>
+            <a:r>
+              <a:rPr/>
+              <a:t> </a:t>
+            </a:r>
+            <a:r>
+              <a:rPr/>
+              <a:t>campo</a:t>
+            </a:r>
+            <a:r>
+              <a:rPr/>
+              <a:t> </a:t>
+            </a:r>
+            <a:r>
+              <a:rPr/>
+              <a:t>0.54</a:t>
+            </a:r>
+            <a:r>
+              <a:rPr/>
+              <a:t> </a:t>
+            </a:r>
+            <a:r>
+              <a:rPr/>
+              <a:t>y</a:t>
+            </a:r>
+            <a:r>
+              <a:rPr/>
+              <a:t> </a:t>
+            </a:r>
+            <a:r>
+              <a:rPr/>
+              <a:t>0.84</a:t>
+            </a:r>
+            <a:r>
+              <a:rPr/>
+              <a:t> </a:t>
+            </a:r>
+            <a:r>
+              <a:rPr/>
+              <a:t>respectivamente).</a:t>
+            </a:r>
+            <a:r>
+              <a:rPr/>
+              <a:t> </a:t>
+            </a:r>
+            <a:r>
+              <a:rPr/>
+              <a:t>El</a:t>
+            </a:r>
+            <a:r>
+              <a:rPr/>
+              <a:t> </a:t>
+            </a:r>
+            <a:r>
+              <a:rPr/>
+              <a:t>cuarto</a:t>
+            </a:r>
+            <a:r>
+              <a:rPr/>
+              <a:t> </a:t>
+            </a:r>
+            <a:r>
+              <a:rPr/>
+              <a:t>par</a:t>
+            </a:r>
+            <a:r>
+              <a:rPr/>
+              <a:t> </a:t>
+            </a:r>
+            <a:r>
+              <a:rPr/>
+              <a:t>no</a:t>
+            </a:r>
+            <a:r>
+              <a:rPr/>
+              <a:t> </a:t>
+            </a:r>
+            <a:r>
+              <a:rPr/>
+              <a:t>sólo</a:t>
+            </a:r>
+            <a:r>
+              <a:rPr/>
+              <a:t> </a:t>
+            </a:r>
+            <a:r>
+              <a:rPr/>
+              <a:t>presenta</a:t>
+            </a:r>
+            <a:r>
+              <a:rPr/>
+              <a:t> </a:t>
+            </a:r>
+            <a:r>
+              <a:rPr/>
+              <a:t>poca</a:t>
+            </a:r>
+            <a:r>
+              <a:rPr/>
+              <a:t> </a:t>
+            </a:r>
+            <a:r>
+              <a:rPr/>
+              <a:t>correlación</a:t>
+            </a:r>
+            <a:r>
+              <a:rPr/>
+              <a:t> </a:t>
+            </a:r>
+            <a:r>
+              <a:rPr/>
+              <a:t>(0.47)</a:t>
+            </a:r>
+            <a:r>
+              <a:rPr/>
+              <a:t> </a:t>
+            </a:r>
+            <a:r>
+              <a:rPr/>
+              <a:t>sino</a:t>
+            </a:r>
+            <a:r>
+              <a:rPr/>
+              <a:t> </a:t>
+            </a:r>
+            <a:r>
+              <a:rPr/>
+              <a:t>que</a:t>
+            </a:r>
+            <a:r>
+              <a:rPr/>
+              <a:t> </a:t>
+            </a:r>
+            <a:r>
+              <a:rPr/>
+              <a:t>presenta</a:t>
+            </a:r>
+            <a:r>
+              <a:rPr/>
+              <a:t> </a:t>
+            </a:r>
+            <a:r>
+              <a:rPr/>
+              <a:t>una</a:t>
+            </a:r>
+            <a:r>
+              <a:rPr/>
+              <a:t> </a:t>
+            </a:r>
+            <a:r>
+              <a:rPr/>
+              <a:t>gran</a:t>
+            </a:r>
+            <a:r>
+              <a:rPr/>
+              <a:t> </a:t>
+            </a:r>
+            <a:r>
+              <a:rPr/>
+              <a:t>diferencia</a:t>
+            </a:r>
+            <a:r>
+              <a:rPr/>
+              <a:t> </a:t>
+            </a:r>
+            <a:r>
+              <a:rPr/>
+              <a:t>en</a:t>
+            </a:r>
+            <a:r>
+              <a:rPr/>
+              <a:t> </a:t>
+            </a:r>
+            <a:r>
+              <a:rPr/>
+              <a:t>el</a:t>
+            </a:r>
+            <a:r>
+              <a:rPr/>
+              <a:t> </a:t>
+            </a:r>
+            <a:r>
+              <a:rPr/>
+              <a:t>área</a:t>
+            </a:r>
+            <a:r>
+              <a:rPr/>
+              <a:t> </a:t>
+            </a:r>
+            <a:r>
+              <a:rPr/>
+              <a:t>de</a:t>
+            </a:r>
+            <a:r>
+              <a:rPr/>
+              <a:t> </a:t>
+            </a:r>
+            <a:r>
+              <a:rPr/>
+              <a:t>máximas</a:t>
+            </a:r>
+            <a:r>
+              <a:rPr/>
+              <a:t> </a:t>
+            </a:r>
+            <a:r>
+              <a:rPr/>
+              <a:t>anomalías.</a:t>
             </a:r>
           </a:p>
           <a:p>
@@ -3583,31 +5005,151 @@
             </a:pPr>
             <a:r>
               <a:rPr/>
-              <a:t>Taken</a:t>
-            </a:r>
-            <a:r>
-              <a:rPr/>
-              <a:t> </a:t>
-            </a:r>
-            <a:r>
-              <a:rPr/>
-              <a:t>together,</a:t>
-            </a:r>
-            <a:r>
-              <a:rPr/>
-              <a:t> </a:t>
-            </a:r>
-            <a:r>
-              <a:rPr/>
-              <a:t>this</a:t>
-            </a:r>
-            <a:r>
-              <a:rPr/>
-              <a:t> </a:t>
-            </a:r>
-            <a:r>
-              <a:rPr/>
-              <a:t>suggests</a:t>
+              <a:t>Los</a:t>
+            </a:r>
+            <a:r>
+              <a:rPr/>
+              <a:t> </a:t>
+            </a:r>
+            <a:r>
+              <a:rPr/>
+              <a:t>campos</a:t>
+            </a:r>
+            <a:r>
+              <a:rPr/>
+              <a:t> </a:t>
+            </a:r>
+            <a:r>
+              <a:rPr/>
+              <a:t>de</a:t>
+            </a:r>
+            <a:r>
+              <a:rPr/>
+              <a:t> </a:t>
+            </a:r>
+            <a:r>
+              <a:rPr/>
+              <a:t>anomalías</a:t>
+            </a:r>
+            <a:r>
+              <a:rPr/>
+              <a:t> </a:t>
+            </a:r>
+            <a:r>
+              <a:rPr/>
+              <a:t>temporales,</a:t>
+            </a:r>
+            <a:r>
+              <a:rPr/>
+              <a:t> </a:t>
+            </a:r>
+            <a:r>
+              <a:rPr/>
+              <a:t>por</a:t>
+            </a:r>
+            <a:r>
+              <a:rPr/>
+              <a:t> </a:t>
+            </a:r>
+            <a:r>
+              <a:rPr/>
+              <a:t>su</a:t>
+            </a:r>
+            <a:r>
+              <a:rPr/>
+              <a:t> </a:t>
+            </a:r>
+            <a:r>
+              <a:rPr/>
+              <a:t>parte,</a:t>
+            </a:r>
+            <a:r>
+              <a:rPr/>
+              <a:t> </a:t>
+            </a:r>
+            <a:r>
+              <a:rPr/>
+              <a:t>casi</a:t>
+            </a:r>
+            <a:r>
+              <a:rPr/>
+              <a:t> </a:t>
+            </a:r>
+            <a:r>
+              <a:rPr/>
+              <a:t>no</a:t>
+            </a:r>
+            <a:r>
+              <a:rPr/>
+              <a:t> </a:t>
+            </a:r>
+            <a:r>
+              <a:rPr/>
+              <a:t>presentan</a:t>
+            </a:r>
+            <a:r>
+              <a:rPr/>
+              <a:t> </a:t>
+            </a:r>
+            <a:r>
+              <a:rPr/>
+              <a:t>similitudes</a:t>
+            </a:r>
+            <a:r>
+              <a:rPr/>
+              <a:t> </a:t>
+            </a:r>
+            <a:r>
+              <a:rPr/>
+              <a:t>entre</a:t>
+            </a:r>
+            <a:r>
+              <a:rPr/>
+              <a:t> </a:t>
+            </a:r>
+            <a:r>
+              <a:rPr/>
+              <a:t>los</a:t>
+            </a:r>
+            <a:r>
+              <a:rPr/>
+              <a:t> </a:t>
+            </a:r>
+            <a:r>
+              <a:rPr/>
+              <a:t>campos.</a:t>
+            </a:r>
+            <a:r>
+              <a:rPr/>
+              <a:t> </a:t>
+            </a:r>
+            <a:r>
+              <a:rPr/>
+              <a:t>Esto</a:t>
+            </a:r>
+            <a:r>
+              <a:rPr/>
+              <a:t> </a:t>
+            </a:r>
+            <a:r>
+              <a:rPr/>
+              <a:t>se</a:t>
+            </a:r>
+            <a:r>
+              <a:rPr/>
+              <a:t> </a:t>
+            </a:r>
+            <a:r>
+              <a:rPr/>
+              <a:t>debe</a:t>
+            </a:r>
+            <a:r>
+              <a:rPr/>
+              <a:t> </a:t>
+            </a:r>
+            <a:r>
+              <a:rPr/>
+              <a:t>principalmente</a:t>
             </a:r>
             <a:r>
               <a:rPr/>
@@ -3623,191 +5165,15 @@
             </a:r>
             <a:r>
               <a:rPr/>
-              <a:t>mix</a:t>
-            </a:r>
-            <a:r>
-              <a:rPr/>
-              <a:t> </a:t>
-            </a:r>
-            <a:r>
-              <a:rPr/>
-              <a:t>of</a:t>
-            </a:r>
-            <a:r>
-              <a:rPr/>
-              <a:t> </a:t>
-            </a:r>
-            <a:r>
-              <a:rPr/>
-              <a:t>baroclinic</a:t>
-            </a:r>
-            <a:r>
-              <a:rPr/>
-              <a:t> </a:t>
-            </a:r>
-            <a:r>
-              <a:rPr/>
-              <a:t>and</a:t>
-            </a:r>
-            <a:r>
-              <a:rPr/>
-              <a:t> </a:t>
-            </a:r>
-            <a:r>
-              <a:rPr/>
-              <a:t>barotropic</a:t>
-            </a:r>
-            <a:r>
-              <a:rPr/>
-              <a:t> </a:t>
-            </a:r>
-            <a:r>
-              <a:rPr/>
-              <a:t>processes</a:t>
-            </a:r>
-            <a:r>
-              <a:rPr/>
-              <a:t> </a:t>
-            </a:r>
-            <a:r>
-              <a:rPr/>
-              <a:t>related</a:t>
-            </a:r>
-            <a:r>
-              <a:rPr/>
-              <a:t> </a:t>
-            </a:r>
-            <a:r>
-              <a:rPr/>
-              <a:t>to</a:t>
-            </a:r>
-            <a:r>
-              <a:rPr/>
-              <a:t> </a:t>
-            </a:r>
-            <a:r>
-              <a:rPr/>
-              <a:t>the</a:t>
-            </a:r>
-            <a:r>
-              <a:rPr/>
-              <a:t> </a:t>
-            </a:r>
-            <a:r>
-              <a:rPr/>
-              <a:t>QS3.</a:t>
-            </a:r>
-            <a:r>
-              <a:rPr/>
-              <a:t> </a:t>
-            </a:r>
-            <a:r>
-              <a:rPr/>
-              <a:t>The</a:t>
-            </a:r>
-            <a:r>
-              <a:rPr/>
-              <a:t> </a:t>
-            </a:r>
-            <a:r>
-              <a:rPr/>
-              <a:t>former,</a:t>
-            </a:r>
-            <a:r>
-              <a:rPr/>
-              <a:t> </a:t>
-            </a:r>
-            <a:r>
-              <a:rPr/>
-              <a:t>more</a:t>
-            </a:r>
-            <a:r>
-              <a:rPr/>
-              <a:t> </a:t>
-            </a:r>
-            <a:r>
-              <a:rPr/>
-              <a:t>important</a:t>
-            </a:r>
-            <a:r>
-              <a:rPr/>
-              <a:t> </a:t>
-            </a:r>
-            <a:r>
-              <a:rPr/>
-              <a:t>during</a:t>
-            </a:r>
-            <a:r>
-              <a:rPr/>
-              <a:t> </a:t>
-            </a:r>
-            <a:r>
-              <a:rPr/>
-              <a:t>summer</a:t>
-            </a:r>
-            <a:r>
-              <a:rPr/>
-              <a:t> </a:t>
-            </a:r>
-            <a:r>
-              <a:rPr/>
-              <a:t>and</a:t>
-            </a:r>
-            <a:r>
-              <a:rPr/>
-              <a:t> </a:t>
-            </a:r>
-            <a:r>
-              <a:rPr/>
-              <a:t>the</a:t>
-            </a:r>
-            <a:r>
-              <a:rPr/>
-              <a:t> </a:t>
-            </a:r>
-            <a:r>
-              <a:rPr/>
-              <a:t>the</a:t>
-            </a:r>
-            <a:r>
-              <a:rPr/>
-              <a:t> </a:t>
-            </a:r>
-            <a:r>
-              <a:rPr/>
-              <a:t>latter</a:t>
-            </a:r>
-            <a:r>
-              <a:rPr/>
-              <a:t> </a:t>
-            </a:r>
-            <a:r>
-              <a:rPr/>
-              <a:t>dominating</a:t>
-            </a:r>
-            <a:r>
-              <a:rPr/>
-              <a:t> </a:t>
-            </a:r>
-            <a:r>
-              <a:rPr/>
-              <a:t>in</a:t>
-            </a:r>
-            <a:r>
-              <a:rPr/>
-              <a:t> </a:t>
-            </a:r>
-            <a:r>
-              <a:rPr/>
-              <a:t>winter.</a:t>
-            </a:r>
-            <a:r>
-              <a:rPr/>
-              <a:t> </a:t>
-            </a:r>
-            <a:r>
-              <a:rPr/>
-              <a:t>(Esto</a:t>
+              <a:t>que</a:t>
+            </a:r>
+            <a:r>
+              <a:rPr/>
+              <a:t> </a:t>
+            </a:r>
+            <a:r>
+              <a:rPr/>
+              <a:t>no</a:t>
             </a:r>
             <a:r>
               <a:rPr/>
@@ -3823,39 +5189,55 @@
             </a:r>
             <a:r>
               <a:rPr/>
-              <a:t>debería</a:t>
-            </a:r>
-            <a:r>
-              <a:rPr/>
-              <a:t> </a:t>
-            </a:r>
-            <a:r>
-              <a:rPr/>
-              <a:t>ver</a:t>
-            </a:r>
-            <a:r>
-              <a:rPr/>
-              <a:t> </a:t>
-            </a:r>
-            <a:r>
-              <a:rPr/>
-              <a:t>con</a:t>
-            </a:r>
-            <a:r>
-              <a:rPr/>
-              <a:t> </a:t>
-            </a:r>
-            <a:r>
-              <a:rPr/>
-              <a:t>la</a:t>
-            </a:r>
-            <a:r>
-              <a:rPr/>
-              <a:t> </a:t>
-            </a:r>
-            <a:r>
-              <a:rPr/>
-              <a:t>energética)</a:t>
+              <a:t>está</a:t>
+            </a:r>
+            <a:r>
+              <a:rPr/>
+              <a:t> </a:t>
+            </a:r>
+            <a:r>
+              <a:rPr/>
+              <a:t>filtrando</a:t>
+            </a:r>
+            <a:r>
+              <a:rPr/>
+              <a:t> </a:t>
+            </a:r>
+            <a:r>
+              <a:rPr/>
+              <a:t>las</a:t>
+            </a:r>
+            <a:r>
+              <a:rPr/>
+              <a:t> </a:t>
+            </a:r>
+            <a:r>
+              <a:rPr/>
+              <a:t>ondas</a:t>
+            </a:r>
+            <a:r>
+              <a:rPr/>
+              <a:t> </a:t>
+            </a:r>
+            <a:r>
+              <a:rPr/>
+              <a:t>1</a:t>
+            </a:r>
+            <a:r>
+              <a:rPr/>
+              <a:t> </a:t>
+            </a:r>
+            <a:r>
+              <a:rPr/>
+              <a:t>y</a:t>
+            </a:r>
+            <a:r>
+              <a:rPr/>
+              <a:t> </a:t>
+            </a:r>
+            <a:r>
+              <a:rPr/>
+              <a:t>2.</a:t>
             </a:r>
           </a:p>
         </p:txBody>
@@ -3877,7 +5259,7 @@
           <a:p>
             <a:fld id="{18BDFEC3-8487-43E8-A154-7C12CBC1FFF2}" type="slidenum">
               <a:rPr lang="en-US"/>
-              <a:t>7</a:t>
+              <a:t>10</a:t>
             </a:fld>
             <a:endParaRPr lang="en-US"/>
           </a:p>
@@ -3937,23 +5319,23 @@
             </a:pPr>
             <a:r>
               <a:rPr/>
-              <a:t>ZW3</a:t>
-            </a:r>
-            <a:r>
-              <a:rPr/>
-              <a:t> </a:t>
-            </a:r>
-            <a:r>
-              <a:rPr/>
-              <a:t>activiy</a:t>
-            </a:r>
-            <a:r>
-              <a:rPr/>
-              <a:t> </a:t>
-            </a:r>
-            <a:r>
-              <a:rPr/>
-              <a:t>exhibits</a:t>
+              <a:t>Restringiendo</a:t>
+            </a:r>
+            <a:r>
+              <a:rPr/>
+              <a:t> </a:t>
+            </a:r>
+            <a:r>
+              <a:rPr/>
+              <a:t>el</a:t>
+            </a:r>
+            <a:r>
+              <a:rPr/>
+              <a:t> </a:t>
+            </a:r>
+            <a:r>
+              <a:rPr/>
+              <a:t>análisi</a:t>
             </a:r>
             <a:r>
               <a:rPr/>
@@ -3969,481 +5351,39 @@
             </a:r>
             <a:r>
               <a:rPr/>
-              <a:t>clear</a:t>
-            </a:r>
-            <a:r>
-              <a:rPr/>
-              <a:t> </a:t>
-            </a:r>
-            <a:r>
-              <a:rPr/>
-              <a:t>annual</a:t>
-            </a:r>
-            <a:r>
-              <a:rPr/>
-              <a:t> </a:t>
-            </a:r>
-            <a:r>
-              <a:rPr/>
-              <a:t>cycle</a:t>
-            </a:r>
-            <a:r>
-              <a:rPr/>
-              <a:t> </a:t>
-            </a:r>
-            <a:r>
-              <a:rPr/>
-              <a:t>with</a:t>
-            </a:r>
-            <a:r>
-              <a:rPr/>
-              <a:t> </a:t>
-            </a:r>
-            <a:r>
-              <a:rPr/>
-              <a:t>higher</a:t>
-            </a:r>
-            <a:r>
-              <a:rPr/>
-              <a:t> </a:t>
-            </a:r>
-            <a:r>
-              <a:rPr/>
-              <a:t>amplitude</a:t>
-            </a:r>
-            <a:r>
-              <a:rPr/>
-              <a:t> </a:t>
-            </a:r>
-            <a:r>
-              <a:rPr/>
-              <a:t>during</a:t>
-            </a:r>
-            <a:r>
-              <a:rPr/>
-              <a:t> </a:t>
-            </a:r>
-            <a:r>
-              <a:rPr/>
-              <a:t>the</a:t>
-            </a:r>
-            <a:r>
-              <a:rPr/>
-              <a:t> </a:t>
-            </a:r>
-            <a:r>
-              <a:rPr/>
-              <a:t>austral</a:t>
-            </a:r>
-            <a:r>
-              <a:rPr/>
-              <a:t> </a:t>
-            </a:r>
-            <a:r>
-              <a:rPr/>
-              <a:t>winter</a:t>
-            </a:r>
-            <a:r>
-              <a:rPr/>
-              <a:t> </a:t>
-            </a:r>
-            <a:r>
-              <a:rPr/>
-              <a:t>months</a:t>
-            </a:r>
-            <a:r>
-              <a:rPr/>
-              <a:t> </a:t>
-            </a:r>
-            <a:r>
-              <a:rPr/>
-              <a:t>and</a:t>
-            </a:r>
-            <a:r>
-              <a:rPr/>
-              <a:t> </a:t>
-            </a:r>
-            <a:r>
-              <a:rPr/>
-              <a:t>lower</a:t>
-            </a:r>
-            <a:r>
-              <a:rPr/>
-              <a:t> </a:t>
-            </a:r>
-            <a:r>
-              <a:rPr/>
-              <a:t>amplitude</a:t>
-            </a:r>
-            <a:r>
-              <a:rPr/>
-              <a:t> </a:t>
-            </a:r>
-            <a:r>
-              <a:rPr/>
-              <a:t>during</a:t>
-            </a:r>
-            <a:r>
-              <a:rPr/>
-              <a:t> </a:t>
-            </a:r>
-            <a:r>
-              <a:rPr/>
-              <a:t>the</a:t>
-            </a:r>
-            <a:r>
-              <a:rPr/>
-              <a:t> </a:t>
-            </a:r>
-            <a:r>
-              <a:rPr/>
-              <a:t>summer</a:t>
-            </a:r>
-            <a:r>
-              <a:rPr/>
-              <a:t> </a:t>
-            </a:r>
-            <a:r>
-              <a:rPr/>
-              <a:t>months.</a:t>
-            </a:r>
-            <a:r>
-              <a:rPr/>
-              <a:t> </a:t>
-            </a:r>
-            <a:r>
-              <a:rPr/>
-              <a:t>This</a:t>
-            </a:r>
-            <a:r>
-              <a:rPr/>
-              <a:t> </a:t>
-            </a:r>
-            <a:r>
-              <a:rPr/>
-              <a:t>annual</a:t>
-            </a:r>
-            <a:r>
-              <a:rPr/>
-              <a:t> </a:t>
-            </a:r>
-            <a:r>
-              <a:rPr/>
-              <a:t>cycle</a:t>
-            </a:r>
-            <a:r>
-              <a:rPr/>
-              <a:t> </a:t>
-            </a:r>
-            <a:r>
-              <a:rPr/>
-              <a:t>is</a:t>
-            </a:r>
-            <a:r>
-              <a:rPr/>
-              <a:t> </a:t>
-            </a:r>
-            <a:r>
-              <a:rPr/>
-              <a:t>consistent</a:t>
-            </a:r>
-            <a:r>
-              <a:rPr/>
-              <a:t> </a:t>
-            </a:r>
-            <a:r>
-              <a:rPr/>
-              <a:t>with</a:t>
-            </a:r>
-            <a:r>
-              <a:rPr/>
-              <a:t> </a:t>
-            </a:r>
-            <a:r>
-              <a:rPr/>
-              <a:t>previous</a:t>
-            </a:r>
-            <a:r>
-              <a:rPr/>
-              <a:t> </a:t>
-            </a:r>
-            <a:r>
-              <a:rPr/>
-              <a:t>work</a:t>
-            </a:r>
-            <a:r>
-              <a:rPr/>
-              <a:t> </a:t>
-            </a:r>
-            <a:r>
-              <a:rPr/>
-              <a:t>[@Loon1972;</a:t>
-            </a:r>
-            <a:r>
-              <a:rPr/>
-              <a:t> </a:t>
-            </a:r>
-            <a:r>
-              <a:rPr/>
-              <a:t>@Karoly1985;</a:t>
-            </a:r>
-            <a:r>
-              <a:rPr/>
-              <a:t> </a:t>
-            </a:r>
-            <a:r>
-              <a:rPr/>
-              <a:t>@Raphael2004]</a:t>
-            </a:r>
-            <a:r>
-              <a:rPr/>
-              <a:t>.</a:t>
-            </a:r>
-          </a:p>
-          <a:p>
-            <a:pPr lvl="0" marL="0" indent="0">
-              <a:buNone/>
-            </a:pPr>
-          </a:p>
-          <a:p>
-            <a:pPr lvl="0" marL="0" indent="0">
-              <a:buNone/>
-            </a:pPr>
-            <a:r>
-              <a:rPr/>
-              <a:t>As</a:t>
-            </a:r>
-            <a:r>
-              <a:rPr/>
-              <a:t> </a:t>
-            </a:r>
-            <a:r>
-              <a:rPr/>
-              <a:t>suggested</a:t>
-            </a:r>
-            <a:r>
-              <a:rPr/>
-              <a:t> </a:t>
-            </a:r>
-            <a:r>
-              <a:rPr/>
-              <a:t>previously,</a:t>
-            </a:r>
-            <a:r>
-              <a:rPr/>
-              <a:t> </a:t>
-            </a:r>
-            <a:r>
-              <a:rPr/>
-              <a:t>the</a:t>
-            </a:r>
-            <a:r>
-              <a:rPr/>
-              <a:t> </a:t>
-            </a:r>
-            <a:r>
-              <a:rPr/>
-              <a:t>low</a:t>
-            </a:r>
-            <a:r>
-              <a:rPr/>
-              <a:t> </a:t>
-            </a:r>
-            <a:r>
-              <a:rPr/>
-              <a:t>amplitude</a:t>
-            </a:r>
-            <a:r>
-              <a:rPr/>
-              <a:t> </a:t>
-            </a:r>
-            <a:r>
-              <a:rPr/>
-              <a:t>of</a:t>
-            </a:r>
-            <a:r>
-              <a:rPr/>
-              <a:t> </a:t>
-            </a:r>
-            <a:r>
-              <a:rPr/>
-              <a:t>QS3</a:t>
-            </a:r>
-            <a:r>
-              <a:rPr/>
-              <a:t> </a:t>
-            </a:r>
-            <a:r>
-              <a:rPr/>
-              <a:t>wave</a:t>
-            </a:r>
-            <a:r>
-              <a:rPr/>
-              <a:t> </a:t>
-            </a:r>
-            <a:r>
-              <a:rPr/>
-              <a:t>in</a:t>
-            </a:r>
-            <a:r>
-              <a:rPr/>
-              <a:t> </a:t>
-            </a:r>
-            <a:r>
-              <a:rPr/>
-              <a:t>spring</a:t>
-            </a:r>
-            <a:r>
-              <a:rPr/>
-              <a:t> </a:t>
-            </a:r>
-            <a:r>
-              <a:rPr/>
-              <a:t>is</a:t>
-            </a:r>
-            <a:r>
-              <a:rPr/>
-              <a:t> </a:t>
-            </a:r>
-            <a:r>
-              <a:rPr/>
-              <a:t>not</a:t>
-            </a:r>
-            <a:r>
-              <a:rPr/>
-              <a:t> </a:t>
-            </a:r>
-            <a:r>
-              <a:rPr/>
-              <a:t>due</a:t>
-            </a:r>
-            <a:r>
-              <a:rPr/>
-              <a:t> </a:t>
-            </a:r>
-            <a:r>
-              <a:rPr/>
-              <a:t>to</a:t>
-            </a:r>
-            <a:r>
-              <a:rPr/>
-              <a:t> </a:t>
-            </a:r>
-            <a:r>
-              <a:rPr/>
-              <a:t>a</a:t>
-            </a:r>
-            <a:r>
-              <a:rPr/>
-              <a:t> </a:t>
-            </a:r>
-            <a:r>
-              <a:rPr/>
-              <a:t>reduction</a:t>
-            </a:r>
-            <a:r>
-              <a:rPr/>
-              <a:t> </a:t>
-            </a:r>
-            <a:r>
-              <a:rPr/>
-              <a:t>in</a:t>
-            </a:r>
-            <a:r>
-              <a:rPr/>
-              <a:t> </a:t>
-            </a:r>
-            <a:r>
-              <a:rPr/>
-              <a:t>the</a:t>
-            </a:r>
-            <a:r>
-              <a:rPr/>
-              <a:t> </a:t>
-            </a:r>
-            <a:r>
-              <a:rPr/>
-              <a:t>amplitude</a:t>
-            </a:r>
-            <a:r>
-              <a:rPr/>
-              <a:t> </a:t>
-            </a:r>
-            <a:r>
-              <a:rPr/>
-              <a:t>of</a:t>
-            </a:r>
-            <a:r>
-              <a:rPr/>
-              <a:t> </a:t>
-            </a:r>
-            <a:r>
-              <a:rPr/>
-              <a:t>the</a:t>
-            </a:r>
-            <a:r>
-              <a:rPr/>
-              <a:t> </a:t>
-            </a:r>
-            <a:r>
-              <a:rPr/>
-              <a:t>planetary</a:t>
-            </a:r>
-            <a:r>
-              <a:rPr/>
-              <a:t> </a:t>
-            </a:r>
-            <a:r>
-              <a:rPr/>
-              <a:t>wave</a:t>
-            </a:r>
-            <a:r>
-              <a:rPr/>
-              <a:t> </a:t>
-            </a:r>
-            <a:r>
-              <a:rPr/>
-              <a:t>3</a:t>
-            </a:r>
-            <a:r>
-              <a:rPr/>
-              <a:t> </a:t>
-            </a:r>
-            <a:r>
-              <a:rPr/>
-              <a:t>but</a:t>
-            </a:r>
-            <a:r>
-              <a:rPr/>
-              <a:t> </a:t>
-            </a:r>
-            <a:r>
-              <a:rPr/>
-              <a:t>to</a:t>
-            </a:r>
-            <a:r>
-              <a:rPr/>
-              <a:t> </a:t>
-            </a:r>
-            <a:r>
-              <a:rPr/>
-              <a:t>its</a:t>
-            </a:r>
-            <a:r>
-              <a:rPr/>
-              <a:t> </a:t>
-            </a:r>
-            <a:r>
-              <a:rPr/>
-              <a:t>reduced</a:t>
-            </a:r>
-            <a:r>
-              <a:rPr/>
-              <a:t> </a:t>
-            </a:r>
-            <a:r>
-              <a:rPr/>
-              <a:t>stationarity.</a:t>
+              <a:t>un</a:t>
+            </a:r>
+            <a:r>
+              <a:rPr/>
+              <a:t> </a:t>
+            </a:r>
+            <a:r>
+              <a:rPr/>
+              <a:t>mes,</a:t>
+            </a:r>
+            <a:r>
+              <a:rPr/>
+              <a:t> </a:t>
+            </a:r>
+            <a:r>
+              <a:rPr/>
+              <a:t>por</a:t>
+            </a:r>
+            <a:r>
+              <a:rPr/>
+              <a:t> </a:t>
+            </a:r>
+            <a:r>
+              <a:rPr/>
+              <a:t>ejemplo,</a:t>
+            </a:r>
+            <a:r>
+              <a:rPr/>
+              <a:t> </a:t>
+            </a:r>
+            <a:r>
+              <a:rPr/>
+              <a:t>septiembre,</a:t>
             </a:r>
           </a:p>
         </p:txBody>
@@ -4465,7 +5405,7 @@
           <a:p>
             <a:fld id="{18BDFEC3-8487-43E8-A154-7C12CBC1FFF2}" type="slidenum">
               <a:rPr lang="en-US"/>
-              <a:t>8</a:t>
+              <a:t>11</a:t>
             </a:fld>
             <a:endParaRPr lang="en-US"/>
           </a:p>
@@ -6181,7 +7121,7 @@
           <a:p>
             <a:fld id="{18BDFEC3-8487-43E8-A154-7C12CBC1FFF2}" type="slidenum">
               <a:rPr lang="en-US"/>
-              <a:t>9</a:t>
+              <a:t>15</a:t>
             </a:fld>
             <a:endParaRPr lang="en-US"/>
           </a:p>
@@ -9972,91 +10912,7 @@
 </p:sld>
 </file>
 
-<file path=ppt/slides/slide2.xml><?xml version="1.0" encoding="utf-8"?>
-<p:sld xmlns:a="http://schemas.openxmlformats.org/drawingml/2006/main" xmlns:r="http://schemas.openxmlformats.org/officeDocument/2006/relationships" xmlns:p="http://schemas.openxmlformats.org/presentationml/2006/main">
-  <p:cSld>
-    <p:spTree>
-      <p:nvGrpSpPr>
-        <p:cNvPr id="1" name=""/>
-        <p:cNvGrpSpPr/>
-        <p:nvPr/>
-      </p:nvGrpSpPr>
-      <p:grpSpPr>
-        <a:xfrm>
-          <a:off x="0" y="0"/>
-          <a:ext cx="0" cy="0"/>
-          <a:chOff x="0" y="0"/>
-          <a:chExt cx="0" cy="0"/>
-        </a:xfrm>
-      </p:grpSpPr>
-      <p:sp>
-        <p:nvSpPr>
-          <p:cNvPr id="2" name="Title 1"/>
-          <p:cNvSpPr>
-            <a:spLocks noGrp="1" noChangeArrowheads="1"/>
-          </p:cNvSpPr>
-          <p:nvPr>
-            <p:ph type="title"/>
-          </p:nvPr>
-        </p:nvSpPr>
-        <p:spPr>
-          <a:xfrm>
-            <a:off x="831850" y="1710055"/>
-            <a:ext cx="10515600" cy="2852420"/>
-          </a:xfrm>
-        </p:spPr>
-        <p:txBody>
-          <a:bodyPr/>
-          <a:lstStyle/>
-          <a:p>
-            <a:pPr lvl="0" marL="0" indent="0">
-              <a:buNone/>
-            </a:pPr>
-            <a:r>
-              <a:rPr/>
-              <a:t>Selección</a:t>
-            </a:r>
-            <a:r>
-              <a:rPr/>
-              <a:t> </a:t>
-            </a:r>
-            <a:r>
-              <a:rPr/>
-              <a:t>de</a:t>
-            </a:r>
-            <a:r>
-              <a:rPr/>
-              <a:t> </a:t>
-            </a:r>
-            <a:r>
-              <a:rPr/>
-              <a:t>figuras</a:t>
-            </a:r>
-            <a:r>
-              <a:rPr/>
-              <a:t> </a:t>
-            </a:r>
-            <a:r>
-              <a:rPr/>
-              <a:t>para</a:t>
-            </a:r>
-            <a:r>
-              <a:rPr/>
-              <a:t> </a:t>
-            </a:r>
-            <a:r>
-              <a:rPr/>
-              <a:t>paper</a:t>
-            </a:r>
-          </a:p>
-        </p:txBody>
-      </p:sp>
-    </p:spTree>
-  </p:cSld>
-</p:sld>
-</file>
-
-<file path=ppt/slides/slide3.xml><?xml version="1.0" encoding="utf-8"?>
+<file path=ppt/slides/slide10.xml><?xml version="1.0" encoding="utf-8"?>
 <p:sld xmlns:a="http://schemas.openxmlformats.org/drawingml/2006/main" xmlns:r="http://schemas.openxmlformats.org/officeDocument/2006/relationships" xmlns:p="http://schemas.openxmlformats.org/presentationml/2006/main">
   <p:cSld>
     <p:spTree>
@@ -10075,7 +10931,7 @@
       </p:grpSpPr>
       <p:pic>
         <p:nvPicPr>
-          <p:cNvPr descr="fig/06-paper_tesisampl-ncep-1.png" id="0" name="Picture 1"/>
+          <p:cNvPr descr="fig/06-paper_tesis/top4-1.png" id="0" name="Picture 1"/>
           <p:cNvPicPr>
             <a:picLocks noGrp="1" noChangeAspect="1"/>
           </p:cNvPicPr>
@@ -10128,7 +10984,119 @@
             </a:pPr>
             <a:r>
               <a:rPr/>
-              <a:t>Stationarity</a:t>
+              <a:t>Four</a:t>
+            </a:r>
+            <a:r>
+              <a:rPr/>
+              <a:t> </a:t>
+            </a:r>
+            <a:r>
+              <a:rPr/>
+              <a:t>most</a:t>
+            </a:r>
+            <a:r>
+              <a:rPr/>
+              <a:t> </a:t>
+            </a:r>
+            <a:r>
+              <a:rPr/>
+              <a:t>similar</a:t>
+            </a:r>
+            <a:r>
+              <a:rPr/>
+              <a:t> </a:t>
+            </a:r>
+            <a:r>
+              <a:rPr/>
+              <a:t>field</a:t>
+            </a:r>
+            <a:r>
+              <a:rPr/>
+              <a:t> </a:t>
+            </a:r>
+            <a:r>
+              <a:rPr/>
+              <a:t>tuples</a:t>
+            </a:r>
+            <a:r>
+              <a:rPr/>
+              <a:t> </a:t>
+            </a:r>
+            <a:r>
+              <a:rPr/>
+              <a:t>in</a:t>
+            </a:r>
+            <a:r>
+              <a:rPr/>
+              <a:t> </a:t>
+            </a:r>
+            <a:r>
+              <a:rPr/>
+              <a:t>standarized</a:t>
+            </a:r>
+            <a:r>
+              <a:rPr/>
+              <a:t> </a:t>
+            </a:r>
+            <a:r>
+              <a:rPr/>
+              <a:t>wave</a:t>
+            </a:r>
+            <a:r>
+              <a:rPr/>
+              <a:t> </a:t>
+            </a:r>
+            <a:r>
+              <a:rPr/>
+              <a:t>3</a:t>
+            </a:r>
+            <a:r>
+              <a:rPr/>
+              <a:t> </a:t>
+            </a:r>
+            <a:r>
+              <a:rPr/>
+              <a:t>amplitude</a:t>
+            </a:r>
+            <a:r>
+              <a:rPr/>
+              <a:t> </a:t>
+            </a:r>
+            <a:r>
+              <a:rPr/>
+              <a:t>and</a:t>
+            </a:r>
+            <a:r>
+              <a:rPr/>
+              <a:t> </a:t>
+            </a:r>
+            <a:r>
+              <a:rPr/>
+              <a:t>phase</a:t>
+            </a:r>
+            <a:r>
+              <a:rPr/>
+              <a:t> </a:t>
+            </a:r>
+            <a:r>
+              <a:rPr/>
+              <a:t>space.</a:t>
+            </a:r>
+            <a:r>
+              <a:rPr/>
+              <a:t> </a:t>
+            </a:r>
+            <a:r>
+              <a:rPr/>
+              <a:t>Temporal</a:t>
+            </a:r>
+            <a:r>
+              <a:rPr/>
+              <a:t> </a:t>
+            </a:r>
+            <a:r>
+              <a:rPr/>
+              <a:t>anomaly</a:t>
             </a:r>
             <a:r>
               <a:rPr/>
@@ -10144,39 +11112,23 @@
             </a:r>
             <a:r>
               <a:rPr/>
-              <a:t>QS3</a:t>
-            </a:r>
-            <a:r>
-              <a:rPr/>
-              <a:t> </a:t>
-            </a:r>
-            <a:r>
-              <a:rPr/>
-              <a:t>(shaded,</a:t>
-            </a:r>
-            <a:r>
-              <a:rPr/>
-              <a:t> </a:t>
-            </a:r>
-            <a:r>
-              <a:rPr/>
-              <a:t>defined</a:t>
-            </a:r>
-            <a:r>
-              <a:rPr/>
-              <a:t> </a:t>
-            </a:r>
-            <a:r>
-              <a:rPr/>
-              <a:t>in</a:t>
-            </a:r>
-            <a:r>
-              <a:rPr/>
-              <a:t> </a:t>
-            </a:r>
-            <a:r>
-              <a:rPr/>
-              <a:t>text)</a:t>
+              <a:t>200hPa</a:t>
+            </a:r>
+            <a:r>
+              <a:rPr/>
+              <a:t> </a:t>
+            </a:r>
+            <a:r>
+              <a:rPr/>
+              <a:t>geopotential</a:t>
+            </a:r>
+            <a:r>
+              <a:rPr/>
+              <a:t> </a:t>
+            </a:r>
+            <a:r>
+              <a:rPr/>
+              <a:t>(contours)</a:t>
             </a:r>
             <a:r>
               <a:rPr/>
@@ -10192,15 +11144,15 @@
             </a:r>
             <a:r>
               <a:rPr/>
-              <a:t>fourier</a:t>
-            </a:r>
-            <a:r>
-              <a:rPr/>
-              <a:t> </a:t>
-            </a:r>
-            <a:r>
-              <a:rPr/>
-              <a:t>amplitude</a:t>
+              <a:t>zonal</a:t>
+            </a:r>
+            <a:r>
+              <a:rPr/>
+              <a:t> </a:t>
+            </a:r>
+            <a:r>
+              <a:rPr/>
+              <a:t>anomaly</a:t>
             </a:r>
             <a:r>
               <a:rPr/>
@@ -10216,47 +11168,79 @@
             </a:r>
             <a:r>
               <a:rPr/>
-              <a:t>the</a:t>
-            </a:r>
-            <a:r>
-              <a:rPr/>
-              <a:t> </a:t>
-            </a:r>
-            <a:r>
-              <a:rPr/>
-              <a:t>mean</a:t>
-            </a:r>
-            <a:r>
-              <a:rPr/>
-              <a:t> </a:t>
-            </a:r>
-            <a:r>
-              <a:rPr/>
-              <a:t>zonal</a:t>
-            </a:r>
-            <a:r>
-              <a:rPr/>
-              <a:t> </a:t>
-            </a:r>
-            <a:r>
-              <a:rPr/>
-              <a:t>wave</a:t>
-            </a:r>
-            <a:r>
-              <a:rPr/>
-              <a:t> </a:t>
-            </a:r>
-            <a:r>
-              <a:rPr/>
-              <a:t>3</a:t>
-            </a:r>
-            <a:r>
-              <a:rPr/>
-              <a:t> </a:t>
-            </a:r>
-            <a:r>
-              <a:rPr/>
-              <a:t>(contours).</a:t>
+              <a:t>200hPa</a:t>
+            </a:r>
+            <a:r>
+              <a:rPr/>
+              <a:t> </a:t>
+            </a:r>
+            <a:r>
+              <a:rPr/>
+              <a:t>geopotential</a:t>
+            </a:r>
+            <a:r>
+              <a:rPr/>
+              <a:t> </a:t>
+            </a:r>
+            <a:r>
+              <a:rPr/>
+              <a:t>with</a:t>
+            </a:r>
+            <a:r>
+              <a:rPr/>
+              <a:t> </a:t>
+            </a:r>
+            <a:r>
+              <a:rPr/>
+              <a:t>waves</a:t>
+            </a:r>
+            <a:r>
+              <a:rPr/>
+              <a:t> </a:t>
+            </a:r>
+            <a:r>
+              <a:rPr/>
+              <a:t>1</a:t>
+            </a:r>
+            <a:r>
+              <a:rPr/>
+              <a:t> </a:t>
+            </a:r>
+            <a:r>
+              <a:rPr/>
+              <a:t>and</a:t>
+            </a:r>
+            <a:r>
+              <a:rPr/>
+              <a:t> </a:t>
+            </a:r>
+            <a:r>
+              <a:rPr/>
+              <a:t>2</a:t>
+            </a:r>
+            <a:r>
+              <a:rPr/>
+              <a:t> </a:t>
+            </a:r>
+            <a:r>
+              <a:rPr/>
+              <a:t>filtered</a:t>
+            </a:r>
+            <a:r>
+              <a:rPr/>
+              <a:t> </a:t>
+            </a:r>
+            <a:r>
+              <a:rPr/>
+              <a:t>out</a:t>
+            </a:r>
+            <a:r>
+              <a:rPr/>
+              <a:t> </a:t>
+            </a:r>
+            <a:r>
+              <a:rPr/>
+              <a:t>(shaded).</a:t>
             </a:r>
           </a:p>
         </p:txBody>
@@ -10266,7 +11250,7 @@
 </p:sld>
 </file>
 
-<file path=ppt/slides/slide4.xml><?xml version="1.0" encoding="utf-8"?>
+<file path=ppt/slides/slide11.xml><?xml version="1.0" encoding="utf-8"?>
 <p:sld xmlns:a="http://schemas.openxmlformats.org/drawingml/2006/main" xmlns:r="http://schemas.openxmlformats.org/officeDocument/2006/relationships" xmlns:p="http://schemas.openxmlformats.org/presentationml/2006/main">
   <p:cSld>
     <p:spTree>
@@ -10285,7 +11269,7 @@
       </p:grpSpPr>
       <p:pic>
         <p:nvPicPr>
-          <p:cNvPr descr="fig/06-paper_tesisunnamed-chunk-1-1.png" id="0" name="Picture 1"/>
+          <p:cNvPr descr="fig/06-paper_tesis/top4-sep-1.png" id="0" name="Picture 1"/>
           <p:cNvPicPr>
             <a:picLocks noGrp="1" noChangeAspect="1"/>
           </p:cNvPicPr>
@@ -10338,7 +11322,127 @@
             </a:pPr>
             <a:r>
               <a:rPr/>
-              <a:t>Stationarity</a:t>
+              <a:t>Four</a:t>
+            </a:r>
+            <a:r>
+              <a:rPr/>
+              <a:t> </a:t>
+            </a:r>
+            <a:r>
+              <a:rPr/>
+              <a:t>most</a:t>
+            </a:r>
+            <a:r>
+              <a:rPr/>
+              <a:t> </a:t>
+            </a:r>
+            <a:r>
+              <a:rPr/>
+              <a:t>similar</a:t>
+            </a:r>
+            <a:r>
+              <a:rPr/>
+              <a:t> </a:t>
+            </a:r>
+            <a:r>
+              <a:rPr/>
+              <a:t>september</a:t>
+            </a:r>
+            <a:r>
+              <a:rPr/>
+              <a:t> </a:t>
+            </a:r>
+            <a:r>
+              <a:rPr/>
+              <a:t>field</a:t>
+            </a:r>
+            <a:r>
+              <a:rPr/>
+              <a:t> </a:t>
+            </a:r>
+            <a:r>
+              <a:rPr/>
+              <a:t>tuples</a:t>
+            </a:r>
+            <a:r>
+              <a:rPr/>
+              <a:t> </a:t>
+            </a:r>
+            <a:r>
+              <a:rPr/>
+              <a:t>in</a:t>
+            </a:r>
+            <a:r>
+              <a:rPr/>
+              <a:t> </a:t>
+            </a:r>
+            <a:r>
+              <a:rPr/>
+              <a:t>standarized</a:t>
+            </a:r>
+            <a:r>
+              <a:rPr/>
+              <a:t> </a:t>
+            </a:r>
+            <a:r>
+              <a:rPr/>
+              <a:t>wave</a:t>
+            </a:r>
+            <a:r>
+              <a:rPr/>
+              <a:t> </a:t>
+            </a:r>
+            <a:r>
+              <a:rPr/>
+              <a:t>3</a:t>
+            </a:r>
+            <a:r>
+              <a:rPr/>
+              <a:t> </a:t>
+            </a:r>
+            <a:r>
+              <a:rPr/>
+              <a:t>amplitude</a:t>
+            </a:r>
+            <a:r>
+              <a:rPr/>
+              <a:t> </a:t>
+            </a:r>
+            <a:r>
+              <a:rPr/>
+              <a:t>and</a:t>
+            </a:r>
+            <a:r>
+              <a:rPr/>
+              <a:t> </a:t>
+            </a:r>
+            <a:r>
+              <a:rPr/>
+              <a:t>phase</a:t>
+            </a:r>
+            <a:r>
+              <a:rPr/>
+              <a:t> </a:t>
+            </a:r>
+            <a:r>
+              <a:rPr/>
+              <a:t>space.</a:t>
+            </a:r>
+            <a:r>
+              <a:rPr/>
+              <a:t> </a:t>
+            </a:r>
+            <a:r>
+              <a:rPr/>
+              <a:t>Temporal</a:t>
+            </a:r>
+            <a:r>
+              <a:rPr/>
+              <a:t> </a:t>
+            </a:r>
+            <a:r>
+              <a:rPr/>
+              <a:t>anomaly</a:t>
             </a:r>
             <a:r>
               <a:rPr/>
@@ -10354,39 +11458,23 @@
             </a:r>
             <a:r>
               <a:rPr/>
-              <a:t>QS3</a:t>
-            </a:r>
-            <a:r>
-              <a:rPr/>
-              <a:t> </a:t>
-            </a:r>
-            <a:r>
-              <a:rPr/>
-              <a:t>(shaded,</a:t>
-            </a:r>
-            <a:r>
-              <a:rPr/>
-              <a:t> </a:t>
-            </a:r>
-            <a:r>
-              <a:rPr/>
-              <a:t>defined</a:t>
-            </a:r>
-            <a:r>
-              <a:rPr/>
-              <a:t> </a:t>
-            </a:r>
-            <a:r>
-              <a:rPr/>
-              <a:t>in</a:t>
-            </a:r>
-            <a:r>
-              <a:rPr/>
-              <a:t> </a:t>
-            </a:r>
-            <a:r>
-              <a:rPr/>
-              <a:t>text)</a:t>
+              <a:t>200hPa</a:t>
+            </a:r>
+            <a:r>
+              <a:rPr/>
+              <a:t> </a:t>
+            </a:r>
+            <a:r>
+              <a:rPr/>
+              <a:t>geopotential</a:t>
+            </a:r>
+            <a:r>
+              <a:rPr/>
+              <a:t> </a:t>
+            </a:r>
+            <a:r>
+              <a:rPr/>
+              <a:t>(contours)</a:t>
             </a:r>
             <a:r>
               <a:rPr/>
@@ -10402,15 +11490,15 @@
             </a:r>
             <a:r>
               <a:rPr/>
-              <a:t>mean</a:t>
-            </a:r>
-            <a:r>
-              <a:rPr/>
-              <a:t> </a:t>
-            </a:r>
-            <a:r>
-              <a:rPr/>
-              <a:t>amplitude</a:t>
+              <a:t>zonal</a:t>
+            </a:r>
+            <a:r>
+              <a:rPr/>
+              <a:t> </a:t>
+            </a:r>
+            <a:r>
+              <a:rPr/>
+              <a:t>anomaly</a:t>
             </a:r>
             <a:r>
               <a:rPr/>
@@ -10426,31 +11514,79 @@
             </a:r>
             <a:r>
               <a:rPr/>
-              <a:t>the</a:t>
-            </a:r>
-            <a:r>
-              <a:rPr/>
-              <a:t> </a:t>
-            </a:r>
-            <a:r>
-              <a:rPr/>
-              <a:t>zonal</a:t>
-            </a:r>
-            <a:r>
-              <a:rPr/>
-              <a:t> </a:t>
-            </a:r>
-            <a:r>
-              <a:rPr/>
-              <a:t>wave</a:t>
-            </a:r>
-            <a:r>
-              <a:rPr/>
-              <a:t> </a:t>
-            </a:r>
-            <a:r>
-              <a:rPr/>
-              <a:t>3.</a:t>
+              <a:t>200hPa</a:t>
+            </a:r>
+            <a:r>
+              <a:rPr/>
+              <a:t> </a:t>
+            </a:r>
+            <a:r>
+              <a:rPr/>
+              <a:t>geopotential</a:t>
+            </a:r>
+            <a:r>
+              <a:rPr/>
+              <a:t> </a:t>
+            </a:r>
+            <a:r>
+              <a:rPr/>
+              <a:t>with</a:t>
+            </a:r>
+            <a:r>
+              <a:rPr/>
+              <a:t> </a:t>
+            </a:r>
+            <a:r>
+              <a:rPr/>
+              <a:t>waves</a:t>
+            </a:r>
+            <a:r>
+              <a:rPr/>
+              <a:t> </a:t>
+            </a:r>
+            <a:r>
+              <a:rPr/>
+              <a:t>1</a:t>
+            </a:r>
+            <a:r>
+              <a:rPr/>
+              <a:t> </a:t>
+            </a:r>
+            <a:r>
+              <a:rPr/>
+              <a:t>and</a:t>
+            </a:r>
+            <a:r>
+              <a:rPr/>
+              <a:t> </a:t>
+            </a:r>
+            <a:r>
+              <a:rPr/>
+              <a:t>2</a:t>
+            </a:r>
+            <a:r>
+              <a:rPr/>
+              <a:t> </a:t>
+            </a:r>
+            <a:r>
+              <a:rPr/>
+              <a:t>filtered</a:t>
+            </a:r>
+            <a:r>
+              <a:rPr/>
+              <a:t> </a:t>
+            </a:r>
+            <a:r>
+              <a:rPr/>
+              <a:t>out</a:t>
+            </a:r>
+            <a:r>
+              <a:rPr/>
+              <a:t> </a:t>
+            </a:r>
+            <a:r>
+              <a:rPr/>
+              <a:t>(shaded).</a:t>
             </a:r>
           </a:p>
         </p:txBody>
@@ -10460,7 +11596,7 @@
 </p:sld>
 </file>
 
-<file path=ppt/slides/slide5.xml><?xml version="1.0" encoding="utf-8"?>
+<file path=ppt/slides/slide12.xml><?xml version="1.0" encoding="utf-8"?>
 <p:sld xmlns:a="http://schemas.openxmlformats.org/drawingml/2006/main" xmlns:r="http://schemas.openxmlformats.org/officeDocument/2006/relationships" xmlns:p="http://schemas.openxmlformats.org/presentationml/2006/main">
   <p:cSld>
     <p:spTree>
@@ -10499,11 +11635,7 @@
               <a:rPr sz="1800">
                 <a:latin typeface="Courier"/>
               </a:rPr>
-              <a:t>##    season percent_destructive phase_sd
-## 1:    DJF            7.407407 19.72256
-## 2:    MAM            6.481481 21.17582
-## 3:    JJA            9.259259 23.60522
-## 4:    SON           17.592593 29.11667</a:t>
+              <a:t>## `geom_smooth()` using method = 'gam' and formula 'y ~ s(x, bs = "cs")'</a:t>
             </a:r>
           </a:p>
         </p:txBody>
@@ -10513,7 +11645,7 @@
 </p:sld>
 </file>
 
-<file path=ppt/slides/slide6.xml><?xml version="1.0" encoding="utf-8"?>
+<file path=ppt/slides/slide13.xml><?xml version="1.0" encoding="utf-8"?>
 <p:sld xmlns:a="http://schemas.openxmlformats.org/drawingml/2006/main" xmlns:r="http://schemas.openxmlformats.org/officeDocument/2006/relationships" xmlns:p="http://schemas.openxmlformats.org/presentationml/2006/main">
   <p:cSld>
     <p:spTree>
@@ -10532,7 +11664,224 @@
       </p:grpSpPr>
       <p:pic>
         <p:nvPicPr>
-          <p:cNvPr descr="fig/06-paper_tesisgh3-season-1.png" id="0" name="Picture 1"/>
+          <p:cNvPr descr="fig/06-paper_tesis/cor-dist-1.png" id="0" name="Picture 1"/>
+          <p:cNvPicPr>
+            <a:picLocks noGrp="1" noChangeAspect="1"/>
+          </p:cNvPicPr>
+          <p:nvPr/>
+        </p:nvPicPr>
+        <p:blipFill>
+          <a:blip r:embed="rId2"/>
+          <a:stretch>
+            <a:fillRect/>
+          </a:stretch>
+        </p:blipFill>
+        <p:spPr bwMode="auto">
+          <a:xfrm>
+            <a:off x="279400" y="939800"/>
+            <a:ext cx="11480800" cy="5219700"/>
+          </a:xfrm>
+          <a:prstGeom prst="rect">
+            <a:avLst/>
+          </a:prstGeom>
+          <a:noFill/>
+          <a:ln w="9525">
+            <a:noFill/>
+            <a:headEnd/>
+            <a:tailEnd/>
+          </a:ln>
+        </p:spPr>
+      </p:pic>
+      <p:sp>
+        <p:nvSpPr>
+          <p:cNvPr id="1" name="TextBox 3"/>
+          <p:cNvSpPr txBox="1"/>
+          <p:nvPr/>
+        </p:nvSpPr>
+        <p:spPr>
+          <a:xfrm>
+            <a:off x="190500" y="6159500"/>
+            <a:ext cx="11671300" cy="508000"/>
+          </a:xfrm>
+          <a:prstGeom prst="rect">
+            <a:avLst/>
+          </a:prstGeom>
+          <a:noFill/>
+        </p:spPr>
+        <p:txBody>
+          <a:bodyPr/>
+          <a:lstStyle/>
+          <a:p>
+            <a:pPr lvl="0" marL="0" indent="0" algn="ctr">
+              <a:buNone/>
+            </a:pPr>
+            <a:r>
+              <a:rPr/>
+              <a:t>Correlation</a:t>
+            </a:r>
+            <a:r>
+              <a:rPr/>
+              <a:t> </a:t>
+            </a:r>
+            <a:r>
+              <a:rPr/>
+              <a:t>between</a:t>
+            </a:r>
+            <a:r>
+              <a:rPr/>
+              <a:t> </a:t>
+            </a:r>
+            <a:r>
+              <a:rPr/>
+              <a:t>geopotential</a:t>
+            </a:r>
+            <a:r>
+              <a:rPr/>
+              <a:t> </a:t>
+            </a:r>
+            <a:r>
+              <a:rPr/>
+              <a:t>zonal</a:t>
+            </a:r>
+            <a:r>
+              <a:rPr/>
+              <a:t> </a:t>
+            </a:r>
+            <a:r>
+              <a:rPr/>
+              <a:t>anomalies</a:t>
+            </a:r>
+            <a:r>
+              <a:rPr/>
+              <a:t> </a:t>
+            </a:r>
+            <a:r>
+              <a:rPr/>
+              <a:t>and</a:t>
+            </a:r>
+            <a:r>
+              <a:rPr/>
+              <a:t> </a:t>
+            </a:r>
+            <a:r>
+              <a:rPr/>
+              <a:t>distance</a:t>
+            </a:r>
+            <a:r>
+              <a:rPr/>
+              <a:t> </a:t>
+            </a:r>
+            <a:r>
+              <a:rPr/>
+              <a:t>in</a:t>
+            </a:r>
+            <a:r>
+              <a:rPr/>
+              <a:t> </a:t>
+            </a:r>
+            <a:r>
+              <a:rPr/>
+              <a:t>QS3</a:t>
+            </a:r>
+            <a:r>
+              <a:rPr/>
+              <a:t> </a:t>
+            </a:r>
+            <a:r>
+              <a:rPr/>
+              <a:t>amplitude</a:t>
+            </a:r>
+            <a:r>
+              <a:rPr/>
+              <a:t> </a:t>
+            </a:r>
+            <a:r>
+              <a:rPr/>
+              <a:t>and</a:t>
+            </a:r>
+            <a:r>
+              <a:rPr/>
+              <a:t> </a:t>
+            </a:r>
+            <a:r>
+              <a:rPr/>
+              <a:t>phase.</a:t>
+            </a:r>
+          </a:p>
+        </p:txBody>
+      </p:sp>
+    </p:spTree>
+  </p:cSld>
+</p:sld>
+</file>
+
+<file path=ppt/slides/slide14.xml><?xml version="1.0" encoding="utf-8"?>
+<p:sld xmlns:a="http://schemas.openxmlformats.org/drawingml/2006/main" xmlns:r="http://schemas.openxmlformats.org/officeDocument/2006/relationships" xmlns:p="http://schemas.openxmlformats.org/presentationml/2006/main">
+  <p:cSld>
+    <p:spTree>
+      <p:nvGrpSpPr>
+        <p:cNvPr id="1" name=""/>
+        <p:cNvGrpSpPr/>
+        <p:nvPr/>
+      </p:nvGrpSpPr>
+      <p:grpSpPr>
+        <a:xfrm>
+          <a:off x="0" y="0"/>
+          <a:ext cx="0" cy="0"/>
+          <a:chOff x="0" y="0"/>
+          <a:chExt cx="0" cy="0"/>
+        </a:xfrm>
+      </p:grpSpPr>
+      <p:sp>
+        <p:nvSpPr>
+          <p:cNvPr id="3" name="Content Placeholder 2"/>
+          <p:cNvSpPr>
+            <a:spLocks noGrp="1" noChangeArrowheads="1"/>
+          </p:cNvSpPr>
+          <p:nvPr>
+            <p:ph idx="1"/>
+          </p:nvPr>
+        </p:nvSpPr>
+        <p:spPr/>
+        <p:txBody>
+          <a:bodyPr/>
+          <a:lstStyle/>
+          <a:p>
+            <a:pPr lvl="0" marL="0" indent="0">
+              <a:buNone/>
+            </a:pPr>
+            <a:r>
+              <a:rPr/>
+              <a:t>Se observa que hay una ligera relación entre menor distancia en el espacio de amplitiud y fase de QS3 y la correlación de los campos de anoamlías zonales, pero que ésta es nula para las anomalías temporales.</a:t>
+            </a:r>
+          </a:p>
+        </p:txBody>
+      </p:sp>
+    </p:spTree>
+  </p:cSld>
+</p:sld>
+</file>
+
+<file path=ppt/slides/slide15.xml><?xml version="1.0" encoding="utf-8"?>
+<p:sld xmlns:a="http://schemas.openxmlformats.org/drawingml/2006/main" xmlns:r="http://schemas.openxmlformats.org/officeDocument/2006/relationships" xmlns:p="http://schemas.openxmlformats.org/presentationml/2006/main">
+  <p:cSld>
+    <p:spTree>
+      <p:nvGrpSpPr>
+        <p:cNvPr id="1" name=""/>
+        <p:cNvGrpSpPr/>
+        <p:nvPr/>
+      </p:nvGrpSpPr>
+      <p:grpSpPr>
+        <a:xfrm>
+          <a:off x="0" y="0"/>
+          <a:ext cx="0" cy="0"/>
+          <a:chOff x="0" y="0"/>
+          <a:chExt cx="0" cy="0"/>
+        </a:xfrm>
+      </p:grpSpPr>
+      <p:pic>
+        <p:nvPicPr>
+          <p:cNvPr descr="fig/06-paper_tesis/regr-psi-ncep-1.png" id="0" name="Picture 1"/>
           <p:cNvPicPr>
             <a:picLocks noGrp="1" noChangeAspect="1"/>
           </p:cNvPicPr>
@@ -10585,23 +11934,7 @@
             </a:pPr>
             <a:r>
               <a:rPr/>
-              <a:t>Wave</a:t>
-            </a:r>
-            <a:r>
-              <a:rPr/>
-              <a:t> </a:t>
-            </a:r>
-            <a:r>
-              <a:rPr/>
-              <a:t>3</a:t>
-            </a:r>
-            <a:r>
-              <a:rPr/>
-              <a:t> </a:t>
-            </a:r>
-            <a:r>
-              <a:rPr/>
-              <a:t>component</a:t>
+              <a:t>Regression</a:t>
             </a:r>
             <a:r>
               <a:rPr/>
@@ -10617,7 +11950,7 @@
             </a:r>
             <a:r>
               <a:rPr/>
-              <a:t>the</a:t>
+              <a:t>200hPa</a:t>
             </a:r>
             <a:r>
               <a:rPr/>
@@ -10633,7 +11966,95 @@
             </a:r>
             <a:r>
               <a:rPr/>
-              <a:t>field</a:t>
+              <a:t>height</a:t>
+            </a:r>
+            <a:r>
+              <a:rPr/>
+              <a:t> </a:t>
+            </a:r>
+            <a:r>
+              <a:rPr/>
+              <a:t>and</a:t>
+            </a:r>
+            <a:r>
+              <a:rPr/>
+              <a:t> </a:t>
+            </a:r>
+            <a:r>
+              <a:rPr/>
+              <a:t>QS3</a:t>
+            </a:r>
+            <a:r>
+              <a:rPr/>
+              <a:t> </a:t>
+            </a:r>
+            <a:r>
+              <a:rPr/>
+              <a:t>standarized</a:t>
+            </a:r>
+            <a:r>
+              <a:rPr/>
+              <a:t> </a:t>
+            </a:r>
+            <a:r>
+              <a:rPr/>
+              <a:t>index,</a:t>
+            </a:r>
+            <a:r>
+              <a:rPr/>
+              <a:t> </a:t>
+            </a:r>
+            <a:r>
+              <a:rPr/>
+              <a:t>and</a:t>
+            </a:r>
+            <a:r>
+              <a:rPr/>
+              <a:t> </a:t>
+            </a:r>
+            <a:r>
+              <a:rPr/>
+              <a:t>wave</a:t>
+            </a:r>
+            <a:r>
+              <a:rPr/>
+              <a:t> </a:t>
+            </a:r>
+            <a:r>
+              <a:rPr/>
+              <a:t>acivity</a:t>
+            </a:r>
+            <a:r>
+              <a:rPr/>
+              <a:t> </a:t>
+            </a:r>
+            <a:r>
+              <a:rPr/>
+              <a:t>flux</a:t>
+            </a:r>
+            <a:r>
+              <a:rPr/>
+              <a:t> </a:t>
+            </a:r>
+            <a:r>
+              <a:rPr/>
+              <a:t>computed</a:t>
+            </a:r>
+            <a:r>
+              <a:rPr/>
+              <a:t> </a:t>
+            </a:r>
+            <a:r>
+              <a:rPr/>
+              <a:t>from</a:t>
+            </a:r>
+            <a:r>
+              <a:rPr/>
+              <a:t> </a:t>
+            </a:r>
+            <a:r>
+              <a:rPr/>
+              <a:t>regression</a:t>
             </a:r>
             <a:r>
               <a:rPr/>
@@ -10649,31 +12070,15 @@
             </a:r>
             <a:r>
               <a:rPr/>
-              <a:t>each</a:t>
-            </a:r>
-            <a:r>
-              <a:rPr/>
-              <a:t> </a:t>
-            </a:r>
-            <a:r>
-              <a:rPr/>
-              <a:t>season</a:t>
-            </a:r>
-            <a:r>
-              <a:rPr/>
-              <a:t> </a:t>
-            </a:r>
-            <a:r>
-              <a:rPr/>
-              <a:t>at</a:t>
-            </a:r>
-            <a:r>
-              <a:rPr/>
-              <a:t> </a:t>
-            </a:r>
-            <a:r>
-              <a:rPr/>
-              <a:t>200hPa.</a:t>
+              <a:t>0.201</a:t>
+            </a:r>
+            <a:r>
+              <a:rPr/>
+              <a:t> </a:t>
+            </a:r>
+            <a:r>
+              <a:rPr/>
+              <a:t>sigma.</a:t>
             </a:r>
           </a:p>
         </p:txBody>
@@ -10683,7 +12088,91 @@
 </p:sld>
 </file>
 
-<file path=ppt/slides/slide7.xml><?xml version="1.0" encoding="utf-8"?>
+<file path=ppt/slides/slide2.xml><?xml version="1.0" encoding="utf-8"?>
+<p:sld xmlns:a="http://schemas.openxmlformats.org/drawingml/2006/main" xmlns:r="http://schemas.openxmlformats.org/officeDocument/2006/relationships" xmlns:p="http://schemas.openxmlformats.org/presentationml/2006/main">
+  <p:cSld>
+    <p:spTree>
+      <p:nvGrpSpPr>
+        <p:cNvPr id="1" name=""/>
+        <p:cNvGrpSpPr/>
+        <p:nvPr/>
+      </p:nvGrpSpPr>
+      <p:grpSpPr>
+        <a:xfrm>
+          <a:off x="0" y="0"/>
+          <a:ext cx="0" cy="0"/>
+          <a:chOff x="0" y="0"/>
+          <a:chExt cx="0" cy="0"/>
+        </a:xfrm>
+      </p:grpSpPr>
+      <p:sp>
+        <p:nvSpPr>
+          <p:cNvPr id="2" name="Title 1"/>
+          <p:cNvSpPr>
+            <a:spLocks noGrp="1" noChangeArrowheads="1"/>
+          </p:cNvSpPr>
+          <p:nvPr>
+            <p:ph type="title"/>
+          </p:nvPr>
+        </p:nvSpPr>
+        <p:spPr>
+          <a:xfrm>
+            <a:off x="831850" y="1710055"/>
+            <a:ext cx="10515600" cy="2852420"/>
+          </a:xfrm>
+        </p:spPr>
+        <p:txBody>
+          <a:bodyPr/>
+          <a:lstStyle/>
+          <a:p>
+            <a:pPr lvl="0" marL="0" indent="0">
+              <a:buNone/>
+            </a:pPr>
+            <a:r>
+              <a:rPr/>
+              <a:t>Selección</a:t>
+            </a:r>
+            <a:r>
+              <a:rPr/>
+              <a:t> </a:t>
+            </a:r>
+            <a:r>
+              <a:rPr/>
+              <a:t>de</a:t>
+            </a:r>
+            <a:r>
+              <a:rPr/>
+              <a:t> </a:t>
+            </a:r>
+            <a:r>
+              <a:rPr/>
+              <a:t>figuras</a:t>
+            </a:r>
+            <a:r>
+              <a:rPr/>
+              <a:t> </a:t>
+            </a:r>
+            <a:r>
+              <a:rPr/>
+              <a:t>para</a:t>
+            </a:r>
+            <a:r>
+              <a:rPr/>
+              <a:t> </a:t>
+            </a:r>
+            <a:r>
+              <a:rPr/>
+              <a:t>paper</a:t>
+            </a:r>
+          </a:p>
+        </p:txBody>
+      </p:sp>
+    </p:spTree>
+  </p:cSld>
+</p:sld>
+</file>
+
+<file path=ppt/slides/slide3.xml><?xml version="1.0" encoding="utf-8"?>
 <p:sld xmlns:a="http://schemas.openxmlformats.org/drawingml/2006/main" xmlns:r="http://schemas.openxmlformats.org/officeDocument/2006/relationships" xmlns:p="http://schemas.openxmlformats.org/presentationml/2006/main">
   <p:cSld>
     <p:spTree>
@@ -10702,7 +12191,7 @@
       </p:grpSpPr>
       <p:pic>
         <p:nvPicPr>
-          <p:cNvPr descr="fig/06-paper_tesisqs3-season-cut-1.png" id="0" name="Picture 1"/>
+          <p:cNvPr descr="fig/06-paper_tesis/ampl-ncep-1.png" id="0" name="Picture 1"/>
           <p:cNvPicPr>
             <a:picLocks noGrp="1" noChangeAspect="1"/>
           </p:cNvPicPr>
@@ -10755,7 +12244,47 @@
             </a:pPr>
             <a:r>
               <a:rPr/>
-              <a:t>Mean</a:t>
+              <a:t>Fourier</a:t>
+            </a:r>
+            <a:r>
+              <a:rPr/>
+              <a:t> </a:t>
+            </a:r>
+            <a:r>
+              <a:rPr/>
+              <a:t>amplitude</a:t>
+            </a:r>
+            <a:r>
+              <a:rPr/>
+              <a:t> </a:t>
+            </a:r>
+            <a:r>
+              <a:rPr/>
+              <a:t>of</a:t>
+            </a:r>
+            <a:r>
+              <a:rPr/>
+              <a:t> </a:t>
+            </a:r>
+            <a:r>
+              <a:rPr/>
+              <a:t>the</a:t>
+            </a:r>
+            <a:r>
+              <a:rPr/>
+              <a:t> </a:t>
+            </a:r>
+            <a:r>
+              <a:rPr/>
+              <a:t>mean</a:t>
+            </a:r>
+            <a:r>
+              <a:rPr/>
+              <a:t> </a:t>
+            </a:r>
+            <a:r>
+              <a:rPr/>
+              <a:t>zonal</a:t>
             </a:r>
             <a:r>
               <a:rPr/>
@@ -10779,63 +12308,7 @@
             </a:r>
             <a:r>
               <a:rPr/>
-              <a:t>component</a:t>
-            </a:r>
-            <a:r>
-              <a:rPr/>
-              <a:t> </a:t>
-            </a:r>
-            <a:r>
-              <a:rPr/>
-              <a:t>of</a:t>
-            </a:r>
-            <a:r>
-              <a:rPr/>
-              <a:t> </a:t>
-            </a:r>
-            <a:r>
-              <a:rPr/>
-              <a:t>geopotential</a:t>
-            </a:r>
-            <a:r>
-              <a:rPr/>
-              <a:t> </a:t>
-            </a:r>
-            <a:r>
-              <a:rPr/>
-              <a:t>height</a:t>
-            </a:r>
-            <a:r>
-              <a:rPr/>
-              <a:t> </a:t>
-            </a:r>
-            <a:r>
-              <a:rPr/>
-              <a:t>between</a:t>
-            </a:r>
-            <a:r>
-              <a:rPr/>
-              <a:t> </a:t>
-            </a:r>
-            <a:r>
-              <a:rPr/>
-              <a:t>65°S</a:t>
-            </a:r>
-            <a:r>
-              <a:rPr/>
-              <a:t> </a:t>
-            </a:r>
-            <a:r>
-              <a:rPr/>
-              <a:t>and</a:t>
-            </a:r>
-            <a:r>
-              <a:rPr/>
-              <a:t> </a:t>
-            </a:r>
-            <a:r>
-              <a:rPr/>
-              <a:t>35°S</a:t>
+              <a:t>(contours).</a:t>
             </a:r>
           </a:p>
         </p:txBody>
@@ -10845,7 +12318,7 @@
 </p:sld>
 </file>
 
-<file path=ppt/slides/slide8.xml><?xml version="1.0" encoding="utf-8"?>
+<file path=ppt/slides/slide4.xml><?xml version="1.0" encoding="utf-8"?>
 <p:sld xmlns:a="http://schemas.openxmlformats.org/drawingml/2006/main" xmlns:r="http://schemas.openxmlformats.org/officeDocument/2006/relationships" xmlns:p="http://schemas.openxmlformats.org/presentationml/2006/main">
   <p:cSld>
     <p:spTree>
@@ -10864,7 +12337,7 @@
       </p:grpSpPr>
       <p:pic>
         <p:nvPicPr>
-          <p:cNvPr descr="fig/06-paper_tesisboxplot-index-1.png" id="0" name="Picture 1"/>
+          <p:cNvPr descr="fig/06-paper_tesis/gh3-season-1.png" id="0" name="Picture 1"/>
           <p:cNvPicPr>
             <a:picLocks noGrp="1" noChangeAspect="1"/>
           </p:cNvPicPr>
@@ -10917,15 +12390,23 @@
             </a:pPr>
             <a:r>
               <a:rPr/>
-              <a:t>Seasonal</a:t>
-            </a:r>
-            <a:r>
-              <a:rPr/>
-              <a:t> </a:t>
-            </a:r>
-            <a:r>
-              <a:rPr/>
-              <a:t>cicle</a:t>
+              <a:t>Wave</a:t>
+            </a:r>
+            <a:r>
+              <a:rPr/>
+              <a:t> </a:t>
+            </a:r>
+            <a:r>
+              <a:rPr/>
+              <a:t>3</a:t>
+            </a:r>
+            <a:r>
+              <a:rPr/>
+              <a:t> </a:t>
+            </a:r>
+            <a:r>
+              <a:rPr/>
+              <a:t>component</a:t>
             </a:r>
             <a:r>
               <a:rPr/>
@@ -10941,15 +12422,63 @@
             </a:r>
             <a:r>
               <a:rPr/>
-              <a:t>QS3</a:t>
-            </a:r>
-            <a:r>
-              <a:rPr/>
-              <a:t> </a:t>
-            </a:r>
-            <a:r>
-              <a:rPr/>
-              <a:t>index.</a:t>
+              <a:t>the</a:t>
+            </a:r>
+            <a:r>
+              <a:rPr/>
+              <a:t> </a:t>
+            </a:r>
+            <a:r>
+              <a:rPr/>
+              <a:t>geopotential</a:t>
+            </a:r>
+            <a:r>
+              <a:rPr/>
+              <a:t> </a:t>
+            </a:r>
+            <a:r>
+              <a:rPr/>
+              <a:t>field</a:t>
+            </a:r>
+            <a:r>
+              <a:rPr/>
+              <a:t> </a:t>
+            </a:r>
+            <a:r>
+              <a:rPr/>
+              <a:t>of</a:t>
+            </a:r>
+            <a:r>
+              <a:rPr/>
+              <a:t> </a:t>
+            </a:r>
+            <a:r>
+              <a:rPr/>
+              <a:t>each</a:t>
+            </a:r>
+            <a:r>
+              <a:rPr/>
+              <a:t> </a:t>
+            </a:r>
+            <a:r>
+              <a:rPr/>
+              <a:t>season</a:t>
+            </a:r>
+            <a:r>
+              <a:rPr/>
+              <a:t> </a:t>
+            </a:r>
+            <a:r>
+              <a:rPr/>
+              <a:t>at</a:t>
+            </a:r>
+            <a:r>
+              <a:rPr/>
+              <a:t> </a:t>
+            </a:r>
+            <a:r>
+              <a:rPr/>
+              <a:t>200hPa.</a:t>
             </a:r>
           </a:p>
         </p:txBody>
@@ -10959,7 +12488,7 @@
 </p:sld>
 </file>
 
-<file path=ppt/slides/slide9.xml><?xml version="1.0" encoding="utf-8"?>
+<file path=ppt/slides/slide5.xml><?xml version="1.0" encoding="utf-8"?>
 <p:sld xmlns:a="http://schemas.openxmlformats.org/drawingml/2006/main" xmlns:r="http://schemas.openxmlformats.org/officeDocument/2006/relationships" xmlns:p="http://schemas.openxmlformats.org/presentationml/2006/main">
   <p:cSld>
     <p:spTree>
@@ -10978,7 +12507,7 @@
       </p:grpSpPr>
       <p:pic>
         <p:nvPicPr>
-          <p:cNvPr descr="fig/06-paper_tesisregr-psi-ncep-1.png" id="0" name="Picture 1"/>
+          <p:cNvPr descr="fig/06-paper_tesis/qs3-season-cut-1.png" id="0" name="Picture 1"/>
           <p:cNvPicPr>
             <a:picLocks noGrp="1" noChangeAspect="1"/>
           </p:cNvPicPr>
@@ -11031,7 +12560,31 @@
             </a:pPr>
             <a:r>
               <a:rPr/>
-              <a:t>Regression</a:t>
+              <a:t>Mean</a:t>
+            </a:r>
+            <a:r>
+              <a:rPr/>
+              <a:t> </a:t>
+            </a:r>
+            <a:r>
+              <a:rPr/>
+              <a:t>wave</a:t>
+            </a:r>
+            <a:r>
+              <a:rPr/>
+              <a:t> </a:t>
+            </a:r>
+            <a:r>
+              <a:rPr/>
+              <a:t>3</a:t>
+            </a:r>
+            <a:r>
+              <a:rPr/>
+              <a:t> </a:t>
+            </a:r>
+            <a:r>
+              <a:rPr/>
+              <a:t>component</a:t>
             </a:r>
             <a:r>
               <a:rPr/>
@@ -11047,14 +12600,6 @@
             </a:r>
             <a:r>
               <a:rPr/>
-              <a:t>200hPa</a:t>
-            </a:r>
-            <a:r>
-              <a:rPr/>
-              <a:t> </a:t>
-            </a:r>
-            <a:r>
-              <a:rPr/>
               <a:t>geopotential</a:t>
             </a:r>
             <a:r>
@@ -11071,6 +12616,22 @@
             </a:r>
             <a:r>
               <a:rPr/>
+              <a:t>between</a:t>
+            </a:r>
+            <a:r>
+              <a:rPr/>
+              <a:t> </a:t>
+            </a:r>
+            <a:r>
+              <a:rPr/>
+              <a:t>65°S</a:t>
+            </a:r>
+            <a:r>
+              <a:rPr/>
+              <a:t> </a:t>
+            </a:r>
+            <a:r>
+              <a:rPr/>
               <a:t>and</a:t>
             </a:r>
             <a:r>
@@ -11079,6 +12640,112 @@
             </a:r>
             <a:r>
               <a:rPr/>
+              <a:t>35°S</a:t>
+            </a:r>
+          </a:p>
+        </p:txBody>
+      </p:sp>
+    </p:spTree>
+  </p:cSld>
+</p:sld>
+</file>
+
+<file path=ppt/slides/slide6.xml><?xml version="1.0" encoding="utf-8"?>
+<p:sld xmlns:a="http://schemas.openxmlformats.org/drawingml/2006/main" xmlns:r="http://schemas.openxmlformats.org/officeDocument/2006/relationships" xmlns:p="http://schemas.openxmlformats.org/presentationml/2006/main">
+  <p:cSld>
+    <p:spTree>
+      <p:nvGrpSpPr>
+        <p:cNvPr id="1" name=""/>
+        <p:cNvGrpSpPr/>
+        <p:nvPr/>
+      </p:nvGrpSpPr>
+      <p:grpSpPr>
+        <a:xfrm>
+          <a:off x="0" y="0"/>
+          <a:ext cx="0" cy="0"/>
+          <a:chOff x="0" y="0"/>
+          <a:chExt cx="0" cy="0"/>
+        </a:xfrm>
+      </p:grpSpPr>
+      <p:pic>
+        <p:nvPicPr>
+          <p:cNvPr descr="fig/06-paper_tesis/boxplot-index-1.png" id="0" name="Picture 1"/>
+          <p:cNvPicPr>
+            <a:picLocks noGrp="1" noChangeAspect="1"/>
+          </p:cNvPicPr>
+          <p:nvPr/>
+        </p:nvPicPr>
+        <p:blipFill>
+          <a:blip r:embed="rId3"/>
+          <a:stretch>
+            <a:fillRect/>
+          </a:stretch>
+        </p:blipFill>
+        <p:spPr bwMode="auto">
+          <a:xfrm>
+            <a:off x="279400" y="939800"/>
+            <a:ext cx="11480800" cy="5219700"/>
+          </a:xfrm>
+          <a:prstGeom prst="rect">
+            <a:avLst/>
+          </a:prstGeom>
+          <a:noFill/>
+          <a:ln w="9525">
+            <a:noFill/>
+            <a:headEnd/>
+            <a:tailEnd/>
+          </a:ln>
+        </p:spPr>
+      </p:pic>
+      <p:sp>
+        <p:nvSpPr>
+          <p:cNvPr id="1" name="TextBox 3"/>
+          <p:cNvSpPr txBox="1"/>
+          <p:nvPr/>
+        </p:nvSpPr>
+        <p:spPr>
+          <a:xfrm>
+            <a:off x="190500" y="6159500"/>
+            <a:ext cx="11671300" cy="508000"/>
+          </a:xfrm>
+          <a:prstGeom prst="rect">
+            <a:avLst/>
+          </a:prstGeom>
+          <a:noFill/>
+        </p:spPr>
+        <p:txBody>
+          <a:bodyPr/>
+          <a:lstStyle/>
+          <a:p>
+            <a:pPr lvl="0" marL="0" indent="0" algn="ctr">
+              <a:buNone/>
+            </a:pPr>
+            <a:r>
+              <a:rPr/>
+              <a:t>Seasonal</a:t>
+            </a:r>
+            <a:r>
+              <a:rPr/>
+              <a:t> </a:t>
+            </a:r>
+            <a:r>
+              <a:rPr/>
+              <a:t>cicle</a:t>
+            </a:r>
+            <a:r>
+              <a:rPr/>
+              <a:t> </a:t>
+            </a:r>
+            <a:r>
+              <a:rPr/>
+              <a:t>of</a:t>
+            </a:r>
+            <a:r>
+              <a:rPr/>
+              <a:t> </a:t>
+            </a:r>
+            <a:r>
+              <a:rPr/>
               <a:t>QS3</a:t>
             </a:r>
             <a:r>
@@ -11087,15 +12754,167 @@
             </a:r>
             <a:r>
               <a:rPr/>
-              <a:t>standarized</a:t>
-            </a:r>
-            <a:r>
-              <a:rPr/>
-              <a:t> </a:t>
-            </a:r>
-            <a:r>
-              <a:rPr/>
-              <a:t>index,</a:t>
+              <a:t>index.</a:t>
+            </a:r>
+          </a:p>
+        </p:txBody>
+      </p:sp>
+    </p:spTree>
+  </p:cSld>
+</p:sld>
+</file>
+
+<file path=ppt/slides/slide7.xml><?xml version="1.0" encoding="utf-8"?>
+<p:sld xmlns:a="http://schemas.openxmlformats.org/drawingml/2006/main" xmlns:r="http://schemas.openxmlformats.org/officeDocument/2006/relationships" xmlns:p="http://schemas.openxmlformats.org/presentationml/2006/main">
+  <p:cSld>
+    <p:spTree>
+      <p:nvGrpSpPr>
+        <p:cNvPr id="1" name=""/>
+        <p:cNvGrpSpPr/>
+        <p:nvPr/>
+      </p:nvGrpSpPr>
+      <p:grpSpPr>
+        <a:xfrm>
+          <a:off x="0" y="0"/>
+          <a:ext cx="0" cy="0"/>
+          <a:chOff x="0" y="0"/>
+          <a:chExt cx="0" cy="0"/>
+        </a:xfrm>
+      </p:grpSpPr>
+      <p:sp>
+        <p:nvSpPr>
+          <p:cNvPr id="3" name="Content Placeholder 2"/>
+          <p:cNvSpPr>
+            <a:spLocks noGrp="1" noChangeArrowheads="1"/>
+          </p:cNvSpPr>
+          <p:nvPr>
+            <p:ph idx="1"/>
+          </p:nvPr>
+        </p:nvSpPr>
+        <p:spPr/>
+        <p:txBody>
+          <a:bodyPr/>
+          <a:lstStyle/>
+          <a:p>
+            <a:pPr lvl="0" marL="1270000" indent="0">
+              <a:buNone/>
+            </a:pPr>
+            <a:r>
+              <a:rPr sz="1800">
+                <a:latin typeface="Courier"/>
+              </a:rPr>
+              <a:t>## Regions defined for each Polygons
+## Regions defined for each Polygons</a:t>
+            </a:r>
+          </a:p>
+        </p:txBody>
+      </p:sp>
+    </p:spTree>
+  </p:cSld>
+</p:sld>
+</file>
+
+<file path=ppt/slides/slide8.xml><?xml version="1.0" encoding="UTF-8"?>
+<p:sld xmlns:a="http://schemas.openxmlformats.org/drawingml/2006/main" xmlns:r="http://schemas.openxmlformats.org/officeDocument/2006/relationships" xmlns:p="http://schemas.openxmlformats.org/presentationml/2006/main"><p:cSld><p:spTree><p:nvGrpSpPr><p:cNvPr id="1" name="" /><p:cNvGrpSpPr /><p:nvPr /></p:nvGrpSpPr><p:grpSpPr><a:xfrm><a:off x="0" y="0" /><a:ext cx="0" cy="0" /><a:chOff x="0" y="0" /><a:chExt cx="0" cy="0" /></a:xfrm></p:grpSpPr><p:pic><p:nvPicPr><p:cNvPr descr="fig/06-paper_tesis/fase-boxplot-1.png" id="0" name="Picture 1" /><p:cNvPicPr><a:picLocks noGrp="1" noChangeAspect="1" /></p:cNvPicPr><p:nvPr /></p:nvPicPr><p:blipFill><a:blip r:embed="rId2" /><a:stretch><a:fillRect /></a:stretch></p:blipFill><p:spPr bwMode="auto"><a:xfrm><a:off x="279400" y="939800" /><a:ext cx="11480800" cy="5219700" /></a:xfrm><a:prstGeom prst="rect"><a:avLst /></a:prstGeom><a:noFill /><a:ln w="9525"><a:noFill /><a:headEnd /><a:tailEnd /></a:ln></p:spPr></p:pic><p:sp><p:nvSpPr><p:cNvPr id="1" name="TextBox 3" /><p:cNvSpPr txBox="1" /><p:nvPr /></p:nvSpPr><p:spPr><a:xfrm><a:off x="190500" y="6159500" /><a:ext cx="11671300" cy="508000" /></a:xfrm><a:prstGeom prst="rect"><a:avLst /></a:prstGeom><a:noFill /></p:spPr><p:txBody><a:bodyPr /><a:lstStyle /><a:p><a:pPr lvl="0" marL="0" indent="0" algn="ctr"><a:buNone /></a:pPr><a:r><a:rPr /><a:t>Phase</a:t></a:r><a:r><a:rPr /><a:t> </a:t></a:r><a:r><a:rPr /><a:t>of</a:t></a:r><a:r><a:rPr /><a:t> </a:t></a:r><a:r><a:rPr /><a:t>the</a:t></a:r><a:r><a:rPr /><a:t> </a:t></a:r><a:r><a:rPr /><a:t>mean</a:t></a:r><a:r><a:rPr /><a:t> </a:t></a:r><a:r><a:rPr /><a:t>wave</a:t></a:r><a:r><a:rPr /><a:t> </a:t></a:r><a:r><a:rPr /><a:t>for</a:t></a:r><a:r><a:rPr /><a:t> </a:t></a:r><a:r><a:rPr /><a:t>each</a:t></a:r><a:r><a:rPr /><a:t> </a:t></a:r><a:r><a:rPr /><a:t>month</a:t></a:r><a:r><a:rPr /><a:t> </a:t></a:r><a:r><a:rPr /><a:t>and</a:t></a:r><a:r><a:rPr /><a:t> </a:t></a:r><a14:m><m:oMath xmlns:m="http://schemas.openxmlformats.org/officeDocument/2006/math"><m:r><m:t>±</m:t></m:r></m:oMath></a14:m><a:r><a:rPr /><a:t> </a:t></a:r><a:r><a:rPr /><a:t>1</a:t></a:r><a:r><a:rPr /><a:t> </a:t></a:r><a:r><a:rPr /><a:t>standrad</a:t></a:r><a:r><a:rPr /><a:t> </a:t></a:r><a:r><a:rPr /><a:t>deviation</a:t></a:r><a:r><a:rPr /><a:t> </a:t></a:r><a:r><a:rPr /><a:t>(black</a:t></a:r><a:r><a:rPr /><a:t> </a:t></a:r><a:r><a:rPr /><a:t>dots</a:t></a:r><a:r><a:rPr /><a:t> </a:t></a:r><a:r><a:rPr /><a:t>and</a:t></a:r><a:r><a:rPr /><a:t> </a:t></a:r><a:r><a:rPr /><a:t>error</a:t></a:r><a:r><a:rPr /><a:t> </a:t></a:r><a:r><a:rPr /><a:t>bars).</a:t></a:r><a:r><a:rPr /><a:t> </a:t></a:r><a:r><a:rPr /><a:t>In</a:t></a:r><a:r><a:rPr /><a:t> </a:t></a:r><a:r><a:rPr /><a:t>red</a:t></a:r><a:r><a:rPr /><a:t> </a:t></a:r><a:r><a:rPr /><a:t>and</a:t></a:r><a:r><a:rPr /><a:t> </a:t></a:r><a:r><a:rPr /><a:t>blue,</a:t></a:r><a:r><a:rPr /><a:t> </a:t></a:r><a:r><a:rPr /><a:t>phase</a:t></a:r><a:r><a:rPr /><a:t> </a:t></a:r><a:r><a:rPr /><a:t>of</a:t></a:r><a:r><a:rPr /><a:t> </a:t></a:r><a:r><a:rPr /><a:t>the</a:t></a:r><a:r><a:rPr /><a:t> </a:t></a:r><a:r><a:rPr /><a:t>most</a:t></a:r><a:r><a:rPr /><a:t> </a:t></a:r><a:r><a:rPr /><a:t>intense</a:t></a:r><a:r><a:rPr /><a:t> </a:t></a:r><a:r><a:rPr /><a:t>20</a:t></a:r><a:r><a:rPr /><a:t> </a:t></a:r><a:r><a:rPr /><a:t>events</a:t></a:r><a:r><a:rPr /><a:t> </a:t></a:r><a:r><a:rPr /><a:t>for</a:t></a:r><a:r><a:rPr /><a:t> </a:t></a:r><a:r><a:rPr /><a:t>each</a:t></a:r><a:r><a:rPr /><a:t> </a:t></a:r><a:r><a:rPr /><a:t>month,</a:t></a:r><a:r><a:rPr /><a:t> </a:t></a:r><a:r><a:rPr /><a:t>representing</a:t></a:r><a:r><a:rPr /><a:t> </a:t></a:r><a:r><a:rPr /><a:t>the</a:t></a:r><a:r><a:rPr /><a:t> </a:t></a:r><a:r><a:rPr /><a:t>location</a:t></a:r><a:r><a:rPr /><a:t> </a:t></a:r><a:r><a:rPr /><a:t>of</a:t></a:r><a:r><a:rPr /><a:t> </a:t></a:r><a:r><a:rPr /><a:t>the</a:t></a:r><a:r><a:rPr /><a:t> </a:t></a:r><a:r><a:rPr /><a:t>ridge</a:t></a:r><a:r><a:rPr /><a:t> </a:t></a:r><a:r><a:rPr /><a:t>and</a:t></a:r><a:r><a:rPr /><a:t> </a:t></a:r><a:r><a:rPr /><a:t>throuht</a:t></a:r><a:r><a:rPr /><a:t> </a:t></a:r><a:r><a:rPr /><a:t>respectively.</a:t></a:r></a:p></p:txBody></p:sp></p:spTree></p:cSld></p:sld>
+</file>
+
+<file path=ppt/slides/slide9.xml><?xml version="1.0" encoding="utf-8"?>
+<p:sld xmlns:a="http://schemas.openxmlformats.org/drawingml/2006/main" xmlns:r="http://schemas.openxmlformats.org/officeDocument/2006/relationships" xmlns:p="http://schemas.openxmlformats.org/presentationml/2006/main">
+  <p:cSld>
+    <p:spTree>
+      <p:nvGrpSpPr>
+        <p:cNvPr id="1" name=""/>
+        <p:cNvGrpSpPr/>
+        <p:nvPr/>
+      </p:nvGrpSpPr>
+      <p:grpSpPr>
+        <a:xfrm>
+          <a:off x="0" y="0"/>
+          <a:ext cx="0" cy="0"/>
+          <a:chOff x="0" y="0"/>
+          <a:chExt cx="0" cy="0"/>
+        </a:xfrm>
+      </p:grpSpPr>
+      <p:pic>
+        <p:nvPicPr>
+          <p:cNvPr descr="fig/06-paper_tesis/ampl-stat-1.png" id="0" name="Picture 1"/>
+          <p:cNvPicPr>
+            <a:picLocks noGrp="1" noChangeAspect="1"/>
+          </p:cNvPicPr>
+          <p:nvPr/>
+        </p:nvPicPr>
+        <p:blipFill>
+          <a:blip r:embed="rId2"/>
+          <a:stretch>
+            <a:fillRect/>
+          </a:stretch>
+        </p:blipFill>
+        <p:spPr bwMode="auto">
+          <a:xfrm>
+            <a:off x="279400" y="939800"/>
+            <a:ext cx="11480800" cy="5219700"/>
+          </a:xfrm>
+          <a:prstGeom prst="rect">
+            <a:avLst/>
+          </a:prstGeom>
+          <a:noFill/>
+          <a:ln w="9525">
+            <a:noFill/>
+            <a:headEnd/>
+            <a:tailEnd/>
+          </a:ln>
+        </p:spPr>
+      </p:pic>
+      <p:sp>
+        <p:nvSpPr>
+          <p:cNvPr id="1" name="TextBox 3"/>
+          <p:cNvSpPr txBox="1"/>
+          <p:nvPr/>
+        </p:nvSpPr>
+        <p:spPr>
+          <a:xfrm>
+            <a:off x="190500" y="6159500"/>
+            <a:ext cx="11671300" cy="508000"/>
+          </a:xfrm>
+          <a:prstGeom prst="rect">
+            <a:avLst/>
+          </a:prstGeom>
+          <a:noFill/>
+        </p:spPr>
+        <p:txBody>
+          <a:bodyPr/>
+          <a:lstStyle/>
+          <a:p>
+            <a:pPr lvl="0" marL="0" indent="0" algn="ctr">
+              <a:buNone/>
+            </a:pPr>
+            <a:r>
+              <a:rPr/>
+              <a:t>Mean</a:t>
+            </a:r>
+            <a:r>
+              <a:rPr/>
+              <a:t> </a:t>
+            </a:r>
+            <a:r>
+              <a:rPr/>
+              <a:t>wave</a:t>
+            </a:r>
+            <a:r>
+              <a:rPr/>
+              <a:t> </a:t>
+            </a:r>
+            <a:r>
+              <a:rPr/>
+              <a:t>amplitude</a:t>
+            </a:r>
+            <a:r>
+              <a:rPr/>
+              <a:t> </a:t>
+            </a:r>
+            <a:r>
+              <a:rPr/>
+              <a:t>(shaded)</a:t>
             </a:r>
             <a:r>
               <a:rPr/>
@@ -11111,71 +12930,15 @@
             </a:r>
             <a:r>
               <a:rPr/>
-              <a:t>wave</a:t>
-            </a:r>
-            <a:r>
-              <a:rPr/>
-              <a:t> </a:t>
-            </a:r>
-            <a:r>
-              <a:rPr/>
-              <a:t>acivity</a:t>
-            </a:r>
-            <a:r>
-              <a:rPr/>
-              <a:t> </a:t>
-            </a:r>
-            <a:r>
-              <a:rPr/>
-              <a:t>flux</a:t>
-            </a:r>
-            <a:r>
-              <a:rPr/>
-              <a:t> </a:t>
-            </a:r>
-            <a:r>
-              <a:rPr/>
-              <a:t>computed</a:t>
-            </a:r>
-            <a:r>
-              <a:rPr/>
-              <a:t> </a:t>
-            </a:r>
-            <a:r>
-              <a:rPr/>
-              <a:t>from</a:t>
-            </a:r>
-            <a:r>
-              <a:rPr/>
-              <a:t> </a:t>
-            </a:r>
-            <a:r>
-              <a:rPr/>
-              <a:t>regression</a:t>
-            </a:r>
-            <a:r>
-              <a:rPr/>
-              <a:t> </a:t>
-            </a:r>
-            <a:r>
-              <a:rPr/>
-              <a:t>of</a:t>
-            </a:r>
-            <a:r>
-              <a:rPr/>
-              <a:t> </a:t>
-            </a:r>
-            <a:r>
-              <a:rPr/>
-              <a:t>0.201</a:t>
-            </a:r>
-            <a:r>
-              <a:rPr/>
-              <a:t> </a:t>
-            </a:r>
-            <a:r>
-              <a:rPr/>
-              <a:t>sigma.</a:t>
+              <a:t>stationarity</a:t>
+            </a:r>
+            <a:r>
+              <a:rPr/>
+              <a:t> </a:t>
+            </a:r>
+            <a:r>
+              <a:rPr/>
+              <a:t>(contours).</a:t>
             </a:r>
           </a:p>
         </p:txBody>

--- a/06-paper_tesis.pptx
+++ b/06-paper_tesis.pptx
@@ -5,7 +5,7 @@
     <p:sldMasterId id="2147483648" r:id="rId1"/>
   </p:sldMasterIdLst>
   <p:notesMasterIdLst>
-    <p:NotesMasterId r:id="rId17"/>
+    <p:NotesMasterId r:id="rId14"/>
   </p:notesMasterIdLst>
   <p:sldIdLst>
     <p:sldId id="256" r:id="rId2"/>
@@ -20,9 +20,6 @@
     <p:sldId id="265" r:id="rId11"/>
     <p:sldId id="266" r:id="rId12"/>
     <p:sldId id="267" r:id="rId13"/>
-    <p:sldId id="268" r:id="rId14"/>
-    <p:sldId id="269" r:id="rId15"/>
-    <p:sldId id="270" r:id="rId16"/>
   </p:sldIdLst>
   <p:sldSz cx="12192000" cy="6858000"/>
   <p:notesSz cx="6858000" cy="9144000"/>
@@ -2410,6 +2407,268 @@
               <a:t>stationary.</a:t>
             </a:r>
           </a:p>
+          <a:p>
+            <a:pPr lvl="0" marL="0" indent="0">
+              <a:buNone/>
+            </a:pPr>
+          </a:p>
+          <a:p>
+            <a:pPr lvl="0" marL="0" indent="0">
+              <a:buNone/>
+            </a:pPr>
+            <a:r>
+              <a:rPr/>
+              <a:t>Esta</a:t>
+            </a:r>
+            <a:r>
+              <a:rPr/>
+              <a:t> </a:t>
+            </a:r>
+            <a:r>
+              <a:rPr/>
+              <a:t>figura</a:t>
+            </a:r>
+            <a:r>
+              <a:rPr/>
+              <a:t> </a:t>
+            </a:r>
+            <a:r>
+              <a:rPr/>
+              <a:t>es</a:t>
+            </a:r>
+            <a:r>
+              <a:rPr/>
+              <a:t> </a:t>
+            </a:r>
+            <a:r>
+              <a:rPr/>
+              <a:t>igual</a:t>
+            </a:r>
+            <a:r>
+              <a:rPr/>
+              <a:t> </a:t>
+            </a:r>
+            <a:r>
+              <a:rPr/>
+              <a:t>que</a:t>
+            </a:r>
+            <a:r>
+              <a:rPr/>
+              <a:t> </a:t>
+            </a:r>
+            <a:r>
+              <a:rPr/>
+              <a:t>la</a:t>
+            </a:r>
+            <a:r>
+              <a:rPr/>
+              <a:t> </a:t>
+            </a:r>
+            <a:r>
+              <a:rPr/>
+              <a:t>anterior</a:t>
+            </a:r>
+            <a:r>
+              <a:rPr/>
+              <a:t> </a:t>
+            </a:r>
+            <a:r>
+              <a:rPr/>
+              <a:t>pero</a:t>
+            </a:r>
+            <a:r>
+              <a:rPr/>
+              <a:t> </a:t>
+            </a:r>
+            <a:r>
+              <a:rPr/>
+              <a:t>en</a:t>
+            </a:r>
+            <a:r>
+              <a:rPr/>
+              <a:t> </a:t>
+            </a:r>
+            <a:r>
+              <a:rPr/>
+              <a:t>contornos</a:t>
+            </a:r>
+            <a:r>
+              <a:rPr/>
+              <a:t> </a:t>
+            </a:r>
+            <a:r>
+              <a:rPr/>
+              <a:t>pone</a:t>
+            </a:r>
+            <a:r>
+              <a:rPr/>
+              <a:t> </a:t>
+            </a:r>
+            <a:r>
+              <a:rPr/>
+              <a:t>la</a:t>
+            </a:r>
+            <a:r>
+              <a:rPr/>
+              <a:t> </a:t>
+            </a:r>
+            <a:r>
+              <a:rPr/>
+              <a:t>media</a:t>
+            </a:r>
+            <a:r>
+              <a:rPr/>
+              <a:t> </a:t>
+            </a:r>
+            <a:r>
+              <a:rPr/>
+              <a:t>de</a:t>
+            </a:r>
+            <a:r>
+              <a:rPr/>
+              <a:t> </a:t>
+            </a:r>
+            <a:r>
+              <a:rPr/>
+              <a:t>la</a:t>
+            </a:r>
+            <a:r>
+              <a:rPr/>
+              <a:t> </a:t>
+            </a:r>
+            <a:r>
+              <a:rPr/>
+              <a:t>amplitud</a:t>
+            </a:r>
+            <a:r>
+              <a:rPr/>
+              <a:t> </a:t>
+            </a:r>
+            <a:r>
+              <a:rPr/>
+              <a:t>en</a:t>
+            </a:r>
+            <a:r>
+              <a:rPr/>
+              <a:t> </a:t>
+            </a:r>
+            <a:r>
+              <a:rPr/>
+              <a:t>vez</a:t>
+            </a:r>
+            <a:r>
+              <a:rPr/>
+              <a:t> </a:t>
+            </a:r>
+            <a:r>
+              <a:rPr/>
+              <a:t>de</a:t>
+            </a:r>
+            <a:r>
+              <a:rPr/>
+              <a:t> </a:t>
+            </a:r>
+            <a:r>
+              <a:rPr/>
+              <a:t>la</a:t>
+            </a:r>
+            <a:r>
+              <a:rPr/>
+              <a:t> </a:t>
+            </a:r>
+            <a:r>
+              <a:rPr/>
+              <a:t>amplitud</a:t>
+            </a:r>
+            <a:r>
+              <a:rPr/>
+              <a:t> </a:t>
+            </a:r>
+            <a:r>
+              <a:rPr/>
+              <a:t>de</a:t>
+            </a:r>
+            <a:r>
+              <a:rPr/>
+              <a:t> </a:t>
+            </a:r>
+            <a:r>
+              <a:rPr/>
+              <a:t>la</a:t>
+            </a:r>
+            <a:r>
+              <a:rPr/>
+              <a:t> </a:t>
+            </a:r>
+            <a:r>
+              <a:rPr/>
+              <a:t>onda</a:t>
+            </a:r>
+            <a:r>
+              <a:rPr/>
+              <a:t> </a:t>
+            </a:r>
+            <a:r>
+              <a:rPr/>
+              <a:t>media.</a:t>
+            </a:r>
+            <a:r>
+              <a:rPr/>
+              <a:t> </a:t>
+            </a:r>
+            <a:r>
+              <a:rPr/>
+              <a:t>No</a:t>
+            </a:r>
+            <a:r>
+              <a:rPr/>
+              <a:t> </a:t>
+            </a:r>
+            <a:r>
+              <a:rPr/>
+              <a:t>sé</a:t>
+            </a:r>
+            <a:r>
+              <a:rPr/>
+              <a:t> </a:t>
+            </a:r>
+            <a:r>
+              <a:rPr/>
+              <a:t>cuál</a:t>
+            </a:r>
+            <a:r>
+              <a:rPr/>
+              <a:t> </a:t>
+            </a:r>
+            <a:r>
+              <a:rPr/>
+              <a:t>de</a:t>
+            </a:r>
+            <a:r>
+              <a:rPr/>
+              <a:t> </a:t>
+            </a:r>
+            <a:r>
+              <a:rPr/>
+              <a:t>las</a:t>
+            </a:r>
+            <a:r>
+              <a:rPr/>
+              <a:t> </a:t>
+            </a:r>
+            <a:r>
+              <a:rPr/>
+              <a:t>dos</a:t>
+            </a:r>
+            <a:r>
+              <a:rPr/>
+              <a:t> </a:t>
+            </a:r>
+            <a:r>
+              <a:rPr/>
+              <a:t>poner.</a:t>
+            </a:r>
+          </a:p>
         </p:txBody>
       </p:sp>
       <p:sp>
@@ -4687,7 +4946,7 @@
             </a:r>
             <a:r>
               <a:rPr/>
-              <a:t>0.37</a:t>
+              <a:t>0.37.</a:t>
             </a:r>
             <a:r>
               <a:rPr/>
@@ -5319,7 +5578,509 @@
             </a:pPr>
             <a:r>
               <a:rPr/>
-              <a:t>Restringiendo</a:t>
+              <a:t>All</a:t>
+            </a:r>
+            <a:r>
+              <a:rPr/>
+              <a:t> </a:t>
+            </a:r>
+            <a:r>
+              <a:rPr/>
+              <a:t>months</a:t>
+            </a:r>
+            <a:r>
+              <a:rPr/>
+              <a:t> </a:t>
+            </a:r>
+            <a:r>
+              <a:rPr/>
+              <a:t>show</a:t>
+            </a:r>
+            <a:r>
+              <a:rPr/>
+              <a:t> </a:t>
+            </a:r>
+            <a:r>
+              <a:rPr/>
+              <a:t>evidence</a:t>
+            </a:r>
+            <a:r>
+              <a:rPr/>
+              <a:t> </a:t>
+            </a:r>
+            <a:r>
+              <a:rPr/>
+              <a:t>of</a:t>
+            </a:r>
+            <a:r>
+              <a:rPr/>
+              <a:t> </a:t>
+            </a:r>
+            <a:r>
+              <a:rPr/>
+              <a:t>planetary</a:t>
+            </a:r>
+            <a:r>
+              <a:rPr/>
+              <a:t> </a:t>
+            </a:r>
+            <a:r>
+              <a:rPr/>
+              <a:t>wave</a:t>
+            </a:r>
+            <a:r>
+              <a:rPr/>
+              <a:t> </a:t>
+            </a:r>
+            <a:r>
+              <a:rPr/>
+              <a:t>3</a:t>
+            </a:r>
+            <a:r>
+              <a:rPr/>
+              <a:t> </a:t>
+            </a:r>
+            <a:r>
+              <a:rPr/>
+              <a:t>activity,</a:t>
+            </a:r>
+            <a:r>
+              <a:rPr/>
+              <a:t> </a:t>
+            </a:r>
+            <a:r>
+              <a:rPr/>
+              <a:t>but</a:t>
+            </a:r>
+            <a:r>
+              <a:rPr/>
+              <a:t> </a:t>
+            </a:r>
+            <a:r>
+              <a:rPr/>
+              <a:t>with</a:t>
+            </a:r>
+            <a:r>
+              <a:rPr/>
+              <a:t> </a:t>
+            </a:r>
+            <a:r>
+              <a:rPr/>
+              <a:t>considerable</a:t>
+            </a:r>
+            <a:r>
+              <a:rPr/>
+              <a:t> </a:t>
+            </a:r>
+            <a:r>
+              <a:rPr/>
+              <a:t>heterogeneity</a:t>
+            </a:r>
+            <a:r>
+              <a:rPr/>
+              <a:t> </a:t>
+            </a:r>
+            <a:r>
+              <a:rPr/>
+              <a:t>in</a:t>
+            </a:r>
+            <a:r>
+              <a:rPr/>
+              <a:t> </a:t>
+            </a:r>
+            <a:r>
+              <a:rPr/>
+              <a:t>its</a:t>
+            </a:r>
+            <a:r>
+              <a:rPr/>
+              <a:t> </a:t>
+            </a:r>
+            <a:r>
+              <a:rPr/>
+              <a:t>characteristics.</a:t>
+            </a:r>
+            <a:r>
+              <a:rPr/>
+              <a:t> </a:t>
+            </a:r>
+            <a:r>
+              <a:rPr/>
+              <a:t>In</a:t>
+            </a:r>
+            <a:r>
+              <a:rPr/>
+              <a:t> </a:t>
+            </a:r>
+            <a:r>
+              <a:rPr/>
+              <a:t>January,</a:t>
+            </a:r>
+            <a:r>
+              <a:rPr/>
+              <a:t> </a:t>
+            </a:r>
+            <a:r>
+              <a:rPr/>
+              <a:t>September</a:t>
+            </a:r>
+            <a:r>
+              <a:rPr/>
+              <a:t> </a:t>
+            </a:r>
+            <a:r>
+              <a:rPr/>
+              <a:t>and</a:t>
+            </a:r>
+            <a:r>
+              <a:rPr/>
+              <a:t> </a:t>
+            </a:r>
+            <a:r>
+              <a:rPr/>
+              <a:t>December,</a:t>
+            </a:r>
+            <a:r>
+              <a:rPr/>
+              <a:t> </a:t>
+            </a:r>
+            <a:r>
+              <a:rPr/>
+              <a:t>zonal</a:t>
+            </a:r>
+            <a:r>
+              <a:rPr/>
+              <a:t> </a:t>
+            </a:r>
+            <a:r>
+              <a:rPr/>
+              <a:t>wave</a:t>
+            </a:r>
+            <a:r>
+              <a:rPr/>
+              <a:t> </a:t>
+            </a:r>
+            <a:r>
+              <a:rPr/>
+              <a:t>3</a:t>
+            </a:r>
+            <a:r>
+              <a:rPr/>
+              <a:t> </a:t>
+            </a:r>
+            <a:r>
+              <a:rPr/>
+              <a:t>is</a:t>
+            </a:r>
+            <a:r>
+              <a:rPr/>
+              <a:t> </a:t>
+            </a:r>
+            <a:r>
+              <a:rPr/>
+              <a:t>related</a:t>
+            </a:r>
+            <a:r>
+              <a:rPr/>
+              <a:t> </a:t>
+            </a:r>
+            <a:r>
+              <a:rPr/>
+              <a:t>to</a:t>
+            </a:r>
+            <a:r>
+              <a:rPr/>
+              <a:t> </a:t>
+            </a:r>
+            <a:r>
+              <a:rPr/>
+              <a:t>a</a:t>
+            </a:r>
+            <a:r>
+              <a:rPr/>
+              <a:t> </a:t>
+            </a:r>
+            <a:r>
+              <a:rPr/>
+              <a:t>wave</a:t>
+            </a:r>
+            <a:r>
+              <a:rPr/>
+              <a:t> </a:t>
+            </a:r>
+            <a:r>
+              <a:rPr/>
+              <a:t>train</a:t>
+            </a:r>
+            <a:r>
+              <a:rPr/>
+              <a:t> </a:t>
+            </a:r>
+            <a:r>
+              <a:rPr/>
+              <a:t>emanating</a:t>
+            </a:r>
+            <a:r>
+              <a:rPr/>
+              <a:t> </a:t>
+            </a:r>
+            <a:r>
+              <a:rPr/>
+              <a:t>from</a:t>
+            </a:r>
+            <a:r>
+              <a:rPr/>
+              <a:t> </a:t>
+            </a:r>
+            <a:r>
+              <a:rPr/>
+              <a:t>the</a:t>
+            </a:r>
+            <a:r>
+              <a:rPr/>
+              <a:t> </a:t>
+            </a:r>
+            <a:r>
+              <a:rPr/>
+              <a:t>tropical</a:t>
+            </a:r>
+            <a:r>
+              <a:rPr/>
+              <a:t> </a:t>
+            </a:r>
+            <a:r>
+              <a:rPr/>
+              <a:t>western</a:t>
+            </a:r>
+            <a:r>
+              <a:rPr/>
+              <a:t> </a:t>
+            </a:r>
+            <a:r>
+              <a:rPr/>
+              <a:t>Pacific</a:t>
+            </a:r>
+            <a:r>
+              <a:rPr/>
+              <a:t> </a:t>
+            </a:r>
+            <a:r>
+              <a:rPr/>
+              <a:t>propagating</a:t>
+            </a:r>
+            <a:r>
+              <a:rPr/>
+              <a:t> </a:t>
+            </a:r>
+            <a:r>
+              <a:rPr/>
+              <a:t>to</a:t>
+            </a:r>
+            <a:r>
+              <a:rPr/>
+              <a:t> </a:t>
+            </a:r>
+            <a:r>
+              <a:rPr/>
+              <a:t>the</a:t>
+            </a:r>
+            <a:r>
+              <a:rPr/>
+              <a:t> </a:t>
+            </a:r>
+            <a:r>
+              <a:rPr/>
+              <a:t>southeast</a:t>
+            </a:r>
+            <a:r>
+              <a:rPr/>
+              <a:t> </a:t>
+            </a:r>
+            <a:r>
+              <a:rPr/>
+              <a:t>and</a:t>
+            </a:r>
+            <a:r>
+              <a:rPr/>
+              <a:t> </a:t>
+            </a:r>
+            <a:r>
+              <a:rPr/>
+              <a:t>then</a:t>
+            </a:r>
+            <a:r>
+              <a:rPr/>
+              <a:t> </a:t>
+            </a:r>
+            <a:r>
+              <a:rPr/>
+              <a:t>turning</a:t>
+            </a:r>
+            <a:r>
+              <a:rPr/>
+              <a:t> </a:t>
+            </a:r>
+            <a:r>
+              <a:rPr/>
+              <a:t>to</a:t>
+            </a:r>
+            <a:r>
+              <a:rPr/>
+              <a:t> </a:t>
+            </a:r>
+            <a:r>
+              <a:rPr/>
+              <a:t>the</a:t>
+            </a:r>
+            <a:r>
+              <a:rPr/>
+              <a:t> </a:t>
+            </a:r>
+            <a:r>
+              <a:rPr/>
+              <a:t>northeast.</a:t>
+            </a:r>
+          </a:p>
+          <a:p>
+            <a:pPr lvl="0" marL="0" indent="0">
+              <a:buNone/>
+            </a:pPr>
+          </a:p>
+          <a:p>
+            <a:pPr lvl="0" marL="0" indent="0">
+              <a:buNone/>
+            </a:pPr>
+            <a:r>
+              <a:rPr/>
+              <a:t>En</a:t>
+            </a:r>
+            <a:r>
+              <a:rPr/>
+              <a:t> </a:t>
+            </a:r>
+            <a:r>
+              <a:rPr/>
+              <a:t>enero,</a:t>
+            </a:r>
+            <a:r>
+              <a:rPr/>
+              <a:t> </a:t>
+            </a:r>
+            <a:r>
+              <a:rPr/>
+              <a:t>se</a:t>
+            </a:r>
+            <a:r>
+              <a:rPr/>
+              <a:t> </a:t>
+            </a:r>
+            <a:r>
+              <a:rPr/>
+              <a:t>observa</a:t>
+            </a:r>
+            <a:r>
+              <a:rPr/>
+              <a:t> </a:t>
+            </a:r>
+            <a:r>
+              <a:rPr/>
+              <a:t>un</a:t>
+            </a:r>
+            <a:r>
+              <a:rPr/>
+              <a:t> </a:t>
+            </a:r>
+            <a:r>
+              <a:rPr/>
+              <a:t>patrón</a:t>
+            </a:r>
+            <a:r>
+              <a:rPr/>
+              <a:t> </a:t>
+            </a:r>
+            <a:r>
+              <a:rPr/>
+              <a:t>hemisférico</a:t>
+            </a:r>
+            <a:r>
+              <a:rPr/>
+              <a:t> </a:t>
+            </a:r>
+            <a:r>
+              <a:rPr/>
+              <a:t>de</a:t>
+            </a:r>
+            <a:r>
+              <a:rPr/>
+              <a:t> </a:t>
+            </a:r>
+            <a:r>
+              <a:rPr/>
+              <a:t>onda</a:t>
+            </a:r>
+            <a:r>
+              <a:rPr/>
+              <a:t> </a:t>
+            </a:r>
+            <a:r>
+              <a:rPr/>
+              <a:t>3,</a:t>
+            </a:r>
+            <a:r>
+              <a:rPr/>
+              <a:t> </a:t>
+            </a:r>
+            <a:r>
+              <a:rPr/>
+              <a:t>con</a:t>
+            </a:r>
+            <a:r>
+              <a:rPr/>
+              <a:t> </a:t>
+            </a:r>
+            <a:r>
+              <a:rPr/>
+              <a:t>un</a:t>
+            </a:r>
+            <a:r>
+              <a:rPr/>
+              <a:t> </a:t>
+            </a:r>
+            <a:r>
+              <a:rPr/>
+              <a:t>centro</a:t>
+            </a:r>
+            <a:r>
+              <a:rPr/>
+              <a:t> </a:t>
+            </a:r>
+            <a:r>
+              <a:rPr/>
+              <a:t>anómalamente</a:t>
+            </a:r>
+            <a:r>
+              <a:rPr/>
+              <a:t> </a:t>
+            </a:r>
+            <a:r>
+              <a:rPr/>
+              <a:t>negativo</a:t>
+            </a:r>
+            <a:r>
+              <a:rPr/>
+              <a:t> </a:t>
+            </a:r>
+            <a:r>
+              <a:rPr/>
+              <a:t>importante</a:t>
+            </a:r>
+            <a:r>
+              <a:rPr/>
+              <a:t> </a:t>
+            </a:r>
+            <a:r>
+              <a:rPr/>
+              <a:t>en</a:t>
             </a:r>
             <a:r>
               <a:rPr/>
@@ -5335,7 +6096,591 @@
             </a:r>
             <a:r>
               <a:rPr/>
-              <a:t>análisi</a:t>
+              <a:t>Pacífico</a:t>
+            </a:r>
+            <a:r>
+              <a:rPr/>
+              <a:t> </a:t>
+            </a:r>
+            <a:r>
+              <a:rPr/>
+              <a:t>sudeste,</a:t>
+            </a:r>
+            <a:r>
+              <a:rPr/>
+              <a:t> </a:t>
+            </a:r>
+            <a:r>
+              <a:rPr/>
+              <a:t>embebido</a:t>
+            </a:r>
+            <a:r>
+              <a:rPr/>
+              <a:t> </a:t>
+            </a:r>
+            <a:r>
+              <a:rPr/>
+              <a:t>además</a:t>
+            </a:r>
+            <a:r>
+              <a:rPr/>
+              <a:t> </a:t>
+            </a:r>
+            <a:r>
+              <a:rPr/>
+              <a:t>en</a:t>
+            </a:r>
+            <a:r>
+              <a:rPr/>
+              <a:t> </a:t>
+            </a:r>
+            <a:r>
+              <a:rPr/>
+              <a:t>un</a:t>
+            </a:r>
+            <a:r>
+              <a:rPr/>
+              <a:t> </a:t>
+            </a:r>
+            <a:r>
+              <a:rPr/>
+              <a:t>tren</a:t>
+            </a:r>
+            <a:r>
+              <a:rPr/>
+              <a:t> </a:t>
+            </a:r>
+            <a:r>
+              <a:rPr/>
+              <a:t>de</a:t>
+            </a:r>
+            <a:r>
+              <a:rPr/>
+              <a:t> </a:t>
+            </a:r>
+            <a:r>
+              <a:rPr/>
+              <a:t>ondas</a:t>
+            </a:r>
+            <a:r>
+              <a:rPr/>
+              <a:t> </a:t>
+            </a:r>
+            <a:r>
+              <a:rPr/>
+              <a:t>extendido</a:t>
+            </a:r>
+            <a:r>
+              <a:rPr/>
+              <a:t> </a:t>
+            </a:r>
+            <a:r>
+              <a:rPr/>
+              <a:t>entre</a:t>
+            </a:r>
+            <a:r>
+              <a:rPr/>
+              <a:t> </a:t>
+            </a:r>
+            <a:r>
+              <a:rPr/>
+              <a:t>el</a:t>
+            </a:r>
+            <a:r>
+              <a:rPr/>
+              <a:t> </a:t>
+            </a:r>
+            <a:r>
+              <a:rPr/>
+              <a:t>este</a:t>
+            </a:r>
+            <a:r>
+              <a:rPr/>
+              <a:t> </a:t>
+            </a:r>
+            <a:r>
+              <a:rPr/>
+              <a:t>de</a:t>
+            </a:r>
+            <a:r>
+              <a:rPr/>
+              <a:t> </a:t>
+            </a:r>
+            <a:r>
+              <a:rPr/>
+              <a:t>Nueva</a:t>
+            </a:r>
+            <a:r>
+              <a:rPr/>
+              <a:t> </a:t>
+            </a:r>
+            <a:r>
+              <a:rPr/>
+              <a:t>Zelanda,</a:t>
+            </a:r>
+            <a:r>
+              <a:rPr/>
+              <a:t> </a:t>
+            </a:r>
+            <a:r>
+              <a:rPr/>
+              <a:t>y</a:t>
+            </a:r>
+            <a:r>
+              <a:rPr/>
+              <a:t> </a:t>
+            </a:r>
+            <a:r>
+              <a:rPr/>
+              <a:t>Sudamérica.</a:t>
+            </a:r>
+            <a:r>
+              <a:rPr/>
+              <a:t> </a:t>
+            </a:r>
+            <a:r>
+              <a:rPr/>
+              <a:t>En</a:t>
+            </a:r>
+            <a:r>
+              <a:rPr/>
+              <a:t> </a:t>
+            </a:r>
+            <a:r>
+              <a:rPr/>
+              <a:t>febrero,</a:t>
+            </a:r>
+            <a:r>
+              <a:rPr/>
+              <a:t> </a:t>
+            </a:r>
+            <a:r>
+              <a:rPr/>
+              <a:t>la</a:t>
+            </a:r>
+            <a:r>
+              <a:rPr/>
+              <a:t> </a:t>
+            </a:r>
+            <a:r>
+              <a:rPr/>
+              <a:t>estructura</a:t>
+            </a:r>
+            <a:r>
+              <a:rPr/>
+              <a:t> </a:t>
+            </a:r>
+            <a:r>
+              <a:rPr/>
+              <a:t>se</a:t>
+            </a:r>
+            <a:r>
+              <a:rPr/>
+              <a:t> </a:t>
+            </a:r>
+            <a:r>
+              <a:rPr/>
+              <a:t>mantiene</a:t>
+            </a:r>
+            <a:r>
+              <a:rPr/>
+              <a:t> </a:t>
+            </a:r>
+            <a:r>
+              <a:rPr/>
+              <a:t>similar,</a:t>
+            </a:r>
+            <a:r>
+              <a:rPr/>
+              <a:t> </a:t>
+            </a:r>
+            <a:r>
+              <a:rPr/>
+              <a:t>pero</a:t>
+            </a:r>
+            <a:r>
+              <a:rPr/>
+              <a:t> </a:t>
+            </a:r>
+            <a:r>
+              <a:rPr/>
+              <a:t>con</a:t>
+            </a:r>
+            <a:r>
+              <a:rPr/>
+              <a:t> </a:t>
+            </a:r>
+            <a:r>
+              <a:rPr/>
+              <a:t>menor</a:t>
+            </a:r>
+            <a:r>
+              <a:rPr/>
+              <a:t> </a:t>
+            </a:r>
+            <a:r>
+              <a:rPr/>
+              <a:t>evidencia</a:t>
+            </a:r>
+            <a:r>
+              <a:rPr/>
+              <a:t> </a:t>
+            </a:r>
+            <a:r>
+              <a:rPr/>
+              <a:t>de</a:t>
+            </a:r>
+            <a:r>
+              <a:rPr/>
+              <a:t> </a:t>
+            </a:r>
+            <a:r>
+              <a:rPr/>
+              <a:t>propagación</a:t>
+            </a:r>
+            <a:r>
+              <a:rPr/>
+              <a:t> </a:t>
+            </a:r>
+            <a:r>
+              <a:rPr/>
+              <a:t>meridional,</a:t>
+            </a:r>
+            <a:r>
+              <a:rPr/>
+              <a:t> </a:t>
+            </a:r>
+            <a:r>
+              <a:rPr/>
+              <a:t>y</a:t>
+            </a:r>
+            <a:r>
+              <a:rPr/>
+              <a:t> </a:t>
+            </a:r>
+            <a:r>
+              <a:rPr/>
+              <a:t>el</a:t>
+            </a:r>
+            <a:r>
+              <a:rPr/>
+              <a:t> </a:t>
+            </a:r>
+            <a:r>
+              <a:rPr/>
+              <a:t>centro</a:t>
+            </a:r>
+            <a:r>
+              <a:rPr/>
+              <a:t> </a:t>
+            </a:r>
+            <a:r>
+              <a:rPr/>
+              <a:t>anticiclónico</a:t>
+            </a:r>
+            <a:r>
+              <a:rPr/>
+              <a:t> </a:t>
+            </a:r>
+            <a:r>
+              <a:rPr/>
+              <a:t>en</a:t>
+            </a:r>
+            <a:r>
+              <a:rPr/>
+              <a:t> </a:t>
+            </a:r>
+            <a:r>
+              <a:rPr/>
+              <a:t>Sudamérica</a:t>
+            </a:r>
+            <a:r>
+              <a:rPr/>
+              <a:t> </a:t>
+            </a:r>
+            <a:r>
+              <a:rPr/>
+              <a:t>intensificado</a:t>
+            </a:r>
+            <a:r>
+              <a:rPr/>
+              <a:t> </a:t>
+            </a:r>
+            <a:r>
+              <a:rPr/>
+              <a:t>y</a:t>
+            </a:r>
+            <a:r>
+              <a:rPr/>
+              <a:t> </a:t>
+            </a:r>
+            <a:r>
+              <a:rPr/>
+              <a:t>un</a:t>
+            </a:r>
+            <a:r>
+              <a:rPr/>
+              <a:t> </a:t>
+            </a:r>
+            <a:r>
+              <a:rPr/>
+              <a:t>debilitamiento</a:t>
+            </a:r>
+            <a:r>
+              <a:rPr/>
+              <a:t> </a:t>
+            </a:r>
+            <a:r>
+              <a:rPr/>
+              <a:t>de</a:t>
+            </a:r>
+            <a:r>
+              <a:rPr/>
+              <a:t> </a:t>
+            </a:r>
+            <a:r>
+              <a:rPr/>
+              <a:t>aquel</a:t>
+            </a:r>
+            <a:r>
+              <a:rPr/>
+              <a:t> </a:t>
+            </a:r>
+            <a:r>
+              <a:rPr/>
+              <a:t>ubicado</a:t>
+            </a:r>
+            <a:r>
+              <a:rPr/>
+              <a:t> </a:t>
+            </a:r>
+            <a:r>
+              <a:rPr/>
+              <a:t>al</a:t>
+            </a:r>
+            <a:r>
+              <a:rPr/>
+              <a:t> </a:t>
+            </a:r>
+            <a:r>
+              <a:rPr/>
+              <a:t>sur</a:t>
+            </a:r>
+            <a:r>
+              <a:rPr/>
+              <a:t> </a:t>
+            </a:r>
+            <a:r>
+              <a:rPr/>
+              <a:t>del</a:t>
+            </a:r>
+            <a:r>
+              <a:rPr/>
+              <a:t> </a:t>
+            </a:r>
+            <a:r>
+              <a:rPr/>
+              <a:t>Índico.</a:t>
+            </a:r>
+            <a:r>
+              <a:rPr/>
+              <a:t> </a:t>
+            </a:r>
+            <a:r>
+              <a:rPr/>
+              <a:t>En</a:t>
+            </a:r>
+            <a:r>
+              <a:rPr/>
+              <a:t> </a:t>
+            </a:r>
+            <a:r>
+              <a:rPr/>
+              <a:t>marzo,</a:t>
+            </a:r>
+            <a:r>
+              <a:rPr/>
+              <a:t> </a:t>
+            </a:r>
+            <a:r>
+              <a:rPr/>
+              <a:t>la</a:t>
+            </a:r>
+            <a:r>
+              <a:rPr/>
+              <a:t> </a:t>
+            </a:r>
+            <a:r>
+              <a:rPr/>
+              <a:t>estructura</a:t>
+            </a:r>
+            <a:r>
+              <a:rPr/>
+              <a:t> </a:t>
+            </a:r>
+            <a:r>
+              <a:rPr/>
+              <a:t>de</a:t>
+            </a:r>
+            <a:r>
+              <a:rPr/>
+              <a:t> </a:t>
+            </a:r>
+            <a:r>
+              <a:rPr/>
+              <a:t>onda</a:t>
+            </a:r>
+            <a:r>
+              <a:rPr/>
+              <a:t> </a:t>
+            </a:r>
+            <a:r>
+              <a:rPr/>
+              <a:t>3</a:t>
+            </a:r>
+            <a:r>
+              <a:rPr/>
+              <a:t> </a:t>
+            </a:r>
+            <a:r>
+              <a:rPr/>
+              <a:t>exhibe</a:t>
+            </a:r>
+            <a:r>
+              <a:rPr/>
+              <a:t> </a:t>
+            </a:r>
+            <a:r>
+              <a:rPr/>
+              <a:t>mínima</a:t>
+            </a:r>
+            <a:r>
+              <a:rPr/>
+              <a:t> </a:t>
+            </a:r>
+            <a:r>
+              <a:rPr/>
+              <a:t>variación</a:t>
+            </a:r>
+            <a:r>
+              <a:rPr/>
+              <a:t> </a:t>
+            </a:r>
+            <a:r>
+              <a:rPr/>
+              <a:t>meridional</a:t>
+            </a:r>
+            <a:r>
+              <a:rPr/>
+              <a:t> </a:t>
+            </a:r>
+            <a:r>
+              <a:rPr/>
+              <a:t>y</a:t>
+            </a:r>
+            <a:r>
+              <a:rPr/>
+              <a:t> </a:t>
+            </a:r>
+            <a:r>
+              <a:rPr/>
+              <a:t>ocupa</a:t>
+            </a:r>
+            <a:r>
+              <a:rPr/>
+              <a:t> </a:t>
+            </a:r>
+            <a:r>
+              <a:rPr/>
+              <a:t>todo</a:t>
+            </a:r>
+            <a:r>
+              <a:rPr/>
+              <a:t> </a:t>
+            </a:r>
+            <a:r>
+              <a:rPr/>
+              <a:t>el</a:t>
+            </a:r>
+            <a:r>
+              <a:rPr/>
+              <a:t> </a:t>
+            </a:r>
+            <a:r>
+              <a:rPr/>
+              <a:t>círculo</a:t>
+            </a:r>
+            <a:r>
+              <a:rPr/>
+              <a:t> </a:t>
+            </a:r>
+            <a:r>
+              <a:rPr/>
+              <a:t>de</a:t>
+            </a:r>
+            <a:r>
+              <a:rPr/>
+              <a:t> </a:t>
+            </a:r>
+            <a:r>
+              <a:rPr/>
+              <a:t>latitud</a:t>
+            </a:r>
+            <a:r>
+              <a:rPr/>
+              <a:t> </a:t>
+            </a:r>
+            <a:r>
+              <a:rPr/>
+              <a:t>entre</a:t>
+            </a:r>
+            <a:r>
+              <a:rPr/>
+              <a:t> </a:t>
+            </a:r>
+            <a:r>
+              <a:rPr/>
+              <a:t>60°S</a:t>
+            </a:r>
+            <a:r>
+              <a:rPr/>
+              <a:t> </a:t>
+            </a:r>
+            <a:r>
+              <a:rPr/>
+              <a:t>y</a:t>
+            </a:r>
+            <a:r>
+              <a:rPr/>
+              <a:t> </a:t>
+            </a:r>
+            <a:r>
+              <a:rPr/>
+              <a:t>45°S.</a:t>
+            </a:r>
+            <a:r>
+              <a:rPr/>
+              <a:t> </a:t>
+            </a:r>
+            <a:r>
+              <a:rPr/>
+              <a:t>Abril</a:t>
+            </a:r>
+            <a:r>
+              <a:rPr/>
+              <a:t> </a:t>
+            </a:r>
+            <a:r>
+              <a:rPr/>
+              <a:t>es</a:t>
+            </a:r>
+            <a:r>
+              <a:rPr/>
+              <a:t> </a:t>
+            </a:r>
+            <a:r>
+              <a:rPr/>
+              <a:t>similar</a:t>
             </a:r>
             <a:r>
               <a:rPr/>
@@ -5351,6 +6696,94 @@
             </a:r>
             <a:r>
               <a:rPr/>
+              <a:t>marzo,</a:t>
+            </a:r>
+            <a:r>
+              <a:rPr/>
+              <a:t> </a:t>
+            </a:r>
+            <a:r>
+              <a:rPr/>
+              <a:t>pero</a:t>
+            </a:r>
+            <a:r>
+              <a:rPr/>
+              <a:t> </a:t>
+            </a:r>
+            <a:r>
+              <a:rPr/>
+              <a:t>sin</a:t>
+            </a:r>
+            <a:r>
+              <a:rPr/>
+              <a:t> </a:t>
+            </a:r>
+            <a:r>
+              <a:rPr/>
+              <a:t>centros</a:t>
+            </a:r>
+            <a:r>
+              <a:rPr/>
+              <a:t> </a:t>
+            </a:r>
+            <a:r>
+              <a:rPr/>
+              <a:t>ciclónicos</a:t>
+            </a:r>
+            <a:r>
+              <a:rPr/>
+              <a:t> </a:t>
+            </a:r>
+            <a:r>
+              <a:rPr/>
+              <a:t>significativos.</a:t>
+            </a:r>
+            <a:r>
+              <a:rPr/>
+              <a:t> </a:t>
+            </a:r>
+            <a:r>
+              <a:rPr/>
+              <a:t>En</a:t>
+            </a:r>
+            <a:r>
+              <a:rPr/>
+              <a:t> </a:t>
+            </a:r>
+            <a:r>
+              <a:rPr/>
+              <a:t>mayo,</a:t>
+            </a:r>
+            <a:r>
+              <a:rPr/>
+              <a:t> </a:t>
+            </a:r>
+            <a:r>
+              <a:rPr/>
+              <a:t>se</a:t>
+            </a:r>
+            <a:r>
+              <a:rPr/>
+              <a:t> </a:t>
+            </a:r>
+            <a:r>
+              <a:rPr/>
+              <a:t>distingue</a:t>
+            </a:r>
+            <a:r>
+              <a:rPr/>
+              <a:t> </a:t>
+            </a:r>
+            <a:r>
+              <a:rPr/>
+              <a:t>nuevamente</a:t>
+            </a:r>
+            <a:r>
+              <a:rPr/>
+              <a:t> </a:t>
+            </a:r>
+            <a:r>
+              <a:rPr/>
               <a:t>un</a:t>
             </a:r>
             <a:r>
@@ -5359,31 +6792,427 @@
             </a:r>
             <a:r>
               <a:rPr/>
-              <a:t>mes,</a:t>
-            </a:r>
-            <a:r>
-              <a:rPr/>
-              <a:t> </a:t>
-            </a:r>
-            <a:r>
-              <a:rPr/>
-              <a:t>por</a:t>
-            </a:r>
-            <a:r>
-              <a:rPr/>
-              <a:t> </a:t>
-            </a:r>
-            <a:r>
-              <a:rPr/>
-              <a:t>ejemplo,</a:t>
-            </a:r>
-            <a:r>
-              <a:rPr/>
-              <a:t> </a:t>
-            </a:r>
-            <a:r>
-              <a:rPr/>
-              <a:t>septiembre,</a:t>
+              <a:t>tren</a:t>
+            </a:r>
+            <a:r>
+              <a:rPr/>
+              <a:t> </a:t>
+            </a:r>
+            <a:r>
+              <a:rPr/>
+              <a:t>de</a:t>
+            </a:r>
+            <a:r>
+              <a:rPr/>
+              <a:t> </a:t>
+            </a:r>
+            <a:r>
+              <a:rPr/>
+              <a:t>ondas</a:t>
+            </a:r>
+            <a:r>
+              <a:rPr/>
+              <a:t> </a:t>
+            </a:r>
+            <a:r>
+              <a:rPr/>
+              <a:t>con</a:t>
+            </a:r>
+            <a:r>
+              <a:rPr/>
+              <a:t> </a:t>
+            </a:r>
+            <a:r>
+              <a:rPr/>
+              <a:t>propagación</a:t>
+            </a:r>
+            <a:r>
+              <a:rPr/>
+              <a:t> </a:t>
+            </a:r>
+            <a:r>
+              <a:rPr/>
+              <a:t>meridional,</a:t>
+            </a:r>
+            <a:r>
+              <a:rPr/>
+              <a:t> </a:t>
+            </a:r>
+            <a:r>
+              <a:rPr/>
+              <a:t>emanando</a:t>
+            </a:r>
+            <a:r>
+              <a:rPr/>
+              <a:t> </a:t>
+            </a:r>
+            <a:r>
+              <a:rPr/>
+              <a:t>desde</a:t>
+            </a:r>
+            <a:r>
+              <a:rPr/>
+              <a:t> </a:t>
+            </a:r>
+            <a:r>
+              <a:rPr/>
+              <a:t>Australia,</a:t>
+            </a:r>
+            <a:r>
+              <a:rPr/>
+              <a:t> </a:t>
+            </a:r>
+            <a:r>
+              <a:rPr/>
+              <a:t>pero</a:t>
+            </a:r>
+            <a:r>
+              <a:rPr/>
+              <a:t> </a:t>
+            </a:r>
+            <a:r>
+              <a:rPr/>
+              <a:t>con</a:t>
+            </a:r>
+            <a:r>
+              <a:rPr/>
+              <a:t> </a:t>
+            </a:r>
+            <a:r>
+              <a:rPr/>
+              <a:t>evidencias</a:t>
+            </a:r>
+            <a:r>
+              <a:rPr/>
+              <a:t> </a:t>
+            </a:r>
+            <a:r>
+              <a:rPr/>
+              <a:t>de</a:t>
+            </a:r>
+            <a:r>
+              <a:rPr/>
+              <a:t> </a:t>
+            </a:r>
+            <a:r>
+              <a:rPr/>
+              <a:t>reflexión</a:t>
+            </a:r>
+            <a:r>
+              <a:rPr/>
+              <a:t> </a:t>
+            </a:r>
+            <a:r>
+              <a:rPr/>
+              <a:t>en</a:t>
+            </a:r>
+            <a:r>
+              <a:rPr/>
+              <a:t> </a:t>
+            </a:r>
+            <a:r>
+              <a:rPr/>
+              <a:t>el</a:t>
+            </a:r>
+            <a:r>
+              <a:rPr/>
+              <a:t> </a:t>
+            </a:r>
+            <a:r>
+              <a:rPr/>
+              <a:t>Mar</a:t>
+            </a:r>
+            <a:r>
+              <a:rPr/>
+              <a:t> </a:t>
+            </a:r>
+            <a:r>
+              <a:rPr/>
+              <a:t>de</a:t>
+            </a:r>
+            <a:r>
+              <a:rPr/>
+              <a:t> </a:t>
+            </a:r>
+            <a:r>
+              <a:rPr/>
+              <a:t>Weddell.</a:t>
+            </a:r>
+            <a:r>
+              <a:rPr/>
+              <a:t> </a:t>
+            </a:r>
+            <a:r>
+              <a:rPr/>
+              <a:t>Junio,</a:t>
+            </a:r>
+            <a:r>
+              <a:rPr/>
+              <a:t> </a:t>
+            </a:r>
+            <a:r>
+              <a:rPr/>
+              <a:t>al</a:t>
+            </a:r>
+            <a:r>
+              <a:rPr/>
+              <a:t> </a:t>
+            </a:r>
+            <a:r>
+              <a:rPr/>
+              <a:t>igual</a:t>
+            </a:r>
+            <a:r>
+              <a:rPr/>
+              <a:t> </a:t>
+            </a:r>
+            <a:r>
+              <a:rPr/>
+              <a:t>que</a:t>
+            </a:r>
+            <a:r>
+              <a:rPr/>
+              <a:t> </a:t>
+            </a:r>
+            <a:r>
+              <a:rPr/>
+              <a:t>marzo,</a:t>
+            </a:r>
+            <a:r>
+              <a:rPr/>
+              <a:t> </a:t>
+            </a:r>
+            <a:r>
+              <a:rPr/>
+              <a:t>presenta</a:t>
+            </a:r>
+            <a:r>
+              <a:rPr/>
+              <a:t> </a:t>
+            </a:r>
+            <a:r>
+              <a:rPr/>
+              <a:t>una</a:t>
+            </a:r>
+            <a:r>
+              <a:rPr/>
+              <a:t> </a:t>
+            </a:r>
+            <a:r>
+              <a:rPr/>
+              <a:t>estructura</a:t>
+            </a:r>
+            <a:r>
+              <a:rPr/>
+              <a:t> </a:t>
+            </a:r>
+            <a:r>
+              <a:rPr/>
+              <a:t>de</a:t>
+            </a:r>
+            <a:r>
+              <a:rPr/>
+              <a:t> </a:t>
+            </a:r>
+            <a:r>
+              <a:rPr/>
+              <a:t>QS3</a:t>
+            </a:r>
+            <a:r>
+              <a:rPr/>
+              <a:t> </a:t>
+            </a:r>
+            <a:r>
+              <a:rPr/>
+              <a:t>zonal,</a:t>
+            </a:r>
+            <a:r>
+              <a:rPr/>
+              <a:t> </a:t>
+            </a:r>
+            <a:r>
+              <a:rPr/>
+              <a:t>pero</a:t>
+            </a:r>
+            <a:r>
+              <a:rPr/>
+              <a:t> </a:t>
+            </a:r>
+            <a:r>
+              <a:rPr/>
+              <a:t>menos</a:t>
+            </a:r>
+            <a:r>
+              <a:rPr/>
+              <a:t> </a:t>
+            </a:r>
+            <a:r>
+              <a:rPr/>
+              <a:t>definida</a:t>
+            </a:r>
+            <a:r>
+              <a:rPr/>
+              <a:t> </a:t>
+            </a:r>
+            <a:r>
+              <a:rPr/>
+              <a:t>y,</a:t>
+            </a:r>
+            <a:r>
+              <a:rPr/>
+              <a:t> </a:t>
+            </a:r>
+            <a:r>
+              <a:rPr/>
+              <a:t>consistente</a:t>
+            </a:r>
+            <a:r>
+              <a:rPr/>
+              <a:t> </a:t>
+            </a:r>
+            <a:r>
+              <a:rPr/>
+              <a:t>con</a:t>
+            </a:r>
+            <a:r>
+              <a:rPr/>
+              <a:t> </a:t>
+            </a:r>
+            <a:r>
+              <a:rPr/>
+              <a:t>el</a:t>
+            </a:r>
+            <a:r>
+              <a:rPr/>
+              <a:t> </a:t>
+            </a:r>
+            <a:r>
+              <a:rPr/>
+              <a:t>corrimiento</a:t>
+            </a:r>
+            <a:r>
+              <a:rPr/>
+              <a:t> </a:t>
+            </a:r>
+            <a:r>
+              <a:rPr/>
+              <a:t>de</a:t>
+            </a:r>
+            <a:r>
+              <a:rPr/>
+              <a:t> </a:t>
+            </a:r>
+            <a:r>
+              <a:rPr/>
+              <a:t>la</a:t>
+            </a:r>
+            <a:r>
+              <a:rPr/>
+              <a:t> </a:t>
+            </a:r>
+            <a:r>
+              <a:rPr/>
+              <a:t>fase</a:t>
+            </a:r>
+            <a:r>
+              <a:rPr/>
+              <a:t> </a:t>
+            </a:r>
+            <a:r>
+              <a:rPr/>
+              <a:t>observado</a:t>
+            </a:r>
+            <a:r>
+              <a:rPr/>
+              <a:t> </a:t>
+            </a:r>
+            <a:r>
+              <a:rPr/>
+              <a:t>(</a:t>
+            </a:r>
+            <a:r>
+              <a:rPr/>
+              <a:t>),</a:t>
+            </a:r>
+            <a:r>
+              <a:rPr/>
+              <a:t> </a:t>
+            </a:r>
+            <a:r>
+              <a:rPr/>
+              <a:t>con</a:t>
+            </a:r>
+            <a:r>
+              <a:rPr/>
+              <a:t> </a:t>
+            </a:r>
+            <a:r>
+              <a:rPr/>
+              <a:t>los</a:t>
+            </a:r>
+            <a:r>
+              <a:rPr/>
+              <a:t> </a:t>
+            </a:r>
+            <a:r>
+              <a:rPr/>
+              <a:t>centros</a:t>
+            </a:r>
+            <a:r>
+              <a:rPr/>
+              <a:t> </a:t>
+            </a:r>
+            <a:r>
+              <a:rPr/>
+              <a:t>ciclónicos</a:t>
+            </a:r>
+            <a:r>
+              <a:rPr/>
+              <a:t> </a:t>
+            </a:r>
+            <a:r>
+              <a:rPr/>
+              <a:t>y</a:t>
+            </a:r>
+            <a:r>
+              <a:rPr/>
+              <a:t> </a:t>
+            </a:r>
+            <a:r>
+              <a:rPr/>
+              <a:t>anticiclónicos</a:t>
+            </a:r>
+            <a:r>
+              <a:rPr/>
+              <a:t> </a:t>
+            </a:r>
+            <a:r>
+              <a:rPr/>
+              <a:t>desplazados</a:t>
+            </a:r>
+            <a:r>
+              <a:rPr/>
+              <a:t> </a:t>
+            </a:r>
+            <a:r>
+              <a:rPr/>
+              <a:t>hacia</a:t>
+            </a:r>
+            <a:r>
+              <a:rPr/>
+              <a:t> </a:t>
+            </a:r>
+            <a:r>
+              <a:rPr/>
+              <a:t>el</a:t>
+            </a:r>
+            <a:r>
+              <a:rPr/>
+              <a:t> </a:t>
+            </a:r>
+            <a:r>
+              <a:rPr/>
+              <a:t>oeste.</a:t>
             </a:r>
           </a:p>
         </p:txBody>
@@ -5405,1723 +7234,7 @@
           <a:p>
             <a:fld id="{18BDFEC3-8487-43E8-A154-7C12CBC1FFF2}" type="slidenum">
               <a:rPr lang="en-US"/>
-              <a:t>11</a:t>
-            </a:fld>
-            <a:endParaRPr lang="en-US"/>
-          </a:p>
-        </p:txBody>
-      </p:sp>
-    </p:spTree>
-  </p:cSld>
-</p:notes>
-</file>
-
-<file path=ppt/notesSlides/notesSlide7.xml><?xml version="1.0" encoding="utf-8"?>
-<p:notes xmlns:a="http://schemas.openxmlformats.org/drawingml/2006/main" xmlns:r="http://schemas.openxmlformats.org/officeDocument/2006/relationships" xmlns:p="http://schemas.openxmlformats.org/presentationml/2006/main">
-  <p:cSld>
-    <p:spTree>
-      <p:nvGrpSpPr>
-        <p:cNvPr id="1" name=""/>
-        <p:cNvGrpSpPr/>
-        <p:nvPr/>
-      </p:nvGrpSpPr>
-      <p:grpSpPr>
-        <a:xfrm>
-          <a:off x="0" y="0"/>
-          <a:ext cx="0" cy="0"/>
-          <a:chOff x="0" y="0"/>
-          <a:chExt cx="0" cy="0"/>
-        </a:xfrm>
-      </p:grpSpPr>
-      <p:sp>
-        <p:nvSpPr>
-          <p:cNvPr id="2" name="Slide Image Placeholder 1"/>
-          <p:cNvSpPr>
-            <a:spLocks noGrp="1" noRot="1" noChangeAspect="1"/>
-          </p:cNvSpPr>
-          <p:nvPr>
-            <p:ph type="sldImg"/>
-          </p:nvPr>
-        </p:nvSpPr>
-        <p:spPr/>
-      </p:sp>
-      <p:sp>
-        <p:nvSpPr>
-          <p:cNvPr id="3" name="Notes Placeholder 2"/>
-          <p:cNvSpPr>
-            <a:spLocks noGrp="1"/>
-          </p:cNvSpPr>
-          <p:nvPr>
-            <p:ph type="body" idx="1"/>
-          </p:nvPr>
-        </p:nvSpPr>
-        <p:spPr/>
-        <p:txBody>
-          <a:bodyPr/>
-          <a:lstStyle/>
-          <a:p>
-            <a:pPr lvl="0" marL="0" indent="0">
-              <a:buNone/>
-            </a:pPr>
-            <a:r>
-              <a:rPr/>
-              <a:t>All</a:t>
-            </a:r>
-            <a:r>
-              <a:rPr/>
-              <a:t> </a:t>
-            </a:r>
-            <a:r>
-              <a:rPr/>
-              <a:t>months</a:t>
-            </a:r>
-            <a:r>
-              <a:rPr/>
-              <a:t> </a:t>
-            </a:r>
-            <a:r>
-              <a:rPr/>
-              <a:t>show</a:t>
-            </a:r>
-            <a:r>
-              <a:rPr/>
-              <a:t> </a:t>
-            </a:r>
-            <a:r>
-              <a:rPr/>
-              <a:t>evidence</a:t>
-            </a:r>
-            <a:r>
-              <a:rPr/>
-              <a:t> </a:t>
-            </a:r>
-            <a:r>
-              <a:rPr/>
-              <a:t>of</a:t>
-            </a:r>
-            <a:r>
-              <a:rPr/>
-              <a:t> </a:t>
-            </a:r>
-            <a:r>
-              <a:rPr/>
-              <a:t>planetary</a:t>
-            </a:r>
-            <a:r>
-              <a:rPr/>
-              <a:t> </a:t>
-            </a:r>
-            <a:r>
-              <a:rPr/>
-              <a:t>wave</a:t>
-            </a:r>
-            <a:r>
-              <a:rPr/>
-              <a:t> </a:t>
-            </a:r>
-            <a:r>
-              <a:rPr/>
-              <a:t>3</a:t>
-            </a:r>
-            <a:r>
-              <a:rPr/>
-              <a:t> </a:t>
-            </a:r>
-            <a:r>
-              <a:rPr/>
-              <a:t>activity,</a:t>
-            </a:r>
-            <a:r>
-              <a:rPr/>
-              <a:t> </a:t>
-            </a:r>
-            <a:r>
-              <a:rPr/>
-              <a:t>but</a:t>
-            </a:r>
-            <a:r>
-              <a:rPr/>
-              <a:t> </a:t>
-            </a:r>
-            <a:r>
-              <a:rPr/>
-              <a:t>with</a:t>
-            </a:r>
-            <a:r>
-              <a:rPr/>
-              <a:t> </a:t>
-            </a:r>
-            <a:r>
-              <a:rPr/>
-              <a:t>considerable</a:t>
-            </a:r>
-            <a:r>
-              <a:rPr/>
-              <a:t> </a:t>
-            </a:r>
-            <a:r>
-              <a:rPr/>
-              <a:t>heterogeneity</a:t>
-            </a:r>
-            <a:r>
-              <a:rPr/>
-              <a:t> </a:t>
-            </a:r>
-            <a:r>
-              <a:rPr/>
-              <a:t>in</a:t>
-            </a:r>
-            <a:r>
-              <a:rPr/>
-              <a:t> </a:t>
-            </a:r>
-            <a:r>
-              <a:rPr/>
-              <a:t>its</a:t>
-            </a:r>
-            <a:r>
-              <a:rPr/>
-              <a:t> </a:t>
-            </a:r>
-            <a:r>
-              <a:rPr/>
-              <a:t>characteristics.</a:t>
-            </a:r>
-            <a:r>
-              <a:rPr/>
-              <a:t> </a:t>
-            </a:r>
-            <a:r>
-              <a:rPr/>
-              <a:t>In</a:t>
-            </a:r>
-            <a:r>
-              <a:rPr/>
-              <a:t> </a:t>
-            </a:r>
-            <a:r>
-              <a:rPr/>
-              <a:t>January,</a:t>
-            </a:r>
-            <a:r>
-              <a:rPr/>
-              <a:t> </a:t>
-            </a:r>
-            <a:r>
-              <a:rPr/>
-              <a:t>September</a:t>
-            </a:r>
-            <a:r>
-              <a:rPr/>
-              <a:t> </a:t>
-            </a:r>
-            <a:r>
-              <a:rPr/>
-              <a:t>and</a:t>
-            </a:r>
-            <a:r>
-              <a:rPr/>
-              <a:t> </a:t>
-            </a:r>
-            <a:r>
-              <a:rPr/>
-              <a:t>December,</a:t>
-            </a:r>
-            <a:r>
-              <a:rPr/>
-              <a:t> </a:t>
-            </a:r>
-            <a:r>
-              <a:rPr/>
-              <a:t>zonal</a:t>
-            </a:r>
-            <a:r>
-              <a:rPr/>
-              <a:t> </a:t>
-            </a:r>
-            <a:r>
-              <a:rPr/>
-              <a:t>wave</a:t>
-            </a:r>
-            <a:r>
-              <a:rPr/>
-              <a:t> </a:t>
-            </a:r>
-            <a:r>
-              <a:rPr/>
-              <a:t>3</a:t>
-            </a:r>
-            <a:r>
-              <a:rPr/>
-              <a:t> </a:t>
-            </a:r>
-            <a:r>
-              <a:rPr/>
-              <a:t>is</a:t>
-            </a:r>
-            <a:r>
-              <a:rPr/>
-              <a:t> </a:t>
-            </a:r>
-            <a:r>
-              <a:rPr/>
-              <a:t>related</a:t>
-            </a:r>
-            <a:r>
-              <a:rPr/>
-              <a:t> </a:t>
-            </a:r>
-            <a:r>
-              <a:rPr/>
-              <a:t>to</a:t>
-            </a:r>
-            <a:r>
-              <a:rPr/>
-              <a:t> </a:t>
-            </a:r>
-            <a:r>
-              <a:rPr/>
-              <a:t>a</a:t>
-            </a:r>
-            <a:r>
-              <a:rPr/>
-              <a:t> </a:t>
-            </a:r>
-            <a:r>
-              <a:rPr/>
-              <a:t>wave</a:t>
-            </a:r>
-            <a:r>
-              <a:rPr/>
-              <a:t> </a:t>
-            </a:r>
-            <a:r>
-              <a:rPr/>
-              <a:t>train</a:t>
-            </a:r>
-            <a:r>
-              <a:rPr/>
-              <a:t> </a:t>
-            </a:r>
-            <a:r>
-              <a:rPr/>
-              <a:t>emanating</a:t>
-            </a:r>
-            <a:r>
-              <a:rPr/>
-              <a:t> </a:t>
-            </a:r>
-            <a:r>
-              <a:rPr/>
-              <a:t>from</a:t>
-            </a:r>
-            <a:r>
-              <a:rPr/>
-              <a:t> </a:t>
-            </a:r>
-            <a:r>
-              <a:rPr/>
-              <a:t>the</a:t>
-            </a:r>
-            <a:r>
-              <a:rPr/>
-              <a:t> </a:t>
-            </a:r>
-            <a:r>
-              <a:rPr/>
-              <a:t>tropical</a:t>
-            </a:r>
-            <a:r>
-              <a:rPr/>
-              <a:t> </a:t>
-            </a:r>
-            <a:r>
-              <a:rPr/>
-              <a:t>western</a:t>
-            </a:r>
-            <a:r>
-              <a:rPr/>
-              <a:t> </a:t>
-            </a:r>
-            <a:r>
-              <a:rPr/>
-              <a:t>Pacific</a:t>
-            </a:r>
-            <a:r>
-              <a:rPr/>
-              <a:t> </a:t>
-            </a:r>
-            <a:r>
-              <a:rPr/>
-              <a:t>propagating</a:t>
-            </a:r>
-            <a:r>
-              <a:rPr/>
-              <a:t> </a:t>
-            </a:r>
-            <a:r>
-              <a:rPr/>
-              <a:t>to</a:t>
-            </a:r>
-            <a:r>
-              <a:rPr/>
-              <a:t> </a:t>
-            </a:r>
-            <a:r>
-              <a:rPr/>
-              <a:t>the</a:t>
-            </a:r>
-            <a:r>
-              <a:rPr/>
-              <a:t> </a:t>
-            </a:r>
-            <a:r>
-              <a:rPr/>
-              <a:t>southeast</a:t>
-            </a:r>
-            <a:r>
-              <a:rPr/>
-              <a:t> </a:t>
-            </a:r>
-            <a:r>
-              <a:rPr/>
-              <a:t>and</a:t>
-            </a:r>
-            <a:r>
-              <a:rPr/>
-              <a:t> </a:t>
-            </a:r>
-            <a:r>
-              <a:rPr/>
-              <a:t>then</a:t>
-            </a:r>
-            <a:r>
-              <a:rPr/>
-              <a:t> </a:t>
-            </a:r>
-            <a:r>
-              <a:rPr/>
-              <a:t>turning</a:t>
-            </a:r>
-            <a:r>
-              <a:rPr/>
-              <a:t> </a:t>
-            </a:r>
-            <a:r>
-              <a:rPr/>
-              <a:t>to</a:t>
-            </a:r>
-            <a:r>
-              <a:rPr/>
-              <a:t> </a:t>
-            </a:r>
-            <a:r>
-              <a:rPr/>
-              <a:t>the</a:t>
-            </a:r>
-            <a:r>
-              <a:rPr/>
-              <a:t> </a:t>
-            </a:r>
-            <a:r>
-              <a:rPr/>
-              <a:t>northeast.</a:t>
-            </a:r>
-          </a:p>
-          <a:p>
-            <a:pPr lvl="0" marL="0" indent="0">
-              <a:buNone/>
-            </a:pPr>
-          </a:p>
-          <a:p>
-            <a:pPr lvl="0" marL="0" indent="0">
-              <a:buNone/>
-            </a:pPr>
-            <a:r>
-              <a:rPr/>
-              <a:t>En</a:t>
-            </a:r>
-            <a:r>
-              <a:rPr/>
-              <a:t> </a:t>
-            </a:r>
-            <a:r>
-              <a:rPr/>
-              <a:t>enero,</a:t>
-            </a:r>
-            <a:r>
-              <a:rPr/>
-              <a:t> </a:t>
-            </a:r>
-            <a:r>
-              <a:rPr/>
-              <a:t>se</a:t>
-            </a:r>
-            <a:r>
-              <a:rPr/>
-              <a:t> </a:t>
-            </a:r>
-            <a:r>
-              <a:rPr/>
-              <a:t>observa</a:t>
-            </a:r>
-            <a:r>
-              <a:rPr/>
-              <a:t> </a:t>
-            </a:r>
-            <a:r>
-              <a:rPr/>
-              <a:t>un</a:t>
-            </a:r>
-            <a:r>
-              <a:rPr/>
-              <a:t> </a:t>
-            </a:r>
-            <a:r>
-              <a:rPr/>
-              <a:t>patrón</a:t>
-            </a:r>
-            <a:r>
-              <a:rPr/>
-              <a:t> </a:t>
-            </a:r>
-            <a:r>
-              <a:rPr/>
-              <a:t>hemisférico</a:t>
-            </a:r>
-            <a:r>
-              <a:rPr/>
-              <a:t> </a:t>
-            </a:r>
-            <a:r>
-              <a:rPr/>
-              <a:t>de</a:t>
-            </a:r>
-            <a:r>
-              <a:rPr/>
-              <a:t> </a:t>
-            </a:r>
-            <a:r>
-              <a:rPr/>
-              <a:t>onda</a:t>
-            </a:r>
-            <a:r>
-              <a:rPr/>
-              <a:t> </a:t>
-            </a:r>
-            <a:r>
-              <a:rPr/>
-              <a:t>3,</a:t>
-            </a:r>
-            <a:r>
-              <a:rPr/>
-              <a:t> </a:t>
-            </a:r>
-            <a:r>
-              <a:rPr/>
-              <a:t>con</a:t>
-            </a:r>
-            <a:r>
-              <a:rPr/>
-              <a:t> </a:t>
-            </a:r>
-            <a:r>
-              <a:rPr/>
-              <a:t>un</a:t>
-            </a:r>
-            <a:r>
-              <a:rPr/>
-              <a:t> </a:t>
-            </a:r>
-            <a:r>
-              <a:rPr/>
-              <a:t>centro</a:t>
-            </a:r>
-            <a:r>
-              <a:rPr/>
-              <a:t> </a:t>
-            </a:r>
-            <a:r>
-              <a:rPr/>
-              <a:t>anómalamente</a:t>
-            </a:r>
-            <a:r>
-              <a:rPr/>
-              <a:t> </a:t>
-            </a:r>
-            <a:r>
-              <a:rPr/>
-              <a:t>negativo</a:t>
-            </a:r>
-            <a:r>
-              <a:rPr/>
-              <a:t> </a:t>
-            </a:r>
-            <a:r>
-              <a:rPr/>
-              <a:t>importante</a:t>
-            </a:r>
-            <a:r>
-              <a:rPr/>
-              <a:t> </a:t>
-            </a:r>
-            <a:r>
-              <a:rPr/>
-              <a:t>en</a:t>
-            </a:r>
-            <a:r>
-              <a:rPr/>
-              <a:t> </a:t>
-            </a:r>
-            <a:r>
-              <a:rPr/>
-              <a:t>el</a:t>
-            </a:r>
-            <a:r>
-              <a:rPr/>
-              <a:t> </a:t>
-            </a:r>
-            <a:r>
-              <a:rPr/>
-              <a:t>Pacífico</a:t>
-            </a:r>
-            <a:r>
-              <a:rPr/>
-              <a:t> </a:t>
-            </a:r>
-            <a:r>
-              <a:rPr/>
-              <a:t>sudeste,</a:t>
-            </a:r>
-            <a:r>
-              <a:rPr/>
-              <a:t> </a:t>
-            </a:r>
-            <a:r>
-              <a:rPr/>
-              <a:t>embebido</a:t>
-            </a:r>
-            <a:r>
-              <a:rPr/>
-              <a:t> </a:t>
-            </a:r>
-            <a:r>
-              <a:rPr/>
-              <a:t>además</a:t>
-            </a:r>
-            <a:r>
-              <a:rPr/>
-              <a:t> </a:t>
-            </a:r>
-            <a:r>
-              <a:rPr/>
-              <a:t>en</a:t>
-            </a:r>
-            <a:r>
-              <a:rPr/>
-              <a:t> </a:t>
-            </a:r>
-            <a:r>
-              <a:rPr/>
-              <a:t>un</a:t>
-            </a:r>
-            <a:r>
-              <a:rPr/>
-              <a:t> </a:t>
-            </a:r>
-            <a:r>
-              <a:rPr/>
-              <a:t>tren</a:t>
-            </a:r>
-            <a:r>
-              <a:rPr/>
-              <a:t> </a:t>
-            </a:r>
-            <a:r>
-              <a:rPr/>
-              <a:t>de</a:t>
-            </a:r>
-            <a:r>
-              <a:rPr/>
-              <a:t> </a:t>
-            </a:r>
-            <a:r>
-              <a:rPr/>
-              <a:t>ondas</a:t>
-            </a:r>
-            <a:r>
-              <a:rPr/>
-              <a:t> </a:t>
-            </a:r>
-            <a:r>
-              <a:rPr/>
-              <a:t>extendido</a:t>
-            </a:r>
-            <a:r>
-              <a:rPr/>
-              <a:t> </a:t>
-            </a:r>
-            <a:r>
-              <a:rPr/>
-              <a:t>entre</a:t>
-            </a:r>
-            <a:r>
-              <a:rPr/>
-              <a:t> </a:t>
-            </a:r>
-            <a:r>
-              <a:rPr/>
-              <a:t>el</a:t>
-            </a:r>
-            <a:r>
-              <a:rPr/>
-              <a:t> </a:t>
-            </a:r>
-            <a:r>
-              <a:rPr/>
-              <a:t>este</a:t>
-            </a:r>
-            <a:r>
-              <a:rPr/>
-              <a:t> </a:t>
-            </a:r>
-            <a:r>
-              <a:rPr/>
-              <a:t>de</a:t>
-            </a:r>
-            <a:r>
-              <a:rPr/>
-              <a:t> </a:t>
-            </a:r>
-            <a:r>
-              <a:rPr/>
-              <a:t>Nueva</a:t>
-            </a:r>
-            <a:r>
-              <a:rPr/>
-              <a:t> </a:t>
-            </a:r>
-            <a:r>
-              <a:rPr/>
-              <a:t>Zelanda,</a:t>
-            </a:r>
-            <a:r>
-              <a:rPr/>
-              <a:t> </a:t>
-            </a:r>
-            <a:r>
-              <a:rPr/>
-              <a:t>y</a:t>
-            </a:r>
-            <a:r>
-              <a:rPr/>
-              <a:t> </a:t>
-            </a:r>
-            <a:r>
-              <a:rPr/>
-              <a:t>Sudamérica.</a:t>
-            </a:r>
-            <a:r>
-              <a:rPr/>
-              <a:t> </a:t>
-            </a:r>
-            <a:r>
-              <a:rPr/>
-              <a:t>En</a:t>
-            </a:r>
-            <a:r>
-              <a:rPr/>
-              <a:t> </a:t>
-            </a:r>
-            <a:r>
-              <a:rPr/>
-              <a:t>febrero,</a:t>
-            </a:r>
-            <a:r>
-              <a:rPr/>
-              <a:t> </a:t>
-            </a:r>
-            <a:r>
-              <a:rPr/>
-              <a:t>la</a:t>
-            </a:r>
-            <a:r>
-              <a:rPr/>
-              <a:t> </a:t>
-            </a:r>
-            <a:r>
-              <a:rPr/>
-              <a:t>estructura</a:t>
-            </a:r>
-            <a:r>
-              <a:rPr/>
-              <a:t> </a:t>
-            </a:r>
-            <a:r>
-              <a:rPr/>
-              <a:t>se</a:t>
-            </a:r>
-            <a:r>
-              <a:rPr/>
-              <a:t> </a:t>
-            </a:r>
-            <a:r>
-              <a:rPr/>
-              <a:t>mantiene</a:t>
-            </a:r>
-            <a:r>
-              <a:rPr/>
-              <a:t> </a:t>
-            </a:r>
-            <a:r>
-              <a:rPr/>
-              <a:t>similar,</a:t>
-            </a:r>
-            <a:r>
-              <a:rPr/>
-              <a:t> </a:t>
-            </a:r>
-            <a:r>
-              <a:rPr/>
-              <a:t>pero</a:t>
-            </a:r>
-            <a:r>
-              <a:rPr/>
-              <a:t> </a:t>
-            </a:r>
-            <a:r>
-              <a:rPr/>
-              <a:t>con</a:t>
-            </a:r>
-            <a:r>
-              <a:rPr/>
-              <a:t> </a:t>
-            </a:r>
-            <a:r>
-              <a:rPr/>
-              <a:t>menor</a:t>
-            </a:r>
-            <a:r>
-              <a:rPr/>
-              <a:t> </a:t>
-            </a:r>
-            <a:r>
-              <a:rPr/>
-              <a:t>evidencia</a:t>
-            </a:r>
-            <a:r>
-              <a:rPr/>
-              <a:t> </a:t>
-            </a:r>
-            <a:r>
-              <a:rPr/>
-              <a:t>de</a:t>
-            </a:r>
-            <a:r>
-              <a:rPr/>
-              <a:t> </a:t>
-            </a:r>
-            <a:r>
-              <a:rPr/>
-              <a:t>propagación</a:t>
-            </a:r>
-            <a:r>
-              <a:rPr/>
-              <a:t> </a:t>
-            </a:r>
-            <a:r>
-              <a:rPr/>
-              <a:t>meridional,</a:t>
-            </a:r>
-            <a:r>
-              <a:rPr/>
-              <a:t> </a:t>
-            </a:r>
-            <a:r>
-              <a:rPr/>
-              <a:t>y</a:t>
-            </a:r>
-            <a:r>
-              <a:rPr/>
-              <a:t> </a:t>
-            </a:r>
-            <a:r>
-              <a:rPr/>
-              <a:t>el</a:t>
-            </a:r>
-            <a:r>
-              <a:rPr/>
-              <a:t> </a:t>
-            </a:r>
-            <a:r>
-              <a:rPr/>
-              <a:t>centro</a:t>
-            </a:r>
-            <a:r>
-              <a:rPr/>
-              <a:t> </a:t>
-            </a:r>
-            <a:r>
-              <a:rPr/>
-              <a:t>anticiclónico</a:t>
-            </a:r>
-            <a:r>
-              <a:rPr/>
-              <a:t> </a:t>
-            </a:r>
-            <a:r>
-              <a:rPr/>
-              <a:t>en</a:t>
-            </a:r>
-            <a:r>
-              <a:rPr/>
-              <a:t> </a:t>
-            </a:r>
-            <a:r>
-              <a:rPr/>
-              <a:t>Sudamérica</a:t>
-            </a:r>
-            <a:r>
-              <a:rPr/>
-              <a:t> </a:t>
-            </a:r>
-            <a:r>
-              <a:rPr/>
-              <a:t>intensificado</a:t>
-            </a:r>
-            <a:r>
-              <a:rPr/>
-              <a:t> </a:t>
-            </a:r>
-            <a:r>
-              <a:rPr/>
-              <a:t>y</a:t>
-            </a:r>
-            <a:r>
-              <a:rPr/>
-              <a:t> </a:t>
-            </a:r>
-            <a:r>
-              <a:rPr/>
-              <a:t>un</a:t>
-            </a:r>
-            <a:r>
-              <a:rPr/>
-              <a:t> </a:t>
-            </a:r>
-            <a:r>
-              <a:rPr/>
-              <a:t>debilitamiento</a:t>
-            </a:r>
-            <a:r>
-              <a:rPr/>
-              <a:t> </a:t>
-            </a:r>
-            <a:r>
-              <a:rPr/>
-              <a:t>de</a:t>
-            </a:r>
-            <a:r>
-              <a:rPr/>
-              <a:t> </a:t>
-            </a:r>
-            <a:r>
-              <a:rPr/>
-              <a:t>aquel</a:t>
-            </a:r>
-            <a:r>
-              <a:rPr/>
-              <a:t> </a:t>
-            </a:r>
-            <a:r>
-              <a:rPr/>
-              <a:t>ubicado</a:t>
-            </a:r>
-            <a:r>
-              <a:rPr/>
-              <a:t> </a:t>
-            </a:r>
-            <a:r>
-              <a:rPr/>
-              <a:t>al</a:t>
-            </a:r>
-            <a:r>
-              <a:rPr/>
-              <a:t> </a:t>
-            </a:r>
-            <a:r>
-              <a:rPr/>
-              <a:t>sur</a:t>
-            </a:r>
-            <a:r>
-              <a:rPr/>
-              <a:t> </a:t>
-            </a:r>
-            <a:r>
-              <a:rPr/>
-              <a:t>del</a:t>
-            </a:r>
-            <a:r>
-              <a:rPr/>
-              <a:t> </a:t>
-            </a:r>
-            <a:r>
-              <a:rPr/>
-              <a:t>Índico.</a:t>
-            </a:r>
-            <a:r>
-              <a:rPr/>
-              <a:t> </a:t>
-            </a:r>
-            <a:r>
-              <a:rPr/>
-              <a:t>En</a:t>
-            </a:r>
-            <a:r>
-              <a:rPr/>
-              <a:t> </a:t>
-            </a:r>
-            <a:r>
-              <a:rPr/>
-              <a:t>marzo,</a:t>
-            </a:r>
-            <a:r>
-              <a:rPr/>
-              <a:t> </a:t>
-            </a:r>
-            <a:r>
-              <a:rPr/>
-              <a:t>la</a:t>
-            </a:r>
-            <a:r>
-              <a:rPr/>
-              <a:t> </a:t>
-            </a:r>
-            <a:r>
-              <a:rPr/>
-              <a:t>estructura</a:t>
-            </a:r>
-            <a:r>
-              <a:rPr/>
-              <a:t> </a:t>
-            </a:r>
-            <a:r>
-              <a:rPr/>
-              <a:t>de</a:t>
-            </a:r>
-            <a:r>
-              <a:rPr/>
-              <a:t> </a:t>
-            </a:r>
-            <a:r>
-              <a:rPr/>
-              <a:t>onda</a:t>
-            </a:r>
-            <a:r>
-              <a:rPr/>
-              <a:t> </a:t>
-            </a:r>
-            <a:r>
-              <a:rPr/>
-              <a:t>3</a:t>
-            </a:r>
-            <a:r>
-              <a:rPr/>
-              <a:t> </a:t>
-            </a:r>
-            <a:r>
-              <a:rPr/>
-              <a:t>exhibe</a:t>
-            </a:r>
-            <a:r>
-              <a:rPr/>
-              <a:t> </a:t>
-            </a:r>
-            <a:r>
-              <a:rPr/>
-              <a:t>mínima</a:t>
-            </a:r>
-            <a:r>
-              <a:rPr/>
-              <a:t> </a:t>
-            </a:r>
-            <a:r>
-              <a:rPr/>
-              <a:t>variación</a:t>
-            </a:r>
-            <a:r>
-              <a:rPr/>
-              <a:t> </a:t>
-            </a:r>
-            <a:r>
-              <a:rPr/>
-              <a:t>meridional</a:t>
-            </a:r>
-            <a:r>
-              <a:rPr/>
-              <a:t> </a:t>
-            </a:r>
-            <a:r>
-              <a:rPr/>
-              <a:t>y</a:t>
-            </a:r>
-            <a:r>
-              <a:rPr/>
-              <a:t> </a:t>
-            </a:r>
-            <a:r>
-              <a:rPr/>
-              <a:t>ocupa</a:t>
-            </a:r>
-            <a:r>
-              <a:rPr/>
-              <a:t> </a:t>
-            </a:r>
-            <a:r>
-              <a:rPr/>
-              <a:t>todo</a:t>
-            </a:r>
-            <a:r>
-              <a:rPr/>
-              <a:t> </a:t>
-            </a:r>
-            <a:r>
-              <a:rPr/>
-              <a:t>el</a:t>
-            </a:r>
-            <a:r>
-              <a:rPr/>
-              <a:t> </a:t>
-            </a:r>
-            <a:r>
-              <a:rPr/>
-              <a:t>círculo</a:t>
-            </a:r>
-            <a:r>
-              <a:rPr/>
-              <a:t> </a:t>
-            </a:r>
-            <a:r>
-              <a:rPr/>
-              <a:t>de</a:t>
-            </a:r>
-            <a:r>
-              <a:rPr/>
-              <a:t> </a:t>
-            </a:r>
-            <a:r>
-              <a:rPr/>
-              <a:t>latitud</a:t>
-            </a:r>
-            <a:r>
-              <a:rPr/>
-              <a:t> </a:t>
-            </a:r>
-            <a:r>
-              <a:rPr/>
-              <a:t>entre</a:t>
-            </a:r>
-            <a:r>
-              <a:rPr/>
-              <a:t> </a:t>
-            </a:r>
-            <a:r>
-              <a:rPr/>
-              <a:t>60°S</a:t>
-            </a:r>
-            <a:r>
-              <a:rPr/>
-              <a:t> </a:t>
-            </a:r>
-            <a:r>
-              <a:rPr/>
-              <a:t>y</a:t>
-            </a:r>
-            <a:r>
-              <a:rPr/>
-              <a:t> </a:t>
-            </a:r>
-            <a:r>
-              <a:rPr/>
-              <a:t>45°S.</a:t>
-            </a:r>
-            <a:r>
-              <a:rPr/>
-              <a:t> </a:t>
-            </a:r>
-            <a:r>
-              <a:rPr/>
-              <a:t>Abril</a:t>
-            </a:r>
-            <a:r>
-              <a:rPr/>
-              <a:t> </a:t>
-            </a:r>
-            <a:r>
-              <a:rPr/>
-              <a:t>es</a:t>
-            </a:r>
-            <a:r>
-              <a:rPr/>
-              <a:t> </a:t>
-            </a:r>
-            <a:r>
-              <a:rPr/>
-              <a:t>similar</a:t>
-            </a:r>
-            <a:r>
-              <a:rPr/>
-              <a:t> </a:t>
-            </a:r>
-            <a:r>
-              <a:rPr/>
-              <a:t>a</a:t>
-            </a:r>
-            <a:r>
-              <a:rPr/>
-              <a:t> </a:t>
-            </a:r>
-            <a:r>
-              <a:rPr/>
-              <a:t>marzo,</a:t>
-            </a:r>
-            <a:r>
-              <a:rPr/>
-              <a:t> </a:t>
-            </a:r>
-            <a:r>
-              <a:rPr/>
-              <a:t>pero</a:t>
-            </a:r>
-            <a:r>
-              <a:rPr/>
-              <a:t> </a:t>
-            </a:r>
-            <a:r>
-              <a:rPr/>
-              <a:t>sin</a:t>
-            </a:r>
-            <a:r>
-              <a:rPr/>
-              <a:t> </a:t>
-            </a:r>
-            <a:r>
-              <a:rPr/>
-              <a:t>centros</a:t>
-            </a:r>
-            <a:r>
-              <a:rPr/>
-              <a:t> </a:t>
-            </a:r>
-            <a:r>
-              <a:rPr/>
-              <a:t>ciclónicos</a:t>
-            </a:r>
-            <a:r>
-              <a:rPr/>
-              <a:t> </a:t>
-            </a:r>
-            <a:r>
-              <a:rPr/>
-              <a:t>significativos.</a:t>
-            </a:r>
-            <a:r>
-              <a:rPr/>
-              <a:t> </a:t>
-            </a:r>
-            <a:r>
-              <a:rPr/>
-              <a:t>En</a:t>
-            </a:r>
-            <a:r>
-              <a:rPr/>
-              <a:t> </a:t>
-            </a:r>
-            <a:r>
-              <a:rPr/>
-              <a:t>mayo,</a:t>
-            </a:r>
-            <a:r>
-              <a:rPr/>
-              <a:t> </a:t>
-            </a:r>
-            <a:r>
-              <a:rPr/>
-              <a:t>se</a:t>
-            </a:r>
-            <a:r>
-              <a:rPr/>
-              <a:t> </a:t>
-            </a:r>
-            <a:r>
-              <a:rPr/>
-              <a:t>distingue</a:t>
-            </a:r>
-            <a:r>
-              <a:rPr/>
-              <a:t> </a:t>
-            </a:r>
-            <a:r>
-              <a:rPr/>
-              <a:t>nuevamente</a:t>
-            </a:r>
-            <a:r>
-              <a:rPr/>
-              <a:t> </a:t>
-            </a:r>
-            <a:r>
-              <a:rPr/>
-              <a:t>un</a:t>
-            </a:r>
-            <a:r>
-              <a:rPr/>
-              <a:t> </a:t>
-            </a:r>
-            <a:r>
-              <a:rPr/>
-              <a:t>tren</a:t>
-            </a:r>
-            <a:r>
-              <a:rPr/>
-              <a:t> </a:t>
-            </a:r>
-            <a:r>
-              <a:rPr/>
-              <a:t>de</a:t>
-            </a:r>
-            <a:r>
-              <a:rPr/>
-              <a:t> </a:t>
-            </a:r>
-            <a:r>
-              <a:rPr/>
-              <a:t>ondas</a:t>
-            </a:r>
-            <a:r>
-              <a:rPr/>
-              <a:t> </a:t>
-            </a:r>
-            <a:r>
-              <a:rPr/>
-              <a:t>con</a:t>
-            </a:r>
-            <a:r>
-              <a:rPr/>
-              <a:t> </a:t>
-            </a:r>
-            <a:r>
-              <a:rPr/>
-              <a:t>propagación</a:t>
-            </a:r>
-            <a:r>
-              <a:rPr/>
-              <a:t> </a:t>
-            </a:r>
-            <a:r>
-              <a:rPr/>
-              <a:t>meridional,</a:t>
-            </a:r>
-            <a:r>
-              <a:rPr/>
-              <a:t> </a:t>
-            </a:r>
-            <a:r>
-              <a:rPr/>
-              <a:t>emanando</a:t>
-            </a:r>
-            <a:r>
-              <a:rPr/>
-              <a:t> </a:t>
-            </a:r>
-            <a:r>
-              <a:rPr/>
-              <a:t>desde</a:t>
-            </a:r>
-            <a:r>
-              <a:rPr/>
-              <a:t> </a:t>
-            </a:r>
-            <a:r>
-              <a:rPr/>
-              <a:t>Australia,</a:t>
-            </a:r>
-            <a:r>
-              <a:rPr/>
-              <a:t> </a:t>
-            </a:r>
-            <a:r>
-              <a:rPr/>
-              <a:t>pero</a:t>
-            </a:r>
-            <a:r>
-              <a:rPr/>
-              <a:t> </a:t>
-            </a:r>
-            <a:r>
-              <a:rPr/>
-              <a:t>con</a:t>
-            </a:r>
-            <a:r>
-              <a:rPr/>
-              <a:t> </a:t>
-            </a:r>
-            <a:r>
-              <a:rPr/>
-              <a:t>evidencias</a:t>
-            </a:r>
-            <a:r>
-              <a:rPr/>
-              <a:t> </a:t>
-            </a:r>
-            <a:r>
-              <a:rPr/>
-              <a:t>de</a:t>
-            </a:r>
-            <a:r>
-              <a:rPr/>
-              <a:t> </a:t>
-            </a:r>
-            <a:r>
-              <a:rPr/>
-              <a:t>reflexión</a:t>
-            </a:r>
-            <a:r>
-              <a:rPr/>
-              <a:t> </a:t>
-            </a:r>
-            <a:r>
-              <a:rPr/>
-              <a:t>en</a:t>
-            </a:r>
-            <a:r>
-              <a:rPr/>
-              <a:t> </a:t>
-            </a:r>
-            <a:r>
-              <a:rPr/>
-              <a:t>el</a:t>
-            </a:r>
-            <a:r>
-              <a:rPr/>
-              <a:t> </a:t>
-            </a:r>
-            <a:r>
-              <a:rPr/>
-              <a:t>Mar</a:t>
-            </a:r>
-            <a:r>
-              <a:rPr/>
-              <a:t> </a:t>
-            </a:r>
-            <a:r>
-              <a:rPr/>
-              <a:t>de</a:t>
-            </a:r>
-            <a:r>
-              <a:rPr/>
-              <a:t> </a:t>
-            </a:r>
-            <a:r>
-              <a:rPr/>
-              <a:t>Weddell.</a:t>
-            </a:r>
-            <a:r>
-              <a:rPr/>
-              <a:t> </a:t>
-            </a:r>
-            <a:r>
-              <a:rPr/>
-              <a:t>Junio,</a:t>
-            </a:r>
-            <a:r>
-              <a:rPr/>
-              <a:t> </a:t>
-            </a:r>
-            <a:r>
-              <a:rPr/>
-              <a:t>al</a:t>
-            </a:r>
-            <a:r>
-              <a:rPr/>
-              <a:t> </a:t>
-            </a:r>
-            <a:r>
-              <a:rPr/>
-              <a:t>igual</a:t>
-            </a:r>
-            <a:r>
-              <a:rPr/>
-              <a:t> </a:t>
-            </a:r>
-            <a:r>
-              <a:rPr/>
-              <a:t>que</a:t>
-            </a:r>
-            <a:r>
-              <a:rPr/>
-              <a:t> </a:t>
-            </a:r>
-            <a:r>
-              <a:rPr/>
-              <a:t>marzo,</a:t>
-            </a:r>
-            <a:r>
-              <a:rPr/>
-              <a:t> </a:t>
-            </a:r>
-            <a:r>
-              <a:rPr/>
-              <a:t>presenta</a:t>
-            </a:r>
-            <a:r>
-              <a:rPr/>
-              <a:t> </a:t>
-            </a:r>
-            <a:r>
-              <a:rPr/>
-              <a:t>una</a:t>
-            </a:r>
-            <a:r>
-              <a:rPr/>
-              <a:t> </a:t>
-            </a:r>
-            <a:r>
-              <a:rPr/>
-              <a:t>estructura</a:t>
-            </a:r>
-            <a:r>
-              <a:rPr/>
-              <a:t> </a:t>
-            </a:r>
-            <a:r>
-              <a:rPr/>
-              <a:t>de</a:t>
-            </a:r>
-            <a:r>
-              <a:rPr/>
-              <a:t> </a:t>
-            </a:r>
-            <a:r>
-              <a:rPr/>
-              <a:t>QS3</a:t>
-            </a:r>
-            <a:r>
-              <a:rPr/>
-              <a:t> </a:t>
-            </a:r>
-            <a:r>
-              <a:rPr/>
-              <a:t>zonal,</a:t>
-            </a:r>
-            <a:r>
-              <a:rPr/>
-              <a:t> </a:t>
-            </a:r>
-            <a:r>
-              <a:rPr/>
-              <a:t>pero</a:t>
-            </a:r>
-            <a:r>
-              <a:rPr/>
-              <a:t> </a:t>
-            </a:r>
-            <a:r>
-              <a:rPr/>
-              <a:t>menos</a:t>
-            </a:r>
-            <a:r>
-              <a:rPr/>
-              <a:t> </a:t>
-            </a:r>
-            <a:r>
-              <a:rPr/>
-              <a:t>definida</a:t>
-            </a:r>
-            <a:r>
-              <a:rPr/>
-              <a:t> </a:t>
-            </a:r>
-            <a:r>
-              <a:rPr/>
-              <a:t>y,</a:t>
-            </a:r>
-            <a:r>
-              <a:rPr/>
-              <a:t> </a:t>
-            </a:r>
-            <a:r>
-              <a:rPr/>
-              <a:t>consistente</a:t>
-            </a:r>
-            <a:r>
-              <a:rPr/>
-              <a:t> </a:t>
-            </a:r>
-            <a:r>
-              <a:rPr/>
-              <a:t>con</a:t>
-            </a:r>
-            <a:r>
-              <a:rPr/>
-              <a:t> </a:t>
-            </a:r>
-            <a:r>
-              <a:rPr/>
-              <a:t>el</a:t>
-            </a:r>
-            <a:r>
-              <a:rPr/>
-              <a:t> </a:t>
-            </a:r>
-            <a:r>
-              <a:rPr/>
-              <a:t>corrimiento</a:t>
-            </a:r>
-            <a:r>
-              <a:rPr/>
-              <a:t> </a:t>
-            </a:r>
-            <a:r>
-              <a:rPr/>
-              <a:t>de</a:t>
-            </a:r>
-            <a:r>
-              <a:rPr/>
-              <a:t> </a:t>
-            </a:r>
-            <a:r>
-              <a:rPr/>
-              <a:t>la</a:t>
-            </a:r>
-            <a:r>
-              <a:rPr/>
-              <a:t> </a:t>
-            </a:r>
-            <a:r>
-              <a:rPr/>
-              <a:t>fase</a:t>
-            </a:r>
-            <a:r>
-              <a:rPr/>
-              <a:t> </a:t>
-            </a:r>
-            <a:r>
-              <a:rPr/>
-              <a:t>observado</a:t>
-            </a:r>
-            <a:r>
-              <a:rPr/>
-              <a:t> </a:t>
-            </a:r>
-            <a:r>
-              <a:rPr/>
-              <a:t>(</a:t>
-            </a:r>
-            <a:r>
-              <a:rPr/>
-              <a:t>),</a:t>
-            </a:r>
-            <a:r>
-              <a:rPr/>
-              <a:t> </a:t>
-            </a:r>
-            <a:r>
-              <a:rPr/>
-              <a:t>con</a:t>
-            </a:r>
-            <a:r>
-              <a:rPr/>
-              <a:t> </a:t>
-            </a:r>
-            <a:r>
-              <a:rPr/>
-              <a:t>los</a:t>
-            </a:r>
-            <a:r>
-              <a:rPr/>
-              <a:t> </a:t>
-            </a:r>
-            <a:r>
-              <a:rPr/>
-              <a:t>centros</a:t>
-            </a:r>
-            <a:r>
-              <a:rPr/>
-              <a:t> </a:t>
-            </a:r>
-            <a:r>
-              <a:rPr/>
-              <a:t>ciclónicos</a:t>
-            </a:r>
-            <a:r>
-              <a:rPr/>
-              <a:t> </a:t>
-            </a:r>
-            <a:r>
-              <a:rPr/>
-              <a:t>y</a:t>
-            </a:r>
-            <a:r>
-              <a:rPr/>
-              <a:t> </a:t>
-            </a:r>
-            <a:r>
-              <a:rPr/>
-              <a:t>anticiclónicos</a:t>
-            </a:r>
-            <a:r>
-              <a:rPr/>
-              <a:t> </a:t>
-            </a:r>
-            <a:r>
-              <a:rPr/>
-              <a:t>desplazados</a:t>
-            </a:r>
-            <a:r>
-              <a:rPr/>
-              <a:t> </a:t>
-            </a:r>
-            <a:r>
-              <a:rPr/>
-              <a:t>hacia</a:t>
-            </a:r>
-            <a:r>
-              <a:rPr/>
-              <a:t> </a:t>
-            </a:r>
-            <a:r>
-              <a:rPr/>
-              <a:t>el</a:t>
-            </a:r>
-            <a:r>
-              <a:rPr/>
-              <a:t> </a:t>
-            </a:r>
-            <a:r>
-              <a:rPr/>
-              <a:t>oeste.</a:t>
-            </a:r>
-          </a:p>
-        </p:txBody>
-      </p:sp>
-      <p:sp>
-        <p:nvSpPr>
-          <p:cNvPr id="4" name="Slide Number Placeholder 3"/>
-          <p:cNvSpPr>
-            <a:spLocks noGrp="1"/>
-          </p:cNvSpPr>
-          <p:nvPr>
-            <p:ph type="sldNum" sz="quarter" idx="10"/>
-          </p:nvPr>
-        </p:nvSpPr>
-        <p:spPr/>
-        <p:txBody>
-          <a:bodyPr/>
-          <a:lstStyle/>
-          <a:p>
-            <a:fld id="{18BDFEC3-8487-43E8-A154-7C12CBC1FFF2}" type="slidenum">
-              <a:rPr lang="en-US"/>
-              <a:t>15</a:t>
+              <a:t>12</a:t>
             </a:fld>
             <a:endParaRPr lang="en-US"/>
           </a:p>
@@ -11276,401 +11389,6 @@
           <p:nvPr/>
         </p:nvPicPr>
         <p:blipFill>
-          <a:blip r:embed="rId3"/>
-          <a:stretch>
-            <a:fillRect/>
-          </a:stretch>
-        </p:blipFill>
-        <p:spPr bwMode="auto">
-          <a:xfrm>
-            <a:off x="279400" y="939800"/>
-            <a:ext cx="11480800" cy="5219700"/>
-          </a:xfrm>
-          <a:prstGeom prst="rect">
-            <a:avLst/>
-          </a:prstGeom>
-          <a:noFill/>
-          <a:ln w="9525">
-            <a:noFill/>
-            <a:headEnd/>
-            <a:tailEnd/>
-          </a:ln>
-        </p:spPr>
-      </p:pic>
-      <p:sp>
-        <p:nvSpPr>
-          <p:cNvPr id="1" name="TextBox 3"/>
-          <p:cNvSpPr txBox="1"/>
-          <p:nvPr/>
-        </p:nvSpPr>
-        <p:spPr>
-          <a:xfrm>
-            <a:off x="190500" y="6159500"/>
-            <a:ext cx="11671300" cy="508000"/>
-          </a:xfrm>
-          <a:prstGeom prst="rect">
-            <a:avLst/>
-          </a:prstGeom>
-          <a:noFill/>
-        </p:spPr>
-        <p:txBody>
-          <a:bodyPr/>
-          <a:lstStyle/>
-          <a:p>
-            <a:pPr lvl="0" marL="0" indent="0" algn="ctr">
-              <a:buNone/>
-            </a:pPr>
-            <a:r>
-              <a:rPr/>
-              <a:t>Four</a:t>
-            </a:r>
-            <a:r>
-              <a:rPr/>
-              <a:t> </a:t>
-            </a:r>
-            <a:r>
-              <a:rPr/>
-              <a:t>most</a:t>
-            </a:r>
-            <a:r>
-              <a:rPr/>
-              <a:t> </a:t>
-            </a:r>
-            <a:r>
-              <a:rPr/>
-              <a:t>similar</a:t>
-            </a:r>
-            <a:r>
-              <a:rPr/>
-              <a:t> </a:t>
-            </a:r>
-            <a:r>
-              <a:rPr/>
-              <a:t>september</a:t>
-            </a:r>
-            <a:r>
-              <a:rPr/>
-              <a:t> </a:t>
-            </a:r>
-            <a:r>
-              <a:rPr/>
-              <a:t>field</a:t>
-            </a:r>
-            <a:r>
-              <a:rPr/>
-              <a:t> </a:t>
-            </a:r>
-            <a:r>
-              <a:rPr/>
-              <a:t>tuples</a:t>
-            </a:r>
-            <a:r>
-              <a:rPr/>
-              <a:t> </a:t>
-            </a:r>
-            <a:r>
-              <a:rPr/>
-              <a:t>in</a:t>
-            </a:r>
-            <a:r>
-              <a:rPr/>
-              <a:t> </a:t>
-            </a:r>
-            <a:r>
-              <a:rPr/>
-              <a:t>standarized</a:t>
-            </a:r>
-            <a:r>
-              <a:rPr/>
-              <a:t> </a:t>
-            </a:r>
-            <a:r>
-              <a:rPr/>
-              <a:t>wave</a:t>
-            </a:r>
-            <a:r>
-              <a:rPr/>
-              <a:t> </a:t>
-            </a:r>
-            <a:r>
-              <a:rPr/>
-              <a:t>3</a:t>
-            </a:r>
-            <a:r>
-              <a:rPr/>
-              <a:t> </a:t>
-            </a:r>
-            <a:r>
-              <a:rPr/>
-              <a:t>amplitude</a:t>
-            </a:r>
-            <a:r>
-              <a:rPr/>
-              <a:t> </a:t>
-            </a:r>
-            <a:r>
-              <a:rPr/>
-              <a:t>and</a:t>
-            </a:r>
-            <a:r>
-              <a:rPr/>
-              <a:t> </a:t>
-            </a:r>
-            <a:r>
-              <a:rPr/>
-              <a:t>phase</a:t>
-            </a:r>
-            <a:r>
-              <a:rPr/>
-              <a:t> </a:t>
-            </a:r>
-            <a:r>
-              <a:rPr/>
-              <a:t>space.</a:t>
-            </a:r>
-            <a:r>
-              <a:rPr/>
-              <a:t> </a:t>
-            </a:r>
-            <a:r>
-              <a:rPr/>
-              <a:t>Temporal</a:t>
-            </a:r>
-            <a:r>
-              <a:rPr/>
-              <a:t> </a:t>
-            </a:r>
-            <a:r>
-              <a:rPr/>
-              <a:t>anomaly</a:t>
-            </a:r>
-            <a:r>
-              <a:rPr/>
-              <a:t> </a:t>
-            </a:r>
-            <a:r>
-              <a:rPr/>
-              <a:t>of</a:t>
-            </a:r>
-            <a:r>
-              <a:rPr/>
-              <a:t> </a:t>
-            </a:r>
-            <a:r>
-              <a:rPr/>
-              <a:t>200hPa</a:t>
-            </a:r>
-            <a:r>
-              <a:rPr/>
-              <a:t> </a:t>
-            </a:r>
-            <a:r>
-              <a:rPr/>
-              <a:t>geopotential</a:t>
-            </a:r>
-            <a:r>
-              <a:rPr/>
-              <a:t> </a:t>
-            </a:r>
-            <a:r>
-              <a:rPr/>
-              <a:t>(contours)</a:t>
-            </a:r>
-            <a:r>
-              <a:rPr/>
-              <a:t> </a:t>
-            </a:r>
-            <a:r>
-              <a:rPr/>
-              <a:t>and</a:t>
-            </a:r>
-            <a:r>
-              <a:rPr/>
-              <a:t> </a:t>
-            </a:r>
-            <a:r>
-              <a:rPr/>
-              <a:t>zonal</a:t>
-            </a:r>
-            <a:r>
-              <a:rPr/>
-              <a:t> </a:t>
-            </a:r>
-            <a:r>
-              <a:rPr/>
-              <a:t>anomaly</a:t>
-            </a:r>
-            <a:r>
-              <a:rPr/>
-              <a:t> </a:t>
-            </a:r>
-            <a:r>
-              <a:rPr/>
-              <a:t>of</a:t>
-            </a:r>
-            <a:r>
-              <a:rPr/>
-              <a:t> </a:t>
-            </a:r>
-            <a:r>
-              <a:rPr/>
-              <a:t>200hPa</a:t>
-            </a:r>
-            <a:r>
-              <a:rPr/>
-              <a:t> </a:t>
-            </a:r>
-            <a:r>
-              <a:rPr/>
-              <a:t>geopotential</a:t>
-            </a:r>
-            <a:r>
-              <a:rPr/>
-              <a:t> </a:t>
-            </a:r>
-            <a:r>
-              <a:rPr/>
-              <a:t>with</a:t>
-            </a:r>
-            <a:r>
-              <a:rPr/>
-              <a:t> </a:t>
-            </a:r>
-            <a:r>
-              <a:rPr/>
-              <a:t>waves</a:t>
-            </a:r>
-            <a:r>
-              <a:rPr/>
-              <a:t> </a:t>
-            </a:r>
-            <a:r>
-              <a:rPr/>
-              <a:t>1</a:t>
-            </a:r>
-            <a:r>
-              <a:rPr/>
-              <a:t> </a:t>
-            </a:r>
-            <a:r>
-              <a:rPr/>
-              <a:t>and</a:t>
-            </a:r>
-            <a:r>
-              <a:rPr/>
-              <a:t> </a:t>
-            </a:r>
-            <a:r>
-              <a:rPr/>
-              <a:t>2</a:t>
-            </a:r>
-            <a:r>
-              <a:rPr/>
-              <a:t> </a:t>
-            </a:r>
-            <a:r>
-              <a:rPr/>
-              <a:t>filtered</a:t>
-            </a:r>
-            <a:r>
-              <a:rPr/>
-              <a:t> </a:t>
-            </a:r>
-            <a:r>
-              <a:rPr/>
-              <a:t>out</a:t>
-            </a:r>
-            <a:r>
-              <a:rPr/>
-              <a:t> </a:t>
-            </a:r>
-            <a:r>
-              <a:rPr/>
-              <a:t>(shaded).</a:t>
-            </a:r>
-          </a:p>
-        </p:txBody>
-      </p:sp>
-    </p:spTree>
-  </p:cSld>
-</p:sld>
-</file>
-
-<file path=ppt/slides/slide12.xml><?xml version="1.0" encoding="utf-8"?>
-<p:sld xmlns:a="http://schemas.openxmlformats.org/drawingml/2006/main" xmlns:r="http://schemas.openxmlformats.org/officeDocument/2006/relationships" xmlns:p="http://schemas.openxmlformats.org/presentationml/2006/main">
-  <p:cSld>
-    <p:spTree>
-      <p:nvGrpSpPr>
-        <p:cNvPr id="1" name=""/>
-        <p:cNvGrpSpPr/>
-        <p:nvPr/>
-      </p:nvGrpSpPr>
-      <p:grpSpPr>
-        <a:xfrm>
-          <a:off x="0" y="0"/>
-          <a:ext cx="0" cy="0"/>
-          <a:chOff x="0" y="0"/>
-          <a:chExt cx="0" cy="0"/>
-        </a:xfrm>
-      </p:grpSpPr>
-      <p:sp>
-        <p:nvSpPr>
-          <p:cNvPr id="3" name="Content Placeholder 2"/>
-          <p:cNvSpPr>
-            <a:spLocks noGrp="1" noChangeArrowheads="1"/>
-          </p:cNvSpPr>
-          <p:nvPr>
-            <p:ph idx="1"/>
-          </p:nvPr>
-        </p:nvSpPr>
-        <p:spPr/>
-        <p:txBody>
-          <a:bodyPr/>
-          <a:lstStyle/>
-          <a:p>
-            <a:pPr lvl="0" marL="1270000" indent="0">
-              <a:buNone/>
-            </a:pPr>
-            <a:r>
-              <a:rPr sz="1800">
-                <a:latin typeface="Courier"/>
-              </a:rPr>
-              <a:t>## `geom_smooth()` using method = 'gam' and formula 'y ~ s(x, bs = "cs")'</a:t>
-            </a:r>
-          </a:p>
-        </p:txBody>
-      </p:sp>
-    </p:spTree>
-  </p:cSld>
-</p:sld>
-</file>
-
-<file path=ppt/slides/slide13.xml><?xml version="1.0" encoding="utf-8"?>
-<p:sld xmlns:a="http://schemas.openxmlformats.org/drawingml/2006/main" xmlns:r="http://schemas.openxmlformats.org/officeDocument/2006/relationships" xmlns:p="http://schemas.openxmlformats.org/presentationml/2006/main">
-  <p:cSld>
-    <p:spTree>
-      <p:nvGrpSpPr>
-        <p:cNvPr id="1" name=""/>
-        <p:cNvGrpSpPr/>
-        <p:nvPr/>
-      </p:nvGrpSpPr>
-      <p:grpSpPr>
-        <a:xfrm>
-          <a:off x="0" y="0"/>
-          <a:ext cx="0" cy="0"/>
-          <a:chOff x="0" y="0"/>
-          <a:chExt cx="0" cy="0"/>
-        </a:xfrm>
-      </p:grpSpPr>
-      <p:pic>
-        <p:nvPicPr>
-          <p:cNvPr descr="fig/06-paper_tesis/cor-dist-1.png" id="0" name="Picture 1"/>
-          <p:cNvPicPr>
-            <a:picLocks noGrp="1" noChangeAspect="1"/>
-          </p:cNvPicPr>
-          <p:nvPr/>
-        </p:nvPicPr>
-        <p:blipFill>
           <a:blip r:embed="rId2"/>
           <a:stretch>
             <a:fillRect/>
@@ -11717,15 +11435,143 @@
             </a:pPr>
             <a:r>
               <a:rPr/>
-              <a:t>Correlation</a:t>
-            </a:r>
-            <a:r>
-              <a:rPr/>
-              <a:t> </a:t>
-            </a:r>
-            <a:r>
-              <a:rPr/>
-              <a:t>between</a:t>
+              <a:t>Four</a:t>
+            </a:r>
+            <a:r>
+              <a:rPr/>
+              <a:t> </a:t>
+            </a:r>
+            <a:r>
+              <a:rPr/>
+              <a:t>most</a:t>
+            </a:r>
+            <a:r>
+              <a:rPr/>
+              <a:t> </a:t>
+            </a:r>
+            <a:r>
+              <a:rPr/>
+              <a:t>similar</a:t>
+            </a:r>
+            <a:r>
+              <a:rPr/>
+              <a:t> </a:t>
+            </a:r>
+            <a:r>
+              <a:rPr/>
+              <a:t>september</a:t>
+            </a:r>
+            <a:r>
+              <a:rPr/>
+              <a:t> </a:t>
+            </a:r>
+            <a:r>
+              <a:rPr/>
+              <a:t>field</a:t>
+            </a:r>
+            <a:r>
+              <a:rPr/>
+              <a:t> </a:t>
+            </a:r>
+            <a:r>
+              <a:rPr/>
+              <a:t>tuples</a:t>
+            </a:r>
+            <a:r>
+              <a:rPr/>
+              <a:t> </a:t>
+            </a:r>
+            <a:r>
+              <a:rPr/>
+              <a:t>in</a:t>
+            </a:r>
+            <a:r>
+              <a:rPr/>
+              <a:t> </a:t>
+            </a:r>
+            <a:r>
+              <a:rPr/>
+              <a:t>standarized</a:t>
+            </a:r>
+            <a:r>
+              <a:rPr/>
+              <a:t> </a:t>
+            </a:r>
+            <a:r>
+              <a:rPr/>
+              <a:t>wave</a:t>
+            </a:r>
+            <a:r>
+              <a:rPr/>
+              <a:t> </a:t>
+            </a:r>
+            <a:r>
+              <a:rPr/>
+              <a:t>3</a:t>
+            </a:r>
+            <a:r>
+              <a:rPr/>
+              <a:t> </a:t>
+            </a:r>
+            <a:r>
+              <a:rPr/>
+              <a:t>amplitude</a:t>
+            </a:r>
+            <a:r>
+              <a:rPr/>
+              <a:t> </a:t>
+            </a:r>
+            <a:r>
+              <a:rPr/>
+              <a:t>and</a:t>
+            </a:r>
+            <a:r>
+              <a:rPr/>
+              <a:t> </a:t>
+            </a:r>
+            <a:r>
+              <a:rPr/>
+              <a:t>phase</a:t>
+            </a:r>
+            <a:r>
+              <a:rPr/>
+              <a:t> </a:t>
+            </a:r>
+            <a:r>
+              <a:rPr/>
+              <a:t>space.</a:t>
+            </a:r>
+            <a:r>
+              <a:rPr/>
+              <a:t> </a:t>
+            </a:r>
+            <a:r>
+              <a:rPr/>
+              <a:t>Temporal</a:t>
+            </a:r>
+            <a:r>
+              <a:rPr/>
+              <a:t> </a:t>
+            </a:r>
+            <a:r>
+              <a:rPr/>
+              <a:t>anomaly</a:t>
+            </a:r>
+            <a:r>
+              <a:rPr/>
+              <a:t> </a:t>
+            </a:r>
+            <a:r>
+              <a:rPr/>
+              <a:t>of</a:t>
+            </a:r>
+            <a:r>
+              <a:rPr/>
+              <a:t> </a:t>
+            </a:r>
+            <a:r>
+              <a:rPr/>
+              <a:t>200hPa</a:t>
             </a:r>
             <a:r>
               <a:rPr/>
@@ -11741,6 +11587,22 @@
             </a:r>
             <a:r>
               <a:rPr/>
+              <a:t>(contours)</a:t>
+            </a:r>
+            <a:r>
+              <a:rPr/>
+              <a:t> </a:t>
+            </a:r>
+            <a:r>
+              <a:rPr/>
+              <a:t>and</a:t>
+            </a:r>
+            <a:r>
+              <a:rPr/>
+              <a:t> </a:t>
+            </a:r>
+            <a:r>
+              <a:rPr/>
               <a:t>zonal</a:t>
             </a:r>
             <a:r>
@@ -11749,7 +11611,55 @@
             </a:r>
             <a:r>
               <a:rPr/>
-              <a:t>anomalies</a:t>
+              <a:t>anomaly</a:t>
+            </a:r>
+            <a:r>
+              <a:rPr/>
+              <a:t> </a:t>
+            </a:r>
+            <a:r>
+              <a:rPr/>
+              <a:t>of</a:t>
+            </a:r>
+            <a:r>
+              <a:rPr/>
+              <a:t> </a:t>
+            </a:r>
+            <a:r>
+              <a:rPr/>
+              <a:t>200hPa</a:t>
+            </a:r>
+            <a:r>
+              <a:rPr/>
+              <a:t> </a:t>
+            </a:r>
+            <a:r>
+              <a:rPr/>
+              <a:t>geopotential</a:t>
+            </a:r>
+            <a:r>
+              <a:rPr/>
+              <a:t> </a:t>
+            </a:r>
+            <a:r>
+              <a:rPr/>
+              <a:t>with</a:t>
+            </a:r>
+            <a:r>
+              <a:rPr/>
+              <a:t> </a:t>
+            </a:r>
+            <a:r>
+              <a:rPr/>
+              <a:t>waves</a:t>
+            </a:r>
+            <a:r>
+              <a:rPr/>
+              <a:t> </a:t>
+            </a:r>
+            <a:r>
+              <a:rPr/>
+              <a:t>1</a:t>
             </a:r>
             <a:r>
               <a:rPr/>
@@ -11765,47 +11675,31 @@
             </a:r>
             <a:r>
               <a:rPr/>
-              <a:t>distance</a:t>
-            </a:r>
-            <a:r>
-              <a:rPr/>
-              <a:t> </a:t>
-            </a:r>
-            <a:r>
-              <a:rPr/>
-              <a:t>in</a:t>
-            </a:r>
-            <a:r>
-              <a:rPr/>
-              <a:t> </a:t>
-            </a:r>
-            <a:r>
-              <a:rPr/>
-              <a:t>QS3</a:t>
-            </a:r>
-            <a:r>
-              <a:rPr/>
-              <a:t> </a:t>
-            </a:r>
-            <a:r>
-              <a:rPr/>
-              <a:t>amplitude</a:t>
-            </a:r>
-            <a:r>
-              <a:rPr/>
-              <a:t> </a:t>
-            </a:r>
-            <a:r>
-              <a:rPr/>
-              <a:t>and</a:t>
-            </a:r>
-            <a:r>
-              <a:rPr/>
-              <a:t> </a:t>
-            </a:r>
-            <a:r>
-              <a:rPr/>
-              <a:t>phase.</a:t>
+              <a:t>2</a:t>
+            </a:r>
+            <a:r>
+              <a:rPr/>
+              <a:t> </a:t>
+            </a:r>
+            <a:r>
+              <a:rPr/>
+              <a:t>filtered</a:t>
+            </a:r>
+            <a:r>
+              <a:rPr/>
+              <a:t> </a:t>
+            </a:r>
+            <a:r>
+              <a:rPr/>
+              <a:t>out</a:t>
+            </a:r>
+            <a:r>
+              <a:rPr/>
+              <a:t> </a:t>
+            </a:r>
+            <a:r>
+              <a:rPr/>
+              <a:t>(shaded).</a:t>
             </a:r>
           </a:p>
         </p:txBody>
@@ -11815,54 +11709,7 @@
 </p:sld>
 </file>
 
-<file path=ppt/slides/slide14.xml><?xml version="1.0" encoding="utf-8"?>
-<p:sld xmlns:a="http://schemas.openxmlformats.org/drawingml/2006/main" xmlns:r="http://schemas.openxmlformats.org/officeDocument/2006/relationships" xmlns:p="http://schemas.openxmlformats.org/presentationml/2006/main">
-  <p:cSld>
-    <p:spTree>
-      <p:nvGrpSpPr>
-        <p:cNvPr id="1" name=""/>
-        <p:cNvGrpSpPr/>
-        <p:nvPr/>
-      </p:nvGrpSpPr>
-      <p:grpSpPr>
-        <a:xfrm>
-          <a:off x="0" y="0"/>
-          <a:ext cx="0" cy="0"/>
-          <a:chOff x="0" y="0"/>
-          <a:chExt cx="0" cy="0"/>
-        </a:xfrm>
-      </p:grpSpPr>
-      <p:sp>
-        <p:nvSpPr>
-          <p:cNvPr id="3" name="Content Placeholder 2"/>
-          <p:cNvSpPr>
-            <a:spLocks noGrp="1" noChangeArrowheads="1"/>
-          </p:cNvSpPr>
-          <p:nvPr>
-            <p:ph idx="1"/>
-          </p:nvPr>
-        </p:nvSpPr>
-        <p:spPr/>
-        <p:txBody>
-          <a:bodyPr/>
-          <a:lstStyle/>
-          <a:p>
-            <a:pPr lvl="0" marL="0" indent="0">
-              <a:buNone/>
-            </a:pPr>
-            <a:r>
-              <a:rPr/>
-              <a:t>Se observa que hay una ligera relación entre menor distancia en el espacio de amplitiud y fase de QS3 y la correlación de los campos de anoamlías zonales, pero que ésta es nula para las anomalías temporales.</a:t>
-            </a:r>
-          </a:p>
-        </p:txBody>
-      </p:sp>
-    </p:spTree>
-  </p:cSld>
-</p:sld>
-</file>
-
-<file path=ppt/slides/slide15.xml><?xml version="1.0" encoding="utf-8"?>
+<file path=ppt/slides/slide12.xml><?xml version="1.0" encoding="utf-8"?>
 <p:sld xmlns:a="http://schemas.openxmlformats.org/drawingml/2006/main" xmlns:r="http://schemas.openxmlformats.org/officeDocument/2006/relationships" xmlns:p="http://schemas.openxmlformats.org/presentationml/2006/main">
   <p:cSld>
     <p:spTree>

--- a/06-paper_tesis.pptx
+++ b/06-paper_tesis.pptx
@@ -5,7 +5,7 @@
     <p:sldMasterId id="2147483648" r:id="rId1"/>
   </p:sldMasterIdLst>
   <p:notesMasterIdLst>
-    <p:NotesMasterId r:id="rId14"/>
+    <p:NotesMasterId r:id="rId19"/>
   </p:notesMasterIdLst>
   <p:sldIdLst>
     <p:sldId id="256" r:id="rId2"/>
@@ -20,6 +20,11 @@
     <p:sldId id="265" r:id="rId11"/>
     <p:sldId id="266" r:id="rId12"/>
     <p:sldId id="267" r:id="rId13"/>
+    <p:sldId id="268" r:id="rId14"/>
+    <p:sldId id="269" r:id="rId15"/>
+    <p:sldId id="270" r:id="rId16"/>
+    <p:sldId id="271" r:id="rId17"/>
+    <p:sldId id="272" r:id="rId18"/>
   </p:sldIdLst>
   <p:sldSz cx="12192000" cy="6858000"/>
   <p:notesSz cx="6858000" cy="9144000"/>
@@ -2688,7 +2693,641 @@
           <a:p>
             <a:fld id="{18BDFEC3-8487-43E8-A154-7C12CBC1FFF2}" type="slidenum">
               <a:rPr lang="en-US"/>
-              <a:t>3</a:t>
+              <a:t>2</a:t>
+            </a:fld>
+            <a:endParaRPr lang="en-US"/>
+          </a:p>
+        </p:txBody>
+      </p:sp>
+    </p:spTree>
+  </p:cSld>
+</p:notes>
+</file>
+
+<file path=ppt/notesSlides/notesSlide10.xml><?xml version="1.0" encoding="utf-8"?>
+<p:notes xmlns:a="http://schemas.openxmlformats.org/drawingml/2006/main" xmlns:r="http://schemas.openxmlformats.org/officeDocument/2006/relationships" xmlns:p="http://schemas.openxmlformats.org/presentationml/2006/main">
+  <p:cSld>
+    <p:spTree>
+      <p:nvGrpSpPr>
+        <p:cNvPr id="1" name=""/>
+        <p:cNvGrpSpPr/>
+        <p:nvPr/>
+      </p:nvGrpSpPr>
+      <p:grpSpPr>
+        <a:xfrm>
+          <a:off x="0" y="0"/>
+          <a:ext cx="0" cy="0"/>
+          <a:chOff x="0" y="0"/>
+          <a:chExt cx="0" cy="0"/>
+        </a:xfrm>
+      </p:grpSpPr>
+      <p:sp>
+        <p:nvSpPr>
+          <p:cNvPr id="2" name="Slide Image Placeholder 1"/>
+          <p:cNvSpPr>
+            <a:spLocks noGrp="1" noRot="1" noChangeAspect="1"/>
+          </p:cNvSpPr>
+          <p:nvPr>
+            <p:ph type="sldImg"/>
+          </p:nvPr>
+        </p:nvSpPr>
+        <p:spPr/>
+      </p:sp>
+      <p:sp>
+        <p:nvSpPr>
+          <p:cNvPr id="3" name="Notes Placeholder 2"/>
+          <p:cNvSpPr>
+            <a:spLocks noGrp="1"/>
+          </p:cNvSpPr>
+          <p:nvPr>
+            <p:ph type="body" idx="1"/>
+          </p:nvPr>
+        </p:nvSpPr>
+        <p:spPr/>
+        <p:txBody>
+          <a:bodyPr/>
+          <a:lstStyle/>
+          <a:p>
+            <a:pPr lvl="0" marL="0" indent="0">
+              <a:buNone/>
+            </a:pPr>
+            <a:r>
+              <a:rPr/>
+              <a:t>Esta</a:t>
+            </a:r>
+            <a:r>
+              <a:rPr/>
+              <a:t> </a:t>
+            </a:r>
+            <a:r>
+              <a:rPr/>
+              <a:t>figura</a:t>
+            </a:r>
+            <a:r>
+              <a:rPr/>
+              <a:t> </a:t>
+            </a:r>
+            <a:r>
+              <a:rPr/>
+              <a:t>muestra</a:t>
+            </a:r>
+            <a:r>
+              <a:rPr/>
+              <a:t> </a:t>
+            </a:r>
+            <a:r>
+              <a:rPr/>
+              <a:t>la</a:t>
+            </a:r>
+            <a:r>
+              <a:rPr/>
+              <a:t> </a:t>
+            </a:r>
+            <a:r>
+              <a:rPr/>
+              <a:t>probabilidad</a:t>
+            </a:r>
+            <a:r>
+              <a:rPr/>
+              <a:t> </a:t>
+            </a:r>
+            <a:r>
+              <a:rPr/>
+              <a:t>condicional</a:t>
+            </a:r>
+            <a:r>
+              <a:rPr/>
+              <a:t> </a:t>
+            </a:r>
+            <a:r>
+              <a:rPr/>
+              <a:t>de</a:t>
+            </a:r>
+            <a:r>
+              <a:rPr/>
+              <a:t> </a:t>
+            </a:r>
+            <a:r>
+              <a:rPr/>
+              <a:t>que</a:t>
+            </a:r>
+            <a:r>
+              <a:rPr/>
+              <a:t> </a:t>
+            </a:r>
+            <a:r>
+              <a:rPr/>
+              <a:t>un</a:t>
+            </a:r>
+            <a:r>
+              <a:rPr/>
+              <a:t> </a:t>
+            </a:r>
+            <a:r>
+              <a:rPr/>
+              <a:t>mes</a:t>
+            </a:r>
+            <a:r>
+              <a:rPr/>
+              <a:t> </a:t>
+            </a:r>
+            <a:r>
+              <a:rPr/>
+              <a:t>sea</a:t>
+            </a:r>
+            <a:r>
+              <a:rPr/>
+              <a:t> </a:t>
+            </a:r>
+            <a:r>
+              <a:rPr/>
+              <a:t>del</a:t>
+            </a:r>
+            <a:r>
+              <a:rPr/>
+              <a:t> </a:t>
+            </a:r>
+            <a:r>
+              <a:rPr/>
+              <a:t>percentil</a:t>
+            </a:r>
+            <a:r>
+              <a:rPr/>
+              <a:t> </a:t>
+            </a:r>
+            <a:r>
+              <a:rPr/>
+              <a:t>mayor</a:t>
+            </a:r>
+            <a:r>
+              <a:rPr/>
+              <a:t> </a:t>
+            </a:r>
+            <a:r>
+              <a:rPr/>
+              <a:t>o</a:t>
+            </a:r>
+            <a:r>
+              <a:rPr/>
+              <a:t> </a:t>
+            </a:r>
+            <a:r>
+              <a:rPr/>
+              <a:t>igual</a:t>
+            </a:r>
+            <a:r>
+              <a:rPr/>
+              <a:t> </a:t>
+            </a:r>
+            <a:r>
+              <a:rPr/>
+              <a:t>a</a:t>
+            </a:r>
+            <a:r>
+              <a:rPr/>
+              <a:t> </a:t>
+            </a:r>
+            <a:r>
+              <a:rPr/>
+              <a:t>un</a:t>
+            </a:r>
+            <a:r>
+              <a:rPr/>
+              <a:t> </a:t>
+            </a:r>
+            <a:r>
+              <a:rPr/>
+              <a:t>determinado</a:t>
+            </a:r>
+            <a:r>
+              <a:rPr/>
+              <a:t> </a:t>
+            </a:r>
+            <a:r>
+              <a:rPr/>
+              <a:t>valor</a:t>
+            </a:r>
+            <a:r>
+              <a:rPr/>
+              <a:t> </a:t>
+            </a:r>
+            <a:r>
+              <a:rPr/>
+              <a:t>sabiendo</a:t>
+            </a:r>
+            <a:r>
+              <a:rPr/>
+              <a:t> </a:t>
+            </a:r>
+            <a:r>
+              <a:rPr/>
+              <a:t>que</a:t>
+            </a:r>
+            <a:r>
+              <a:rPr/>
+              <a:t> </a:t>
+            </a:r>
+            <a:r>
+              <a:rPr/>
+              <a:t>el</a:t>
+            </a:r>
+            <a:r>
+              <a:rPr/>
+              <a:t> </a:t>
+            </a:r>
+            <a:r>
+              <a:rPr/>
+              <a:t>anterior</a:t>
+            </a:r>
+            <a:r>
+              <a:rPr/>
+              <a:t> </a:t>
+            </a:r>
+            <a:r>
+              <a:rPr/>
+              <a:t>mes</a:t>
+            </a:r>
+            <a:r>
+              <a:rPr/>
+              <a:t> </a:t>
+            </a:r>
+            <a:r>
+              <a:rPr/>
+              <a:t>estaba</a:t>
+            </a:r>
+            <a:r>
+              <a:rPr/>
+              <a:t> </a:t>
+            </a:r>
+            <a:r>
+              <a:rPr/>
+              <a:t>en</a:t>
+            </a:r>
+            <a:r>
+              <a:rPr/>
+              <a:t> </a:t>
+            </a:r>
+            <a:r>
+              <a:rPr/>
+              <a:t>el</a:t>
+            </a:r>
+            <a:r>
+              <a:rPr/>
+              <a:t> </a:t>
+            </a:r>
+            <a:r>
+              <a:rPr/>
+              <a:t>percentil</a:t>
+            </a:r>
+            <a:r>
+              <a:rPr/>
+              <a:t> </a:t>
+            </a:r>
+            <a:r>
+              <a:rPr/>
+              <a:t>mayor</a:t>
+            </a:r>
+            <a:r>
+              <a:rPr/>
+              <a:t> </a:t>
+            </a:r>
+            <a:r>
+              <a:rPr/>
+              <a:t>o</a:t>
+            </a:r>
+            <a:r>
+              <a:rPr/>
+              <a:t> </a:t>
+            </a:r>
+            <a:r>
+              <a:rPr/>
+              <a:t>igual</a:t>
+            </a:r>
+            <a:r>
+              <a:rPr/>
+              <a:t> </a:t>
+            </a:r>
+            <a:r>
+              <a:rPr/>
+              <a:t>al</a:t>
+            </a:r>
+            <a:r>
+              <a:rPr/>
+              <a:t> </a:t>
+            </a:r>
+            <a:r>
+              <a:rPr/>
+              <a:t>valor</a:t>
+            </a:r>
+            <a:r>
+              <a:rPr/>
+              <a:t> </a:t>
+            </a:r>
+            <a:r>
+              <a:rPr/>
+              <a:t>de</a:t>
+            </a:r>
+            <a:r>
+              <a:rPr/>
+              <a:t> </a:t>
+            </a:r>
+            <a:r>
+              <a:rPr/>
+              <a:t>corte.</a:t>
+            </a:r>
+            <a:r>
+              <a:rPr/>
+              <a:t> </a:t>
+            </a:r>
+            <a:r>
+              <a:rPr/>
+              <a:t>La</a:t>
+            </a:r>
+            <a:r>
+              <a:rPr/>
+              <a:t> </a:t>
+            </a:r>
+            <a:r>
+              <a:rPr/>
+              <a:t>línea</a:t>
+            </a:r>
+            <a:r>
+              <a:rPr/>
+              <a:t> </a:t>
+            </a:r>
+            <a:r>
+              <a:rPr/>
+              <a:t>punteada</a:t>
+            </a:r>
+            <a:r>
+              <a:rPr/>
+              <a:t> </a:t>
+            </a:r>
+            <a:r>
+              <a:rPr/>
+              <a:t>es</a:t>
+            </a:r>
+            <a:r>
+              <a:rPr/>
+              <a:t> </a:t>
+            </a:r>
+            <a:r>
+              <a:rPr/>
+              <a:t>la</a:t>
+            </a:r>
+            <a:r>
+              <a:rPr/>
+              <a:t> </a:t>
+            </a:r>
+            <a:r>
+              <a:rPr/>
+              <a:t>hipótesis</a:t>
+            </a:r>
+            <a:r>
+              <a:rPr/>
+              <a:t> </a:t>
+            </a:r>
+            <a:r>
+              <a:rPr/>
+              <a:t>nula</a:t>
+            </a:r>
+            <a:r>
+              <a:rPr/>
+              <a:t> </a:t>
+            </a:r>
+            <a:r>
+              <a:rPr/>
+              <a:t>(la</a:t>
+            </a:r>
+            <a:r>
+              <a:rPr/>
+              <a:t> </a:t>
+            </a:r>
+            <a:r>
+              <a:rPr/>
+              <a:t>probabilidad</a:t>
+            </a:r>
+            <a:r>
+              <a:rPr/>
+              <a:t> </a:t>
+            </a:r>
+            <a:r>
+              <a:rPr/>
+              <a:t>condicional</a:t>
+            </a:r>
+            <a:r>
+              <a:rPr/>
+              <a:t> </a:t>
+            </a:r>
+            <a:r>
+              <a:rPr/>
+              <a:t>es</a:t>
+            </a:r>
+            <a:r>
+              <a:rPr/>
+              <a:t> </a:t>
+            </a:r>
+            <a:r>
+              <a:rPr/>
+              <a:t>igual</a:t>
+            </a:r>
+            <a:r>
+              <a:rPr/>
+              <a:t> </a:t>
+            </a:r>
+            <a:r>
+              <a:rPr/>
+              <a:t>a</a:t>
+            </a:r>
+            <a:r>
+              <a:rPr/>
+              <a:t> </a:t>
+            </a:r>
+            <a:r>
+              <a:rPr/>
+              <a:t>la</a:t>
+            </a:r>
+            <a:r>
+              <a:rPr/>
+              <a:t> </a:t>
+            </a:r>
+            <a:r>
+              <a:rPr/>
+              <a:t>porbabilidad</a:t>
+            </a:r>
+            <a:r>
+              <a:rPr/>
+              <a:t> </a:t>
+            </a:r>
+            <a:r>
+              <a:rPr/>
+              <a:t>incondicional).</a:t>
+            </a:r>
+            <a:r>
+              <a:rPr/>
+              <a:t> </a:t>
+            </a:r>
+            <a:r>
+              <a:rPr/>
+              <a:t>Se</a:t>
+            </a:r>
+            <a:r>
+              <a:rPr/>
+              <a:t> </a:t>
+            </a:r>
+            <a:r>
+              <a:rPr/>
+              <a:t>confirma</a:t>
+            </a:r>
+            <a:r>
+              <a:rPr/>
+              <a:t> </a:t>
+            </a:r>
+            <a:r>
+              <a:rPr/>
+              <a:t>que</a:t>
+            </a:r>
+            <a:r>
+              <a:rPr/>
+              <a:t> </a:t>
+            </a:r>
+            <a:r>
+              <a:rPr/>
+              <a:t>no</a:t>
+            </a:r>
+            <a:r>
+              <a:rPr/>
+              <a:t> </a:t>
+            </a:r>
+            <a:r>
+              <a:rPr/>
+              <a:t>hay</a:t>
+            </a:r>
+            <a:r>
+              <a:rPr/>
+              <a:t> </a:t>
+            </a:r>
+            <a:r>
+              <a:rPr/>
+              <a:t>persistencia</a:t>
+            </a:r>
+            <a:r>
+              <a:rPr/>
+              <a:t> </a:t>
+            </a:r>
+            <a:r>
+              <a:rPr/>
+              <a:t>(o,</a:t>
+            </a:r>
+            <a:r>
+              <a:rPr/>
+              <a:t> </a:t>
+            </a:r>
+            <a:r>
+              <a:rPr/>
+              <a:t>más</a:t>
+            </a:r>
+            <a:r>
+              <a:rPr/>
+              <a:t> </a:t>
+            </a:r>
+            <a:r>
+              <a:rPr/>
+              <a:t>bien,</a:t>
+            </a:r>
+            <a:r>
+              <a:rPr/>
+              <a:t> </a:t>
+            </a:r>
+            <a:r>
+              <a:rPr/>
+              <a:t>que</a:t>
+            </a:r>
+            <a:r>
+              <a:rPr/>
+              <a:t> </a:t>
+            </a:r>
+            <a:r>
+              <a:rPr/>
+              <a:t>no</a:t>
+            </a:r>
+            <a:r>
+              <a:rPr/>
+              <a:t> </a:t>
+            </a:r>
+            <a:r>
+              <a:rPr/>
+              <a:t>se</a:t>
+            </a:r>
+            <a:r>
+              <a:rPr/>
+              <a:t> </a:t>
+            </a:r>
+            <a:r>
+              <a:rPr/>
+              <a:t>puede</a:t>
+            </a:r>
+            <a:r>
+              <a:rPr/>
+              <a:t> </a:t>
+            </a:r>
+            <a:r>
+              <a:rPr/>
+              <a:t>detectar</a:t>
+            </a:r>
+            <a:r>
+              <a:rPr/>
+              <a:t> </a:t>
+            </a:r>
+            <a:r>
+              <a:rPr/>
+              <a:t>persistencia</a:t>
+            </a:r>
+            <a:r>
+              <a:rPr/>
+              <a:t> </a:t>
+            </a:r>
+            <a:r>
+              <a:rPr/>
+              <a:t>en</a:t>
+            </a:r>
+            <a:r>
+              <a:rPr/>
+              <a:t> </a:t>
+            </a:r>
+            <a:r>
+              <a:rPr/>
+              <a:t>estos</a:t>
+            </a:r>
+            <a:r>
+              <a:rPr/>
+              <a:t> </a:t>
+            </a:r>
+            <a:r>
+              <a:rPr/>
+              <a:t>datos).</a:t>
+            </a:r>
+          </a:p>
+        </p:txBody>
+      </p:sp>
+      <p:sp>
+        <p:nvSpPr>
+          <p:cNvPr id="4" name="Slide Number Placeholder 3"/>
+          <p:cNvSpPr>
+            <a:spLocks noGrp="1"/>
+          </p:cNvSpPr>
+          <p:nvPr>
+            <p:ph type="sldNum" sz="quarter" idx="10"/>
+          </p:nvPr>
+        </p:nvSpPr>
+        <p:spPr/>
+        <p:txBody>
+          <a:bodyPr/>
+          <a:lstStyle/>
+          <a:p>
+            <a:fld id="{18BDFEC3-8487-43E8-A154-7C12CBC1FFF2}" type="slidenum">
+              <a:rPr lang="en-US"/>
+              <a:t>16</a:t>
             </a:fld>
             <a:endParaRPr lang="en-US"/>
           </a:p>
@@ -3178,7 +3817,7 @@
           <a:p>
             <a:fld id="{18BDFEC3-8487-43E8-A154-7C12CBC1FFF2}" type="slidenum">
               <a:rPr lang="en-US"/>
-              <a:t>4</a:t>
+              <a:t>3</a:t>
             </a:fld>
             <a:endParaRPr lang="en-US"/>
           </a:p>
@@ -3730,7 +4369,7 @@
           <a:p>
             <a:fld id="{18BDFEC3-8487-43E8-A154-7C12CBC1FFF2}" type="slidenum">
               <a:rPr lang="en-US"/>
-              <a:t>5</a:t>
+              <a:t>4</a:t>
             </a:fld>
             <a:endParaRPr lang="en-US"/>
           </a:p>
@@ -4378,87 +5017,215 @@
             </a:pPr>
             <a:r>
               <a:rPr/>
-              <a:t>Se</a:t>
-            </a:r>
-            <a:r>
-              <a:rPr/>
-              <a:t> </a:t>
-            </a:r>
-            <a:r>
-              <a:rPr/>
-              <a:t>muestran</a:t>
-            </a:r>
-            <a:r>
-              <a:rPr/>
-              <a:t> </a:t>
-            </a:r>
-            <a:r>
-              <a:rPr/>
-              <a:t>los</a:t>
-            </a:r>
-            <a:r>
-              <a:rPr/>
-              <a:t> </a:t>
-            </a:r>
-            <a:r>
-              <a:rPr/>
-              <a:t>cuatro</a:t>
-            </a:r>
-            <a:r>
-              <a:rPr/>
-              <a:t> </a:t>
-            </a:r>
-            <a:r>
-              <a:rPr/>
-              <a:t>pares</a:t>
-            </a:r>
-            <a:r>
-              <a:rPr/>
-              <a:t> </a:t>
-            </a:r>
-            <a:r>
-              <a:rPr/>
-              <a:t>de</a:t>
-            </a:r>
-            <a:r>
-              <a:rPr/>
-              <a:t> </a:t>
-            </a:r>
-            <a:r>
-              <a:rPr/>
-              <a:t>campos</a:t>
-            </a:r>
-            <a:r>
-              <a:rPr/>
-              <a:t> </a:t>
-            </a:r>
-            <a:r>
-              <a:rPr/>
-              <a:t>más</a:t>
-            </a:r>
-            <a:r>
-              <a:rPr/>
-              <a:t> </a:t>
-            </a:r>
-            <a:r>
-              <a:rPr/>
-              <a:t>similares</a:t>
-            </a:r>
-            <a:r>
-              <a:rPr/>
-              <a:t> </a:t>
-            </a:r>
-            <a:r>
-              <a:rPr/>
-              <a:t>en</a:t>
-            </a:r>
-            <a:r>
-              <a:rPr/>
-              <a:t> </a:t>
-            </a:r>
-            <a:r>
-              <a:rPr/>
-              <a:t>cuanto</a:t>
+              <a:t>All</a:t>
+            </a:r>
+            <a:r>
+              <a:rPr/>
+              <a:t> </a:t>
+            </a:r>
+            <a:r>
+              <a:rPr/>
+              <a:t>months</a:t>
+            </a:r>
+            <a:r>
+              <a:rPr/>
+              <a:t> </a:t>
+            </a:r>
+            <a:r>
+              <a:rPr/>
+              <a:t>show</a:t>
+            </a:r>
+            <a:r>
+              <a:rPr/>
+              <a:t> </a:t>
+            </a:r>
+            <a:r>
+              <a:rPr/>
+              <a:t>evidence</a:t>
+            </a:r>
+            <a:r>
+              <a:rPr/>
+              <a:t> </a:t>
+            </a:r>
+            <a:r>
+              <a:rPr/>
+              <a:t>of</a:t>
+            </a:r>
+            <a:r>
+              <a:rPr/>
+              <a:t> </a:t>
+            </a:r>
+            <a:r>
+              <a:rPr/>
+              <a:t>planetary</a:t>
+            </a:r>
+            <a:r>
+              <a:rPr/>
+              <a:t> </a:t>
+            </a:r>
+            <a:r>
+              <a:rPr/>
+              <a:t>wave</a:t>
+            </a:r>
+            <a:r>
+              <a:rPr/>
+              <a:t> </a:t>
+            </a:r>
+            <a:r>
+              <a:rPr/>
+              <a:t>3</a:t>
+            </a:r>
+            <a:r>
+              <a:rPr/>
+              <a:t> </a:t>
+            </a:r>
+            <a:r>
+              <a:rPr/>
+              <a:t>activity,</a:t>
+            </a:r>
+            <a:r>
+              <a:rPr/>
+              <a:t> </a:t>
+            </a:r>
+            <a:r>
+              <a:rPr/>
+              <a:t>but</a:t>
+            </a:r>
+            <a:r>
+              <a:rPr/>
+              <a:t> </a:t>
+            </a:r>
+            <a:r>
+              <a:rPr/>
+              <a:t>with</a:t>
+            </a:r>
+            <a:r>
+              <a:rPr/>
+              <a:t> </a:t>
+            </a:r>
+            <a:r>
+              <a:rPr/>
+              <a:t>considerable</a:t>
+            </a:r>
+            <a:r>
+              <a:rPr/>
+              <a:t> </a:t>
+            </a:r>
+            <a:r>
+              <a:rPr/>
+              <a:t>heterogeneity</a:t>
+            </a:r>
+            <a:r>
+              <a:rPr/>
+              <a:t> </a:t>
+            </a:r>
+            <a:r>
+              <a:rPr/>
+              <a:t>in</a:t>
+            </a:r>
+            <a:r>
+              <a:rPr/>
+              <a:t> </a:t>
+            </a:r>
+            <a:r>
+              <a:rPr/>
+              <a:t>its</a:t>
+            </a:r>
+            <a:r>
+              <a:rPr/>
+              <a:t> </a:t>
+            </a:r>
+            <a:r>
+              <a:rPr/>
+              <a:t>characteristics.</a:t>
+            </a:r>
+            <a:r>
+              <a:rPr/>
+              <a:t> </a:t>
+            </a:r>
+            <a:r>
+              <a:rPr/>
+              <a:t>In</a:t>
+            </a:r>
+            <a:r>
+              <a:rPr/>
+              <a:t> </a:t>
+            </a:r>
+            <a:r>
+              <a:rPr/>
+              <a:t>January,</a:t>
+            </a:r>
+            <a:r>
+              <a:rPr/>
+              <a:t> </a:t>
+            </a:r>
+            <a:r>
+              <a:rPr/>
+              <a:t>September</a:t>
+            </a:r>
+            <a:r>
+              <a:rPr/>
+              <a:t> </a:t>
+            </a:r>
+            <a:r>
+              <a:rPr/>
+              <a:t>and</a:t>
+            </a:r>
+            <a:r>
+              <a:rPr/>
+              <a:t> </a:t>
+            </a:r>
+            <a:r>
+              <a:rPr/>
+              <a:t>December,</a:t>
+            </a:r>
+            <a:r>
+              <a:rPr/>
+              <a:t> </a:t>
+            </a:r>
+            <a:r>
+              <a:rPr/>
+              <a:t>zonal</a:t>
+            </a:r>
+            <a:r>
+              <a:rPr/>
+              <a:t> </a:t>
+            </a:r>
+            <a:r>
+              <a:rPr/>
+              <a:t>wave</a:t>
+            </a:r>
+            <a:r>
+              <a:rPr/>
+              <a:t> </a:t>
+            </a:r>
+            <a:r>
+              <a:rPr/>
+              <a:t>3</a:t>
+            </a:r>
+            <a:r>
+              <a:rPr/>
+              <a:t> </a:t>
+            </a:r>
+            <a:r>
+              <a:rPr/>
+              <a:t>is</a:t>
+            </a:r>
+            <a:r>
+              <a:rPr/>
+              <a:t> </a:t>
+            </a:r>
+            <a:r>
+              <a:rPr/>
+              <a:t>related</a:t>
+            </a:r>
+            <a:r>
+              <a:rPr/>
+              <a:t> </a:t>
+            </a:r>
+            <a:r>
+              <a:rPr/>
+              <a:t>to</a:t>
             </a:r>
             <a:r>
               <a:rPr/>
@@ -4474,783 +5241,143 @@
             </a:r>
             <a:r>
               <a:rPr/>
-              <a:t>amplitud</a:t>
-            </a:r>
-            <a:r>
-              <a:rPr/>
-              <a:t> </a:t>
-            </a:r>
-            <a:r>
-              <a:rPr/>
-              <a:t>y</a:t>
-            </a:r>
-            <a:r>
-              <a:rPr/>
-              <a:t> </a:t>
-            </a:r>
-            <a:r>
-              <a:rPr/>
-              <a:t>fase.</a:t>
-            </a:r>
-            <a:r>
-              <a:rPr/>
-              <a:t> </a:t>
-            </a:r>
-            <a:r>
-              <a:rPr/>
-              <a:t>Aún</a:t>
-            </a:r>
-            <a:r>
-              <a:rPr/>
-              <a:t> </a:t>
-            </a:r>
-            <a:r>
-              <a:rPr/>
-              <a:t>en</a:t>
-            </a:r>
-            <a:r>
-              <a:rPr/>
-              <a:t> </a:t>
-            </a:r>
-            <a:r>
-              <a:rPr/>
-              <a:t>esta</a:t>
-            </a:r>
-            <a:r>
-              <a:rPr/>
-              <a:t> </a:t>
-            </a:r>
-            <a:r>
-              <a:rPr/>
-              <a:t>muestra</a:t>
-            </a:r>
-            <a:r>
-              <a:rPr/>
-              <a:t> </a:t>
-            </a:r>
-            <a:r>
-              <a:rPr/>
-              <a:t>puede</a:t>
-            </a:r>
-            <a:r>
-              <a:rPr/>
-              <a:t> </a:t>
-            </a:r>
-            <a:r>
-              <a:rPr/>
-              <a:t>verse</a:t>
-            </a:r>
-            <a:r>
-              <a:rPr/>
-              <a:t> </a:t>
-            </a:r>
-            <a:r>
-              <a:rPr/>
-              <a:t>grandes</a:t>
-            </a:r>
-            <a:r>
-              <a:rPr/>
-              <a:t> </a:t>
-            </a:r>
-            <a:r>
-              <a:rPr/>
-              <a:t>heterogeneidades.</a:t>
-            </a:r>
-            <a:r>
-              <a:rPr/>
-              <a:t> </a:t>
-            </a:r>
-            <a:r>
-              <a:rPr/>
-              <a:t>En</a:t>
-            </a:r>
-            <a:r>
-              <a:rPr/>
-              <a:t> </a:t>
-            </a:r>
-            <a:r>
-              <a:rPr/>
-              <a:t>el</a:t>
-            </a:r>
-            <a:r>
-              <a:rPr/>
-              <a:t> </a:t>
-            </a:r>
-            <a:r>
-              <a:rPr/>
-              <a:t>primer</a:t>
-            </a:r>
-            <a:r>
-              <a:rPr/>
-              <a:t> </a:t>
-            </a:r>
-            <a:r>
-              <a:rPr/>
-              <a:t>par</a:t>
-            </a:r>
-            <a:r>
-              <a:rPr/>
-              <a:t> </a:t>
-            </a:r>
-            <a:r>
-              <a:rPr/>
-              <a:t>de</a:t>
-            </a:r>
-            <a:r>
-              <a:rPr/>
-              <a:t> </a:t>
-            </a:r>
-            <a:r>
-              <a:rPr/>
-              <a:t>campos,</a:t>
-            </a:r>
-            <a:r>
-              <a:rPr/>
-              <a:t> </a:t>
-            </a:r>
-            <a:r>
-              <a:rPr/>
-              <a:t>por</a:t>
-            </a:r>
-            <a:r>
-              <a:rPr/>
-              <a:t> </a:t>
-            </a:r>
-            <a:r>
-              <a:rPr/>
-              <a:t>ejemplo,</a:t>
-            </a:r>
-            <a:r>
-              <a:rPr/>
-              <a:t> </a:t>
-            </a:r>
-            <a:r>
-              <a:rPr/>
-              <a:t>uno</a:t>
-            </a:r>
-            <a:r>
-              <a:rPr/>
-              <a:t> </a:t>
-            </a:r>
-            <a:r>
-              <a:rPr/>
-              <a:t>muestra</a:t>
-            </a:r>
-            <a:r>
-              <a:rPr/>
-              <a:t> </a:t>
-            </a:r>
-            <a:r>
-              <a:rPr/>
-              <a:t>anomalías</a:t>
-            </a:r>
-            <a:r>
-              <a:rPr/>
-              <a:t> </a:t>
-            </a:r>
-            <a:r>
-              <a:rPr/>
-              <a:t>zonales</a:t>
-            </a:r>
-            <a:r>
-              <a:rPr/>
-              <a:t> </a:t>
-            </a:r>
-            <a:r>
-              <a:rPr/>
-              <a:t>significativas</a:t>
-            </a:r>
-            <a:r>
-              <a:rPr/>
-              <a:t> </a:t>
-            </a:r>
-            <a:r>
-              <a:rPr/>
-              <a:t>principalmente</a:t>
-            </a:r>
-            <a:r>
-              <a:rPr/>
-              <a:t> </a:t>
-            </a:r>
-            <a:r>
-              <a:rPr/>
-              <a:t>sobre</a:t>
-            </a:r>
-            <a:r>
-              <a:rPr/>
-              <a:t> </a:t>
-            </a:r>
-            <a:r>
-              <a:rPr/>
-              <a:t>el</a:t>
-            </a:r>
-            <a:r>
-              <a:rPr/>
-              <a:t> </a:t>
-            </a:r>
-            <a:r>
-              <a:rPr/>
-              <a:t>Atlántico</a:t>
-            </a:r>
-            <a:r>
-              <a:rPr/>
-              <a:t> </a:t>
-            </a:r>
-            <a:r>
-              <a:rPr/>
-              <a:t>y</a:t>
-            </a:r>
-            <a:r>
-              <a:rPr/>
-              <a:t> </a:t>
-            </a:r>
-            <a:r>
-              <a:rPr/>
-              <a:t>el</a:t>
-            </a:r>
-            <a:r>
-              <a:rPr/>
-              <a:t> </a:t>
-            </a:r>
-            <a:r>
-              <a:rPr/>
-              <a:t>Índico</a:t>
-            </a:r>
-            <a:r>
-              <a:rPr/>
-              <a:t> </a:t>
-            </a:r>
-            <a:r>
-              <a:rPr/>
-              <a:t>mientrs</a:t>
-            </a:r>
-            <a:r>
-              <a:rPr/>
-              <a:t> </a:t>
-            </a:r>
-            <a:r>
-              <a:rPr/>
-              <a:t>que</a:t>
-            </a:r>
-            <a:r>
-              <a:rPr/>
-              <a:t> </a:t>
-            </a:r>
-            <a:r>
-              <a:rPr/>
-              <a:t>en</a:t>
-            </a:r>
-            <a:r>
-              <a:rPr/>
-              <a:t> </a:t>
-            </a:r>
-            <a:r>
-              <a:rPr/>
-              <a:t>el</a:t>
-            </a:r>
-            <a:r>
-              <a:rPr/>
-              <a:t> </a:t>
-            </a:r>
-            <a:r>
-              <a:rPr/>
-              <a:t>otro</a:t>
-            </a:r>
-            <a:r>
-              <a:rPr/>
-              <a:t> </a:t>
-            </a:r>
-            <a:r>
-              <a:rPr/>
-              <a:t>éstas</a:t>
-            </a:r>
-            <a:r>
-              <a:rPr/>
-              <a:t> </a:t>
-            </a:r>
-            <a:r>
-              <a:rPr/>
-              <a:t>ocupan</a:t>
-            </a:r>
-            <a:r>
-              <a:rPr/>
-              <a:t> </a:t>
-            </a:r>
-            <a:r>
-              <a:rPr/>
-              <a:t>todo</a:t>
-            </a:r>
-            <a:r>
-              <a:rPr/>
-              <a:t> </a:t>
-            </a:r>
-            <a:r>
-              <a:rPr/>
-              <a:t>el</a:t>
-            </a:r>
-            <a:r>
-              <a:rPr/>
-              <a:t> </a:t>
-            </a:r>
-            <a:r>
-              <a:rPr/>
-              <a:t>dominio.</a:t>
-            </a:r>
-            <a:r>
-              <a:rPr/>
-              <a:t> </a:t>
-            </a:r>
-            <a:r>
-              <a:rPr/>
-              <a:t>La</a:t>
-            </a:r>
-            <a:r>
-              <a:rPr/>
-              <a:t> </a:t>
-            </a:r>
-            <a:r>
-              <a:rPr/>
-              <a:t>latitud</a:t>
-            </a:r>
-            <a:r>
-              <a:rPr/>
-              <a:t> </a:t>
-            </a:r>
-            <a:r>
-              <a:rPr/>
-              <a:t>de</a:t>
-            </a:r>
-            <a:r>
-              <a:rPr/>
-              <a:t> </a:t>
-            </a:r>
-            <a:r>
-              <a:rPr/>
-              <a:t>las</a:t>
-            </a:r>
-            <a:r>
-              <a:rPr/>
-              <a:t> </a:t>
-            </a:r>
-            <a:r>
-              <a:rPr/>
-              <a:t>anomal</a:t>
-            </a:r>
-            <a:r>
-              <a:rPr/>
-              <a:t> </a:t>
-            </a:r>
-            <a:r>
-              <a:rPr/>
-              <a:t>ías</a:t>
-            </a:r>
-            <a:r>
-              <a:rPr/>
-              <a:t> </a:t>
-            </a:r>
-            <a:r>
-              <a:rPr/>
-              <a:t>también</a:t>
-            </a:r>
-            <a:r>
-              <a:rPr/>
-              <a:t> </a:t>
-            </a:r>
-            <a:r>
-              <a:rPr/>
-              <a:t>cambia</a:t>
-            </a:r>
-            <a:r>
-              <a:rPr/>
-              <a:t> </a:t>
-            </a:r>
-            <a:r>
-              <a:rPr/>
-              <a:t>mucho</a:t>
-            </a:r>
-            <a:r>
-              <a:rPr/>
-              <a:t> </a:t>
-            </a:r>
-            <a:r>
-              <a:rPr/>
-              <a:t>entre</a:t>
-            </a:r>
-            <a:r>
-              <a:rPr/>
-              <a:t> </a:t>
-            </a:r>
-            <a:r>
-              <a:rPr/>
-              <a:t>ambos</a:t>
-            </a:r>
-            <a:r>
-              <a:rPr/>
-              <a:t> </a:t>
-            </a:r>
-            <a:r>
-              <a:rPr/>
-              <a:t>casos.</a:t>
-            </a:r>
-            <a:r>
-              <a:rPr/>
-              <a:t> </a:t>
-            </a:r>
-            <a:r>
-              <a:rPr/>
-              <a:t>La</a:t>
-            </a:r>
-            <a:r>
-              <a:rPr/>
-              <a:t> </a:t>
-            </a:r>
-            <a:r>
-              <a:rPr/>
-              <a:t>correlación</a:t>
-            </a:r>
-            <a:r>
-              <a:rPr/>
-              <a:t> </a:t>
-            </a:r>
-            <a:r>
-              <a:rPr/>
-              <a:t>de</a:t>
-            </a:r>
-            <a:r>
-              <a:rPr/>
-              <a:t> </a:t>
-            </a:r>
-            <a:r>
-              <a:rPr/>
-              <a:t>campo</a:t>
-            </a:r>
-            <a:r>
-              <a:rPr/>
-              <a:t> </a:t>
-            </a:r>
-            <a:r>
-              <a:rPr/>
-              <a:t>es</a:t>
-            </a:r>
-            <a:r>
-              <a:rPr/>
-              <a:t> </a:t>
-            </a:r>
-            <a:r>
-              <a:rPr/>
-              <a:t>de</a:t>
-            </a:r>
-            <a:r>
-              <a:rPr/>
-              <a:t> </a:t>
-            </a:r>
-            <a:r>
-              <a:rPr/>
-              <a:t>0.37.</a:t>
-            </a:r>
-            <a:r>
-              <a:rPr/>
-              <a:t> </a:t>
-            </a:r>
-            <a:r>
-              <a:rPr/>
-              <a:t>El</a:t>
-            </a:r>
-            <a:r>
-              <a:rPr/>
-              <a:t> </a:t>
-            </a:r>
-            <a:r>
-              <a:rPr/>
-              <a:t>segundo</a:t>
-            </a:r>
-            <a:r>
-              <a:rPr/>
-              <a:t> </a:t>
-            </a:r>
-            <a:r>
-              <a:rPr/>
-              <a:t>y</a:t>
-            </a:r>
-            <a:r>
-              <a:rPr/>
-              <a:t> </a:t>
-            </a:r>
-            <a:r>
-              <a:rPr/>
-              <a:t>tercer</a:t>
-            </a:r>
-            <a:r>
-              <a:rPr/>
-              <a:t> </a:t>
-            </a:r>
-            <a:r>
-              <a:rPr/>
-              <a:t>par</a:t>
-            </a:r>
-            <a:r>
-              <a:rPr/>
-              <a:t> </a:t>
-            </a:r>
-            <a:r>
-              <a:rPr/>
-              <a:t>de</a:t>
-            </a:r>
-            <a:r>
-              <a:rPr/>
-              <a:t> </a:t>
-            </a:r>
-            <a:r>
-              <a:rPr/>
-              <a:t>campos</a:t>
-            </a:r>
-            <a:r>
-              <a:rPr/>
-              <a:t> </a:t>
-            </a:r>
-            <a:r>
-              <a:rPr/>
-              <a:t>presenta</a:t>
-            </a:r>
-            <a:r>
-              <a:rPr/>
-              <a:t> </a:t>
-            </a:r>
-            <a:r>
-              <a:rPr/>
-              <a:t>mayor</a:t>
-            </a:r>
-            <a:r>
-              <a:rPr/>
-              <a:t> </a:t>
-            </a:r>
-            <a:r>
-              <a:rPr/>
-              <a:t>similaridad</a:t>
-            </a:r>
-            <a:r>
-              <a:rPr/>
-              <a:t> </a:t>
-            </a:r>
-            <a:r>
-              <a:rPr/>
-              <a:t>(correlación</a:t>
-            </a:r>
-            <a:r>
-              <a:rPr/>
-              <a:t> </a:t>
-            </a:r>
-            <a:r>
-              <a:rPr/>
-              <a:t>de</a:t>
-            </a:r>
-            <a:r>
-              <a:rPr/>
-              <a:t> </a:t>
-            </a:r>
-            <a:r>
-              <a:rPr/>
-              <a:t>campo</a:t>
-            </a:r>
-            <a:r>
-              <a:rPr/>
-              <a:t> </a:t>
-            </a:r>
-            <a:r>
-              <a:rPr/>
-              <a:t>0.54</a:t>
-            </a:r>
-            <a:r>
-              <a:rPr/>
-              <a:t> </a:t>
-            </a:r>
-            <a:r>
-              <a:rPr/>
-              <a:t>y</a:t>
-            </a:r>
-            <a:r>
-              <a:rPr/>
-              <a:t> </a:t>
-            </a:r>
-            <a:r>
-              <a:rPr/>
-              <a:t>0.84</a:t>
-            </a:r>
-            <a:r>
-              <a:rPr/>
-              <a:t> </a:t>
-            </a:r>
-            <a:r>
-              <a:rPr/>
-              <a:t>respectivamente).</a:t>
-            </a:r>
-            <a:r>
-              <a:rPr/>
-              <a:t> </a:t>
-            </a:r>
-            <a:r>
-              <a:rPr/>
-              <a:t>El</a:t>
-            </a:r>
-            <a:r>
-              <a:rPr/>
-              <a:t> </a:t>
-            </a:r>
-            <a:r>
-              <a:rPr/>
-              <a:t>cuarto</a:t>
-            </a:r>
-            <a:r>
-              <a:rPr/>
-              <a:t> </a:t>
-            </a:r>
-            <a:r>
-              <a:rPr/>
-              <a:t>par</a:t>
-            </a:r>
-            <a:r>
-              <a:rPr/>
-              <a:t> </a:t>
-            </a:r>
-            <a:r>
-              <a:rPr/>
-              <a:t>no</a:t>
-            </a:r>
-            <a:r>
-              <a:rPr/>
-              <a:t> </a:t>
-            </a:r>
-            <a:r>
-              <a:rPr/>
-              <a:t>sólo</a:t>
-            </a:r>
-            <a:r>
-              <a:rPr/>
-              <a:t> </a:t>
-            </a:r>
-            <a:r>
-              <a:rPr/>
-              <a:t>presenta</a:t>
-            </a:r>
-            <a:r>
-              <a:rPr/>
-              <a:t> </a:t>
-            </a:r>
-            <a:r>
-              <a:rPr/>
-              <a:t>poca</a:t>
-            </a:r>
-            <a:r>
-              <a:rPr/>
-              <a:t> </a:t>
-            </a:r>
-            <a:r>
-              <a:rPr/>
-              <a:t>correlación</a:t>
-            </a:r>
-            <a:r>
-              <a:rPr/>
-              <a:t> </a:t>
-            </a:r>
-            <a:r>
-              <a:rPr/>
-              <a:t>(0.47)</a:t>
-            </a:r>
-            <a:r>
-              <a:rPr/>
-              <a:t> </a:t>
-            </a:r>
-            <a:r>
-              <a:rPr/>
-              <a:t>sino</a:t>
-            </a:r>
-            <a:r>
-              <a:rPr/>
-              <a:t> </a:t>
-            </a:r>
-            <a:r>
-              <a:rPr/>
-              <a:t>que</a:t>
-            </a:r>
-            <a:r>
-              <a:rPr/>
-              <a:t> </a:t>
-            </a:r>
-            <a:r>
-              <a:rPr/>
-              <a:t>presenta</a:t>
-            </a:r>
-            <a:r>
-              <a:rPr/>
-              <a:t> </a:t>
-            </a:r>
-            <a:r>
-              <a:rPr/>
-              <a:t>una</a:t>
-            </a:r>
-            <a:r>
-              <a:rPr/>
-              <a:t> </a:t>
-            </a:r>
-            <a:r>
-              <a:rPr/>
-              <a:t>gran</a:t>
-            </a:r>
-            <a:r>
-              <a:rPr/>
-              <a:t> </a:t>
-            </a:r>
-            <a:r>
-              <a:rPr/>
-              <a:t>diferencia</a:t>
-            </a:r>
-            <a:r>
-              <a:rPr/>
-              <a:t> </a:t>
-            </a:r>
-            <a:r>
-              <a:rPr/>
-              <a:t>en</a:t>
-            </a:r>
-            <a:r>
-              <a:rPr/>
-              <a:t> </a:t>
-            </a:r>
-            <a:r>
-              <a:rPr/>
-              <a:t>el</a:t>
-            </a:r>
-            <a:r>
-              <a:rPr/>
-              <a:t> </a:t>
-            </a:r>
-            <a:r>
-              <a:rPr/>
-              <a:t>área</a:t>
-            </a:r>
-            <a:r>
-              <a:rPr/>
-              <a:t> </a:t>
-            </a:r>
-            <a:r>
-              <a:rPr/>
-              <a:t>de</a:t>
-            </a:r>
-            <a:r>
-              <a:rPr/>
-              <a:t> </a:t>
-            </a:r>
-            <a:r>
-              <a:rPr/>
-              <a:t>máximas</a:t>
-            </a:r>
-            <a:r>
-              <a:rPr/>
-              <a:t> </a:t>
-            </a:r>
-            <a:r>
-              <a:rPr/>
-              <a:t>anomalías.</a:t>
+              <a:t>wave</a:t>
+            </a:r>
+            <a:r>
+              <a:rPr/>
+              <a:t> </a:t>
+            </a:r>
+            <a:r>
+              <a:rPr/>
+              <a:t>train</a:t>
+            </a:r>
+            <a:r>
+              <a:rPr/>
+              <a:t> </a:t>
+            </a:r>
+            <a:r>
+              <a:rPr/>
+              <a:t>emanating</a:t>
+            </a:r>
+            <a:r>
+              <a:rPr/>
+              <a:t> </a:t>
+            </a:r>
+            <a:r>
+              <a:rPr/>
+              <a:t>from</a:t>
+            </a:r>
+            <a:r>
+              <a:rPr/>
+              <a:t> </a:t>
+            </a:r>
+            <a:r>
+              <a:rPr/>
+              <a:t>the</a:t>
+            </a:r>
+            <a:r>
+              <a:rPr/>
+              <a:t> </a:t>
+            </a:r>
+            <a:r>
+              <a:rPr/>
+              <a:t>tropical</a:t>
+            </a:r>
+            <a:r>
+              <a:rPr/>
+              <a:t> </a:t>
+            </a:r>
+            <a:r>
+              <a:rPr/>
+              <a:t>western</a:t>
+            </a:r>
+            <a:r>
+              <a:rPr/>
+              <a:t> </a:t>
+            </a:r>
+            <a:r>
+              <a:rPr/>
+              <a:t>Pacific</a:t>
+            </a:r>
+            <a:r>
+              <a:rPr/>
+              <a:t> </a:t>
+            </a:r>
+            <a:r>
+              <a:rPr/>
+              <a:t>propagating</a:t>
+            </a:r>
+            <a:r>
+              <a:rPr/>
+              <a:t> </a:t>
+            </a:r>
+            <a:r>
+              <a:rPr/>
+              <a:t>to</a:t>
+            </a:r>
+            <a:r>
+              <a:rPr/>
+              <a:t> </a:t>
+            </a:r>
+            <a:r>
+              <a:rPr/>
+              <a:t>the</a:t>
+            </a:r>
+            <a:r>
+              <a:rPr/>
+              <a:t> </a:t>
+            </a:r>
+            <a:r>
+              <a:rPr/>
+              <a:t>southeast</a:t>
+            </a:r>
+            <a:r>
+              <a:rPr/>
+              <a:t> </a:t>
+            </a:r>
+            <a:r>
+              <a:rPr/>
+              <a:t>and</a:t>
+            </a:r>
+            <a:r>
+              <a:rPr/>
+              <a:t> </a:t>
+            </a:r>
+            <a:r>
+              <a:rPr/>
+              <a:t>then</a:t>
+            </a:r>
+            <a:r>
+              <a:rPr/>
+              <a:t> </a:t>
+            </a:r>
+            <a:r>
+              <a:rPr/>
+              <a:t>turning</a:t>
+            </a:r>
+            <a:r>
+              <a:rPr/>
+              <a:t> </a:t>
+            </a:r>
+            <a:r>
+              <a:rPr/>
+              <a:t>to</a:t>
+            </a:r>
+            <a:r>
+              <a:rPr/>
+              <a:t> </a:t>
+            </a:r>
+            <a:r>
+              <a:rPr/>
+              <a:t>the</a:t>
+            </a:r>
+            <a:r>
+              <a:rPr/>
+              <a:t> </a:t>
+            </a:r>
+            <a:r>
+              <a:rPr/>
+              <a:t>northeast.</a:t>
             </a:r>
           </a:p>
           <a:p>
@@ -5264,15 +5391,55 @@
             </a:pPr>
             <a:r>
               <a:rPr/>
-              <a:t>Los</a:t>
-            </a:r>
-            <a:r>
-              <a:rPr/>
-              <a:t> </a:t>
-            </a:r>
-            <a:r>
-              <a:rPr/>
-              <a:t>campos</a:t>
+              <a:t>En</a:t>
+            </a:r>
+            <a:r>
+              <a:rPr/>
+              <a:t> </a:t>
+            </a:r>
+            <a:r>
+              <a:rPr/>
+              <a:t>enero,</a:t>
+            </a:r>
+            <a:r>
+              <a:rPr/>
+              <a:t> </a:t>
+            </a:r>
+            <a:r>
+              <a:rPr/>
+              <a:t>se</a:t>
+            </a:r>
+            <a:r>
+              <a:rPr/>
+              <a:t> </a:t>
+            </a:r>
+            <a:r>
+              <a:rPr/>
+              <a:t>observa</a:t>
+            </a:r>
+            <a:r>
+              <a:rPr/>
+              <a:t> </a:t>
+            </a:r>
+            <a:r>
+              <a:rPr/>
+              <a:t>un</a:t>
+            </a:r>
+            <a:r>
+              <a:rPr/>
+              <a:t> </a:t>
+            </a:r>
+            <a:r>
+              <a:rPr/>
+              <a:t>patrón</a:t>
+            </a:r>
+            <a:r>
+              <a:rPr/>
+              <a:t> </a:t>
+            </a:r>
+            <a:r>
+              <a:rPr/>
+              <a:t>hemisférico</a:t>
             </a:r>
             <a:r>
               <a:rPr/>
@@ -5288,71 +5455,159 @@
             </a:r>
             <a:r>
               <a:rPr/>
-              <a:t>anomalías</a:t>
-            </a:r>
-            <a:r>
-              <a:rPr/>
-              <a:t> </a:t>
-            </a:r>
-            <a:r>
-              <a:rPr/>
-              <a:t>temporales,</a:t>
-            </a:r>
-            <a:r>
-              <a:rPr/>
-              <a:t> </a:t>
-            </a:r>
-            <a:r>
-              <a:rPr/>
-              <a:t>por</a:t>
-            </a:r>
-            <a:r>
-              <a:rPr/>
-              <a:t> </a:t>
-            </a:r>
-            <a:r>
-              <a:rPr/>
-              <a:t>su</a:t>
-            </a:r>
-            <a:r>
-              <a:rPr/>
-              <a:t> </a:t>
-            </a:r>
-            <a:r>
-              <a:rPr/>
-              <a:t>parte,</a:t>
-            </a:r>
-            <a:r>
-              <a:rPr/>
-              <a:t> </a:t>
-            </a:r>
-            <a:r>
-              <a:rPr/>
-              <a:t>casi</a:t>
-            </a:r>
-            <a:r>
-              <a:rPr/>
-              <a:t> </a:t>
-            </a:r>
-            <a:r>
-              <a:rPr/>
-              <a:t>no</a:t>
-            </a:r>
-            <a:r>
-              <a:rPr/>
-              <a:t> </a:t>
-            </a:r>
-            <a:r>
-              <a:rPr/>
-              <a:t>presentan</a:t>
-            </a:r>
-            <a:r>
-              <a:rPr/>
-              <a:t> </a:t>
-            </a:r>
-            <a:r>
-              <a:rPr/>
-              <a:t>similitudes</a:t>
+              <a:t>onda</a:t>
+            </a:r>
+            <a:r>
+              <a:rPr/>
+              <a:t> </a:t>
+            </a:r>
+            <a:r>
+              <a:rPr/>
+              <a:t>3,</a:t>
+            </a:r>
+            <a:r>
+              <a:rPr/>
+              <a:t> </a:t>
+            </a:r>
+            <a:r>
+              <a:rPr/>
+              <a:t>con</a:t>
+            </a:r>
+            <a:r>
+              <a:rPr/>
+              <a:t> </a:t>
+            </a:r>
+            <a:r>
+              <a:rPr/>
+              <a:t>un</a:t>
+            </a:r>
+            <a:r>
+              <a:rPr/>
+              <a:t> </a:t>
+            </a:r>
+            <a:r>
+              <a:rPr/>
+              <a:t>centro</a:t>
+            </a:r>
+            <a:r>
+              <a:rPr/>
+              <a:t> </a:t>
+            </a:r>
+            <a:r>
+              <a:rPr/>
+              <a:t>anómalamente</a:t>
+            </a:r>
+            <a:r>
+              <a:rPr/>
+              <a:t> </a:t>
+            </a:r>
+            <a:r>
+              <a:rPr/>
+              <a:t>negativo</a:t>
+            </a:r>
+            <a:r>
+              <a:rPr/>
+              <a:t> </a:t>
+            </a:r>
+            <a:r>
+              <a:rPr/>
+              <a:t>importante</a:t>
+            </a:r>
+            <a:r>
+              <a:rPr/>
+              <a:t> </a:t>
+            </a:r>
+            <a:r>
+              <a:rPr/>
+              <a:t>en</a:t>
+            </a:r>
+            <a:r>
+              <a:rPr/>
+              <a:t> </a:t>
+            </a:r>
+            <a:r>
+              <a:rPr/>
+              <a:t>el</a:t>
+            </a:r>
+            <a:r>
+              <a:rPr/>
+              <a:t> </a:t>
+            </a:r>
+            <a:r>
+              <a:rPr/>
+              <a:t>Pacífico</a:t>
+            </a:r>
+            <a:r>
+              <a:rPr/>
+              <a:t> </a:t>
+            </a:r>
+            <a:r>
+              <a:rPr/>
+              <a:t>sudeste,</a:t>
+            </a:r>
+            <a:r>
+              <a:rPr/>
+              <a:t> </a:t>
+            </a:r>
+            <a:r>
+              <a:rPr/>
+              <a:t>embebido</a:t>
+            </a:r>
+            <a:r>
+              <a:rPr/>
+              <a:t> </a:t>
+            </a:r>
+            <a:r>
+              <a:rPr/>
+              <a:t>además</a:t>
+            </a:r>
+            <a:r>
+              <a:rPr/>
+              <a:t> </a:t>
+            </a:r>
+            <a:r>
+              <a:rPr/>
+              <a:t>en</a:t>
+            </a:r>
+            <a:r>
+              <a:rPr/>
+              <a:t> </a:t>
+            </a:r>
+            <a:r>
+              <a:rPr/>
+              <a:t>un</a:t>
+            </a:r>
+            <a:r>
+              <a:rPr/>
+              <a:t> </a:t>
+            </a:r>
+            <a:r>
+              <a:rPr/>
+              <a:t>tren</a:t>
+            </a:r>
+            <a:r>
+              <a:rPr/>
+              <a:t> </a:t>
+            </a:r>
+            <a:r>
+              <a:rPr/>
+              <a:t>de</a:t>
+            </a:r>
+            <a:r>
+              <a:rPr/>
+              <a:t> </a:t>
+            </a:r>
+            <a:r>
+              <a:rPr/>
+              <a:t>ondas</a:t>
+            </a:r>
+            <a:r>
+              <a:rPr/>
+              <a:t> </a:t>
+            </a:r>
+            <a:r>
+              <a:rPr/>
+              <a:t>extendido</a:t>
             </a:r>
             <a:r>
               <a:rPr/>
@@ -5368,6 +5623,958 @@
             </a:r>
             <a:r>
               <a:rPr/>
+              <a:t>el</a:t>
+            </a:r>
+            <a:r>
+              <a:rPr/>
+              <a:t> </a:t>
+            </a:r>
+            <a:r>
+              <a:rPr/>
+              <a:t>este</a:t>
+            </a:r>
+            <a:r>
+              <a:rPr/>
+              <a:t> </a:t>
+            </a:r>
+            <a:r>
+              <a:rPr/>
+              <a:t>de</a:t>
+            </a:r>
+            <a:r>
+              <a:rPr/>
+              <a:t> </a:t>
+            </a:r>
+            <a:r>
+              <a:rPr/>
+              <a:t>Nueva</a:t>
+            </a:r>
+            <a:r>
+              <a:rPr/>
+              <a:t> </a:t>
+            </a:r>
+            <a:r>
+              <a:rPr/>
+              <a:t>Zelanda,</a:t>
+            </a:r>
+            <a:r>
+              <a:rPr/>
+              <a:t> </a:t>
+            </a:r>
+            <a:r>
+              <a:rPr/>
+              <a:t>y</a:t>
+            </a:r>
+            <a:r>
+              <a:rPr/>
+              <a:t> </a:t>
+            </a:r>
+            <a:r>
+              <a:rPr/>
+              <a:t>Sudamérica.</a:t>
+            </a:r>
+            <a:r>
+              <a:rPr/>
+              <a:t> </a:t>
+            </a:r>
+            <a:r>
+              <a:rPr/>
+              <a:t>En</a:t>
+            </a:r>
+            <a:r>
+              <a:rPr/>
+              <a:t> </a:t>
+            </a:r>
+            <a:r>
+              <a:rPr/>
+              <a:t>febrero,</a:t>
+            </a:r>
+            <a:r>
+              <a:rPr/>
+              <a:t> </a:t>
+            </a:r>
+            <a:r>
+              <a:rPr/>
+              <a:t>la</a:t>
+            </a:r>
+            <a:r>
+              <a:rPr/>
+              <a:t> </a:t>
+            </a:r>
+            <a:r>
+              <a:rPr/>
+              <a:t>estructura</a:t>
+            </a:r>
+            <a:r>
+              <a:rPr/>
+              <a:t> </a:t>
+            </a:r>
+            <a:r>
+              <a:rPr/>
+              <a:t>se</a:t>
+            </a:r>
+            <a:r>
+              <a:rPr/>
+              <a:t> </a:t>
+            </a:r>
+            <a:r>
+              <a:rPr/>
+              <a:t>mantiene</a:t>
+            </a:r>
+            <a:r>
+              <a:rPr/>
+              <a:t> </a:t>
+            </a:r>
+            <a:r>
+              <a:rPr/>
+              <a:t>similar,</a:t>
+            </a:r>
+            <a:r>
+              <a:rPr/>
+              <a:t> </a:t>
+            </a:r>
+            <a:r>
+              <a:rPr/>
+              <a:t>pero</a:t>
+            </a:r>
+            <a:r>
+              <a:rPr/>
+              <a:t> </a:t>
+            </a:r>
+            <a:r>
+              <a:rPr/>
+              <a:t>con</a:t>
+            </a:r>
+            <a:r>
+              <a:rPr/>
+              <a:t> </a:t>
+            </a:r>
+            <a:r>
+              <a:rPr/>
+              <a:t>menor</a:t>
+            </a:r>
+            <a:r>
+              <a:rPr/>
+              <a:t> </a:t>
+            </a:r>
+            <a:r>
+              <a:rPr/>
+              <a:t>evidencia</a:t>
+            </a:r>
+            <a:r>
+              <a:rPr/>
+              <a:t> </a:t>
+            </a:r>
+            <a:r>
+              <a:rPr/>
+              <a:t>de</a:t>
+            </a:r>
+            <a:r>
+              <a:rPr/>
+              <a:t> </a:t>
+            </a:r>
+            <a:r>
+              <a:rPr/>
+              <a:t>propagación</a:t>
+            </a:r>
+            <a:r>
+              <a:rPr/>
+              <a:t> </a:t>
+            </a:r>
+            <a:r>
+              <a:rPr/>
+              <a:t>meridional,</a:t>
+            </a:r>
+            <a:r>
+              <a:rPr/>
+              <a:t> </a:t>
+            </a:r>
+            <a:r>
+              <a:rPr/>
+              <a:t>y</a:t>
+            </a:r>
+            <a:r>
+              <a:rPr/>
+              <a:t> </a:t>
+            </a:r>
+            <a:r>
+              <a:rPr/>
+              <a:t>el</a:t>
+            </a:r>
+            <a:r>
+              <a:rPr/>
+              <a:t> </a:t>
+            </a:r>
+            <a:r>
+              <a:rPr/>
+              <a:t>centro</a:t>
+            </a:r>
+            <a:r>
+              <a:rPr/>
+              <a:t> </a:t>
+            </a:r>
+            <a:r>
+              <a:rPr/>
+              <a:t>anticiclónico</a:t>
+            </a:r>
+            <a:r>
+              <a:rPr/>
+              <a:t> </a:t>
+            </a:r>
+            <a:r>
+              <a:rPr/>
+              <a:t>en</a:t>
+            </a:r>
+            <a:r>
+              <a:rPr/>
+              <a:t> </a:t>
+            </a:r>
+            <a:r>
+              <a:rPr/>
+              <a:t>Sudamérica</a:t>
+            </a:r>
+            <a:r>
+              <a:rPr/>
+              <a:t> </a:t>
+            </a:r>
+            <a:r>
+              <a:rPr/>
+              <a:t>intensificado</a:t>
+            </a:r>
+            <a:r>
+              <a:rPr/>
+              <a:t> </a:t>
+            </a:r>
+            <a:r>
+              <a:rPr/>
+              <a:t>y</a:t>
+            </a:r>
+            <a:r>
+              <a:rPr/>
+              <a:t> </a:t>
+            </a:r>
+            <a:r>
+              <a:rPr/>
+              <a:t>un</a:t>
+            </a:r>
+            <a:r>
+              <a:rPr/>
+              <a:t> </a:t>
+            </a:r>
+            <a:r>
+              <a:rPr/>
+              <a:t>debilitamiento</a:t>
+            </a:r>
+            <a:r>
+              <a:rPr/>
+              <a:t> </a:t>
+            </a:r>
+            <a:r>
+              <a:rPr/>
+              <a:t>de</a:t>
+            </a:r>
+            <a:r>
+              <a:rPr/>
+              <a:t> </a:t>
+            </a:r>
+            <a:r>
+              <a:rPr/>
+              <a:t>aquel</a:t>
+            </a:r>
+            <a:r>
+              <a:rPr/>
+              <a:t> </a:t>
+            </a:r>
+            <a:r>
+              <a:rPr/>
+              <a:t>ubicado</a:t>
+            </a:r>
+            <a:r>
+              <a:rPr/>
+              <a:t> </a:t>
+            </a:r>
+            <a:r>
+              <a:rPr/>
+              <a:t>al</a:t>
+            </a:r>
+            <a:r>
+              <a:rPr/>
+              <a:t> </a:t>
+            </a:r>
+            <a:r>
+              <a:rPr/>
+              <a:t>sur</a:t>
+            </a:r>
+            <a:r>
+              <a:rPr/>
+              <a:t> </a:t>
+            </a:r>
+            <a:r>
+              <a:rPr/>
+              <a:t>del</a:t>
+            </a:r>
+            <a:r>
+              <a:rPr/>
+              <a:t> </a:t>
+            </a:r>
+            <a:r>
+              <a:rPr/>
+              <a:t>Índico.</a:t>
+            </a:r>
+            <a:r>
+              <a:rPr/>
+              <a:t> </a:t>
+            </a:r>
+            <a:r>
+              <a:rPr/>
+              <a:t>En</a:t>
+            </a:r>
+            <a:r>
+              <a:rPr/>
+              <a:t> </a:t>
+            </a:r>
+            <a:r>
+              <a:rPr/>
+              <a:t>marzo,</a:t>
+            </a:r>
+            <a:r>
+              <a:rPr/>
+              <a:t> </a:t>
+            </a:r>
+            <a:r>
+              <a:rPr/>
+              <a:t>la</a:t>
+            </a:r>
+            <a:r>
+              <a:rPr/>
+              <a:t> </a:t>
+            </a:r>
+            <a:r>
+              <a:rPr/>
+              <a:t>estructura</a:t>
+            </a:r>
+            <a:r>
+              <a:rPr/>
+              <a:t> </a:t>
+            </a:r>
+            <a:r>
+              <a:rPr/>
+              <a:t>de</a:t>
+            </a:r>
+            <a:r>
+              <a:rPr/>
+              <a:t> </a:t>
+            </a:r>
+            <a:r>
+              <a:rPr/>
+              <a:t>onda</a:t>
+            </a:r>
+            <a:r>
+              <a:rPr/>
+              <a:t> </a:t>
+            </a:r>
+            <a:r>
+              <a:rPr/>
+              <a:t>3</a:t>
+            </a:r>
+            <a:r>
+              <a:rPr/>
+              <a:t> </a:t>
+            </a:r>
+            <a:r>
+              <a:rPr/>
+              <a:t>exhibe</a:t>
+            </a:r>
+            <a:r>
+              <a:rPr/>
+              <a:t> </a:t>
+            </a:r>
+            <a:r>
+              <a:rPr/>
+              <a:t>mínima</a:t>
+            </a:r>
+            <a:r>
+              <a:rPr/>
+              <a:t> </a:t>
+            </a:r>
+            <a:r>
+              <a:rPr/>
+              <a:t>variación</a:t>
+            </a:r>
+            <a:r>
+              <a:rPr/>
+              <a:t> </a:t>
+            </a:r>
+            <a:r>
+              <a:rPr/>
+              <a:t>meridional</a:t>
+            </a:r>
+            <a:r>
+              <a:rPr/>
+              <a:t> </a:t>
+            </a:r>
+            <a:r>
+              <a:rPr/>
+              <a:t>y</a:t>
+            </a:r>
+            <a:r>
+              <a:rPr/>
+              <a:t> </a:t>
+            </a:r>
+            <a:r>
+              <a:rPr/>
+              <a:t>ocupa</a:t>
+            </a:r>
+            <a:r>
+              <a:rPr/>
+              <a:t> </a:t>
+            </a:r>
+            <a:r>
+              <a:rPr/>
+              <a:t>todo</a:t>
+            </a:r>
+            <a:r>
+              <a:rPr/>
+              <a:t> </a:t>
+            </a:r>
+            <a:r>
+              <a:rPr/>
+              <a:t>el</a:t>
+            </a:r>
+            <a:r>
+              <a:rPr/>
+              <a:t> </a:t>
+            </a:r>
+            <a:r>
+              <a:rPr/>
+              <a:t>círculo</a:t>
+            </a:r>
+            <a:r>
+              <a:rPr/>
+              <a:t> </a:t>
+            </a:r>
+            <a:r>
+              <a:rPr/>
+              <a:t>de</a:t>
+            </a:r>
+            <a:r>
+              <a:rPr/>
+              <a:t> </a:t>
+            </a:r>
+            <a:r>
+              <a:rPr/>
+              <a:t>latitud</a:t>
+            </a:r>
+            <a:r>
+              <a:rPr/>
+              <a:t> </a:t>
+            </a:r>
+            <a:r>
+              <a:rPr/>
+              <a:t>entre</a:t>
+            </a:r>
+            <a:r>
+              <a:rPr/>
+              <a:t> </a:t>
+            </a:r>
+            <a:r>
+              <a:rPr/>
+              <a:t>60°S</a:t>
+            </a:r>
+            <a:r>
+              <a:rPr/>
+              <a:t> </a:t>
+            </a:r>
+            <a:r>
+              <a:rPr/>
+              <a:t>y</a:t>
+            </a:r>
+            <a:r>
+              <a:rPr/>
+              <a:t> </a:t>
+            </a:r>
+            <a:r>
+              <a:rPr/>
+              <a:t>45°S.</a:t>
+            </a:r>
+            <a:r>
+              <a:rPr/>
+              <a:t> </a:t>
+            </a:r>
+            <a:r>
+              <a:rPr/>
+              <a:t>Abril</a:t>
+            </a:r>
+            <a:r>
+              <a:rPr/>
+              <a:t> </a:t>
+            </a:r>
+            <a:r>
+              <a:rPr/>
+              <a:t>es</a:t>
+            </a:r>
+            <a:r>
+              <a:rPr/>
+              <a:t> </a:t>
+            </a:r>
+            <a:r>
+              <a:rPr/>
+              <a:t>similar</a:t>
+            </a:r>
+            <a:r>
+              <a:rPr/>
+              <a:t> </a:t>
+            </a:r>
+            <a:r>
+              <a:rPr/>
+              <a:t>a</a:t>
+            </a:r>
+            <a:r>
+              <a:rPr/>
+              <a:t> </a:t>
+            </a:r>
+            <a:r>
+              <a:rPr/>
+              <a:t>marzo,</a:t>
+            </a:r>
+            <a:r>
+              <a:rPr/>
+              <a:t> </a:t>
+            </a:r>
+            <a:r>
+              <a:rPr/>
+              <a:t>pero</a:t>
+            </a:r>
+            <a:r>
+              <a:rPr/>
+              <a:t> </a:t>
+            </a:r>
+            <a:r>
+              <a:rPr/>
+              <a:t>sin</a:t>
+            </a:r>
+            <a:r>
+              <a:rPr/>
+              <a:t> </a:t>
+            </a:r>
+            <a:r>
+              <a:rPr/>
+              <a:t>centros</a:t>
+            </a:r>
+            <a:r>
+              <a:rPr/>
+              <a:t> </a:t>
+            </a:r>
+            <a:r>
+              <a:rPr/>
+              <a:t>ciclónicos</a:t>
+            </a:r>
+            <a:r>
+              <a:rPr/>
+              <a:t> </a:t>
+            </a:r>
+            <a:r>
+              <a:rPr/>
+              <a:t>significativos.</a:t>
+            </a:r>
+            <a:r>
+              <a:rPr/>
+              <a:t> </a:t>
+            </a:r>
+            <a:r>
+              <a:rPr/>
+              <a:t>En</a:t>
+            </a:r>
+            <a:r>
+              <a:rPr/>
+              <a:t> </a:t>
+            </a:r>
+            <a:r>
+              <a:rPr/>
+              <a:t>mayo,</a:t>
+            </a:r>
+            <a:r>
+              <a:rPr/>
+              <a:t> </a:t>
+            </a:r>
+            <a:r>
+              <a:rPr/>
+              <a:t>se</a:t>
+            </a:r>
+            <a:r>
+              <a:rPr/>
+              <a:t> </a:t>
+            </a:r>
+            <a:r>
+              <a:rPr/>
+              <a:t>distingue</a:t>
+            </a:r>
+            <a:r>
+              <a:rPr/>
+              <a:t> </a:t>
+            </a:r>
+            <a:r>
+              <a:rPr/>
+              <a:t>nuevamente</a:t>
+            </a:r>
+            <a:r>
+              <a:rPr/>
+              <a:t> </a:t>
+            </a:r>
+            <a:r>
+              <a:rPr/>
+              <a:t>un</a:t>
+            </a:r>
+            <a:r>
+              <a:rPr/>
+              <a:t> </a:t>
+            </a:r>
+            <a:r>
+              <a:rPr/>
+              <a:t>tren</a:t>
+            </a:r>
+            <a:r>
+              <a:rPr/>
+              <a:t> </a:t>
+            </a:r>
+            <a:r>
+              <a:rPr/>
+              <a:t>de</a:t>
+            </a:r>
+            <a:r>
+              <a:rPr/>
+              <a:t> </a:t>
+            </a:r>
+            <a:r>
+              <a:rPr/>
+              <a:t>ondas</a:t>
+            </a:r>
+            <a:r>
+              <a:rPr/>
+              <a:t> </a:t>
+            </a:r>
+            <a:r>
+              <a:rPr/>
+              <a:t>con</a:t>
+            </a:r>
+            <a:r>
+              <a:rPr/>
+              <a:t> </a:t>
+            </a:r>
+            <a:r>
+              <a:rPr/>
+              <a:t>propagación</a:t>
+            </a:r>
+            <a:r>
+              <a:rPr/>
+              <a:t> </a:t>
+            </a:r>
+            <a:r>
+              <a:rPr/>
+              <a:t>meridional,</a:t>
+            </a:r>
+            <a:r>
+              <a:rPr/>
+              <a:t> </a:t>
+            </a:r>
+            <a:r>
+              <a:rPr/>
+              <a:t>emanando</a:t>
+            </a:r>
+            <a:r>
+              <a:rPr/>
+              <a:t> </a:t>
+            </a:r>
+            <a:r>
+              <a:rPr/>
+              <a:t>desde</a:t>
+            </a:r>
+            <a:r>
+              <a:rPr/>
+              <a:t> </a:t>
+            </a:r>
+            <a:r>
+              <a:rPr/>
+              <a:t>Australia,</a:t>
+            </a:r>
+            <a:r>
+              <a:rPr/>
+              <a:t> </a:t>
+            </a:r>
+            <a:r>
+              <a:rPr/>
+              <a:t>pero</a:t>
+            </a:r>
+            <a:r>
+              <a:rPr/>
+              <a:t> </a:t>
+            </a:r>
+            <a:r>
+              <a:rPr/>
+              <a:t>con</a:t>
+            </a:r>
+            <a:r>
+              <a:rPr/>
+              <a:t> </a:t>
+            </a:r>
+            <a:r>
+              <a:rPr/>
+              <a:t>evidencias</a:t>
+            </a:r>
+            <a:r>
+              <a:rPr/>
+              <a:t> </a:t>
+            </a:r>
+            <a:r>
+              <a:rPr/>
+              <a:t>de</a:t>
+            </a:r>
+            <a:r>
+              <a:rPr/>
+              <a:t> </a:t>
+            </a:r>
+            <a:r>
+              <a:rPr/>
+              <a:t>reflexión</a:t>
+            </a:r>
+            <a:r>
+              <a:rPr/>
+              <a:t> </a:t>
+            </a:r>
+            <a:r>
+              <a:rPr/>
+              <a:t>en</a:t>
+            </a:r>
+            <a:r>
+              <a:rPr/>
+              <a:t> </a:t>
+            </a:r>
+            <a:r>
+              <a:rPr/>
+              <a:t>el</a:t>
+            </a:r>
+            <a:r>
+              <a:rPr/>
+              <a:t> </a:t>
+            </a:r>
+            <a:r>
+              <a:rPr/>
+              <a:t>Mar</a:t>
+            </a:r>
+            <a:r>
+              <a:rPr/>
+              <a:t> </a:t>
+            </a:r>
+            <a:r>
+              <a:rPr/>
+              <a:t>de</a:t>
+            </a:r>
+            <a:r>
+              <a:rPr/>
+              <a:t> </a:t>
+            </a:r>
+            <a:r>
+              <a:rPr/>
+              <a:t>Weddell.</a:t>
+            </a:r>
+            <a:r>
+              <a:rPr/>
+              <a:t> </a:t>
+            </a:r>
+            <a:r>
+              <a:rPr/>
+              <a:t>Junio,</a:t>
+            </a:r>
+            <a:r>
+              <a:rPr/>
+              <a:t> </a:t>
+            </a:r>
+            <a:r>
+              <a:rPr/>
+              <a:t>al</a:t>
+            </a:r>
+            <a:r>
+              <a:rPr/>
+              <a:t> </a:t>
+            </a:r>
+            <a:r>
+              <a:rPr/>
+              <a:t>igual</a:t>
+            </a:r>
+            <a:r>
+              <a:rPr/>
+              <a:t> </a:t>
+            </a:r>
+            <a:r>
+              <a:rPr/>
+              <a:t>que</a:t>
+            </a:r>
+            <a:r>
+              <a:rPr/>
+              <a:t> </a:t>
+            </a:r>
+            <a:r>
+              <a:rPr/>
+              <a:t>marzo,</a:t>
+            </a:r>
+            <a:r>
+              <a:rPr/>
+              <a:t> </a:t>
+            </a:r>
+            <a:r>
+              <a:rPr/>
+              <a:t>presenta</a:t>
+            </a:r>
+            <a:r>
+              <a:rPr/>
+              <a:t> </a:t>
+            </a:r>
+            <a:r>
+              <a:rPr/>
+              <a:t>una</a:t>
+            </a:r>
+            <a:r>
+              <a:rPr/>
+              <a:t> </a:t>
+            </a:r>
+            <a:r>
+              <a:rPr/>
+              <a:t>estructura</a:t>
+            </a:r>
+            <a:r>
+              <a:rPr/>
+              <a:t> </a:t>
+            </a:r>
+            <a:r>
+              <a:rPr/>
+              <a:t>de</a:t>
+            </a:r>
+            <a:r>
+              <a:rPr/>
+              <a:t> </a:t>
+            </a:r>
+            <a:r>
+              <a:rPr/>
+              <a:t>QS3</a:t>
+            </a:r>
+            <a:r>
+              <a:rPr/>
+              <a:t> </a:t>
+            </a:r>
+            <a:r>
+              <a:rPr/>
+              <a:t>zonal,</a:t>
+            </a:r>
+            <a:r>
+              <a:rPr/>
+              <a:t> </a:t>
+            </a:r>
+            <a:r>
+              <a:rPr/>
+              <a:t>pero</a:t>
+            </a:r>
+            <a:r>
+              <a:rPr/>
+              <a:t> </a:t>
+            </a:r>
+            <a:r>
+              <a:rPr/>
+              <a:t>menos</a:t>
+            </a:r>
+            <a:r>
+              <a:rPr/>
+              <a:t> </a:t>
+            </a:r>
+            <a:r>
+              <a:rPr/>
+              <a:t>definida</a:t>
+            </a:r>
+            <a:r>
+              <a:rPr/>
+              <a:t> </a:t>
+            </a:r>
+            <a:r>
+              <a:rPr/>
+              <a:t>y,</a:t>
+            </a:r>
+            <a:r>
+              <a:rPr/>
+              <a:t> </a:t>
+            </a:r>
+            <a:r>
+              <a:rPr/>
+              <a:t>consistente</a:t>
+            </a:r>
+            <a:r>
+              <a:rPr/>
+              <a:t> </a:t>
+            </a:r>
+            <a:r>
+              <a:rPr/>
+              <a:t>con</a:t>
+            </a:r>
+            <a:r>
+              <a:rPr/>
+              <a:t> </a:t>
+            </a:r>
+            <a:r>
+              <a:rPr/>
+              <a:t>el</a:t>
+            </a:r>
+            <a:r>
+              <a:rPr/>
+              <a:t> </a:t>
+            </a:r>
+            <a:r>
+              <a:rPr/>
+              <a:t>corrimiento</a:t>
+            </a:r>
+            <a:r>
+              <a:rPr/>
+              <a:t> </a:t>
+            </a:r>
+            <a:r>
+              <a:rPr/>
+              <a:t>de</a:t>
+            </a:r>
+            <a:r>
+              <a:rPr/>
+              <a:t> </a:t>
+            </a:r>
+            <a:r>
+              <a:rPr/>
+              <a:t>la</a:t>
+            </a:r>
+            <a:r>
+              <a:rPr/>
+              <a:t> </a:t>
+            </a:r>
+            <a:r>
+              <a:rPr/>
+              <a:t>fase</a:t>
+            </a:r>
+            <a:r>
+              <a:rPr/>
+              <a:t> </a:t>
+            </a:r>
+            <a:r>
+              <a:rPr/>
+              <a:t>observado,</a:t>
+            </a:r>
+            <a:r>
+              <a:rPr/>
+              <a:t> </a:t>
+            </a:r>
+            <a:r>
+              <a:rPr/>
+              <a:t>con</a:t>
+            </a:r>
+            <a:r>
+              <a:rPr/>
+              <a:t> </a:t>
+            </a:r>
+            <a:r>
+              <a:rPr/>
               <a:t>los</a:t>
             </a:r>
             <a:r>
@@ -5376,111 +6583,15 @@
             </a:r>
             <a:r>
               <a:rPr/>
-              <a:t>campos.</a:t>
-            </a:r>
-            <a:r>
-              <a:rPr/>
-              <a:t> </a:t>
-            </a:r>
-            <a:r>
-              <a:rPr/>
-              <a:t>Esto</a:t>
-            </a:r>
-            <a:r>
-              <a:rPr/>
-              <a:t> </a:t>
-            </a:r>
-            <a:r>
-              <a:rPr/>
-              <a:t>se</a:t>
-            </a:r>
-            <a:r>
-              <a:rPr/>
-              <a:t> </a:t>
-            </a:r>
-            <a:r>
-              <a:rPr/>
-              <a:t>debe</a:t>
-            </a:r>
-            <a:r>
-              <a:rPr/>
-              <a:t> </a:t>
-            </a:r>
-            <a:r>
-              <a:rPr/>
-              <a:t>principalmente</a:t>
-            </a:r>
-            <a:r>
-              <a:rPr/>
-              <a:t> </a:t>
-            </a:r>
-            <a:r>
-              <a:rPr/>
-              <a:t>a</a:t>
-            </a:r>
-            <a:r>
-              <a:rPr/>
-              <a:t> </a:t>
-            </a:r>
-            <a:r>
-              <a:rPr/>
-              <a:t>que</a:t>
-            </a:r>
-            <a:r>
-              <a:rPr/>
-              <a:t> </a:t>
-            </a:r>
-            <a:r>
-              <a:rPr/>
-              <a:t>no</a:t>
-            </a:r>
-            <a:r>
-              <a:rPr/>
-              <a:t> </a:t>
-            </a:r>
-            <a:r>
-              <a:rPr/>
-              <a:t>se</a:t>
-            </a:r>
-            <a:r>
-              <a:rPr/>
-              <a:t> </a:t>
-            </a:r>
-            <a:r>
-              <a:rPr/>
-              <a:t>está</a:t>
-            </a:r>
-            <a:r>
-              <a:rPr/>
-              <a:t> </a:t>
-            </a:r>
-            <a:r>
-              <a:rPr/>
-              <a:t>filtrando</a:t>
-            </a:r>
-            <a:r>
-              <a:rPr/>
-              <a:t> </a:t>
-            </a:r>
-            <a:r>
-              <a:rPr/>
-              <a:t>las</a:t>
-            </a:r>
-            <a:r>
-              <a:rPr/>
-              <a:t> </a:t>
-            </a:r>
-            <a:r>
-              <a:rPr/>
-              <a:t>ondas</a:t>
-            </a:r>
-            <a:r>
-              <a:rPr/>
-              <a:t> </a:t>
-            </a:r>
-            <a:r>
-              <a:rPr/>
-              <a:t>1</a:t>
+              <a:t>centros</a:t>
+            </a:r>
+            <a:r>
+              <a:rPr/>
+              <a:t> </a:t>
+            </a:r>
+            <a:r>
+              <a:rPr/>
+              <a:t>ciclónicos</a:t>
             </a:r>
             <a:r>
               <a:rPr/>
@@ -5496,7 +6607,39 @@
             </a:r>
             <a:r>
               <a:rPr/>
-              <a:t>2.</a:t>
+              <a:t>anticiclónicos</a:t>
+            </a:r>
+            <a:r>
+              <a:rPr/>
+              <a:t> </a:t>
+            </a:r>
+            <a:r>
+              <a:rPr/>
+              <a:t>desplazados</a:t>
+            </a:r>
+            <a:r>
+              <a:rPr/>
+              <a:t> </a:t>
+            </a:r>
+            <a:r>
+              <a:rPr/>
+              <a:t>hacia</a:t>
+            </a:r>
+            <a:r>
+              <a:rPr/>
+              <a:t> </a:t>
+            </a:r>
+            <a:r>
+              <a:rPr/>
+              <a:t>el</a:t>
+            </a:r>
+            <a:r>
+              <a:rPr/>
+              <a:t> </a:t>
+            </a:r>
+            <a:r>
+              <a:rPr/>
+              <a:t>oeste.</a:t>
             </a:r>
           </a:p>
         </p:txBody>
@@ -5518,7 +6661,7 @@
           <a:p>
             <a:fld id="{18BDFEC3-8487-43E8-A154-7C12CBC1FFF2}" type="slidenum">
               <a:rPr lang="en-US"/>
-              <a:t>10</a:t>
+              <a:t>7</a:t>
             </a:fld>
             <a:endParaRPr lang="en-US"/>
           </a:p>
@@ -5578,429 +6721,15 @@
             </a:pPr>
             <a:r>
               <a:rPr/>
-              <a:t>All</a:t>
-            </a:r>
-            <a:r>
-              <a:rPr/>
-              <a:t> </a:t>
-            </a:r>
-            <a:r>
-              <a:rPr/>
-              <a:t>months</a:t>
-            </a:r>
-            <a:r>
-              <a:rPr/>
-              <a:t> </a:t>
-            </a:r>
-            <a:r>
-              <a:rPr/>
-              <a:t>show</a:t>
-            </a:r>
-            <a:r>
-              <a:rPr/>
-              <a:t> </a:t>
-            </a:r>
-            <a:r>
-              <a:rPr/>
-              <a:t>evidence</a:t>
-            </a:r>
-            <a:r>
-              <a:rPr/>
-              <a:t> </a:t>
-            </a:r>
-            <a:r>
-              <a:rPr/>
-              <a:t>of</a:t>
-            </a:r>
-            <a:r>
-              <a:rPr/>
-              <a:t> </a:t>
-            </a:r>
-            <a:r>
-              <a:rPr/>
-              <a:t>planetary</a:t>
-            </a:r>
-            <a:r>
-              <a:rPr/>
-              <a:t> </a:t>
-            </a:r>
-            <a:r>
-              <a:rPr/>
-              <a:t>wave</a:t>
-            </a:r>
-            <a:r>
-              <a:rPr/>
-              <a:t> </a:t>
-            </a:r>
-            <a:r>
-              <a:rPr/>
-              <a:t>3</a:t>
-            </a:r>
-            <a:r>
-              <a:rPr/>
-              <a:t> </a:t>
-            </a:r>
-            <a:r>
-              <a:rPr/>
-              <a:t>activity,</a:t>
-            </a:r>
-            <a:r>
-              <a:rPr/>
-              <a:t> </a:t>
-            </a:r>
-            <a:r>
-              <a:rPr/>
-              <a:t>but</a:t>
-            </a:r>
-            <a:r>
-              <a:rPr/>
-              <a:t> </a:t>
-            </a:r>
-            <a:r>
-              <a:rPr/>
-              <a:t>with</a:t>
-            </a:r>
-            <a:r>
-              <a:rPr/>
-              <a:t> </a:t>
-            </a:r>
-            <a:r>
-              <a:rPr/>
-              <a:t>considerable</a:t>
-            </a:r>
-            <a:r>
-              <a:rPr/>
-              <a:t> </a:t>
-            </a:r>
-            <a:r>
-              <a:rPr/>
-              <a:t>heterogeneity</a:t>
-            </a:r>
-            <a:r>
-              <a:rPr/>
-              <a:t> </a:t>
-            </a:r>
-            <a:r>
-              <a:rPr/>
-              <a:t>in</a:t>
-            </a:r>
-            <a:r>
-              <a:rPr/>
-              <a:t> </a:t>
-            </a:r>
-            <a:r>
-              <a:rPr/>
-              <a:t>its</a:t>
-            </a:r>
-            <a:r>
-              <a:rPr/>
-              <a:t> </a:t>
-            </a:r>
-            <a:r>
-              <a:rPr/>
-              <a:t>characteristics.</a:t>
-            </a:r>
-            <a:r>
-              <a:rPr/>
-              <a:t> </a:t>
-            </a:r>
-            <a:r>
-              <a:rPr/>
-              <a:t>In</a:t>
-            </a:r>
-            <a:r>
-              <a:rPr/>
-              <a:t> </a:t>
-            </a:r>
-            <a:r>
-              <a:rPr/>
-              <a:t>January,</a:t>
-            </a:r>
-            <a:r>
-              <a:rPr/>
-              <a:t> </a:t>
-            </a:r>
-            <a:r>
-              <a:rPr/>
-              <a:t>September</a:t>
-            </a:r>
-            <a:r>
-              <a:rPr/>
-              <a:t> </a:t>
-            </a:r>
-            <a:r>
-              <a:rPr/>
-              <a:t>and</a:t>
-            </a:r>
-            <a:r>
-              <a:rPr/>
-              <a:t> </a:t>
-            </a:r>
-            <a:r>
-              <a:rPr/>
-              <a:t>December,</a:t>
-            </a:r>
-            <a:r>
-              <a:rPr/>
-              <a:t> </a:t>
-            </a:r>
-            <a:r>
-              <a:rPr/>
-              <a:t>zonal</a:t>
-            </a:r>
-            <a:r>
-              <a:rPr/>
-              <a:t> </a:t>
-            </a:r>
-            <a:r>
-              <a:rPr/>
-              <a:t>wave</a:t>
-            </a:r>
-            <a:r>
-              <a:rPr/>
-              <a:t> </a:t>
-            </a:r>
-            <a:r>
-              <a:rPr/>
-              <a:t>3</a:t>
-            </a:r>
-            <a:r>
-              <a:rPr/>
-              <a:t> </a:t>
-            </a:r>
-            <a:r>
-              <a:rPr/>
-              <a:t>is</a:t>
-            </a:r>
-            <a:r>
-              <a:rPr/>
-              <a:t> </a:t>
-            </a:r>
-            <a:r>
-              <a:rPr/>
-              <a:t>related</a:t>
-            </a:r>
-            <a:r>
-              <a:rPr/>
-              <a:t> </a:t>
-            </a:r>
-            <a:r>
-              <a:rPr/>
-              <a:t>to</a:t>
-            </a:r>
-            <a:r>
-              <a:rPr/>
-              <a:t> </a:t>
-            </a:r>
-            <a:r>
-              <a:rPr/>
-              <a:t>a</a:t>
-            </a:r>
-            <a:r>
-              <a:rPr/>
-              <a:t> </a:t>
-            </a:r>
-            <a:r>
-              <a:rPr/>
-              <a:t>wave</a:t>
-            </a:r>
-            <a:r>
-              <a:rPr/>
-              <a:t> </a:t>
-            </a:r>
-            <a:r>
-              <a:rPr/>
-              <a:t>train</a:t>
-            </a:r>
-            <a:r>
-              <a:rPr/>
-              <a:t> </a:t>
-            </a:r>
-            <a:r>
-              <a:rPr/>
-              <a:t>emanating</a:t>
-            </a:r>
-            <a:r>
-              <a:rPr/>
-              <a:t> </a:t>
-            </a:r>
-            <a:r>
-              <a:rPr/>
-              <a:t>from</a:t>
-            </a:r>
-            <a:r>
-              <a:rPr/>
-              <a:t> </a:t>
-            </a:r>
-            <a:r>
-              <a:rPr/>
-              <a:t>the</a:t>
-            </a:r>
-            <a:r>
-              <a:rPr/>
-              <a:t> </a:t>
-            </a:r>
-            <a:r>
-              <a:rPr/>
-              <a:t>tropical</a:t>
-            </a:r>
-            <a:r>
-              <a:rPr/>
-              <a:t> </a:t>
-            </a:r>
-            <a:r>
-              <a:rPr/>
-              <a:t>western</a:t>
-            </a:r>
-            <a:r>
-              <a:rPr/>
-              <a:t> </a:t>
-            </a:r>
-            <a:r>
-              <a:rPr/>
-              <a:t>Pacific</a:t>
-            </a:r>
-            <a:r>
-              <a:rPr/>
-              <a:t> </a:t>
-            </a:r>
-            <a:r>
-              <a:rPr/>
-              <a:t>propagating</a:t>
-            </a:r>
-            <a:r>
-              <a:rPr/>
-              <a:t> </a:t>
-            </a:r>
-            <a:r>
-              <a:rPr/>
-              <a:t>to</a:t>
-            </a:r>
-            <a:r>
-              <a:rPr/>
-              <a:t> </a:t>
-            </a:r>
-            <a:r>
-              <a:rPr/>
-              <a:t>the</a:t>
-            </a:r>
-            <a:r>
-              <a:rPr/>
-              <a:t> </a:t>
-            </a:r>
-            <a:r>
-              <a:rPr/>
-              <a:t>southeast</a:t>
-            </a:r>
-            <a:r>
-              <a:rPr/>
-              <a:t> </a:t>
-            </a:r>
-            <a:r>
-              <a:rPr/>
-              <a:t>and</a:t>
-            </a:r>
-            <a:r>
-              <a:rPr/>
-              <a:t> </a:t>
-            </a:r>
-            <a:r>
-              <a:rPr/>
-              <a:t>then</a:t>
-            </a:r>
-            <a:r>
-              <a:rPr/>
-              <a:t> </a:t>
-            </a:r>
-            <a:r>
-              <a:rPr/>
-              <a:t>turning</a:t>
-            </a:r>
-            <a:r>
-              <a:rPr/>
-              <a:t> </a:t>
-            </a:r>
-            <a:r>
-              <a:rPr/>
-              <a:t>to</a:t>
-            </a:r>
-            <a:r>
-              <a:rPr/>
-              <a:t> </a:t>
-            </a:r>
-            <a:r>
-              <a:rPr/>
-              <a:t>the</a:t>
-            </a:r>
-            <a:r>
-              <a:rPr/>
-              <a:t> </a:t>
-            </a:r>
-            <a:r>
-              <a:rPr/>
-              <a:t>northeast.</a:t>
-            </a:r>
-          </a:p>
-          <a:p>
-            <a:pPr lvl="0" marL="0" indent="0">
-              <a:buNone/>
-            </a:pPr>
-          </a:p>
-          <a:p>
-            <a:pPr lvl="0" marL="0" indent="0">
-              <a:buNone/>
-            </a:pPr>
-            <a:r>
-              <a:rPr/>
-              <a:t>En</a:t>
-            </a:r>
-            <a:r>
-              <a:rPr/>
-              <a:t> </a:t>
-            </a:r>
-            <a:r>
-              <a:rPr/>
-              <a:t>enero,</a:t>
-            </a:r>
-            <a:r>
-              <a:rPr/>
-              <a:t> </a:t>
-            </a:r>
-            <a:r>
-              <a:rPr/>
-              <a:t>se</a:t>
-            </a:r>
-            <a:r>
-              <a:rPr/>
-              <a:t> </a:t>
-            </a:r>
-            <a:r>
-              <a:rPr/>
-              <a:t>observa</a:t>
-            </a:r>
-            <a:r>
-              <a:rPr/>
-              <a:t> </a:t>
-            </a:r>
-            <a:r>
-              <a:rPr/>
-              <a:t>un</a:t>
-            </a:r>
-            <a:r>
-              <a:rPr/>
-              <a:t> </a:t>
-            </a:r>
-            <a:r>
-              <a:rPr/>
-              <a:t>patrón</a:t>
-            </a:r>
-            <a:r>
-              <a:rPr/>
-              <a:t> </a:t>
-            </a:r>
-            <a:r>
-              <a:rPr/>
-              <a:t>hemisférico</a:t>
+              <a:t>Un</a:t>
+            </a:r>
+            <a:r>
+              <a:rPr/>
+              <a:t> </a:t>
+            </a:r>
+            <a:r>
+              <a:rPr/>
+              <a:t>análisis</a:t>
             </a:r>
             <a:r>
               <a:rPr/>
@@ -6016,135 +6745,31 @@
             </a:r>
             <a:r>
               <a:rPr/>
-              <a:t>onda</a:t>
-            </a:r>
-            <a:r>
-              <a:rPr/>
-              <a:t> </a:t>
-            </a:r>
-            <a:r>
-              <a:rPr/>
-              <a:t>3,</a:t>
-            </a:r>
-            <a:r>
-              <a:rPr/>
-              <a:t> </a:t>
-            </a:r>
-            <a:r>
-              <a:rPr/>
-              <a:t>con</a:t>
-            </a:r>
-            <a:r>
-              <a:rPr/>
-              <a:t> </a:t>
-            </a:r>
-            <a:r>
-              <a:rPr/>
-              <a:t>un</a:t>
-            </a:r>
-            <a:r>
-              <a:rPr/>
-              <a:t> </a:t>
-            </a:r>
-            <a:r>
-              <a:rPr/>
-              <a:t>centro</a:t>
-            </a:r>
-            <a:r>
-              <a:rPr/>
-              <a:t> </a:t>
-            </a:r>
-            <a:r>
-              <a:rPr/>
-              <a:t>anómalamente</a:t>
-            </a:r>
-            <a:r>
-              <a:rPr/>
-              <a:t> </a:t>
-            </a:r>
-            <a:r>
-              <a:rPr/>
-              <a:t>negativo</a:t>
-            </a:r>
-            <a:r>
-              <a:rPr/>
-              <a:t> </a:t>
-            </a:r>
-            <a:r>
-              <a:rPr/>
-              <a:t>importante</a:t>
-            </a:r>
-            <a:r>
-              <a:rPr/>
-              <a:t> </a:t>
-            </a:r>
-            <a:r>
-              <a:rPr/>
-              <a:t>en</a:t>
-            </a:r>
-            <a:r>
-              <a:rPr/>
-              <a:t> </a:t>
-            </a:r>
-            <a:r>
-              <a:rPr/>
-              <a:t>el</a:t>
-            </a:r>
-            <a:r>
-              <a:rPr/>
-              <a:t> </a:t>
-            </a:r>
-            <a:r>
-              <a:rPr/>
-              <a:t>Pacífico</a:t>
-            </a:r>
-            <a:r>
-              <a:rPr/>
-              <a:t> </a:t>
-            </a:r>
-            <a:r>
-              <a:rPr/>
-              <a:t>sudeste,</a:t>
-            </a:r>
-            <a:r>
-              <a:rPr/>
-              <a:t> </a:t>
-            </a:r>
-            <a:r>
-              <a:rPr/>
-              <a:t>embebido</a:t>
-            </a:r>
-            <a:r>
-              <a:rPr/>
-              <a:t> </a:t>
-            </a:r>
-            <a:r>
-              <a:rPr/>
-              <a:t>además</a:t>
-            </a:r>
-            <a:r>
-              <a:rPr/>
-              <a:t> </a:t>
-            </a:r>
-            <a:r>
-              <a:rPr/>
-              <a:t>en</a:t>
-            </a:r>
-            <a:r>
-              <a:rPr/>
-              <a:t> </a:t>
-            </a:r>
-            <a:r>
-              <a:rPr/>
-              <a:t>un</a:t>
-            </a:r>
-            <a:r>
-              <a:rPr/>
-              <a:t> </a:t>
-            </a:r>
-            <a:r>
-              <a:rPr/>
-              <a:t>tren</a:t>
+              <a:t>wavelets</a:t>
+            </a:r>
+            <a:r>
+              <a:rPr/>
+              <a:t> </a:t>
+            </a:r>
+            <a:r>
+              <a:rPr/>
+              <a:t>no</a:t>
+            </a:r>
+            <a:r>
+              <a:rPr/>
+              <a:t> </a:t>
+            </a:r>
+            <a:r>
+              <a:rPr/>
+              <a:t>muestra</a:t>
+            </a:r>
+            <a:r>
+              <a:rPr/>
+              <a:t> </a:t>
+            </a:r>
+            <a:r>
+              <a:rPr/>
+              <a:t>evidencia</a:t>
             </a:r>
             <a:r>
               <a:rPr/>
@@ -6160,1059 +6785,7 @@
             </a:r>
             <a:r>
               <a:rPr/>
-              <a:t>ondas</a:t>
-            </a:r>
-            <a:r>
-              <a:rPr/>
-              <a:t> </a:t>
-            </a:r>
-            <a:r>
-              <a:rPr/>
-              <a:t>extendido</a:t>
-            </a:r>
-            <a:r>
-              <a:rPr/>
-              <a:t> </a:t>
-            </a:r>
-            <a:r>
-              <a:rPr/>
-              <a:t>entre</a:t>
-            </a:r>
-            <a:r>
-              <a:rPr/>
-              <a:t> </a:t>
-            </a:r>
-            <a:r>
-              <a:rPr/>
-              <a:t>el</a:t>
-            </a:r>
-            <a:r>
-              <a:rPr/>
-              <a:t> </a:t>
-            </a:r>
-            <a:r>
-              <a:rPr/>
-              <a:t>este</a:t>
-            </a:r>
-            <a:r>
-              <a:rPr/>
-              <a:t> </a:t>
-            </a:r>
-            <a:r>
-              <a:rPr/>
-              <a:t>de</a:t>
-            </a:r>
-            <a:r>
-              <a:rPr/>
-              <a:t> </a:t>
-            </a:r>
-            <a:r>
-              <a:rPr/>
-              <a:t>Nueva</a:t>
-            </a:r>
-            <a:r>
-              <a:rPr/>
-              <a:t> </a:t>
-            </a:r>
-            <a:r>
-              <a:rPr/>
-              <a:t>Zelanda,</a:t>
-            </a:r>
-            <a:r>
-              <a:rPr/>
-              <a:t> </a:t>
-            </a:r>
-            <a:r>
-              <a:rPr/>
-              <a:t>y</a:t>
-            </a:r>
-            <a:r>
-              <a:rPr/>
-              <a:t> </a:t>
-            </a:r>
-            <a:r>
-              <a:rPr/>
-              <a:t>Sudamérica.</a:t>
-            </a:r>
-            <a:r>
-              <a:rPr/>
-              <a:t> </a:t>
-            </a:r>
-            <a:r>
-              <a:rPr/>
-              <a:t>En</a:t>
-            </a:r>
-            <a:r>
-              <a:rPr/>
-              <a:t> </a:t>
-            </a:r>
-            <a:r>
-              <a:rPr/>
-              <a:t>febrero,</a:t>
-            </a:r>
-            <a:r>
-              <a:rPr/>
-              <a:t> </a:t>
-            </a:r>
-            <a:r>
-              <a:rPr/>
-              <a:t>la</a:t>
-            </a:r>
-            <a:r>
-              <a:rPr/>
-              <a:t> </a:t>
-            </a:r>
-            <a:r>
-              <a:rPr/>
-              <a:t>estructura</a:t>
-            </a:r>
-            <a:r>
-              <a:rPr/>
-              <a:t> </a:t>
-            </a:r>
-            <a:r>
-              <a:rPr/>
-              <a:t>se</a:t>
-            </a:r>
-            <a:r>
-              <a:rPr/>
-              <a:t> </a:t>
-            </a:r>
-            <a:r>
-              <a:rPr/>
-              <a:t>mantiene</a:t>
-            </a:r>
-            <a:r>
-              <a:rPr/>
-              <a:t> </a:t>
-            </a:r>
-            <a:r>
-              <a:rPr/>
-              <a:t>similar,</a:t>
-            </a:r>
-            <a:r>
-              <a:rPr/>
-              <a:t> </a:t>
-            </a:r>
-            <a:r>
-              <a:rPr/>
-              <a:t>pero</a:t>
-            </a:r>
-            <a:r>
-              <a:rPr/>
-              <a:t> </a:t>
-            </a:r>
-            <a:r>
-              <a:rPr/>
-              <a:t>con</a:t>
-            </a:r>
-            <a:r>
-              <a:rPr/>
-              <a:t> </a:t>
-            </a:r>
-            <a:r>
-              <a:rPr/>
-              <a:t>menor</a:t>
-            </a:r>
-            <a:r>
-              <a:rPr/>
-              <a:t> </a:t>
-            </a:r>
-            <a:r>
-              <a:rPr/>
-              <a:t>evidencia</a:t>
-            </a:r>
-            <a:r>
-              <a:rPr/>
-              <a:t> </a:t>
-            </a:r>
-            <a:r>
-              <a:rPr/>
-              <a:t>de</a:t>
-            </a:r>
-            <a:r>
-              <a:rPr/>
-              <a:t> </a:t>
-            </a:r>
-            <a:r>
-              <a:rPr/>
-              <a:t>propagación</a:t>
-            </a:r>
-            <a:r>
-              <a:rPr/>
-              <a:t> </a:t>
-            </a:r>
-            <a:r>
-              <a:rPr/>
-              <a:t>meridional,</a:t>
-            </a:r>
-            <a:r>
-              <a:rPr/>
-              <a:t> </a:t>
-            </a:r>
-            <a:r>
-              <a:rPr/>
-              <a:t>y</a:t>
-            </a:r>
-            <a:r>
-              <a:rPr/>
-              <a:t> </a:t>
-            </a:r>
-            <a:r>
-              <a:rPr/>
-              <a:t>el</a:t>
-            </a:r>
-            <a:r>
-              <a:rPr/>
-              <a:t> </a:t>
-            </a:r>
-            <a:r>
-              <a:rPr/>
-              <a:t>centro</a:t>
-            </a:r>
-            <a:r>
-              <a:rPr/>
-              <a:t> </a:t>
-            </a:r>
-            <a:r>
-              <a:rPr/>
-              <a:t>anticiclónico</a:t>
-            </a:r>
-            <a:r>
-              <a:rPr/>
-              <a:t> </a:t>
-            </a:r>
-            <a:r>
-              <a:rPr/>
-              <a:t>en</a:t>
-            </a:r>
-            <a:r>
-              <a:rPr/>
-              <a:t> </a:t>
-            </a:r>
-            <a:r>
-              <a:rPr/>
-              <a:t>Sudamérica</a:t>
-            </a:r>
-            <a:r>
-              <a:rPr/>
-              <a:t> </a:t>
-            </a:r>
-            <a:r>
-              <a:rPr/>
-              <a:t>intensificado</a:t>
-            </a:r>
-            <a:r>
-              <a:rPr/>
-              <a:t> </a:t>
-            </a:r>
-            <a:r>
-              <a:rPr/>
-              <a:t>y</a:t>
-            </a:r>
-            <a:r>
-              <a:rPr/>
-              <a:t> </a:t>
-            </a:r>
-            <a:r>
-              <a:rPr/>
-              <a:t>un</a:t>
-            </a:r>
-            <a:r>
-              <a:rPr/>
-              <a:t> </a:t>
-            </a:r>
-            <a:r>
-              <a:rPr/>
-              <a:t>debilitamiento</a:t>
-            </a:r>
-            <a:r>
-              <a:rPr/>
-              <a:t> </a:t>
-            </a:r>
-            <a:r>
-              <a:rPr/>
-              <a:t>de</a:t>
-            </a:r>
-            <a:r>
-              <a:rPr/>
-              <a:t> </a:t>
-            </a:r>
-            <a:r>
-              <a:rPr/>
-              <a:t>aquel</a:t>
-            </a:r>
-            <a:r>
-              <a:rPr/>
-              <a:t> </a:t>
-            </a:r>
-            <a:r>
-              <a:rPr/>
-              <a:t>ubicado</a:t>
-            </a:r>
-            <a:r>
-              <a:rPr/>
-              <a:t> </a:t>
-            </a:r>
-            <a:r>
-              <a:rPr/>
-              <a:t>al</a:t>
-            </a:r>
-            <a:r>
-              <a:rPr/>
-              <a:t> </a:t>
-            </a:r>
-            <a:r>
-              <a:rPr/>
-              <a:t>sur</a:t>
-            </a:r>
-            <a:r>
-              <a:rPr/>
-              <a:t> </a:t>
-            </a:r>
-            <a:r>
-              <a:rPr/>
-              <a:t>del</a:t>
-            </a:r>
-            <a:r>
-              <a:rPr/>
-              <a:t> </a:t>
-            </a:r>
-            <a:r>
-              <a:rPr/>
-              <a:t>Índico.</a:t>
-            </a:r>
-            <a:r>
-              <a:rPr/>
-              <a:t> </a:t>
-            </a:r>
-            <a:r>
-              <a:rPr/>
-              <a:t>En</a:t>
-            </a:r>
-            <a:r>
-              <a:rPr/>
-              <a:t> </a:t>
-            </a:r>
-            <a:r>
-              <a:rPr/>
-              <a:t>marzo,</a:t>
-            </a:r>
-            <a:r>
-              <a:rPr/>
-              <a:t> </a:t>
-            </a:r>
-            <a:r>
-              <a:rPr/>
-              <a:t>la</a:t>
-            </a:r>
-            <a:r>
-              <a:rPr/>
-              <a:t> </a:t>
-            </a:r>
-            <a:r>
-              <a:rPr/>
-              <a:t>estructura</a:t>
-            </a:r>
-            <a:r>
-              <a:rPr/>
-              <a:t> </a:t>
-            </a:r>
-            <a:r>
-              <a:rPr/>
-              <a:t>de</a:t>
-            </a:r>
-            <a:r>
-              <a:rPr/>
-              <a:t> </a:t>
-            </a:r>
-            <a:r>
-              <a:rPr/>
-              <a:t>onda</a:t>
-            </a:r>
-            <a:r>
-              <a:rPr/>
-              <a:t> </a:t>
-            </a:r>
-            <a:r>
-              <a:rPr/>
-              <a:t>3</a:t>
-            </a:r>
-            <a:r>
-              <a:rPr/>
-              <a:t> </a:t>
-            </a:r>
-            <a:r>
-              <a:rPr/>
-              <a:t>exhibe</a:t>
-            </a:r>
-            <a:r>
-              <a:rPr/>
-              <a:t> </a:t>
-            </a:r>
-            <a:r>
-              <a:rPr/>
-              <a:t>mínima</a:t>
-            </a:r>
-            <a:r>
-              <a:rPr/>
-              <a:t> </a:t>
-            </a:r>
-            <a:r>
-              <a:rPr/>
-              <a:t>variación</a:t>
-            </a:r>
-            <a:r>
-              <a:rPr/>
-              <a:t> </a:t>
-            </a:r>
-            <a:r>
-              <a:rPr/>
-              <a:t>meridional</a:t>
-            </a:r>
-            <a:r>
-              <a:rPr/>
-              <a:t> </a:t>
-            </a:r>
-            <a:r>
-              <a:rPr/>
-              <a:t>y</a:t>
-            </a:r>
-            <a:r>
-              <a:rPr/>
-              <a:t> </a:t>
-            </a:r>
-            <a:r>
-              <a:rPr/>
-              <a:t>ocupa</a:t>
-            </a:r>
-            <a:r>
-              <a:rPr/>
-              <a:t> </a:t>
-            </a:r>
-            <a:r>
-              <a:rPr/>
-              <a:t>todo</a:t>
-            </a:r>
-            <a:r>
-              <a:rPr/>
-              <a:t> </a:t>
-            </a:r>
-            <a:r>
-              <a:rPr/>
-              <a:t>el</a:t>
-            </a:r>
-            <a:r>
-              <a:rPr/>
-              <a:t> </a:t>
-            </a:r>
-            <a:r>
-              <a:rPr/>
-              <a:t>círculo</a:t>
-            </a:r>
-            <a:r>
-              <a:rPr/>
-              <a:t> </a:t>
-            </a:r>
-            <a:r>
-              <a:rPr/>
-              <a:t>de</a:t>
-            </a:r>
-            <a:r>
-              <a:rPr/>
-              <a:t> </a:t>
-            </a:r>
-            <a:r>
-              <a:rPr/>
-              <a:t>latitud</a:t>
-            </a:r>
-            <a:r>
-              <a:rPr/>
-              <a:t> </a:t>
-            </a:r>
-            <a:r>
-              <a:rPr/>
-              <a:t>entre</a:t>
-            </a:r>
-            <a:r>
-              <a:rPr/>
-              <a:t> </a:t>
-            </a:r>
-            <a:r>
-              <a:rPr/>
-              <a:t>60°S</a:t>
-            </a:r>
-            <a:r>
-              <a:rPr/>
-              <a:t> </a:t>
-            </a:r>
-            <a:r>
-              <a:rPr/>
-              <a:t>y</a:t>
-            </a:r>
-            <a:r>
-              <a:rPr/>
-              <a:t> </a:t>
-            </a:r>
-            <a:r>
-              <a:rPr/>
-              <a:t>45°S.</a:t>
-            </a:r>
-            <a:r>
-              <a:rPr/>
-              <a:t> </a:t>
-            </a:r>
-            <a:r>
-              <a:rPr/>
-              <a:t>Abril</a:t>
-            </a:r>
-            <a:r>
-              <a:rPr/>
-              <a:t> </a:t>
-            </a:r>
-            <a:r>
-              <a:rPr/>
-              <a:t>es</a:t>
-            </a:r>
-            <a:r>
-              <a:rPr/>
-              <a:t> </a:t>
-            </a:r>
-            <a:r>
-              <a:rPr/>
-              <a:t>similar</a:t>
-            </a:r>
-            <a:r>
-              <a:rPr/>
-              <a:t> </a:t>
-            </a:r>
-            <a:r>
-              <a:rPr/>
-              <a:t>a</a:t>
-            </a:r>
-            <a:r>
-              <a:rPr/>
-              <a:t> </a:t>
-            </a:r>
-            <a:r>
-              <a:rPr/>
-              <a:t>marzo,</a:t>
-            </a:r>
-            <a:r>
-              <a:rPr/>
-              <a:t> </a:t>
-            </a:r>
-            <a:r>
-              <a:rPr/>
-              <a:t>pero</a:t>
-            </a:r>
-            <a:r>
-              <a:rPr/>
-              <a:t> </a:t>
-            </a:r>
-            <a:r>
-              <a:rPr/>
-              <a:t>sin</a:t>
-            </a:r>
-            <a:r>
-              <a:rPr/>
-              <a:t> </a:t>
-            </a:r>
-            <a:r>
-              <a:rPr/>
-              <a:t>centros</a:t>
-            </a:r>
-            <a:r>
-              <a:rPr/>
-              <a:t> </a:t>
-            </a:r>
-            <a:r>
-              <a:rPr/>
-              <a:t>ciclónicos</a:t>
-            </a:r>
-            <a:r>
-              <a:rPr/>
-              <a:t> </a:t>
-            </a:r>
-            <a:r>
-              <a:rPr/>
-              <a:t>significativos.</a:t>
-            </a:r>
-            <a:r>
-              <a:rPr/>
-              <a:t> </a:t>
-            </a:r>
-            <a:r>
-              <a:rPr/>
-              <a:t>En</a:t>
-            </a:r>
-            <a:r>
-              <a:rPr/>
-              <a:t> </a:t>
-            </a:r>
-            <a:r>
-              <a:rPr/>
-              <a:t>mayo,</a:t>
-            </a:r>
-            <a:r>
-              <a:rPr/>
-              <a:t> </a:t>
-            </a:r>
-            <a:r>
-              <a:rPr/>
-              <a:t>se</a:t>
-            </a:r>
-            <a:r>
-              <a:rPr/>
-              <a:t> </a:t>
-            </a:r>
-            <a:r>
-              <a:rPr/>
-              <a:t>distingue</a:t>
-            </a:r>
-            <a:r>
-              <a:rPr/>
-              <a:t> </a:t>
-            </a:r>
-            <a:r>
-              <a:rPr/>
-              <a:t>nuevamente</a:t>
-            </a:r>
-            <a:r>
-              <a:rPr/>
-              <a:t> </a:t>
-            </a:r>
-            <a:r>
-              <a:rPr/>
-              <a:t>un</a:t>
-            </a:r>
-            <a:r>
-              <a:rPr/>
-              <a:t> </a:t>
-            </a:r>
-            <a:r>
-              <a:rPr/>
-              <a:t>tren</a:t>
-            </a:r>
-            <a:r>
-              <a:rPr/>
-              <a:t> </a:t>
-            </a:r>
-            <a:r>
-              <a:rPr/>
-              <a:t>de</a:t>
-            </a:r>
-            <a:r>
-              <a:rPr/>
-              <a:t> </a:t>
-            </a:r>
-            <a:r>
-              <a:rPr/>
-              <a:t>ondas</a:t>
-            </a:r>
-            <a:r>
-              <a:rPr/>
-              <a:t> </a:t>
-            </a:r>
-            <a:r>
-              <a:rPr/>
-              <a:t>con</a:t>
-            </a:r>
-            <a:r>
-              <a:rPr/>
-              <a:t> </a:t>
-            </a:r>
-            <a:r>
-              <a:rPr/>
-              <a:t>propagación</a:t>
-            </a:r>
-            <a:r>
-              <a:rPr/>
-              <a:t> </a:t>
-            </a:r>
-            <a:r>
-              <a:rPr/>
-              <a:t>meridional,</a:t>
-            </a:r>
-            <a:r>
-              <a:rPr/>
-              <a:t> </a:t>
-            </a:r>
-            <a:r>
-              <a:rPr/>
-              <a:t>emanando</a:t>
-            </a:r>
-            <a:r>
-              <a:rPr/>
-              <a:t> </a:t>
-            </a:r>
-            <a:r>
-              <a:rPr/>
-              <a:t>desde</a:t>
-            </a:r>
-            <a:r>
-              <a:rPr/>
-              <a:t> </a:t>
-            </a:r>
-            <a:r>
-              <a:rPr/>
-              <a:t>Australia,</a:t>
-            </a:r>
-            <a:r>
-              <a:rPr/>
-              <a:t> </a:t>
-            </a:r>
-            <a:r>
-              <a:rPr/>
-              <a:t>pero</a:t>
-            </a:r>
-            <a:r>
-              <a:rPr/>
-              <a:t> </a:t>
-            </a:r>
-            <a:r>
-              <a:rPr/>
-              <a:t>con</a:t>
-            </a:r>
-            <a:r>
-              <a:rPr/>
-              <a:t> </a:t>
-            </a:r>
-            <a:r>
-              <a:rPr/>
-              <a:t>evidencias</a:t>
-            </a:r>
-            <a:r>
-              <a:rPr/>
-              <a:t> </a:t>
-            </a:r>
-            <a:r>
-              <a:rPr/>
-              <a:t>de</a:t>
-            </a:r>
-            <a:r>
-              <a:rPr/>
-              <a:t> </a:t>
-            </a:r>
-            <a:r>
-              <a:rPr/>
-              <a:t>reflexión</a:t>
-            </a:r>
-            <a:r>
-              <a:rPr/>
-              <a:t> </a:t>
-            </a:r>
-            <a:r>
-              <a:rPr/>
-              <a:t>en</a:t>
-            </a:r>
-            <a:r>
-              <a:rPr/>
-              <a:t> </a:t>
-            </a:r>
-            <a:r>
-              <a:rPr/>
-              <a:t>el</a:t>
-            </a:r>
-            <a:r>
-              <a:rPr/>
-              <a:t> </a:t>
-            </a:r>
-            <a:r>
-              <a:rPr/>
-              <a:t>Mar</a:t>
-            </a:r>
-            <a:r>
-              <a:rPr/>
-              <a:t> </a:t>
-            </a:r>
-            <a:r>
-              <a:rPr/>
-              <a:t>de</a:t>
-            </a:r>
-            <a:r>
-              <a:rPr/>
-              <a:t> </a:t>
-            </a:r>
-            <a:r>
-              <a:rPr/>
-              <a:t>Weddell.</a:t>
-            </a:r>
-            <a:r>
-              <a:rPr/>
-              <a:t> </a:t>
-            </a:r>
-            <a:r>
-              <a:rPr/>
-              <a:t>Junio,</a:t>
-            </a:r>
-            <a:r>
-              <a:rPr/>
-              <a:t> </a:t>
-            </a:r>
-            <a:r>
-              <a:rPr/>
-              <a:t>al</a:t>
-            </a:r>
-            <a:r>
-              <a:rPr/>
-              <a:t> </a:t>
-            </a:r>
-            <a:r>
-              <a:rPr/>
-              <a:t>igual</a:t>
-            </a:r>
-            <a:r>
-              <a:rPr/>
-              <a:t> </a:t>
-            </a:r>
-            <a:r>
-              <a:rPr/>
-              <a:t>que</a:t>
-            </a:r>
-            <a:r>
-              <a:rPr/>
-              <a:t> </a:t>
-            </a:r>
-            <a:r>
-              <a:rPr/>
-              <a:t>marzo,</a:t>
-            </a:r>
-            <a:r>
-              <a:rPr/>
-              <a:t> </a:t>
-            </a:r>
-            <a:r>
-              <a:rPr/>
-              <a:t>presenta</a:t>
-            </a:r>
-            <a:r>
-              <a:rPr/>
-              <a:t> </a:t>
-            </a:r>
-            <a:r>
-              <a:rPr/>
-              <a:t>una</a:t>
-            </a:r>
-            <a:r>
-              <a:rPr/>
-              <a:t> </a:t>
-            </a:r>
-            <a:r>
-              <a:rPr/>
-              <a:t>estructura</a:t>
-            </a:r>
-            <a:r>
-              <a:rPr/>
-              <a:t> </a:t>
-            </a:r>
-            <a:r>
-              <a:rPr/>
-              <a:t>de</a:t>
-            </a:r>
-            <a:r>
-              <a:rPr/>
-              <a:t> </a:t>
-            </a:r>
-            <a:r>
-              <a:rPr/>
-              <a:t>QS3</a:t>
-            </a:r>
-            <a:r>
-              <a:rPr/>
-              <a:t> </a:t>
-            </a:r>
-            <a:r>
-              <a:rPr/>
-              <a:t>zonal,</a:t>
-            </a:r>
-            <a:r>
-              <a:rPr/>
-              <a:t> </a:t>
-            </a:r>
-            <a:r>
-              <a:rPr/>
-              <a:t>pero</a:t>
-            </a:r>
-            <a:r>
-              <a:rPr/>
-              <a:t> </a:t>
-            </a:r>
-            <a:r>
-              <a:rPr/>
-              <a:t>menos</a:t>
-            </a:r>
-            <a:r>
-              <a:rPr/>
-              <a:t> </a:t>
-            </a:r>
-            <a:r>
-              <a:rPr/>
-              <a:t>definida</a:t>
-            </a:r>
-            <a:r>
-              <a:rPr/>
-              <a:t> </a:t>
-            </a:r>
-            <a:r>
-              <a:rPr/>
-              <a:t>y,</a:t>
-            </a:r>
-            <a:r>
-              <a:rPr/>
-              <a:t> </a:t>
-            </a:r>
-            <a:r>
-              <a:rPr/>
-              <a:t>consistente</a:t>
-            </a:r>
-            <a:r>
-              <a:rPr/>
-              <a:t> </a:t>
-            </a:r>
-            <a:r>
-              <a:rPr/>
-              <a:t>con</a:t>
-            </a:r>
-            <a:r>
-              <a:rPr/>
-              <a:t> </a:t>
-            </a:r>
-            <a:r>
-              <a:rPr/>
-              <a:t>el</a:t>
-            </a:r>
-            <a:r>
-              <a:rPr/>
-              <a:t> </a:t>
-            </a:r>
-            <a:r>
-              <a:rPr/>
-              <a:t>corrimiento</a:t>
-            </a:r>
-            <a:r>
-              <a:rPr/>
-              <a:t> </a:t>
-            </a:r>
-            <a:r>
-              <a:rPr/>
-              <a:t>de</a:t>
-            </a:r>
-            <a:r>
-              <a:rPr/>
-              <a:t> </a:t>
-            </a:r>
-            <a:r>
-              <a:rPr/>
-              <a:t>la</a:t>
-            </a:r>
-            <a:r>
-              <a:rPr/>
-              <a:t> </a:t>
-            </a:r>
-            <a:r>
-              <a:rPr/>
-              <a:t>fase</a:t>
-            </a:r>
-            <a:r>
-              <a:rPr/>
-              <a:t> </a:t>
-            </a:r>
-            <a:r>
-              <a:rPr/>
-              <a:t>observado</a:t>
-            </a:r>
-            <a:r>
-              <a:rPr/>
-              <a:t> </a:t>
-            </a:r>
-            <a:r>
-              <a:rPr/>
-              <a:t>(</a:t>
-            </a:r>
-            <a:r>
-              <a:rPr/>
-              <a:t>),</a:t>
-            </a:r>
-            <a:r>
-              <a:rPr/>
-              <a:t> </a:t>
-            </a:r>
-            <a:r>
-              <a:rPr/>
-              <a:t>con</a:t>
-            </a:r>
-            <a:r>
-              <a:rPr/>
-              <a:t> </a:t>
-            </a:r>
-            <a:r>
-              <a:rPr/>
-              <a:t>los</a:t>
-            </a:r>
-            <a:r>
-              <a:rPr/>
-              <a:t> </a:t>
-            </a:r>
-            <a:r>
-              <a:rPr/>
-              <a:t>centros</a:t>
-            </a:r>
-            <a:r>
-              <a:rPr/>
-              <a:t> </a:t>
-            </a:r>
-            <a:r>
-              <a:rPr/>
-              <a:t>ciclónicos</a:t>
-            </a:r>
-            <a:r>
-              <a:rPr/>
-              <a:t> </a:t>
-            </a:r>
-            <a:r>
-              <a:rPr/>
-              <a:t>y</a:t>
-            </a:r>
-            <a:r>
-              <a:rPr/>
-              <a:t> </a:t>
-            </a:r>
-            <a:r>
-              <a:rPr/>
-              <a:t>anticiclónicos</a:t>
-            </a:r>
-            <a:r>
-              <a:rPr/>
-              <a:t> </a:t>
-            </a:r>
-            <a:r>
-              <a:rPr/>
-              <a:t>desplazados</a:t>
-            </a:r>
-            <a:r>
-              <a:rPr/>
-              <a:t> </a:t>
-            </a:r>
-            <a:r>
-              <a:rPr/>
-              <a:t>hacia</a:t>
-            </a:r>
-            <a:r>
-              <a:rPr/>
-              <a:t> </a:t>
-            </a:r>
-            <a:r>
-              <a:rPr/>
-              <a:t>el</a:t>
-            </a:r>
-            <a:r>
-              <a:rPr/>
-              <a:t> </a:t>
-            </a:r>
-            <a:r>
-              <a:rPr/>
-              <a:t>oeste.</a:t>
+              <a:t>periodicidades.</a:t>
             </a:r>
           </a:p>
         </p:txBody>
@@ -7234,7 +6807,1827 @@
           <a:p>
             <a:fld id="{18BDFEC3-8487-43E8-A154-7C12CBC1FFF2}" type="slidenum">
               <a:rPr lang="en-US"/>
+              <a:t>9</a:t>
+            </a:fld>
+            <a:endParaRPr lang="en-US"/>
+          </a:p>
+        </p:txBody>
+      </p:sp>
+    </p:spTree>
+  </p:cSld>
+</p:notes>
+</file>
+
+<file path=ppt/notesSlides/notesSlide7.xml><?xml version="1.0" encoding="utf-8"?>
+<p:notes xmlns:a="http://schemas.openxmlformats.org/drawingml/2006/main" xmlns:r="http://schemas.openxmlformats.org/officeDocument/2006/relationships" xmlns:p="http://schemas.openxmlformats.org/presentationml/2006/main">
+  <p:cSld>
+    <p:spTree>
+      <p:nvGrpSpPr>
+        <p:cNvPr id="1" name=""/>
+        <p:cNvGrpSpPr/>
+        <p:nvPr/>
+      </p:nvGrpSpPr>
+      <p:grpSpPr>
+        <a:xfrm>
+          <a:off x="0" y="0"/>
+          <a:ext cx="0" cy="0"/>
+          <a:chOff x="0" y="0"/>
+          <a:chExt cx="0" cy="0"/>
+        </a:xfrm>
+      </p:grpSpPr>
+      <p:sp>
+        <p:nvSpPr>
+          <p:cNvPr id="2" name="Slide Image Placeholder 1"/>
+          <p:cNvSpPr>
+            <a:spLocks noGrp="1" noRot="1" noChangeAspect="1"/>
+          </p:cNvSpPr>
+          <p:nvPr>
+            <p:ph type="sldImg"/>
+          </p:nvPr>
+        </p:nvSpPr>
+        <p:spPr/>
+      </p:sp>
+      <p:sp>
+        <p:nvSpPr>
+          <p:cNvPr id="3" name="Notes Placeholder 2"/>
+          <p:cNvSpPr>
+            <a:spLocks noGrp="1"/>
+          </p:cNvSpPr>
+          <p:nvPr>
+            <p:ph type="body" idx="1"/>
+          </p:nvPr>
+        </p:nvSpPr>
+        <p:spPr/>
+        <p:txBody>
+          <a:bodyPr/>
+          <a:lstStyle/>
+          <a:p>
+            <a:pPr lvl="0" marL="0" indent="0">
+              <a:buNone/>
+            </a:pPr>
+            <a:r>
+              <a:rPr/>
+              <a:t>Se</a:t>
+            </a:r>
+            <a:r>
+              <a:rPr/>
+              <a:t> </a:t>
+            </a:r>
+            <a:r>
+              <a:rPr/>
+              <a:t>muestran</a:t>
+            </a:r>
+            <a:r>
+              <a:rPr/>
+              <a:t> </a:t>
+            </a:r>
+            <a:r>
+              <a:rPr/>
+              <a:t>los</a:t>
+            </a:r>
+            <a:r>
+              <a:rPr/>
+              <a:t> </a:t>
+            </a:r>
+            <a:r>
+              <a:rPr/>
+              <a:t>cuatro</a:t>
+            </a:r>
+            <a:r>
+              <a:rPr/>
+              <a:t> </a:t>
+            </a:r>
+            <a:r>
+              <a:rPr/>
+              <a:t>pares</a:t>
+            </a:r>
+            <a:r>
+              <a:rPr/>
+              <a:t> </a:t>
+            </a:r>
+            <a:r>
+              <a:rPr/>
+              <a:t>de</a:t>
+            </a:r>
+            <a:r>
+              <a:rPr/>
+              <a:t> </a:t>
+            </a:r>
+            <a:r>
+              <a:rPr/>
+              <a:t>campos</a:t>
+            </a:r>
+            <a:r>
+              <a:rPr/>
+              <a:t> </a:t>
+            </a:r>
+            <a:r>
+              <a:rPr/>
+              <a:t>más</a:t>
+            </a:r>
+            <a:r>
+              <a:rPr/>
+              <a:t> </a:t>
+            </a:r>
+            <a:r>
+              <a:rPr/>
+              <a:t>similares</a:t>
+            </a:r>
+            <a:r>
+              <a:rPr/>
+              <a:t> </a:t>
+            </a:r>
+            <a:r>
+              <a:rPr/>
+              <a:t>en</a:t>
+            </a:r>
+            <a:r>
+              <a:rPr/>
+              <a:t> </a:t>
+            </a:r>
+            <a:r>
+              <a:rPr/>
+              <a:t>cuanto</a:t>
+            </a:r>
+            <a:r>
+              <a:rPr/>
+              <a:t> </a:t>
+            </a:r>
+            <a:r>
+              <a:rPr/>
+              <a:t>a</a:t>
+            </a:r>
+            <a:r>
+              <a:rPr/>
+              <a:t> </a:t>
+            </a:r>
+            <a:r>
+              <a:rPr/>
+              <a:t>amplitud</a:t>
+            </a:r>
+            <a:r>
+              <a:rPr/>
+              <a:t> </a:t>
+            </a:r>
+            <a:r>
+              <a:rPr/>
+              <a:t>y</a:t>
+            </a:r>
+            <a:r>
+              <a:rPr/>
+              <a:t> </a:t>
+            </a:r>
+            <a:r>
+              <a:rPr/>
+              <a:t>fase.</a:t>
+            </a:r>
+            <a:r>
+              <a:rPr/>
+              <a:t> </a:t>
+            </a:r>
+            <a:r>
+              <a:rPr/>
+              <a:t>Aún</a:t>
+            </a:r>
+            <a:r>
+              <a:rPr/>
+              <a:t> </a:t>
+            </a:r>
+            <a:r>
+              <a:rPr/>
+              <a:t>en</a:t>
+            </a:r>
+            <a:r>
+              <a:rPr/>
+              <a:t> </a:t>
+            </a:r>
+            <a:r>
+              <a:rPr/>
+              <a:t>esta</a:t>
+            </a:r>
+            <a:r>
+              <a:rPr/>
+              <a:t> </a:t>
+            </a:r>
+            <a:r>
+              <a:rPr/>
+              <a:t>muestra</a:t>
+            </a:r>
+            <a:r>
+              <a:rPr/>
+              <a:t> </a:t>
+            </a:r>
+            <a:r>
+              <a:rPr/>
+              <a:t>puede</a:t>
+            </a:r>
+            <a:r>
+              <a:rPr/>
+              <a:t> </a:t>
+            </a:r>
+            <a:r>
+              <a:rPr/>
+              <a:t>verse</a:t>
+            </a:r>
+            <a:r>
+              <a:rPr/>
+              <a:t> </a:t>
+            </a:r>
+            <a:r>
+              <a:rPr/>
+              <a:t>grandes</a:t>
+            </a:r>
+            <a:r>
+              <a:rPr/>
+              <a:t> </a:t>
+            </a:r>
+            <a:r>
+              <a:rPr/>
+              <a:t>heterogeneidades.</a:t>
+            </a:r>
+            <a:r>
+              <a:rPr/>
+              <a:t> </a:t>
+            </a:r>
+            <a:r>
+              <a:rPr/>
+              <a:t>En</a:t>
+            </a:r>
+            <a:r>
+              <a:rPr/>
+              <a:t> </a:t>
+            </a:r>
+            <a:r>
+              <a:rPr/>
+              <a:t>el</a:t>
+            </a:r>
+            <a:r>
+              <a:rPr/>
+              <a:t> </a:t>
+            </a:r>
+            <a:r>
+              <a:rPr/>
+              <a:t>primer</a:t>
+            </a:r>
+            <a:r>
+              <a:rPr/>
+              <a:t> </a:t>
+            </a:r>
+            <a:r>
+              <a:rPr/>
+              <a:t>par</a:t>
+            </a:r>
+            <a:r>
+              <a:rPr/>
+              <a:t> </a:t>
+            </a:r>
+            <a:r>
+              <a:rPr/>
+              <a:t>de</a:t>
+            </a:r>
+            <a:r>
+              <a:rPr/>
+              <a:t> </a:t>
+            </a:r>
+            <a:r>
+              <a:rPr/>
+              <a:t>campos,</a:t>
+            </a:r>
+            <a:r>
+              <a:rPr/>
+              <a:t> </a:t>
+            </a:r>
+            <a:r>
+              <a:rPr/>
+              <a:t>por</a:t>
+            </a:r>
+            <a:r>
+              <a:rPr/>
+              <a:t> </a:t>
+            </a:r>
+            <a:r>
+              <a:rPr/>
+              <a:t>ejemplo,</a:t>
+            </a:r>
+            <a:r>
+              <a:rPr/>
+              <a:t> </a:t>
+            </a:r>
+            <a:r>
+              <a:rPr/>
+              <a:t>uno</a:t>
+            </a:r>
+            <a:r>
+              <a:rPr/>
+              <a:t> </a:t>
+            </a:r>
+            <a:r>
+              <a:rPr/>
+              <a:t>muestra</a:t>
+            </a:r>
+            <a:r>
+              <a:rPr/>
+              <a:t> </a:t>
+            </a:r>
+            <a:r>
+              <a:rPr/>
+              <a:t>anomalías</a:t>
+            </a:r>
+            <a:r>
+              <a:rPr/>
+              <a:t> </a:t>
+            </a:r>
+            <a:r>
+              <a:rPr/>
+              <a:t>zonales</a:t>
+            </a:r>
+            <a:r>
+              <a:rPr/>
+              <a:t> </a:t>
+            </a:r>
+            <a:r>
+              <a:rPr/>
+              <a:t>significativas</a:t>
+            </a:r>
+            <a:r>
+              <a:rPr/>
+              <a:t> </a:t>
+            </a:r>
+            <a:r>
+              <a:rPr/>
+              <a:t>principalmente</a:t>
+            </a:r>
+            <a:r>
+              <a:rPr/>
+              <a:t> </a:t>
+            </a:r>
+            <a:r>
+              <a:rPr/>
+              <a:t>sobre</a:t>
+            </a:r>
+            <a:r>
+              <a:rPr/>
+              <a:t> </a:t>
+            </a:r>
+            <a:r>
+              <a:rPr/>
+              <a:t>el</a:t>
+            </a:r>
+            <a:r>
+              <a:rPr/>
+              <a:t> </a:t>
+            </a:r>
+            <a:r>
+              <a:rPr/>
+              <a:t>Atlántico</a:t>
+            </a:r>
+            <a:r>
+              <a:rPr/>
+              <a:t> </a:t>
+            </a:r>
+            <a:r>
+              <a:rPr/>
+              <a:t>y</a:t>
+            </a:r>
+            <a:r>
+              <a:rPr/>
+              <a:t> </a:t>
+            </a:r>
+            <a:r>
+              <a:rPr/>
+              <a:t>el</a:t>
+            </a:r>
+            <a:r>
+              <a:rPr/>
+              <a:t> </a:t>
+            </a:r>
+            <a:r>
+              <a:rPr/>
+              <a:t>Índico</a:t>
+            </a:r>
+            <a:r>
+              <a:rPr/>
+              <a:t> </a:t>
+            </a:r>
+            <a:r>
+              <a:rPr/>
+              <a:t>mientrs</a:t>
+            </a:r>
+            <a:r>
+              <a:rPr/>
+              <a:t> </a:t>
+            </a:r>
+            <a:r>
+              <a:rPr/>
+              <a:t>que</a:t>
+            </a:r>
+            <a:r>
+              <a:rPr/>
+              <a:t> </a:t>
+            </a:r>
+            <a:r>
+              <a:rPr/>
+              <a:t>en</a:t>
+            </a:r>
+            <a:r>
+              <a:rPr/>
+              <a:t> </a:t>
+            </a:r>
+            <a:r>
+              <a:rPr/>
+              <a:t>el</a:t>
+            </a:r>
+            <a:r>
+              <a:rPr/>
+              <a:t> </a:t>
+            </a:r>
+            <a:r>
+              <a:rPr/>
+              <a:t>otro</a:t>
+            </a:r>
+            <a:r>
+              <a:rPr/>
+              <a:t> </a:t>
+            </a:r>
+            <a:r>
+              <a:rPr/>
+              <a:t>éstas</a:t>
+            </a:r>
+            <a:r>
+              <a:rPr/>
+              <a:t> </a:t>
+            </a:r>
+            <a:r>
+              <a:rPr/>
+              <a:t>ocupan</a:t>
+            </a:r>
+            <a:r>
+              <a:rPr/>
+              <a:t> </a:t>
+            </a:r>
+            <a:r>
+              <a:rPr/>
+              <a:t>todo</a:t>
+            </a:r>
+            <a:r>
+              <a:rPr/>
+              <a:t> </a:t>
+            </a:r>
+            <a:r>
+              <a:rPr/>
+              <a:t>el</a:t>
+            </a:r>
+            <a:r>
+              <a:rPr/>
+              <a:t> </a:t>
+            </a:r>
+            <a:r>
+              <a:rPr/>
+              <a:t>dominio.</a:t>
+            </a:r>
+            <a:r>
+              <a:rPr/>
+              <a:t> </a:t>
+            </a:r>
+            <a:r>
+              <a:rPr/>
+              <a:t>La</a:t>
+            </a:r>
+            <a:r>
+              <a:rPr/>
+              <a:t> </a:t>
+            </a:r>
+            <a:r>
+              <a:rPr/>
+              <a:t>latitud</a:t>
+            </a:r>
+            <a:r>
+              <a:rPr/>
+              <a:t> </a:t>
+            </a:r>
+            <a:r>
+              <a:rPr/>
+              <a:t>de</a:t>
+            </a:r>
+            <a:r>
+              <a:rPr/>
+              <a:t> </a:t>
+            </a:r>
+            <a:r>
+              <a:rPr/>
+              <a:t>las</a:t>
+            </a:r>
+            <a:r>
+              <a:rPr/>
+              <a:t> </a:t>
+            </a:r>
+            <a:r>
+              <a:rPr/>
+              <a:t>anomal</a:t>
+            </a:r>
+            <a:r>
+              <a:rPr/>
+              <a:t> </a:t>
+            </a:r>
+            <a:r>
+              <a:rPr/>
+              <a:t>ías</a:t>
+            </a:r>
+            <a:r>
+              <a:rPr/>
+              <a:t> </a:t>
+            </a:r>
+            <a:r>
+              <a:rPr/>
+              <a:t>también</a:t>
+            </a:r>
+            <a:r>
+              <a:rPr/>
+              <a:t> </a:t>
+            </a:r>
+            <a:r>
+              <a:rPr/>
+              <a:t>cambia</a:t>
+            </a:r>
+            <a:r>
+              <a:rPr/>
+              <a:t> </a:t>
+            </a:r>
+            <a:r>
+              <a:rPr/>
+              <a:t>mucho</a:t>
+            </a:r>
+            <a:r>
+              <a:rPr/>
+              <a:t> </a:t>
+            </a:r>
+            <a:r>
+              <a:rPr/>
+              <a:t>entre</a:t>
+            </a:r>
+            <a:r>
+              <a:rPr/>
+              <a:t> </a:t>
+            </a:r>
+            <a:r>
+              <a:rPr/>
+              <a:t>ambos</a:t>
+            </a:r>
+            <a:r>
+              <a:rPr/>
+              <a:t> </a:t>
+            </a:r>
+            <a:r>
+              <a:rPr/>
+              <a:t>casos.</a:t>
+            </a:r>
+            <a:r>
+              <a:rPr/>
+              <a:t> </a:t>
+            </a:r>
+            <a:r>
+              <a:rPr/>
+              <a:t>La</a:t>
+            </a:r>
+            <a:r>
+              <a:rPr/>
+              <a:t> </a:t>
+            </a:r>
+            <a:r>
+              <a:rPr/>
+              <a:t>correlación</a:t>
+            </a:r>
+            <a:r>
+              <a:rPr/>
+              <a:t> </a:t>
+            </a:r>
+            <a:r>
+              <a:rPr/>
+              <a:t>de</a:t>
+            </a:r>
+            <a:r>
+              <a:rPr/>
+              <a:t> </a:t>
+            </a:r>
+            <a:r>
+              <a:rPr/>
+              <a:t>campo</a:t>
+            </a:r>
+            <a:r>
+              <a:rPr/>
+              <a:t> </a:t>
+            </a:r>
+            <a:r>
+              <a:rPr/>
+              <a:t>es</a:t>
+            </a:r>
+            <a:r>
+              <a:rPr/>
+              <a:t> </a:t>
+            </a:r>
+            <a:r>
+              <a:rPr/>
+              <a:t>de</a:t>
+            </a:r>
+            <a:r>
+              <a:rPr/>
+              <a:t> </a:t>
+            </a:r>
+            <a:r>
+              <a:rPr/>
+              <a:t>-0.43.</a:t>
+            </a:r>
+            <a:r>
+              <a:rPr/>
+              <a:t> </a:t>
+            </a:r>
+            <a:r>
+              <a:rPr/>
+              <a:t>El</a:t>
+            </a:r>
+            <a:r>
+              <a:rPr/>
+              <a:t> </a:t>
+            </a:r>
+            <a:r>
+              <a:rPr/>
+              <a:t>segundo</a:t>
+            </a:r>
+            <a:r>
+              <a:rPr/>
+              <a:t> </a:t>
+            </a:r>
+            <a:r>
+              <a:rPr/>
+              <a:t>y</a:t>
+            </a:r>
+            <a:r>
+              <a:rPr/>
+              <a:t> </a:t>
+            </a:r>
+            <a:r>
+              <a:rPr/>
+              <a:t>tercer</a:t>
+            </a:r>
+            <a:r>
+              <a:rPr/>
+              <a:t> </a:t>
+            </a:r>
+            <a:r>
+              <a:rPr/>
+              <a:t>par</a:t>
+            </a:r>
+            <a:r>
+              <a:rPr/>
+              <a:t> </a:t>
+            </a:r>
+            <a:r>
+              <a:rPr/>
+              <a:t>de</a:t>
+            </a:r>
+            <a:r>
+              <a:rPr/>
+              <a:t> </a:t>
+            </a:r>
+            <a:r>
+              <a:rPr/>
+              <a:t>campos</a:t>
+            </a:r>
+            <a:r>
+              <a:rPr/>
+              <a:t> </a:t>
+            </a:r>
+            <a:r>
+              <a:rPr/>
+              <a:t>presenta</a:t>
+            </a:r>
+            <a:r>
+              <a:rPr/>
+              <a:t> </a:t>
+            </a:r>
+            <a:r>
+              <a:rPr/>
+              <a:t>mayor</a:t>
+            </a:r>
+            <a:r>
+              <a:rPr/>
+              <a:t> </a:t>
+            </a:r>
+            <a:r>
+              <a:rPr/>
+              <a:t>similaridad</a:t>
+            </a:r>
+            <a:r>
+              <a:rPr/>
+              <a:t> </a:t>
+            </a:r>
+            <a:r>
+              <a:rPr/>
+              <a:t>(correlación</a:t>
+            </a:r>
+            <a:r>
+              <a:rPr/>
+              <a:t> </a:t>
+            </a:r>
+            <a:r>
+              <a:rPr/>
+              <a:t>de</a:t>
+            </a:r>
+            <a:r>
+              <a:rPr/>
+              <a:t> </a:t>
+            </a:r>
+            <a:r>
+              <a:rPr/>
+              <a:t>campo</a:t>
+            </a:r>
+            <a:r>
+              <a:rPr/>
+              <a:t> </a:t>
+            </a:r>
+            <a:r>
+              <a:rPr/>
+              <a:t>-0.48</a:t>
+            </a:r>
+            <a:r>
+              <a:rPr/>
+              <a:t> </a:t>
+            </a:r>
+            <a:r>
+              <a:rPr/>
+              <a:t>y</a:t>
+            </a:r>
+            <a:r>
+              <a:rPr/>
+              <a:t> </a:t>
+            </a:r>
+            <a:r>
+              <a:rPr/>
+              <a:t>0.79</a:t>
+            </a:r>
+            <a:r>
+              <a:rPr/>
+              <a:t> </a:t>
+            </a:r>
+            <a:r>
+              <a:rPr/>
+              <a:t>respectivamente).</a:t>
+            </a:r>
+            <a:r>
+              <a:rPr/>
+              <a:t> </a:t>
+            </a:r>
+            <a:r>
+              <a:rPr/>
+              <a:t>El</a:t>
+            </a:r>
+            <a:r>
+              <a:rPr/>
+              <a:t> </a:t>
+            </a:r>
+            <a:r>
+              <a:rPr/>
+              <a:t>cuarto</a:t>
+            </a:r>
+            <a:r>
+              <a:rPr/>
+              <a:t> </a:t>
+            </a:r>
+            <a:r>
+              <a:rPr/>
+              <a:t>par</a:t>
+            </a:r>
+            <a:r>
+              <a:rPr/>
+              <a:t> </a:t>
+            </a:r>
+            <a:r>
+              <a:rPr/>
+              <a:t>no</a:t>
+            </a:r>
+            <a:r>
+              <a:rPr/>
+              <a:t> </a:t>
+            </a:r>
+            <a:r>
+              <a:rPr/>
+              <a:t>sólo</a:t>
+            </a:r>
+            <a:r>
+              <a:rPr/>
+              <a:t> </a:t>
+            </a:r>
+            <a:r>
+              <a:rPr/>
+              <a:t>presenta</a:t>
+            </a:r>
+            <a:r>
+              <a:rPr/>
+              <a:t> </a:t>
+            </a:r>
+            <a:r>
+              <a:rPr/>
+              <a:t>poca</a:t>
+            </a:r>
+            <a:r>
+              <a:rPr/>
+              <a:t> </a:t>
+            </a:r>
+            <a:r>
+              <a:rPr/>
+              <a:t>correlación</a:t>
+            </a:r>
+            <a:r>
+              <a:rPr/>
+              <a:t> </a:t>
+            </a:r>
+            <a:r>
+              <a:rPr/>
+              <a:t>(-0.52)</a:t>
+            </a:r>
+            <a:r>
+              <a:rPr/>
+              <a:t> </a:t>
+            </a:r>
+            <a:r>
+              <a:rPr/>
+              <a:t>sino</a:t>
+            </a:r>
+            <a:r>
+              <a:rPr/>
+              <a:t> </a:t>
+            </a:r>
+            <a:r>
+              <a:rPr/>
+              <a:t>que</a:t>
+            </a:r>
+            <a:r>
+              <a:rPr/>
+              <a:t> </a:t>
+            </a:r>
+            <a:r>
+              <a:rPr/>
+              <a:t>presenta</a:t>
+            </a:r>
+            <a:r>
+              <a:rPr/>
+              <a:t> </a:t>
+            </a:r>
+            <a:r>
+              <a:rPr/>
+              <a:t>una</a:t>
+            </a:r>
+            <a:r>
+              <a:rPr/>
+              <a:t> </a:t>
+            </a:r>
+            <a:r>
+              <a:rPr/>
+              <a:t>gran</a:t>
+            </a:r>
+            <a:r>
+              <a:rPr/>
+              <a:t> </a:t>
+            </a:r>
+            <a:r>
+              <a:rPr/>
+              <a:t>diferencia</a:t>
+            </a:r>
+            <a:r>
+              <a:rPr/>
+              <a:t> </a:t>
+            </a:r>
+            <a:r>
+              <a:rPr/>
+              <a:t>en</a:t>
+            </a:r>
+            <a:r>
+              <a:rPr/>
+              <a:t> </a:t>
+            </a:r>
+            <a:r>
+              <a:rPr/>
+              <a:t>el</a:t>
+            </a:r>
+            <a:r>
+              <a:rPr/>
+              <a:t> </a:t>
+            </a:r>
+            <a:r>
+              <a:rPr/>
+              <a:t>área</a:t>
+            </a:r>
+            <a:r>
+              <a:rPr/>
+              <a:t> </a:t>
+            </a:r>
+            <a:r>
+              <a:rPr/>
+              <a:t>de</a:t>
+            </a:r>
+            <a:r>
+              <a:rPr/>
+              <a:t> </a:t>
+            </a:r>
+            <a:r>
+              <a:rPr/>
+              <a:t>máximas</a:t>
+            </a:r>
+            <a:r>
+              <a:rPr/>
+              <a:t> </a:t>
+            </a:r>
+            <a:r>
+              <a:rPr/>
+              <a:t>anomalías.</a:t>
+            </a:r>
+          </a:p>
+          <a:p>
+            <a:pPr lvl="0" marL="0" indent="0">
+              <a:buNone/>
+            </a:pPr>
+          </a:p>
+          <a:p>
+            <a:pPr lvl="0" marL="0" indent="0">
+              <a:buNone/>
+            </a:pPr>
+            <a:r>
+              <a:rPr/>
+              <a:t>Los</a:t>
+            </a:r>
+            <a:r>
+              <a:rPr/>
+              <a:t> </a:t>
+            </a:r>
+            <a:r>
+              <a:rPr/>
+              <a:t>campos</a:t>
+            </a:r>
+            <a:r>
+              <a:rPr/>
+              <a:t> </a:t>
+            </a:r>
+            <a:r>
+              <a:rPr/>
+              <a:t>de</a:t>
+            </a:r>
+            <a:r>
+              <a:rPr/>
+              <a:t> </a:t>
+            </a:r>
+            <a:r>
+              <a:rPr/>
+              <a:t>anomalías</a:t>
+            </a:r>
+            <a:r>
+              <a:rPr/>
+              <a:t> </a:t>
+            </a:r>
+            <a:r>
+              <a:rPr/>
+              <a:t>temporales,</a:t>
+            </a:r>
+            <a:r>
+              <a:rPr/>
+              <a:t> </a:t>
+            </a:r>
+            <a:r>
+              <a:rPr/>
+              <a:t>por</a:t>
+            </a:r>
+            <a:r>
+              <a:rPr/>
+              <a:t> </a:t>
+            </a:r>
+            <a:r>
+              <a:rPr/>
+              <a:t>su</a:t>
+            </a:r>
+            <a:r>
+              <a:rPr/>
+              <a:t> </a:t>
+            </a:r>
+            <a:r>
+              <a:rPr/>
+              <a:t>parte,</a:t>
+            </a:r>
+            <a:r>
+              <a:rPr/>
+              <a:t> </a:t>
+            </a:r>
+            <a:r>
+              <a:rPr/>
+              <a:t>casi</a:t>
+            </a:r>
+            <a:r>
+              <a:rPr/>
+              <a:t> </a:t>
+            </a:r>
+            <a:r>
+              <a:rPr/>
+              <a:t>no</a:t>
+            </a:r>
+            <a:r>
+              <a:rPr/>
+              <a:t> </a:t>
+            </a:r>
+            <a:r>
+              <a:rPr/>
+              <a:t>presentan</a:t>
+            </a:r>
+            <a:r>
+              <a:rPr/>
+              <a:t> </a:t>
+            </a:r>
+            <a:r>
+              <a:rPr/>
+              <a:t>similitudes</a:t>
+            </a:r>
+            <a:r>
+              <a:rPr/>
+              <a:t> </a:t>
+            </a:r>
+            <a:r>
+              <a:rPr/>
+              <a:t>entre</a:t>
+            </a:r>
+            <a:r>
+              <a:rPr/>
+              <a:t> </a:t>
+            </a:r>
+            <a:r>
+              <a:rPr/>
+              <a:t>los</a:t>
+            </a:r>
+            <a:r>
+              <a:rPr/>
+              <a:t> </a:t>
+            </a:r>
+            <a:r>
+              <a:rPr/>
+              <a:t>campos.</a:t>
+            </a:r>
+            <a:r>
+              <a:rPr/>
+              <a:t> </a:t>
+            </a:r>
+            <a:r>
+              <a:rPr/>
+              <a:t>Esto</a:t>
+            </a:r>
+            <a:r>
+              <a:rPr/>
+              <a:t> </a:t>
+            </a:r>
+            <a:r>
+              <a:rPr/>
+              <a:t>se</a:t>
+            </a:r>
+            <a:r>
+              <a:rPr/>
+              <a:t> </a:t>
+            </a:r>
+            <a:r>
+              <a:rPr/>
+              <a:t>debe</a:t>
+            </a:r>
+            <a:r>
+              <a:rPr/>
+              <a:t> </a:t>
+            </a:r>
+            <a:r>
+              <a:rPr/>
+              <a:t>principalmente</a:t>
+            </a:r>
+            <a:r>
+              <a:rPr/>
+              <a:t> </a:t>
+            </a:r>
+            <a:r>
+              <a:rPr/>
+              <a:t>a</a:t>
+            </a:r>
+            <a:r>
+              <a:rPr/>
+              <a:t> </a:t>
+            </a:r>
+            <a:r>
+              <a:rPr/>
+              <a:t>que</a:t>
+            </a:r>
+            <a:r>
+              <a:rPr/>
+              <a:t> </a:t>
+            </a:r>
+            <a:r>
+              <a:rPr/>
+              <a:t>no</a:t>
+            </a:r>
+            <a:r>
+              <a:rPr/>
+              <a:t> </a:t>
+            </a:r>
+            <a:r>
+              <a:rPr/>
+              <a:t>se</a:t>
+            </a:r>
+            <a:r>
+              <a:rPr/>
+              <a:t> </a:t>
+            </a:r>
+            <a:r>
+              <a:rPr/>
+              <a:t>está</a:t>
+            </a:r>
+            <a:r>
+              <a:rPr/>
+              <a:t> </a:t>
+            </a:r>
+            <a:r>
+              <a:rPr/>
+              <a:t>filtrando</a:t>
+            </a:r>
+            <a:r>
+              <a:rPr/>
+              <a:t> </a:t>
+            </a:r>
+            <a:r>
+              <a:rPr/>
+              <a:t>las</a:t>
+            </a:r>
+            <a:r>
+              <a:rPr/>
+              <a:t> </a:t>
+            </a:r>
+            <a:r>
+              <a:rPr/>
+              <a:t>ondas</a:t>
+            </a:r>
+            <a:r>
+              <a:rPr/>
+              <a:t> </a:t>
+            </a:r>
+            <a:r>
+              <a:rPr/>
+              <a:t>1</a:t>
+            </a:r>
+            <a:r>
+              <a:rPr/>
+              <a:t> </a:t>
+            </a:r>
+            <a:r>
+              <a:rPr/>
+              <a:t>y</a:t>
+            </a:r>
+            <a:r>
+              <a:rPr/>
+              <a:t> </a:t>
+            </a:r>
+            <a:r>
+              <a:rPr/>
+              <a:t>2.</a:t>
+            </a:r>
+          </a:p>
+        </p:txBody>
+      </p:sp>
+      <p:sp>
+        <p:nvSpPr>
+          <p:cNvPr id="4" name="Slide Number Placeholder 3"/>
+          <p:cNvSpPr>
+            <a:spLocks noGrp="1"/>
+          </p:cNvSpPr>
+          <p:nvPr>
+            <p:ph type="sldNum" sz="quarter" idx="10"/>
+          </p:nvPr>
+        </p:nvSpPr>
+        <p:spPr/>
+        <p:txBody>
+          <a:bodyPr/>
+          <a:lstStyle/>
+          <a:p>
+            <a:fld id="{18BDFEC3-8487-43E8-A154-7C12CBC1FFF2}" type="slidenum">
+              <a:rPr lang="en-US"/>
               <a:t>12</a:t>
+            </a:fld>
+            <a:endParaRPr lang="en-US"/>
+          </a:p>
+        </p:txBody>
+      </p:sp>
+    </p:spTree>
+  </p:cSld>
+</p:notes>
+</file>
+
+<file path=ppt/notesSlides/notesSlide8.xml><?xml version="1.0" encoding="utf-8"?>
+<p:notes xmlns:a="http://schemas.openxmlformats.org/drawingml/2006/main" xmlns:r="http://schemas.openxmlformats.org/officeDocument/2006/relationships" xmlns:p="http://schemas.openxmlformats.org/presentationml/2006/main">
+  <p:cSld>
+    <p:spTree>
+      <p:nvGrpSpPr>
+        <p:cNvPr id="1" name=""/>
+        <p:cNvGrpSpPr/>
+        <p:nvPr/>
+      </p:nvGrpSpPr>
+      <p:grpSpPr>
+        <a:xfrm>
+          <a:off x="0" y="0"/>
+          <a:ext cx="0" cy="0"/>
+          <a:chOff x="0" y="0"/>
+          <a:chExt cx="0" cy="0"/>
+        </a:xfrm>
+      </p:grpSpPr>
+      <p:sp>
+        <p:nvSpPr>
+          <p:cNvPr id="2" name="Slide Image Placeholder 1"/>
+          <p:cNvSpPr>
+            <a:spLocks noGrp="1" noRot="1" noChangeAspect="1"/>
+          </p:cNvSpPr>
+          <p:nvPr>
+            <p:ph type="sldImg"/>
+          </p:nvPr>
+        </p:nvSpPr>
+        <p:spPr/>
+      </p:sp>
+      <p:sp>
+        <p:nvSpPr>
+          <p:cNvPr id="3" name="Notes Placeholder 2"/>
+          <p:cNvSpPr>
+            <a:spLocks noGrp="1"/>
+          </p:cNvSpPr>
+          <p:nvPr>
+            <p:ph type="body" idx="1"/>
+          </p:nvPr>
+        </p:nvSpPr>
+        <p:spPr/>
+        <p:txBody>
+          <a:bodyPr/>
+          <a:lstStyle/>
+          <a:p>
+            <a:pPr lvl="0" marL="0" indent="0">
+              <a:buNone/>
+            </a:pPr>
+            <a:r>
+              <a:rPr/>
+              <a:t>Se</a:t>
+            </a:r>
+            <a:r>
+              <a:rPr/>
+              <a:t> </a:t>
+            </a:r>
+            <a:r>
+              <a:rPr/>
+              <a:t>muestra</a:t>
+            </a:r>
+            <a:r>
+              <a:rPr/>
+              <a:t> </a:t>
+            </a:r>
+            <a:r>
+              <a:rPr/>
+              <a:t>la</a:t>
+            </a:r>
+            <a:r>
+              <a:rPr/>
+              <a:t> </a:t>
+            </a:r>
+            <a:r>
+              <a:rPr/>
+              <a:t>(falta</a:t>
+            </a:r>
+            <a:r>
+              <a:rPr/>
+              <a:t> </a:t>
+            </a:r>
+            <a:r>
+              <a:rPr/>
+              <a:t>de)</a:t>
+            </a:r>
+            <a:r>
+              <a:rPr/>
+              <a:t> </a:t>
+            </a:r>
+            <a:r>
+              <a:rPr/>
+              <a:t>relación</a:t>
+            </a:r>
+            <a:r>
+              <a:rPr/>
+              <a:t> </a:t>
+            </a:r>
+            <a:r>
+              <a:rPr/>
+              <a:t>entre</a:t>
+            </a:r>
+            <a:r>
+              <a:rPr/>
+              <a:t> </a:t>
+            </a:r>
+            <a:r>
+              <a:rPr/>
+              <a:t>el</a:t>
+            </a:r>
+            <a:r>
+              <a:rPr/>
+              <a:t> </a:t>
+            </a:r>
+            <a:r>
+              <a:rPr/>
+              <a:t>percentil</a:t>
+            </a:r>
+            <a:r>
+              <a:rPr/>
+              <a:t> </a:t>
+            </a:r>
+            <a:r>
+              <a:rPr/>
+              <a:t>de</a:t>
+            </a:r>
+            <a:r>
+              <a:rPr/>
+              <a:t> </a:t>
+            </a:r>
+            <a:r>
+              <a:rPr/>
+              <a:t>cada</a:t>
+            </a:r>
+            <a:r>
+              <a:rPr/>
+              <a:t> </a:t>
+            </a:r>
+            <a:r>
+              <a:rPr/>
+              <a:t>mes</a:t>
+            </a:r>
+            <a:r>
+              <a:rPr/>
+              <a:t> </a:t>
+            </a:r>
+            <a:r>
+              <a:rPr/>
+              <a:t>con</a:t>
+            </a:r>
+            <a:r>
+              <a:rPr/>
+              <a:t> </a:t>
+            </a:r>
+            <a:r>
+              <a:rPr/>
+              <a:t>el</a:t>
+            </a:r>
+            <a:r>
+              <a:rPr/>
+              <a:t> </a:t>
+            </a:r>
+            <a:r>
+              <a:rPr/>
+              <a:t>percentil</a:t>
+            </a:r>
+            <a:r>
+              <a:rPr/>
+              <a:t> </a:t>
+            </a:r>
+            <a:r>
+              <a:rPr/>
+              <a:t>del</a:t>
+            </a:r>
+            <a:r>
+              <a:rPr/>
+              <a:t> </a:t>
+            </a:r>
+            <a:r>
+              <a:rPr/>
+              <a:t>mes</a:t>
+            </a:r>
+            <a:r>
+              <a:rPr/>
+              <a:t> </a:t>
+            </a:r>
+            <a:r>
+              <a:rPr/>
+              <a:t>siguiente.</a:t>
+            </a:r>
+            <a:r>
+              <a:rPr/>
+              <a:t> </a:t>
+            </a:r>
+            <a:r>
+              <a:rPr/>
+              <a:t>No</a:t>
+            </a:r>
+            <a:r>
+              <a:rPr/>
+              <a:t> </a:t>
+            </a:r>
+            <a:r>
+              <a:rPr/>
+              <a:t>sólo</a:t>
+            </a:r>
+            <a:r>
+              <a:rPr/>
+              <a:t> </a:t>
+            </a:r>
+            <a:r>
+              <a:rPr/>
+              <a:t>no</a:t>
+            </a:r>
+            <a:r>
+              <a:rPr/>
+              <a:t> </a:t>
+            </a:r>
+            <a:r>
+              <a:rPr/>
+              <a:t>hay</a:t>
+            </a:r>
+            <a:r>
+              <a:rPr/>
+              <a:t> </a:t>
+            </a:r>
+            <a:r>
+              <a:rPr/>
+              <a:t>relación</a:t>
+            </a:r>
+            <a:r>
+              <a:rPr/>
+              <a:t> </a:t>
+            </a:r>
+            <a:r>
+              <a:rPr/>
+              <a:t>(lineal)</a:t>
+            </a:r>
+            <a:r>
+              <a:rPr/>
+              <a:t> </a:t>
+            </a:r>
+            <a:r>
+              <a:rPr/>
+              <a:t>sino</a:t>
+            </a:r>
+            <a:r>
+              <a:rPr/>
+              <a:t> </a:t>
+            </a:r>
+            <a:r>
+              <a:rPr/>
+              <a:t>que</a:t>
+            </a:r>
+            <a:r>
+              <a:rPr/>
+              <a:t> </a:t>
+            </a:r>
+            <a:r>
+              <a:rPr/>
+              <a:t>si</a:t>
+            </a:r>
+            <a:r>
+              <a:rPr/>
+              <a:t> </a:t>
+            </a:r>
+            <a:r>
+              <a:rPr/>
+              <a:t>hubiera</a:t>
+            </a:r>
+            <a:r>
+              <a:rPr/>
+              <a:t> </a:t>
+            </a:r>
+            <a:r>
+              <a:rPr/>
+              <a:t>una</a:t>
+            </a:r>
+            <a:r>
+              <a:rPr/>
+              <a:t> </a:t>
+            </a:r>
+            <a:r>
+              <a:rPr/>
+              <a:t>persistencia</a:t>
+            </a:r>
+            <a:r>
+              <a:rPr/>
+              <a:t> </a:t>
+            </a:r>
+            <a:r>
+              <a:rPr/>
+              <a:t>en</a:t>
+            </a:r>
+            <a:r>
+              <a:rPr/>
+              <a:t> </a:t>
+            </a:r>
+            <a:r>
+              <a:rPr/>
+              <a:t>los</a:t>
+            </a:r>
+            <a:r>
+              <a:rPr/>
+              <a:t> </a:t>
+            </a:r>
+            <a:r>
+              <a:rPr/>
+              <a:t>valores</a:t>
+            </a:r>
+            <a:r>
+              <a:rPr/>
+              <a:t> </a:t>
+            </a:r>
+            <a:r>
+              <a:rPr/>
+              <a:t>más</a:t>
+            </a:r>
+            <a:r>
+              <a:rPr/>
+              <a:t> </a:t>
+            </a:r>
+            <a:r>
+              <a:rPr/>
+              <a:t>altos,</a:t>
+            </a:r>
+            <a:r>
+              <a:rPr/>
+              <a:t> </a:t>
+            </a:r>
+            <a:r>
+              <a:rPr/>
+              <a:t>tendría</a:t>
+            </a:r>
+            <a:r>
+              <a:rPr/>
+              <a:t> </a:t>
+            </a:r>
+            <a:r>
+              <a:rPr/>
+              <a:t>que</a:t>
+            </a:r>
+            <a:r>
+              <a:rPr/>
+              <a:t> </a:t>
+            </a:r>
+            <a:r>
+              <a:rPr/>
+              <a:t>haber</a:t>
+            </a:r>
+            <a:r>
+              <a:rPr/>
+              <a:t> </a:t>
+            </a:r>
+            <a:r>
+              <a:rPr/>
+              <a:t>una</a:t>
+            </a:r>
+            <a:r>
+              <a:rPr/>
+              <a:t> </a:t>
+            </a:r>
+            <a:r>
+              <a:rPr/>
+              <a:t>concentración</a:t>
+            </a:r>
+            <a:r>
+              <a:rPr/>
+              <a:t> </a:t>
+            </a:r>
+            <a:r>
+              <a:rPr/>
+              <a:t>de</a:t>
+            </a:r>
+            <a:r>
+              <a:rPr/>
+              <a:t> </a:t>
+            </a:r>
+            <a:r>
+              <a:rPr/>
+              <a:t>puntos</a:t>
+            </a:r>
+            <a:r>
+              <a:rPr/>
+              <a:t> </a:t>
+            </a:r>
+            <a:r>
+              <a:rPr/>
+              <a:t>en</a:t>
+            </a:r>
+            <a:r>
+              <a:rPr/>
+              <a:t> </a:t>
+            </a:r>
+            <a:r>
+              <a:rPr/>
+              <a:t>la</a:t>
+            </a:r>
+            <a:r>
+              <a:rPr/>
+              <a:t> </a:t>
+            </a:r>
+            <a:r>
+              <a:rPr/>
+              <a:t>esquina</a:t>
+            </a:r>
+            <a:r>
+              <a:rPr/>
+              <a:t> </a:t>
+            </a:r>
+            <a:r>
+              <a:rPr/>
+              <a:t>superior</a:t>
+            </a:r>
+            <a:r>
+              <a:rPr/>
+              <a:t> </a:t>
+            </a:r>
+            <a:r>
+              <a:rPr/>
+              <a:t>derecha</a:t>
+            </a:r>
+            <a:r>
+              <a:rPr/>
+              <a:t> </a:t>
+            </a:r>
+            <a:r>
+              <a:rPr/>
+              <a:t>o</a:t>
+            </a:r>
+            <a:r>
+              <a:rPr/>
+              <a:t> </a:t>
+            </a:r>
+            <a:r>
+              <a:rPr/>
+              <a:t>en</a:t>
+            </a:r>
+            <a:r>
+              <a:rPr/>
+              <a:t> </a:t>
+            </a:r>
+            <a:r>
+              <a:rPr/>
+              <a:t>la</a:t>
+            </a:r>
+            <a:r>
+              <a:rPr/>
+              <a:t> </a:t>
+            </a:r>
+            <a:r>
+              <a:rPr/>
+              <a:t>inferior</a:t>
+            </a:r>
+            <a:r>
+              <a:rPr/>
+              <a:t> </a:t>
+            </a:r>
+            <a:r>
+              <a:rPr/>
+              <a:t>izquierda.</a:t>
+            </a:r>
+          </a:p>
+        </p:txBody>
+      </p:sp>
+      <p:sp>
+        <p:nvSpPr>
+          <p:cNvPr id="4" name="Slide Number Placeholder 3"/>
+          <p:cNvSpPr>
+            <a:spLocks noGrp="1"/>
+          </p:cNvSpPr>
+          <p:nvPr>
+            <p:ph type="sldNum" sz="quarter" idx="10"/>
+          </p:nvPr>
+        </p:nvSpPr>
+        <p:spPr/>
+        <p:txBody>
+          <a:bodyPr/>
+          <a:lstStyle/>
+          <a:p>
+            <a:fld id="{18BDFEC3-8487-43E8-A154-7C12CBC1FFF2}" type="slidenum">
+              <a:rPr lang="en-US"/>
+              <a:t>14</a:t>
+            </a:fld>
+            <a:endParaRPr lang="en-US"/>
+          </a:p>
+        </p:txBody>
+      </p:sp>
+    </p:spTree>
+  </p:cSld>
+</p:notes>
+</file>
+
+<file path=ppt/notesSlides/notesSlide9.xml><?xml version="1.0" encoding="utf-8"?>
+<p:notes xmlns:a="http://schemas.openxmlformats.org/drawingml/2006/main" xmlns:r="http://schemas.openxmlformats.org/officeDocument/2006/relationships" xmlns:p="http://schemas.openxmlformats.org/presentationml/2006/main">
+  <p:cSld>
+    <p:spTree>
+      <p:nvGrpSpPr>
+        <p:cNvPr id="1" name=""/>
+        <p:cNvGrpSpPr/>
+        <p:nvPr/>
+      </p:nvGrpSpPr>
+      <p:grpSpPr>
+        <a:xfrm>
+          <a:off x="0" y="0"/>
+          <a:ext cx="0" cy="0"/>
+          <a:chOff x="0" y="0"/>
+          <a:chExt cx="0" cy="0"/>
+        </a:xfrm>
+      </p:grpSpPr>
+      <p:sp>
+        <p:nvSpPr>
+          <p:cNvPr id="2" name="Slide Image Placeholder 1"/>
+          <p:cNvSpPr>
+            <a:spLocks noGrp="1" noRot="1" noChangeAspect="1"/>
+          </p:cNvSpPr>
+          <p:nvPr>
+            <p:ph type="sldImg"/>
+          </p:nvPr>
+        </p:nvSpPr>
+        <p:spPr/>
+      </p:sp>
+      <p:sp>
+        <p:nvSpPr>
+          <p:cNvPr id="3" name="Notes Placeholder 2"/>
+          <p:cNvSpPr>
+            <a:spLocks noGrp="1"/>
+          </p:cNvSpPr>
+          <p:nvPr>
+            <p:ph type="body" idx="1"/>
+          </p:nvPr>
+        </p:nvSpPr>
+        <p:spPr/>
+        <p:txBody>
+          <a:bodyPr/>
+          <a:lstStyle/>
+          <a:p>
+            <a:pPr lvl="0" marL="0" indent="0">
+              <a:buNone/>
+            </a:pPr>
+            <a:r>
+              <a:rPr/>
+              <a:t>El</a:t>
+            </a:r>
+            <a:r>
+              <a:rPr/>
+              <a:t> </a:t>
+            </a:r>
+            <a:r>
+              <a:rPr/>
+              <a:t>autocorrelograma</a:t>
+            </a:r>
+            <a:r>
+              <a:rPr/>
+              <a:t> </a:t>
+            </a:r>
+            <a:r>
+              <a:rPr/>
+              <a:t>confirma</a:t>
+            </a:r>
+            <a:r>
+              <a:rPr/>
+              <a:t> </a:t>
+            </a:r>
+            <a:r>
+              <a:rPr/>
+              <a:t>esta</a:t>
+            </a:r>
+            <a:r>
+              <a:rPr/>
+              <a:t> </a:t>
+            </a:r>
+            <a:r>
+              <a:rPr/>
+              <a:t>falta</a:t>
+            </a:r>
+            <a:r>
+              <a:rPr/>
+              <a:t> </a:t>
+            </a:r>
+            <a:r>
+              <a:rPr/>
+              <a:t>de</a:t>
+            </a:r>
+            <a:r>
+              <a:rPr/>
+              <a:t> </a:t>
+            </a:r>
+            <a:r>
+              <a:rPr/>
+              <a:t>relación.</a:t>
+            </a:r>
+          </a:p>
+        </p:txBody>
+      </p:sp>
+      <p:sp>
+        <p:nvSpPr>
+          <p:cNvPr id="4" name="Slide Number Placeholder 3"/>
+          <p:cNvSpPr>
+            <a:spLocks noGrp="1"/>
+          </p:cNvSpPr>
+          <p:nvPr>
+            <p:ph type="sldNum" sz="quarter" idx="10"/>
+          </p:nvPr>
+        </p:nvSpPr>
+        <p:spPr/>
+        <p:txBody>
+          <a:bodyPr/>
+          <a:lstStyle/>
+          <a:p>
+            <a:fld id="{18BDFEC3-8487-43E8-A154-7C12CBC1FFF2}" type="slidenum">
+              <a:rPr lang="en-US"/>
+              <a:t>15</a:t>
             </a:fld>
             <a:endParaRPr lang="en-US"/>
           </a:p>
@@ -11025,7 +12418,63 @@
 </p:sld>
 </file>
 
-<file path=ppt/slides/slide10.xml><?xml version="1.0" encoding="utf-8"?>
+<file path=ppt/slides/slide10.xml><?xml version="1.0" encoding="UTF-8"?>
+<p:sld xmlns:a="http://schemas.openxmlformats.org/drawingml/2006/main" xmlns:r="http://schemas.openxmlformats.org/officeDocument/2006/relationships" xmlns:p="http://schemas.openxmlformats.org/presentationml/2006/main"><p:cSld><p:spTree><p:nvGrpSpPr><p:cNvPr id="1" name="" /><p:cNvGrpSpPr /><p:nvPr /></p:nvGrpSpPr><p:grpSpPr><a:xfrm><a:off x="0" y="0" /><a:ext cx="0" cy="0" /><a:chOff x="0" y="0" /><a:chExt cx="0" cy="0" /></a:xfrm></p:grpSpPr><p:pic><p:nvPicPr><p:cNvPr descr="fig/06-paper_tesis/fase-boxplot-1.png" id="0" name="Picture 1" /><p:cNvPicPr><a:picLocks noGrp="1" noChangeAspect="1" /></p:cNvPicPr><p:nvPr /></p:nvPicPr><p:blipFill><a:blip r:embed="rId2" /><a:stretch><a:fillRect /></a:stretch></p:blipFill><p:spPr bwMode="auto"><a:xfrm><a:off x="279400" y="939800" /><a:ext cx="11480800" cy="5219700" /></a:xfrm><a:prstGeom prst="rect"><a:avLst /></a:prstGeom><a:noFill /><a:ln w="9525"><a:noFill /><a:headEnd /><a:tailEnd /></a:ln></p:spPr></p:pic><p:sp><p:nvSpPr><p:cNvPr id="1" name="TextBox 3" /><p:cNvSpPr txBox="1" /><p:nvPr /></p:nvSpPr><p:spPr><a:xfrm><a:off x="190500" y="6159500" /><a:ext cx="11671300" cy="508000" /></a:xfrm><a:prstGeom prst="rect"><a:avLst /></a:prstGeom><a:noFill /></p:spPr><p:txBody><a:bodyPr /><a:lstStyle /><a:p><a:pPr lvl="0" marL="0" indent="0" algn="ctr"><a:buNone /></a:pPr><a:r><a:rPr /><a:t>Phase</a:t></a:r><a:r><a:rPr /><a:t> </a:t></a:r><a:r><a:rPr /><a:t>of</a:t></a:r><a:r><a:rPr /><a:t> </a:t></a:r><a:r><a:rPr /><a:t>the</a:t></a:r><a:r><a:rPr /><a:t> </a:t></a:r><a:r><a:rPr /><a:t>mean</a:t></a:r><a:r><a:rPr /><a:t> </a:t></a:r><a:r><a:rPr /><a:t>wave</a:t></a:r><a:r><a:rPr /><a:t> </a:t></a:r><a:r><a:rPr /><a:t>for</a:t></a:r><a:r><a:rPr /><a:t> </a:t></a:r><a:r><a:rPr /><a:t>each</a:t></a:r><a:r><a:rPr /><a:t> </a:t></a:r><a:r><a:rPr /><a:t>month</a:t></a:r><a:r><a:rPr /><a:t> </a:t></a:r><a:r><a:rPr /><a:t>and</a:t></a:r><a:r><a:rPr /><a:t> </a:t></a:r><a14:m><m:oMath xmlns:m="http://schemas.openxmlformats.org/officeDocument/2006/math"><m:r><m:t>±</m:t></m:r></m:oMath></a14:m><a:r><a:rPr /><a:t> </a:t></a:r><a:r><a:rPr /><a:t>1</a:t></a:r><a:r><a:rPr /><a:t> </a:t></a:r><a:r><a:rPr /><a:t>standrad</a:t></a:r><a:r><a:rPr /><a:t> </a:t></a:r><a:r><a:rPr /><a:t>deviation</a:t></a:r><a:r><a:rPr /><a:t> </a:t></a:r><a:r><a:rPr /><a:t>(black</a:t></a:r><a:r><a:rPr /><a:t> </a:t></a:r><a:r><a:rPr /><a:t>dots</a:t></a:r><a:r><a:rPr /><a:t> </a:t></a:r><a:r><a:rPr /><a:t>and</a:t></a:r><a:r><a:rPr /><a:t> </a:t></a:r><a:r><a:rPr /><a:t>error</a:t></a:r><a:r><a:rPr /><a:t> </a:t></a:r><a:r><a:rPr /><a:t>bars).</a:t></a:r><a:r><a:rPr /><a:t> </a:t></a:r><a:r><a:rPr /><a:t>In</a:t></a:r><a:r><a:rPr /><a:t> </a:t></a:r><a:r><a:rPr /><a:t>red</a:t></a:r><a:r><a:rPr /><a:t> </a:t></a:r><a:r><a:rPr /><a:t>and</a:t></a:r><a:r><a:rPr /><a:t> </a:t></a:r><a:r><a:rPr /><a:t>blue,</a:t></a:r><a:r><a:rPr /><a:t> </a:t></a:r><a:r><a:rPr /><a:t>phase</a:t></a:r><a:r><a:rPr /><a:t> </a:t></a:r><a:r><a:rPr /><a:t>of</a:t></a:r><a:r><a:rPr /><a:t> </a:t></a:r><a:r><a:rPr /><a:t>the</a:t></a:r><a:r><a:rPr /><a:t> </a:t></a:r><a:r><a:rPr /><a:t>most</a:t></a:r><a:r><a:rPr /><a:t> </a:t></a:r><a:r><a:rPr /><a:t>intense</a:t></a:r><a:r><a:rPr /><a:t> </a:t></a:r><a:r><a:rPr /><a:t>20</a:t></a:r><a:r><a:rPr /><a:t> </a:t></a:r><a:r><a:rPr /><a:t>events</a:t></a:r><a:r><a:rPr /><a:t> </a:t></a:r><a:r><a:rPr /><a:t>for</a:t></a:r><a:r><a:rPr /><a:t> </a:t></a:r><a:r><a:rPr /><a:t>each</a:t></a:r><a:r><a:rPr /><a:t> </a:t></a:r><a:r><a:rPr /><a:t>month,</a:t></a:r><a:r><a:rPr /><a:t> </a:t></a:r><a:r><a:rPr /><a:t>representing</a:t></a:r><a:r><a:rPr /><a:t> </a:t></a:r><a:r><a:rPr /><a:t>the</a:t></a:r><a:r><a:rPr /><a:t> </a:t></a:r><a:r><a:rPr /><a:t>location</a:t></a:r><a:r><a:rPr /><a:t> </a:t></a:r><a:r><a:rPr /><a:t>of</a:t></a:r><a:r><a:rPr /><a:t> </a:t></a:r><a:r><a:rPr /><a:t>the</a:t></a:r><a:r><a:rPr /><a:t> </a:t></a:r><a:r><a:rPr /><a:t>ridge</a:t></a:r><a:r><a:rPr /><a:t> </a:t></a:r><a:r><a:rPr /><a:t>and</a:t></a:r><a:r><a:rPr /><a:t> </a:t></a:r><a:r><a:rPr /><a:t>throuht</a:t></a:r><a:r><a:rPr /><a:t> </a:t></a:r><a:r><a:rPr /><a:t>respectively.</a:t></a:r></a:p></p:txBody></p:sp></p:spTree></p:cSld></p:sld>
+</file>
+
+<file path=ppt/slides/slide11.xml><?xml version="1.0" encoding="utf-8"?>
+<p:sld xmlns:a="http://schemas.openxmlformats.org/drawingml/2006/main" xmlns:r="http://schemas.openxmlformats.org/officeDocument/2006/relationships" xmlns:p="http://schemas.openxmlformats.org/presentationml/2006/main">
+  <p:cSld>
+    <p:spTree>
+      <p:nvGrpSpPr>
+        <p:cNvPr id="1" name=""/>
+        <p:cNvGrpSpPr/>
+        <p:nvPr/>
+      </p:nvGrpSpPr>
+      <p:grpSpPr>
+        <a:xfrm>
+          <a:off x="0" y="0"/>
+          <a:ext cx="0" cy="0"/>
+          <a:chOff x="0" y="0"/>
+          <a:chExt cx="0" cy="0"/>
+        </a:xfrm>
+      </p:grpSpPr>
+      <p:pic>
+        <p:nvPicPr>
+          <p:cNvPr descr="fig/06-paper_tesis/unnamed-chunk-2-1.png" id="0" name="Picture 1"/>
+          <p:cNvPicPr>
+            <a:picLocks noGrp="1" noChangeAspect="1"/>
+          </p:cNvPicPr>
+          <p:nvPr/>
+        </p:nvPicPr>
+        <p:blipFill>
+          <a:blip r:embed="rId2"/>
+          <a:stretch>
+            <a:fillRect/>
+          </a:stretch>
+        </p:blipFill>
+        <p:spPr bwMode="auto">
+          <a:xfrm>
+            <a:off x="190500" y="1155700"/>
+            <a:ext cx="11671300" cy="5308600"/>
+          </a:xfrm>
+          <a:prstGeom prst="rect">
+            <a:avLst/>
+          </a:prstGeom>
+          <a:noFill/>
+          <a:ln w="9525">
+            <a:noFill/>
+            <a:headEnd/>
+            <a:tailEnd/>
+          </a:ln>
+        </p:spPr>
+      </p:pic>
+    </p:spTree>
+  </p:cSld>
+</p:sld>
+</file>
+
+<file path=ppt/slides/slide12.xml><?xml version="1.0" encoding="utf-8"?>
 <p:sld xmlns:a="http://schemas.openxmlformats.org/drawingml/2006/main" xmlns:r="http://schemas.openxmlformats.org/officeDocument/2006/relationships" xmlns:p="http://schemas.openxmlformats.org/presentationml/2006/main">
   <p:cSld>
     <p:spTree>
@@ -11045,6 +12494,690 @@
       <p:pic>
         <p:nvPicPr>
           <p:cNvPr descr="fig/06-paper_tesis/top4-1.png" id="0" name="Picture 1"/>
+          <p:cNvPicPr>
+            <a:picLocks noGrp="1" noChangeAspect="1"/>
+          </p:cNvPicPr>
+          <p:nvPr/>
+        </p:nvPicPr>
+        <p:blipFill>
+          <a:blip r:embed="rId3"/>
+          <a:stretch>
+            <a:fillRect/>
+          </a:stretch>
+        </p:blipFill>
+        <p:spPr bwMode="auto">
+          <a:xfrm>
+            <a:off x="2184400" y="939800"/>
+            <a:ext cx="7683500" cy="5219700"/>
+          </a:xfrm>
+          <a:prstGeom prst="rect">
+            <a:avLst/>
+          </a:prstGeom>
+          <a:noFill/>
+          <a:ln w="9525">
+            <a:noFill/>
+            <a:headEnd/>
+            <a:tailEnd/>
+          </a:ln>
+        </p:spPr>
+      </p:pic>
+      <p:sp>
+        <p:nvSpPr>
+          <p:cNvPr id="1" name="TextBox 3"/>
+          <p:cNvSpPr txBox="1"/>
+          <p:nvPr/>
+        </p:nvSpPr>
+        <p:spPr>
+          <a:xfrm>
+            <a:off x="190500" y="6159500"/>
+            <a:ext cx="11671300" cy="508000"/>
+          </a:xfrm>
+          <a:prstGeom prst="rect">
+            <a:avLst/>
+          </a:prstGeom>
+          <a:noFill/>
+        </p:spPr>
+        <p:txBody>
+          <a:bodyPr/>
+          <a:lstStyle/>
+          <a:p>
+            <a:pPr lvl="0" marL="0" indent="0" algn="ctr">
+              <a:buNone/>
+            </a:pPr>
+            <a:r>
+              <a:rPr/>
+              <a:t>Four</a:t>
+            </a:r>
+            <a:r>
+              <a:rPr/>
+              <a:t> </a:t>
+            </a:r>
+            <a:r>
+              <a:rPr/>
+              <a:t>most</a:t>
+            </a:r>
+            <a:r>
+              <a:rPr/>
+              <a:t> </a:t>
+            </a:r>
+            <a:r>
+              <a:rPr/>
+              <a:t>similar</a:t>
+            </a:r>
+            <a:r>
+              <a:rPr/>
+              <a:t> </a:t>
+            </a:r>
+            <a:r>
+              <a:rPr/>
+              <a:t>field</a:t>
+            </a:r>
+            <a:r>
+              <a:rPr/>
+              <a:t> </a:t>
+            </a:r>
+            <a:r>
+              <a:rPr/>
+              <a:t>tuples</a:t>
+            </a:r>
+            <a:r>
+              <a:rPr/>
+              <a:t> </a:t>
+            </a:r>
+            <a:r>
+              <a:rPr/>
+              <a:t>in</a:t>
+            </a:r>
+            <a:r>
+              <a:rPr/>
+              <a:t> </a:t>
+            </a:r>
+            <a:r>
+              <a:rPr/>
+              <a:t>standarized</a:t>
+            </a:r>
+            <a:r>
+              <a:rPr/>
+              <a:t> </a:t>
+            </a:r>
+            <a:r>
+              <a:rPr/>
+              <a:t>wave</a:t>
+            </a:r>
+            <a:r>
+              <a:rPr/>
+              <a:t> </a:t>
+            </a:r>
+            <a:r>
+              <a:rPr/>
+              <a:t>3</a:t>
+            </a:r>
+            <a:r>
+              <a:rPr/>
+              <a:t> </a:t>
+            </a:r>
+            <a:r>
+              <a:rPr/>
+              <a:t>amplitude</a:t>
+            </a:r>
+            <a:r>
+              <a:rPr/>
+              <a:t> </a:t>
+            </a:r>
+            <a:r>
+              <a:rPr/>
+              <a:t>and</a:t>
+            </a:r>
+            <a:r>
+              <a:rPr/>
+              <a:t> </a:t>
+            </a:r>
+            <a:r>
+              <a:rPr/>
+              <a:t>phase</a:t>
+            </a:r>
+            <a:r>
+              <a:rPr/>
+              <a:t> </a:t>
+            </a:r>
+            <a:r>
+              <a:rPr/>
+              <a:t>space.</a:t>
+            </a:r>
+            <a:r>
+              <a:rPr/>
+              <a:t> </a:t>
+            </a:r>
+            <a:r>
+              <a:rPr/>
+              <a:t>Temporal</a:t>
+            </a:r>
+            <a:r>
+              <a:rPr/>
+              <a:t> </a:t>
+            </a:r>
+            <a:r>
+              <a:rPr/>
+              <a:t>anomaly</a:t>
+            </a:r>
+            <a:r>
+              <a:rPr/>
+              <a:t> </a:t>
+            </a:r>
+            <a:r>
+              <a:rPr/>
+              <a:t>of</a:t>
+            </a:r>
+            <a:r>
+              <a:rPr/>
+              <a:t> </a:t>
+            </a:r>
+            <a:r>
+              <a:rPr/>
+              <a:t>200hPa</a:t>
+            </a:r>
+            <a:r>
+              <a:rPr/>
+              <a:t> </a:t>
+            </a:r>
+            <a:r>
+              <a:rPr/>
+              <a:t>geopotential</a:t>
+            </a:r>
+            <a:r>
+              <a:rPr/>
+              <a:t> </a:t>
+            </a:r>
+            <a:r>
+              <a:rPr/>
+              <a:t>(contours)</a:t>
+            </a:r>
+            <a:r>
+              <a:rPr/>
+              <a:t> </a:t>
+            </a:r>
+            <a:r>
+              <a:rPr/>
+              <a:t>and</a:t>
+            </a:r>
+            <a:r>
+              <a:rPr/>
+              <a:t> </a:t>
+            </a:r>
+            <a:r>
+              <a:rPr/>
+              <a:t>zonal</a:t>
+            </a:r>
+            <a:r>
+              <a:rPr/>
+              <a:t> </a:t>
+            </a:r>
+            <a:r>
+              <a:rPr/>
+              <a:t>anomaly</a:t>
+            </a:r>
+            <a:r>
+              <a:rPr/>
+              <a:t> </a:t>
+            </a:r>
+            <a:r>
+              <a:rPr/>
+              <a:t>of</a:t>
+            </a:r>
+            <a:r>
+              <a:rPr/>
+              <a:t> </a:t>
+            </a:r>
+            <a:r>
+              <a:rPr/>
+              <a:t>200hPa</a:t>
+            </a:r>
+            <a:r>
+              <a:rPr/>
+              <a:t> </a:t>
+            </a:r>
+            <a:r>
+              <a:rPr/>
+              <a:t>geopotential</a:t>
+            </a:r>
+            <a:r>
+              <a:rPr/>
+              <a:t> </a:t>
+            </a:r>
+            <a:r>
+              <a:rPr/>
+              <a:t>with</a:t>
+            </a:r>
+            <a:r>
+              <a:rPr/>
+              <a:t> </a:t>
+            </a:r>
+            <a:r>
+              <a:rPr/>
+              <a:t>waves</a:t>
+            </a:r>
+            <a:r>
+              <a:rPr/>
+              <a:t> </a:t>
+            </a:r>
+            <a:r>
+              <a:rPr/>
+              <a:t>1</a:t>
+            </a:r>
+            <a:r>
+              <a:rPr/>
+              <a:t> </a:t>
+            </a:r>
+            <a:r>
+              <a:rPr/>
+              <a:t>and</a:t>
+            </a:r>
+            <a:r>
+              <a:rPr/>
+              <a:t> </a:t>
+            </a:r>
+            <a:r>
+              <a:rPr/>
+              <a:t>2</a:t>
+            </a:r>
+            <a:r>
+              <a:rPr/>
+              <a:t> </a:t>
+            </a:r>
+            <a:r>
+              <a:rPr/>
+              <a:t>filtered</a:t>
+            </a:r>
+            <a:r>
+              <a:rPr/>
+              <a:t> </a:t>
+            </a:r>
+            <a:r>
+              <a:rPr/>
+              <a:t>out</a:t>
+            </a:r>
+            <a:r>
+              <a:rPr/>
+              <a:t> </a:t>
+            </a:r>
+            <a:r>
+              <a:rPr/>
+              <a:t>(shaded).</a:t>
+            </a:r>
+          </a:p>
+        </p:txBody>
+      </p:sp>
+    </p:spTree>
+  </p:cSld>
+</p:sld>
+</file>
+
+<file path=ppt/slides/slide13.xml><?xml version="1.0" encoding="utf-8"?>
+<p:sld xmlns:a="http://schemas.openxmlformats.org/drawingml/2006/main" xmlns:r="http://schemas.openxmlformats.org/officeDocument/2006/relationships" xmlns:p="http://schemas.openxmlformats.org/presentationml/2006/main">
+  <p:cSld>
+    <p:spTree>
+      <p:nvGrpSpPr>
+        <p:cNvPr id="1" name=""/>
+        <p:cNvGrpSpPr/>
+        <p:nvPr/>
+      </p:nvGrpSpPr>
+      <p:grpSpPr>
+        <a:xfrm>
+          <a:off x="0" y="0"/>
+          <a:ext cx="0" cy="0"/>
+          <a:chOff x="0" y="0"/>
+          <a:chExt cx="0" cy="0"/>
+        </a:xfrm>
+      </p:grpSpPr>
+      <p:pic>
+        <p:nvPicPr>
+          <p:cNvPr descr="fig/06-paper_tesis/top4-sep-1.png" id="0" name="Picture 1"/>
+          <p:cNvPicPr>
+            <a:picLocks noGrp="1" noChangeAspect="1"/>
+          </p:cNvPicPr>
+          <p:nvPr/>
+        </p:nvPicPr>
+        <p:blipFill>
+          <a:blip r:embed="rId2"/>
+          <a:stretch>
+            <a:fillRect/>
+          </a:stretch>
+        </p:blipFill>
+        <p:spPr bwMode="auto">
+          <a:xfrm>
+            <a:off x="2184400" y="939800"/>
+            <a:ext cx="7683500" cy="5219700"/>
+          </a:xfrm>
+          <a:prstGeom prst="rect">
+            <a:avLst/>
+          </a:prstGeom>
+          <a:noFill/>
+          <a:ln w="9525">
+            <a:noFill/>
+            <a:headEnd/>
+            <a:tailEnd/>
+          </a:ln>
+        </p:spPr>
+      </p:pic>
+      <p:sp>
+        <p:nvSpPr>
+          <p:cNvPr id="1" name="TextBox 3"/>
+          <p:cNvSpPr txBox="1"/>
+          <p:nvPr/>
+        </p:nvSpPr>
+        <p:spPr>
+          <a:xfrm>
+            <a:off x="190500" y="6159500"/>
+            <a:ext cx="11671300" cy="508000"/>
+          </a:xfrm>
+          <a:prstGeom prst="rect">
+            <a:avLst/>
+          </a:prstGeom>
+          <a:noFill/>
+        </p:spPr>
+        <p:txBody>
+          <a:bodyPr/>
+          <a:lstStyle/>
+          <a:p>
+            <a:pPr lvl="0" marL="0" indent="0" algn="ctr">
+              <a:buNone/>
+            </a:pPr>
+            <a:r>
+              <a:rPr/>
+              <a:t>Four</a:t>
+            </a:r>
+            <a:r>
+              <a:rPr/>
+              <a:t> </a:t>
+            </a:r>
+            <a:r>
+              <a:rPr/>
+              <a:t>most</a:t>
+            </a:r>
+            <a:r>
+              <a:rPr/>
+              <a:t> </a:t>
+            </a:r>
+            <a:r>
+              <a:rPr/>
+              <a:t>similar</a:t>
+            </a:r>
+            <a:r>
+              <a:rPr/>
+              <a:t> </a:t>
+            </a:r>
+            <a:r>
+              <a:rPr/>
+              <a:t>september</a:t>
+            </a:r>
+            <a:r>
+              <a:rPr/>
+              <a:t> </a:t>
+            </a:r>
+            <a:r>
+              <a:rPr/>
+              <a:t>field</a:t>
+            </a:r>
+            <a:r>
+              <a:rPr/>
+              <a:t> </a:t>
+            </a:r>
+            <a:r>
+              <a:rPr/>
+              <a:t>tuples</a:t>
+            </a:r>
+            <a:r>
+              <a:rPr/>
+              <a:t> </a:t>
+            </a:r>
+            <a:r>
+              <a:rPr/>
+              <a:t>in</a:t>
+            </a:r>
+            <a:r>
+              <a:rPr/>
+              <a:t> </a:t>
+            </a:r>
+            <a:r>
+              <a:rPr/>
+              <a:t>standarized</a:t>
+            </a:r>
+            <a:r>
+              <a:rPr/>
+              <a:t> </a:t>
+            </a:r>
+            <a:r>
+              <a:rPr/>
+              <a:t>wave</a:t>
+            </a:r>
+            <a:r>
+              <a:rPr/>
+              <a:t> </a:t>
+            </a:r>
+            <a:r>
+              <a:rPr/>
+              <a:t>3</a:t>
+            </a:r>
+            <a:r>
+              <a:rPr/>
+              <a:t> </a:t>
+            </a:r>
+            <a:r>
+              <a:rPr/>
+              <a:t>amplitude</a:t>
+            </a:r>
+            <a:r>
+              <a:rPr/>
+              <a:t> </a:t>
+            </a:r>
+            <a:r>
+              <a:rPr/>
+              <a:t>and</a:t>
+            </a:r>
+            <a:r>
+              <a:rPr/>
+              <a:t> </a:t>
+            </a:r>
+            <a:r>
+              <a:rPr/>
+              <a:t>phase</a:t>
+            </a:r>
+            <a:r>
+              <a:rPr/>
+              <a:t> </a:t>
+            </a:r>
+            <a:r>
+              <a:rPr/>
+              <a:t>space.</a:t>
+            </a:r>
+            <a:r>
+              <a:rPr/>
+              <a:t> </a:t>
+            </a:r>
+            <a:r>
+              <a:rPr/>
+              <a:t>Temporal</a:t>
+            </a:r>
+            <a:r>
+              <a:rPr/>
+              <a:t> </a:t>
+            </a:r>
+            <a:r>
+              <a:rPr/>
+              <a:t>anomaly</a:t>
+            </a:r>
+            <a:r>
+              <a:rPr/>
+              <a:t> </a:t>
+            </a:r>
+            <a:r>
+              <a:rPr/>
+              <a:t>of</a:t>
+            </a:r>
+            <a:r>
+              <a:rPr/>
+              <a:t> </a:t>
+            </a:r>
+            <a:r>
+              <a:rPr/>
+              <a:t>200hPa</a:t>
+            </a:r>
+            <a:r>
+              <a:rPr/>
+              <a:t> </a:t>
+            </a:r>
+            <a:r>
+              <a:rPr/>
+              <a:t>geopotential</a:t>
+            </a:r>
+            <a:r>
+              <a:rPr/>
+              <a:t> </a:t>
+            </a:r>
+            <a:r>
+              <a:rPr/>
+              <a:t>(contours)</a:t>
+            </a:r>
+            <a:r>
+              <a:rPr/>
+              <a:t> </a:t>
+            </a:r>
+            <a:r>
+              <a:rPr/>
+              <a:t>and</a:t>
+            </a:r>
+            <a:r>
+              <a:rPr/>
+              <a:t> </a:t>
+            </a:r>
+            <a:r>
+              <a:rPr/>
+              <a:t>zonal</a:t>
+            </a:r>
+            <a:r>
+              <a:rPr/>
+              <a:t> </a:t>
+            </a:r>
+            <a:r>
+              <a:rPr/>
+              <a:t>anomaly</a:t>
+            </a:r>
+            <a:r>
+              <a:rPr/>
+              <a:t> </a:t>
+            </a:r>
+            <a:r>
+              <a:rPr/>
+              <a:t>of</a:t>
+            </a:r>
+            <a:r>
+              <a:rPr/>
+              <a:t> </a:t>
+            </a:r>
+            <a:r>
+              <a:rPr/>
+              <a:t>200hPa</a:t>
+            </a:r>
+            <a:r>
+              <a:rPr/>
+              <a:t> </a:t>
+            </a:r>
+            <a:r>
+              <a:rPr/>
+              <a:t>geopotential</a:t>
+            </a:r>
+            <a:r>
+              <a:rPr/>
+              <a:t> </a:t>
+            </a:r>
+            <a:r>
+              <a:rPr/>
+              <a:t>with</a:t>
+            </a:r>
+            <a:r>
+              <a:rPr/>
+              <a:t> </a:t>
+            </a:r>
+            <a:r>
+              <a:rPr/>
+              <a:t>waves</a:t>
+            </a:r>
+            <a:r>
+              <a:rPr/>
+              <a:t> </a:t>
+            </a:r>
+            <a:r>
+              <a:rPr/>
+              <a:t>1</a:t>
+            </a:r>
+            <a:r>
+              <a:rPr/>
+              <a:t> </a:t>
+            </a:r>
+            <a:r>
+              <a:rPr/>
+              <a:t>and</a:t>
+            </a:r>
+            <a:r>
+              <a:rPr/>
+              <a:t> </a:t>
+            </a:r>
+            <a:r>
+              <a:rPr/>
+              <a:t>2</a:t>
+            </a:r>
+            <a:r>
+              <a:rPr/>
+              <a:t> </a:t>
+            </a:r>
+            <a:r>
+              <a:rPr/>
+              <a:t>filtered</a:t>
+            </a:r>
+            <a:r>
+              <a:rPr/>
+              <a:t> </a:t>
+            </a:r>
+            <a:r>
+              <a:rPr/>
+              <a:t>out</a:t>
+            </a:r>
+            <a:r>
+              <a:rPr/>
+              <a:t> </a:t>
+            </a:r>
+            <a:r>
+              <a:rPr/>
+              <a:t>(shaded).</a:t>
+            </a:r>
+          </a:p>
+        </p:txBody>
+      </p:sp>
+    </p:spTree>
+  </p:cSld>
+</p:sld>
+</file>
+
+<file path=ppt/slides/slide14.xml><?xml version="1.0" encoding="utf-8"?>
+<p:sld xmlns:a="http://schemas.openxmlformats.org/drawingml/2006/main" xmlns:r="http://schemas.openxmlformats.org/officeDocument/2006/relationships" xmlns:p="http://schemas.openxmlformats.org/presentationml/2006/main">
+  <p:cSld>
+    <p:spTree>
+      <p:nvGrpSpPr>
+        <p:cNvPr id="1" name=""/>
+        <p:cNvGrpSpPr/>
+        <p:nvPr/>
+      </p:nvGrpSpPr>
+      <p:grpSpPr>
+        <a:xfrm>
+          <a:off x="0" y="0"/>
+          <a:ext cx="0" cy="0"/>
+          <a:chOff x="0" y="0"/>
+          <a:chExt cx="0" cy="0"/>
+        </a:xfrm>
+      </p:grpSpPr>
+      <p:pic>
+        <p:nvPicPr>
+          <p:cNvPr descr="fig/06-paper_tesis/percentiles-1.png" id="0" name="Picture 1"/>
           <p:cNvPicPr>
             <a:picLocks noGrp="1" noChangeAspect="1"/>
           </p:cNvPicPr>
@@ -11097,199 +13230,55 @@
             </a:pPr>
             <a:r>
               <a:rPr/>
-              <a:t>Four</a:t>
-            </a:r>
-            <a:r>
-              <a:rPr/>
-              <a:t> </a:t>
-            </a:r>
-            <a:r>
-              <a:rPr/>
-              <a:t>most</a:t>
-            </a:r>
-            <a:r>
-              <a:rPr/>
-              <a:t> </a:t>
-            </a:r>
-            <a:r>
-              <a:rPr/>
-              <a:t>similar</a:t>
-            </a:r>
-            <a:r>
-              <a:rPr/>
-              <a:t> </a:t>
-            </a:r>
-            <a:r>
-              <a:rPr/>
-              <a:t>field</a:t>
-            </a:r>
-            <a:r>
-              <a:rPr/>
-              <a:t> </a:t>
-            </a:r>
-            <a:r>
-              <a:rPr/>
-              <a:t>tuples</a:t>
-            </a:r>
-            <a:r>
-              <a:rPr/>
-              <a:t> </a:t>
-            </a:r>
-            <a:r>
-              <a:rPr/>
-              <a:t>in</a:t>
-            </a:r>
-            <a:r>
-              <a:rPr/>
-              <a:t> </a:t>
-            </a:r>
-            <a:r>
-              <a:rPr/>
-              <a:t>standarized</a:t>
-            </a:r>
-            <a:r>
-              <a:rPr/>
-              <a:t> </a:t>
-            </a:r>
-            <a:r>
-              <a:rPr/>
-              <a:t>wave</a:t>
-            </a:r>
-            <a:r>
-              <a:rPr/>
-              <a:t> </a:t>
-            </a:r>
-            <a:r>
-              <a:rPr/>
-              <a:t>3</a:t>
-            </a:r>
-            <a:r>
-              <a:rPr/>
-              <a:t> </a:t>
-            </a:r>
-            <a:r>
-              <a:rPr/>
-              <a:t>amplitude</a:t>
-            </a:r>
-            <a:r>
-              <a:rPr/>
-              <a:t> </a:t>
-            </a:r>
-            <a:r>
-              <a:rPr/>
-              <a:t>and</a:t>
-            </a:r>
-            <a:r>
-              <a:rPr/>
-              <a:t> </a:t>
-            </a:r>
-            <a:r>
-              <a:rPr/>
-              <a:t>phase</a:t>
-            </a:r>
-            <a:r>
-              <a:rPr/>
-              <a:t> </a:t>
-            </a:r>
-            <a:r>
-              <a:rPr/>
-              <a:t>space.</a:t>
-            </a:r>
-            <a:r>
-              <a:rPr/>
-              <a:t> </a:t>
-            </a:r>
-            <a:r>
-              <a:rPr/>
-              <a:t>Temporal</a:t>
-            </a:r>
-            <a:r>
-              <a:rPr/>
-              <a:t> </a:t>
-            </a:r>
-            <a:r>
-              <a:rPr/>
-              <a:t>anomaly</a:t>
-            </a:r>
-            <a:r>
-              <a:rPr/>
-              <a:t> </a:t>
-            </a:r>
-            <a:r>
-              <a:rPr/>
-              <a:t>of</a:t>
-            </a:r>
-            <a:r>
-              <a:rPr/>
-              <a:t> </a:t>
-            </a:r>
-            <a:r>
-              <a:rPr/>
-              <a:t>200hPa</a:t>
-            </a:r>
-            <a:r>
-              <a:rPr/>
-              <a:t> </a:t>
-            </a:r>
-            <a:r>
-              <a:rPr/>
-              <a:t>geopotential</a:t>
-            </a:r>
-            <a:r>
-              <a:rPr/>
-              <a:t> </a:t>
-            </a:r>
-            <a:r>
-              <a:rPr/>
-              <a:t>(contours)</a:t>
-            </a:r>
-            <a:r>
-              <a:rPr/>
-              <a:t> </a:t>
-            </a:r>
-            <a:r>
-              <a:rPr/>
-              <a:t>and</a:t>
-            </a:r>
-            <a:r>
-              <a:rPr/>
-              <a:t> </a:t>
-            </a:r>
-            <a:r>
-              <a:rPr/>
-              <a:t>zonal</a:t>
-            </a:r>
-            <a:r>
-              <a:rPr/>
-              <a:t> </a:t>
-            </a:r>
-            <a:r>
-              <a:rPr/>
-              <a:t>anomaly</a:t>
-            </a:r>
-            <a:r>
-              <a:rPr/>
-              <a:t> </a:t>
-            </a:r>
-            <a:r>
-              <a:rPr/>
-              <a:t>of</a:t>
-            </a:r>
-            <a:r>
-              <a:rPr/>
-              <a:t> </a:t>
-            </a:r>
-            <a:r>
-              <a:rPr/>
-              <a:t>200hPa</a:t>
-            </a:r>
-            <a:r>
-              <a:rPr/>
-              <a:t> </a:t>
-            </a:r>
-            <a:r>
-              <a:rPr/>
-              <a:t>geopotential</a:t>
+              <a:t>Relationship</a:t>
+            </a:r>
+            <a:r>
+              <a:rPr/>
+              <a:t> </a:t>
+            </a:r>
+            <a:r>
+              <a:rPr/>
+              <a:t>between</a:t>
+            </a:r>
+            <a:r>
+              <a:rPr/>
+              <a:t> </a:t>
+            </a:r>
+            <a:r>
+              <a:rPr/>
+              <a:t>QS3</a:t>
+            </a:r>
+            <a:r>
+              <a:rPr/>
+              <a:t> </a:t>
+            </a:r>
+            <a:r>
+              <a:rPr/>
+              <a:t>index</a:t>
+            </a:r>
+            <a:r>
+              <a:rPr/>
+              <a:t> </a:t>
+            </a:r>
+            <a:r>
+              <a:rPr/>
+              <a:t>at</a:t>
+            </a:r>
+            <a:r>
+              <a:rPr/>
+              <a:t> </a:t>
+            </a:r>
+            <a:r>
+              <a:rPr/>
+              <a:t>each</a:t>
+            </a:r>
+            <a:r>
+              <a:rPr/>
+              <a:t> </a:t>
+            </a:r>
+            <a:r>
+              <a:rPr/>
+              <a:t>month</a:t>
             </a:r>
             <a:r>
               <a:rPr/>
@@ -11305,55 +13294,47 @@
             </a:r>
             <a:r>
               <a:rPr/>
-              <a:t>waves</a:t>
-            </a:r>
-            <a:r>
-              <a:rPr/>
-              <a:t> </a:t>
-            </a:r>
-            <a:r>
-              <a:rPr/>
-              <a:t>1</a:t>
-            </a:r>
-            <a:r>
-              <a:rPr/>
-              <a:t> </a:t>
-            </a:r>
-            <a:r>
-              <a:rPr/>
-              <a:t>and</a:t>
-            </a:r>
-            <a:r>
-              <a:rPr/>
-              <a:t> </a:t>
-            </a:r>
-            <a:r>
-              <a:rPr/>
-              <a:t>2</a:t>
-            </a:r>
-            <a:r>
-              <a:rPr/>
-              <a:t> </a:t>
-            </a:r>
-            <a:r>
-              <a:rPr/>
-              <a:t>filtered</a:t>
-            </a:r>
-            <a:r>
-              <a:rPr/>
-              <a:t> </a:t>
-            </a:r>
-            <a:r>
-              <a:rPr/>
-              <a:t>out</a:t>
-            </a:r>
-            <a:r>
-              <a:rPr/>
-              <a:t> </a:t>
-            </a:r>
-            <a:r>
-              <a:rPr/>
-              <a:t>(shaded).</a:t>
+              <a:t>QS3</a:t>
+            </a:r>
+            <a:r>
+              <a:rPr/>
+              <a:t> </a:t>
+            </a:r>
+            <a:r>
+              <a:rPr/>
+              <a:t>index</a:t>
+            </a:r>
+            <a:r>
+              <a:rPr/>
+              <a:t> </a:t>
+            </a:r>
+            <a:r>
+              <a:rPr/>
+              <a:t>at</a:t>
+            </a:r>
+            <a:r>
+              <a:rPr/>
+              <a:t> </a:t>
+            </a:r>
+            <a:r>
+              <a:rPr/>
+              <a:t>the</a:t>
+            </a:r>
+            <a:r>
+              <a:rPr/>
+              <a:t> </a:t>
+            </a:r>
+            <a:r>
+              <a:rPr/>
+              <a:t>subsequent</a:t>
+            </a:r>
+            <a:r>
+              <a:rPr/>
+              <a:t> </a:t>
+            </a:r>
+            <a:r>
+              <a:rPr/>
+              <a:t>month</a:t>
             </a:r>
           </a:p>
         </p:txBody>
@@ -11363,7 +13344,7 @@
 </p:sld>
 </file>
 
-<file path=ppt/slides/slide11.xml><?xml version="1.0" encoding="utf-8"?>
+<file path=ppt/slides/slide15.xml><?xml version="1.0" encoding="utf-8"?>
 <p:sld xmlns:a="http://schemas.openxmlformats.org/drawingml/2006/main" xmlns:r="http://schemas.openxmlformats.org/officeDocument/2006/relationships" xmlns:p="http://schemas.openxmlformats.org/presentationml/2006/main">
   <p:cSld>
     <p:spTree>
@@ -11382,353 +13363,7 @@
       </p:grpSpPr>
       <p:pic>
         <p:nvPicPr>
-          <p:cNvPr descr="fig/06-paper_tesis/top4-sep-1.png" id="0" name="Picture 1"/>
-          <p:cNvPicPr>
-            <a:picLocks noGrp="1" noChangeAspect="1"/>
-          </p:cNvPicPr>
-          <p:nvPr/>
-        </p:nvPicPr>
-        <p:blipFill>
-          <a:blip r:embed="rId2"/>
-          <a:stretch>
-            <a:fillRect/>
-          </a:stretch>
-        </p:blipFill>
-        <p:spPr bwMode="auto">
-          <a:xfrm>
-            <a:off x="279400" y="939800"/>
-            <a:ext cx="11480800" cy="5219700"/>
-          </a:xfrm>
-          <a:prstGeom prst="rect">
-            <a:avLst/>
-          </a:prstGeom>
-          <a:noFill/>
-          <a:ln w="9525">
-            <a:noFill/>
-            <a:headEnd/>
-            <a:tailEnd/>
-          </a:ln>
-        </p:spPr>
-      </p:pic>
-      <p:sp>
-        <p:nvSpPr>
-          <p:cNvPr id="1" name="TextBox 3"/>
-          <p:cNvSpPr txBox="1"/>
-          <p:nvPr/>
-        </p:nvSpPr>
-        <p:spPr>
-          <a:xfrm>
-            <a:off x="190500" y="6159500"/>
-            <a:ext cx="11671300" cy="508000"/>
-          </a:xfrm>
-          <a:prstGeom prst="rect">
-            <a:avLst/>
-          </a:prstGeom>
-          <a:noFill/>
-        </p:spPr>
-        <p:txBody>
-          <a:bodyPr/>
-          <a:lstStyle/>
-          <a:p>
-            <a:pPr lvl="0" marL="0" indent="0" algn="ctr">
-              <a:buNone/>
-            </a:pPr>
-            <a:r>
-              <a:rPr/>
-              <a:t>Four</a:t>
-            </a:r>
-            <a:r>
-              <a:rPr/>
-              <a:t> </a:t>
-            </a:r>
-            <a:r>
-              <a:rPr/>
-              <a:t>most</a:t>
-            </a:r>
-            <a:r>
-              <a:rPr/>
-              <a:t> </a:t>
-            </a:r>
-            <a:r>
-              <a:rPr/>
-              <a:t>similar</a:t>
-            </a:r>
-            <a:r>
-              <a:rPr/>
-              <a:t> </a:t>
-            </a:r>
-            <a:r>
-              <a:rPr/>
-              <a:t>september</a:t>
-            </a:r>
-            <a:r>
-              <a:rPr/>
-              <a:t> </a:t>
-            </a:r>
-            <a:r>
-              <a:rPr/>
-              <a:t>field</a:t>
-            </a:r>
-            <a:r>
-              <a:rPr/>
-              <a:t> </a:t>
-            </a:r>
-            <a:r>
-              <a:rPr/>
-              <a:t>tuples</a:t>
-            </a:r>
-            <a:r>
-              <a:rPr/>
-              <a:t> </a:t>
-            </a:r>
-            <a:r>
-              <a:rPr/>
-              <a:t>in</a:t>
-            </a:r>
-            <a:r>
-              <a:rPr/>
-              <a:t> </a:t>
-            </a:r>
-            <a:r>
-              <a:rPr/>
-              <a:t>standarized</a:t>
-            </a:r>
-            <a:r>
-              <a:rPr/>
-              <a:t> </a:t>
-            </a:r>
-            <a:r>
-              <a:rPr/>
-              <a:t>wave</a:t>
-            </a:r>
-            <a:r>
-              <a:rPr/>
-              <a:t> </a:t>
-            </a:r>
-            <a:r>
-              <a:rPr/>
-              <a:t>3</a:t>
-            </a:r>
-            <a:r>
-              <a:rPr/>
-              <a:t> </a:t>
-            </a:r>
-            <a:r>
-              <a:rPr/>
-              <a:t>amplitude</a:t>
-            </a:r>
-            <a:r>
-              <a:rPr/>
-              <a:t> </a:t>
-            </a:r>
-            <a:r>
-              <a:rPr/>
-              <a:t>and</a:t>
-            </a:r>
-            <a:r>
-              <a:rPr/>
-              <a:t> </a:t>
-            </a:r>
-            <a:r>
-              <a:rPr/>
-              <a:t>phase</a:t>
-            </a:r>
-            <a:r>
-              <a:rPr/>
-              <a:t> </a:t>
-            </a:r>
-            <a:r>
-              <a:rPr/>
-              <a:t>space.</a:t>
-            </a:r>
-            <a:r>
-              <a:rPr/>
-              <a:t> </a:t>
-            </a:r>
-            <a:r>
-              <a:rPr/>
-              <a:t>Temporal</a:t>
-            </a:r>
-            <a:r>
-              <a:rPr/>
-              <a:t> </a:t>
-            </a:r>
-            <a:r>
-              <a:rPr/>
-              <a:t>anomaly</a:t>
-            </a:r>
-            <a:r>
-              <a:rPr/>
-              <a:t> </a:t>
-            </a:r>
-            <a:r>
-              <a:rPr/>
-              <a:t>of</a:t>
-            </a:r>
-            <a:r>
-              <a:rPr/>
-              <a:t> </a:t>
-            </a:r>
-            <a:r>
-              <a:rPr/>
-              <a:t>200hPa</a:t>
-            </a:r>
-            <a:r>
-              <a:rPr/>
-              <a:t> </a:t>
-            </a:r>
-            <a:r>
-              <a:rPr/>
-              <a:t>geopotential</a:t>
-            </a:r>
-            <a:r>
-              <a:rPr/>
-              <a:t> </a:t>
-            </a:r>
-            <a:r>
-              <a:rPr/>
-              <a:t>(contours)</a:t>
-            </a:r>
-            <a:r>
-              <a:rPr/>
-              <a:t> </a:t>
-            </a:r>
-            <a:r>
-              <a:rPr/>
-              <a:t>and</a:t>
-            </a:r>
-            <a:r>
-              <a:rPr/>
-              <a:t> </a:t>
-            </a:r>
-            <a:r>
-              <a:rPr/>
-              <a:t>zonal</a:t>
-            </a:r>
-            <a:r>
-              <a:rPr/>
-              <a:t> </a:t>
-            </a:r>
-            <a:r>
-              <a:rPr/>
-              <a:t>anomaly</a:t>
-            </a:r>
-            <a:r>
-              <a:rPr/>
-              <a:t> </a:t>
-            </a:r>
-            <a:r>
-              <a:rPr/>
-              <a:t>of</a:t>
-            </a:r>
-            <a:r>
-              <a:rPr/>
-              <a:t> </a:t>
-            </a:r>
-            <a:r>
-              <a:rPr/>
-              <a:t>200hPa</a:t>
-            </a:r>
-            <a:r>
-              <a:rPr/>
-              <a:t> </a:t>
-            </a:r>
-            <a:r>
-              <a:rPr/>
-              <a:t>geopotential</a:t>
-            </a:r>
-            <a:r>
-              <a:rPr/>
-              <a:t> </a:t>
-            </a:r>
-            <a:r>
-              <a:rPr/>
-              <a:t>with</a:t>
-            </a:r>
-            <a:r>
-              <a:rPr/>
-              <a:t> </a:t>
-            </a:r>
-            <a:r>
-              <a:rPr/>
-              <a:t>waves</a:t>
-            </a:r>
-            <a:r>
-              <a:rPr/>
-              <a:t> </a:t>
-            </a:r>
-            <a:r>
-              <a:rPr/>
-              <a:t>1</a:t>
-            </a:r>
-            <a:r>
-              <a:rPr/>
-              <a:t> </a:t>
-            </a:r>
-            <a:r>
-              <a:rPr/>
-              <a:t>and</a:t>
-            </a:r>
-            <a:r>
-              <a:rPr/>
-              <a:t> </a:t>
-            </a:r>
-            <a:r>
-              <a:rPr/>
-              <a:t>2</a:t>
-            </a:r>
-            <a:r>
-              <a:rPr/>
-              <a:t> </a:t>
-            </a:r>
-            <a:r>
-              <a:rPr/>
-              <a:t>filtered</a:t>
-            </a:r>
-            <a:r>
-              <a:rPr/>
-              <a:t> </a:t>
-            </a:r>
-            <a:r>
-              <a:rPr/>
-              <a:t>out</a:t>
-            </a:r>
-            <a:r>
-              <a:rPr/>
-              <a:t> </a:t>
-            </a:r>
-            <a:r>
-              <a:rPr/>
-              <a:t>(shaded).</a:t>
-            </a:r>
-          </a:p>
-        </p:txBody>
-      </p:sp>
-    </p:spTree>
-  </p:cSld>
-</p:sld>
-</file>
-
-<file path=ppt/slides/slide12.xml><?xml version="1.0" encoding="utf-8"?>
-<p:sld xmlns:a="http://schemas.openxmlformats.org/drawingml/2006/main" xmlns:r="http://schemas.openxmlformats.org/officeDocument/2006/relationships" xmlns:p="http://schemas.openxmlformats.org/presentationml/2006/main">
-  <p:cSld>
-    <p:spTree>
-      <p:nvGrpSpPr>
-        <p:cNvPr id="1" name=""/>
-        <p:cNvGrpSpPr/>
-        <p:nvPr/>
-      </p:nvGrpSpPr>
-      <p:grpSpPr>
-        <a:xfrm>
-          <a:off x="0" y="0"/>
-          <a:ext cx="0" cy="0"/>
-          <a:chOff x="0" y="0"/>
-          <a:chExt cx="0" cy="0"/>
-        </a:xfrm>
-      </p:grpSpPr>
-      <p:pic>
-        <p:nvPicPr>
-          <p:cNvPr descr="fig/06-paper_tesis/regr-psi-ncep-1.png" id="0" name="Picture 1"/>
+          <p:cNvPr descr="fig/06-paper_tesis/ac-index-1.png" id="0" name="Picture 1"/>
           <p:cNvPicPr>
             <a:picLocks noGrp="1" noChangeAspect="1"/>
           </p:cNvPicPr>
@@ -11781,7 +13416,15 @@
             </a:pPr>
             <a:r>
               <a:rPr/>
-              <a:t>Regression</a:t>
+              <a:t>Autocorrelation</a:t>
+            </a:r>
+            <a:r>
+              <a:rPr/>
+              <a:t> </a:t>
+            </a:r>
+            <a:r>
+              <a:rPr/>
+              <a:t>function</a:t>
             </a:r>
             <a:r>
               <a:rPr/>
@@ -11797,38 +13440,6 @@
             </a:r>
             <a:r>
               <a:rPr/>
-              <a:t>200hPa</a:t>
-            </a:r>
-            <a:r>
-              <a:rPr/>
-              <a:t> </a:t>
-            </a:r>
-            <a:r>
-              <a:rPr/>
-              <a:t>geopotential</a:t>
-            </a:r>
-            <a:r>
-              <a:rPr/>
-              <a:t> </a:t>
-            </a:r>
-            <a:r>
-              <a:rPr/>
-              <a:t>height</a:t>
-            </a:r>
-            <a:r>
-              <a:rPr/>
-              <a:t> </a:t>
-            </a:r>
-            <a:r>
-              <a:rPr/>
-              <a:t>and</a:t>
-            </a:r>
-            <a:r>
-              <a:rPr/>
-              <a:t> </a:t>
-            </a:r>
-            <a:r>
-              <a:rPr/>
               <a:t>QS3</a:t>
             </a:r>
             <a:r>
@@ -11837,95 +13448,63 @@
             </a:r>
             <a:r>
               <a:rPr/>
-              <a:t>standarized</a:t>
-            </a:r>
-            <a:r>
-              <a:rPr/>
-              <a:t> </a:t>
-            </a:r>
-            <a:r>
-              <a:rPr/>
-              <a:t>index,</a:t>
-            </a:r>
-            <a:r>
-              <a:rPr/>
-              <a:t> </a:t>
-            </a:r>
-            <a:r>
-              <a:rPr/>
-              <a:t>and</a:t>
-            </a:r>
-            <a:r>
-              <a:rPr/>
-              <a:t> </a:t>
-            </a:r>
-            <a:r>
-              <a:rPr/>
-              <a:t>wave</a:t>
-            </a:r>
-            <a:r>
-              <a:rPr/>
-              <a:t> </a:t>
-            </a:r>
-            <a:r>
-              <a:rPr/>
-              <a:t>acivity</a:t>
-            </a:r>
-            <a:r>
-              <a:rPr/>
-              <a:t> </a:t>
-            </a:r>
-            <a:r>
-              <a:rPr/>
-              <a:t>flux</a:t>
-            </a:r>
-            <a:r>
-              <a:rPr/>
-              <a:t> </a:t>
-            </a:r>
-            <a:r>
-              <a:rPr/>
-              <a:t>computed</a:t>
-            </a:r>
-            <a:r>
-              <a:rPr/>
-              <a:t> </a:t>
-            </a:r>
-            <a:r>
-              <a:rPr/>
-              <a:t>from</a:t>
-            </a:r>
-            <a:r>
-              <a:rPr/>
-              <a:t> </a:t>
-            </a:r>
-            <a:r>
-              <a:rPr/>
-              <a:t>regression</a:t>
-            </a:r>
-            <a:r>
-              <a:rPr/>
-              <a:t> </a:t>
-            </a:r>
-            <a:r>
-              <a:rPr/>
-              <a:t>of</a:t>
-            </a:r>
-            <a:r>
-              <a:rPr/>
-              <a:t> </a:t>
-            </a:r>
-            <a:r>
-              <a:rPr/>
-              <a:t>0.201</a:t>
-            </a:r>
-            <a:r>
-              <a:rPr/>
-              <a:t> </a:t>
-            </a:r>
-            <a:r>
-              <a:rPr/>
-              <a:t>sigma.</a:t>
+              <a:t>index.</a:t>
+            </a:r>
+            <a:r>
+              <a:rPr/>
+              <a:t> </a:t>
+            </a:r>
+            <a:r>
+              <a:rPr/>
+              <a:t>Shaded</a:t>
+            </a:r>
+            <a:r>
+              <a:rPr/>
+              <a:t> </a:t>
+            </a:r>
+            <a:r>
+              <a:rPr/>
+              <a:t>area</a:t>
+            </a:r>
+            <a:r>
+              <a:rPr/>
+              <a:t> </a:t>
+            </a:r>
+            <a:r>
+              <a:rPr/>
+              <a:t>indicates</a:t>
+            </a:r>
+            <a:r>
+              <a:rPr/>
+              <a:t> </a:t>
+            </a:r>
+            <a:r>
+              <a:rPr/>
+              <a:t>p-values</a:t>
+            </a:r>
+            <a:r>
+              <a:rPr/>
+              <a:t> </a:t>
+            </a:r>
+            <a:r>
+              <a:rPr/>
+              <a:t>greater</a:t>
+            </a:r>
+            <a:r>
+              <a:rPr/>
+              <a:t> </a:t>
+            </a:r>
+            <a:r>
+              <a:rPr/>
+              <a:t>than</a:t>
+            </a:r>
+            <a:r>
+              <a:rPr/>
+              <a:t> </a:t>
+            </a:r>
+            <a:r>
+              <a:rPr/>
+              <a:t>0.01</a:t>
             </a:r>
           </a:p>
         </p:txBody>
@@ -11935,7 +13514,7 @@
 </p:sld>
 </file>
 
-<file path=ppt/slides/slide2.xml><?xml version="1.0" encoding="utf-8"?>
+<file path=ppt/slides/slide16.xml><?xml version="1.0" encoding="utf-8"?>
 <p:sld xmlns:a="http://schemas.openxmlformats.org/drawingml/2006/main" xmlns:r="http://schemas.openxmlformats.org/officeDocument/2006/relationships" xmlns:p="http://schemas.openxmlformats.org/presentationml/2006/main">
   <p:cSld>
     <p:spTree>
@@ -11952,64 +13531,86 @@
           <a:chExt cx="0" cy="0"/>
         </a:xfrm>
       </p:grpSpPr>
+      <p:pic>
+        <p:nvPicPr>
+          <p:cNvPr descr="fig/06-paper_tesis/conditional-prob-1.png" id="0" name="Picture 1"/>
+          <p:cNvPicPr>
+            <a:picLocks noGrp="1" noChangeAspect="1"/>
+          </p:cNvPicPr>
+          <p:nvPr/>
+        </p:nvPicPr>
+        <p:blipFill>
+          <a:blip r:embed="rId3"/>
+          <a:stretch>
+            <a:fillRect/>
+          </a:stretch>
+        </p:blipFill>
+        <p:spPr bwMode="auto">
+          <a:xfrm>
+            <a:off x="279400" y="939800"/>
+            <a:ext cx="11480800" cy="5219700"/>
+          </a:xfrm>
+          <a:prstGeom prst="rect">
+            <a:avLst/>
+          </a:prstGeom>
+          <a:noFill/>
+          <a:ln w="9525">
+            <a:noFill/>
+            <a:headEnd/>
+            <a:tailEnd/>
+          </a:ln>
+        </p:spPr>
+      </p:pic>
       <p:sp>
         <p:nvSpPr>
-          <p:cNvPr id="2" name="Title 1"/>
-          <p:cNvSpPr>
-            <a:spLocks noGrp="1" noChangeArrowheads="1"/>
-          </p:cNvSpPr>
-          <p:nvPr>
-            <p:ph type="title"/>
-          </p:nvPr>
+          <p:cNvPr id="1" name="TextBox 3"/>
+          <p:cNvSpPr txBox="1"/>
+          <p:nvPr/>
         </p:nvSpPr>
         <p:spPr>
           <a:xfrm>
-            <a:off x="831850" y="1710055"/>
-            <a:ext cx="10515600" cy="2852420"/>
+            <a:off x="190500" y="6159500"/>
+            <a:ext cx="11671300" cy="508000"/>
           </a:xfrm>
+          <a:prstGeom prst="rect">
+            <a:avLst/>
+          </a:prstGeom>
+          <a:noFill/>
         </p:spPr>
         <p:txBody>
           <a:bodyPr/>
           <a:lstStyle/>
           <a:p>
-            <a:pPr lvl="0" marL="0" indent="0">
+            <a:pPr lvl="0" marL="0" indent="0" algn="ctr">
               <a:buNone/>
             </a:pPr>
             <a:r>
               <a:rPr/>
-              <a:t>Selección</a:t>
-            </a:r>
-            <a:r>
-              <a:rPr/>
-              <a:t> </a:t>
-            </a:r>
-            <a:r>
-              <a:rPr/>
-              <a:t>de</a:t>
-            </a:r>
-            <a:r>
-              <a:rPr/>
-              <a:t> </a:t>
-            </a:r>
-            <a:r>
-              <a:rPr/>
-              <a:t>figuras</a:t>
-            </a:r>
-            <a:r>
-              <a:rPr/>
-              <a:t> </a:t>
-            </a:r>
-            <a:r>
-              <a:rPr/>
-              <a:t>para</a:t>
-            </a:r>
-            <a:r>
-              <a:rPr/>
-              <a:t> </a:t>
-            </a:r>
-            <a:r>
-              <a:rPr/>
-              <a:t>paper</a:t>
+              <a:t>Conditional</a:t>
+            </a:r>
+            <a:r>
+              <a:rPr/>
+              <a:t> </a:t>
+            </a:r>
+            <a:r>
+              <a:rPr/>
+              <a:t>probability</a:t>
+            </a:r>
+            <a:r>
+              <a:rPr/>
+              <a:t> </a:t>
+            </a:r>
+            <a:r>
+              <a:rPr/>
+              <a:t>of</a:t>
+            </a:r>
+            <a:r>
+              <a:rPr/>
+              <a:t> </a:t>
+            </a:r>
+            <a:r>
+              <a:rPr/>
+              <a:t>persistence</a:t>
             </a:r>
           </a:p>
         </p:txBody>
@@ -12019,7 +13620,11 @@
 </p:sld>
 </file>
 
-<file path=ppt/slides/slide3.xml><?xml version="1.0" encoding="utf-8"?>
+<file path=ppt/slides/slide17.xml><?xml version="1.0" encoding="UTF-8"?>
+<p:sld xmlns:a="http://schemas.openxmlformats.org/drawingml/2006/main" xmlns:r="http://schemas.openxmlformats.org/officeDocument/2006/relationships" xmlns:p="http://schemas.openxmlformats.org/presentationml/2006/main"><p:cSld><p:spTree><p:nvGrpSpPr><p:cNvPr id="1" name="" /><p:cNvGrpSpPr /><p:nvPr /></p:nvGrpSpPr><p:grpSpPr><a:xfrm><a:off x="0" y="0" /><a:ext cx="0" cy="0" /><a:chOff x="0" y="0" /><a:chExt cx="0" cy="0" /></a:xfrm></p:grpSpPr><p:sp><p:nvSpPr><p:cNvPr id="3" name="Content Placeholder 2" /><p:cNvSpPr><a:spLocks noGrp="1" noChangeArrowheads="1" /></p:cNvSpPr><p:nvPr><p:ph idx="1" /></p:nvPr></p:nvSpPr><p:spPr /><p:txBody><a:bodyPr /><a:lstStyle /><a:p><a:pPr lvl="0" marL="0" indent="0"><a:buNone /></a:pPr><a:r><a:rPr /><a:t>&#21;</a:t></a:r></a:p></p:txBody></p:sp></p:spTree></p:cSld></p:sld>
+</file>
+
+<file path=ppt/slides/slide2.xml><?xml version="1.0" encoding="utf-8"?>
 <p:sld xmlns:a="http://schemas.openxmlformats.org/drawingml/2006/main" xmlns:r="http://schemas.openxmlformats.org/officeDocument/2006/relationships" xmlns:p="http://schemas.openxmlformats.org/presentationml/2006/main">
   <p:cSld>
     <p:spTree>
@@ -12165,7 +13770,7 @@
 </p:sld>
 </file>
 
-<file path=ppt/slides/slide4.xml><?xml version="1.0" encoding="utf-8"?>
+<file path=ppt/slides/slide3.xml><?xml version="1.0" encoding="utf-8"?>
 <p:sld xmlns:a="http://schemas.openxmlformats.org/drawingml/2006/main" xmlns:r="http://schemas.openxmlformats.org/officeDocument/2006/relationships" xmlns:p="http://schemas.openxmlformats.org/presentationml/2006/main">
   <p:cSld>
     <p:spTree>
@@ -12335,7 +13940,7 @@
 </p:sld>
 </file>
 
-<file path=ppt/slides/slide5.xml><?xml version="1.0" encoding="utf-8"?>
+<file path=ppt/slides/slide4.xml><?xml version="1.0" encoding="utf-8"?>
 <p:sld xmlns:a="http://schemas.openxmlformats.org/drawingml/2006/main" xmlns:r="http://schemas.openxmlformats.org/officeDocument/2006/relationships" xmlns:p="http://schemas.openxmlformats.org/presentationml/2006/main">
   <p:cSld>
     <p:spTree>
@@ -12488,6 +14093,136 @@
             <a:r>
               <a:rPr/>
               <a:t>35°S</a:t>
+            </a:r>
+          </a:p>
+        </p:txBody>
+      </p:sp>
+    </p:spTree>
+  </p:cSld>
+</p:sld>
+</file>
+
+<file path=ppt/slides/slide5.xml><?xml version="1.0" encoding="utf-8"?>
+<p:sld xmlns:a="http://schemas.openxmlformats.org/drawingml/2006/main" xmlns:r="http://schemas.openxmlformats.org/officeDocument/2006/relationships" xmlns:p="http://schemas.openxmlformats.org/presentationml/2006/main">
+  <p:cSld>
+    <p:spTree>
+      <p:nvGrpSpPr>
+        <p:cNvPr id="1" name=""/>
+        <p:cNvGrpSpPr/>
+        <p:nvPr/>
+      </p:nvGrpSpPr>
+      <p:grpSpPr>
+        <a:xfrm>
+          <a:off x="0" y="0"/>
+          <a:ext cx="0" cy="0"/>
+          <a:chOff x="0" y="0"/>
+          <a:chExt cx="0" cy="0"/>
+        </a:xfrm>
+      </p:grpSpPr>
+      <p:pic>
+        <p:nvPicPr>
+          <p:cNvPr descr="fig/06-paper_tesis/ampl-stat-1.png" id="0" name="Picture 1"/>
+          <p:cNvPicPr>
+            <a:picLocks noGrp="1" noChangeAspect="1"/>
+          </p:cNvPicPr>
+          <p:nvPr/>
+        </p:nvPicPr>
+        <p:blipFill>
+          <a:blip r:embed="rId2"/>
+          <a:stretch>
+            <a:fillRect/>
+          </a:stretch>
+        </p:blipFill>
+        <p:spPr bwMode="auto">
+          <a:xfrm>
+            <a:off x="279400" y="939800"/>
+            <a:ext cx="11480800" cy="5219700"/>
+          </a:xfrm>
+          <a:prstGeom prst="rect">
+            <a:avLst/>
+          </a:prstGeom>
+          <a:noFill/>
+          <a:ln w="9525">
+            <a:noFill/>
+            <a:headEnd/>
+            <a:tailEnd/>
+          </a:ln>
+        </p:spPr>
+      </p:pic>
+      <p:sp>
+        <p:nvSpPr>
+          <p:cNvPr id="1" name="TextBox 3"/>
+          <p:cNvSpPr txBox="1"/>
+          <p:nvPr/>
+        </p:nvSpPr>
+        <p:spPr>
+          <a:xfrm>
+            <a:off x="190500" y="6159500"/>
+            <a:ext cx="11671300" cy="508000"/>
+          </a:xfrm>
+          <a:prstGeom prst="rect">
+            <a:avLst/>
+          </a:prstGeom>
+          <a:noFill/>
+        </p:spPr>
+        <p:txBody>
+          <a:bodyPr/>
+          <a:lstStyle/>
+          <a:p>
+            <a:pPr lvl="0" marL="0" indent="0" algn="ctr">
+              <a:buNone/>
+            </a:pPr>
+            <a:r>
+              <a:rPr/>
+              <a:t>Mean</a:t>
+            </a:r>
+            <a:r>
+              <a:rPr/>
+              <a:t> </a:t>
+            </a:r>
+            <a:r>
+              <a:rPr/>
+              <a:t>wave</a:t>
+            </a:r>
+            <a:r>
+              <a:rPr/>
+              <a:t> </a:t>
+            </a:r>
+            <a:r>
+              <a:rPr/>
+              <a:t>amplitude</a:t>
+            </a:r>
+            <a:r>
+              <a:rPr/>
+              <a:t> </a:t>
+            </a:r>
+            <a:r>
+              <a:rPr/>
+              <a:t>(shaded)</a:t>
+            </a:r>
+            <a:r>
+              <a:rPr/>
+              <a:t> </a:t>
+            </a:r>
+            <a:r>
+              <a:rPr/>
+              <a:t>and</a:t>
+            </a:r>
+            <a:r>
+              <a:rPr/>
+              <a:t> </a:t>
+            </a:r>
+            <a:r>
+              <a:rPr/>
+              <a:t>stationarity</a:t>
+            </a:r>
+            <a:r>
+              <a:rPr/>
+              <a:t> </a:t>
+            </a:r>
+            <a:r>
+              <a:rPr/>
+              <a:t>(contours).</a:t>
             </a:r>
           </a:p>
         </p:txBody>
@@ -12628,70 +14363,16 @@
           <a:chExt cx="0" cy="0"/>
         </a:xfrm>
       </p:grpSpPr>
-      <p:sp>
-        <p:nvSpPr>
-          <p:cNvPr id="3" name="Content Placeholder 2"/>
-          <p:cNvSpPr>
-            <a:spLocks noGrp="1" noChangeArrowheads="1"/>
-          </p:cNvSpPr>
-          <p:nvPr>
-            <p:ph idx="1"/>
-          </p:nvPr>
-        </p:nvSpPr>
-        <p:spPr/>
-        <p:txBody>
-          <a:bodyPr/>
-          <a:lstStyle/>
-          <a:p>
-            <a:pPr lvl="0" marL="1270000" indent="0">
-              <a:buNone/>
-            </a:pPr>
-            <a:r>
-              <a:rPr sz="1800">
-                <a:latin typeface="Courier"/>
-              </a:rPr>
-              <a:t>## Regions defined for each Polygons
-## Regions defined for each Polygons</a:t>
-            </a:r>
-          </a:p>
-        </p:txBody>
-      </p:sp>
-    </p:spTree>
-  </p:cSld>
-</p:sld>
-</file>
-
-<file path=ppt/slides/slide8.xml><?xml version="1.0" encoding="UTF-8"?>
-<p:sld xmlns:a="http://schemas.openxmlformats.org/drawingml/2006/main" xmlns:r="http://schemas.openxmlformats.org/officeDocument/2006/relationships" xmlns:p="http://schemas.openxmlformats.org/presentationml/2006/main"><p:cSld><p:spTree><p:nvGrpSpPr><p:cNvPr id="1" name="" /><p:cNvGrpSpPr /><p:nvPr /></p:nvGrpSpPr><p:grpSpPr><a:xfrm><a:off x="0" y="0" /><a:ext cx="0" cy="0" /><a:chOff x="0" y="0" /><a:chExt cx="0" cy="0" /></a:xfrm></p:grpSpPr><p:pic><p:nvPicPr><p:cNvPr descr="fig/06-paper_tesis/fase-boxplot-1.png" id="0" name="Picture 1" /><p:cNvPicPr><a:picLocks noGrp="1" noChangeAspect="1" /></p:cNvPicPr><p:nvPr /></p:nvPicPr><p:blipFill><a:blip r:embed="rId2" /><a:stretch><a:fillRect /></a:stretch></p:blipFill><p:spPr bwMode="auto"><a:xfrm><a:off x="279400" y="939800" /><a:ext cx="11480800" cy="5219700" /></a:xfrm><a:prstGeom prst="rect"><a:avLst /></a:prstGeom><a:noFill /><a:ln w="9525"><a:noFill /><a:headEnd /><a:tailEnd /></a:ln></p:spPr></p:pic><p:sp><p:nvSpPr><p:cNvPr id="1" name="TextBox 3" /><p:cNvSpPr txBox="1" /><p:nvPr /></p:nvSpPr><p:spPr><a:xfrm><a:off x="190500" y="6159500" /><a:ext cx="11671300" cy="508000" /></a:xfrm><a:prstGeom prst="rect"><a:avLst /></a:prstGeom><a:noFill /></p:spPr><p:txBody><a:bodyPr /><a:lstStyle /><a:p><a:pPr lvl="0" marL="0" indent="0" algn="ctr"><a:buNone /></a:pPr><a:r><a:rPr /><a:t>Phase</a:t></a:r><a:r><a:rPr /><a:t> </a:t></a:r><a:r><a:rPr /><a:t>of</a:t></a:r><a:r><a:rPr /><a:t> </a:t></a:r><a:r><a:rPr /><a:t>the</a:t></a:r><a:r><a:rPr /><a:t> </a:t></a:r><a:r><a:rPr /><a:t>mean</a:t></a:r><a:r><a:rPr /><a:t> </a:t></a:r><a:r><a:rPr /><a:t>wave</a:t></a:r><a:r><a:rPr /><a:t> </a:t></a:r><a:r><a:rPr /><a:t>for</a:t></a:r><a:r><a:rPr /><a:t> </a:t></a:r><a:r><a:rPr /><a:t>each</a:t></a:r><a:r><a:rPr /><a:t> </a:t></a:r><a:r><a:rPr /><a:t>month</a:t></a:r><a:r><a:rPr /><a:t> </a:t></a:r><a:r><a:rPr /><a:t>and</a:t></a:r><a:r><a:rPr /><a:t> </a:t></a:r><a14:m><m:oMath xmlns:m="http://schemas.openxmlformats.org/officeDocument/2006/math"><m:r><m:t>±</m:t></m:r></m:oMath></a14:m><a:r><a:rPr /><a:t> </a:t></a:r><a:r><a:rPr /><a:t>1</a:t></a:r><a:r><a:rPr /><a:t> </a:t></a:r><a:r><a:rPr /><a:t>standrad</a:t></a:r><a:r><a:rPr /><a:t> </a:t></a:r><a:r><a:rPr /><a:t>deviation</a:t></a:r><a:r><a:rPr /><a:t> </a:t></a:r><a:r><a:rPr /><a:t>(black</a:t></a:r><a:r><a:rPr /><a:t> </a:t></a:r><a:r><a:rPr /><a:t>dots</a:t></a:r><a:r><a:rPr /><a:t> </a:t></a:r><a:r><a:rPr /><a:t>and</a:t></a:r><a:r><a:rPr /><a:t> </a:t></a:r><a:r><a:rPr /><a:t>error</a:t></a:r><a:r><a:rPr /><a:t> </a:t></a:r><a:r><a:rPr /><a:t>bars).</a:t></a:r><a:r><a:rPr /><a:t> </a:t></a:r><a:r><a:rPr /><a:t>In</a:t></a:r><a:r><a:rPr /><a:t> </a:t></a:r><a:r><a:rPr /><a:t>red</a:t></a:r><a:r><a:rPr /><a:t> </a:t></a:r><a:r><a:rPr /><a:t>and</a:t></a:r><a:r><a:rPr /><a:t> </a:t></a:r><a:r><a:rPr /><a:t>blue,</a:t></a:r><a:r><a:rPr /><a:t> </a:t></a:r><a:r><a:rPr /><a:t>phase</a:t></a:r><a:r><a:rPr /><a:t> </a:t></a:r><a:r><a:rPr /><a:t>of</a:t></a:r><a:r><a:rPr /><a:t> </a:t></a:r><a:r><a:rPr /><a:t>the</a:t></a:r><a:r><a:rPr /><a:t> </a:t></a:r><a:r><a:rPr /><a:t>most</a:t></a:r><a:r><a:rPr /><a:t> </a:t></a:r><a:r><a:rPr /><a:t>intense</a:t></a:r><a:r><a:rPr /><a:t> </a:t></a:r><a:r><a:rPr /><a:t>20</a:t></a:r><a:r><a:rPr /><a:t> </a:t></a:r><a:r><a:rPr /><a:t>events</a:t></a:r><a:r><a:rPr /><a:t> </a:t></a:r><a:r><a:rPr /><a:t>for</a:t></a:r><a:r><a:rPr /><a:t> </a:t></a:r><a:r><a:rPr /><a:t>each</a:t></a:r><a:r><a:rPr /><a:t> </a:t></a:r><a:r><a:rPr /><a:t>month,</a:t></a:r><a:r><a:rPr /><a:t> </a:t></a:r><a:r><a:rPr /><a:t>representing</a:t></a:r><a:r><a:rPr /><a:t> </a:t></a:r><a:r><a:rPr /><a:t>the</a:t></a:r><a:r><a:rPr /><a:t> </a:t></a:r><a:r><a:rPr /><a:t>location</a:t></a:r><a:r><a:rPr /><a:t> </a:t></a:r><a:r><a:rPr /><a:t>of</a:t></a:r><a:r><a:rPr /><a:t> </a:t></a:r><a:r><a:rPr /><a:t>the</a:t></a:r><a:r><a:rPr /><a:t> </a:t></a:r><a:r><a:rPr /><a:t>ridge</a:t></a:r><a:r><a:rPr /><a:t> </a:t></a:r><a:r><a:rPr /><a:t>and</a:t></a:r><a:r><a:rPr /><a:t> </a:t></a:r><a:r><a:rPr /><a:t>throuht</a:t></a:r><a:r><a:rPr /><a:t> </a:t></a:r><a:r><a:rPr /><a:t>respectively.</a:t></a:r></a:p></p:txBody></p:sp></p:spTree></p:cSld></p:sld>
-</file>
-
-<file path=ppt/slides/slide9.xml><?xml version="1.0" encoding="utf-8"?>
-<p:sld xmlns:a="http://schemas.openxmlformats.org/drawingml/2006/main" xmlns:r="http://schemas.openxmlformats.org/officeDocument/2006/relationships" xmlns:p="http://schemas.openxmlformats.org/presentationml/2006/main">
-  <p:cSld>
-    <p:spTree>
-      <p:nvGrpSpPr>
-        <p:cNvPr id="1" name=""/>
-        <p:cNvGrpSpPr/>
-        <p:nvPr/>
-      </p:nvGrpSpPr>
-      <p:grpSpPr>
-        <a:xfrm>
-          <a:off x="0" y="0"/>
-          <a:ext cx="0" cy="0"/>
-          <a:chOff x="0" y="0"/>
-          <a:chExt cx="0" cy="0"/>
-        </a:xfrm>
-      </p:grpSpPr>
       <p:pic>
         <p:nvPicPr>
-          <p:cNvPr descr="fig/06-paper_tesis/ampl-stat-1.png" id="0" name="Picture 1"/>
+          <p:cNvPr descr="fig/06-paper_tesis/regr-psi-ncep-1.png" id="0" name="Picture 1"/>
           <p:cNvPicPr>
             <a:picLocks noGrp="1" noChangeAspect="1"/>
           </p:cNvPicPr>
           <p:nvPr/>
         </p:nvPicPr>
         <p:blipFill>
-          <a:blip r:embed="rId2"/>
+          <a:blip r:embed="rId3"/>
           <a:stretch>
             <a:fillRect/>
           </a:stretch>
@@ -12737,7 +14418,79 @@
             </a:pPr>
             <a:r>
               <a:rPr/>
-              <a:t>Mean</a:t>
+              <a:t>Regression</a:t>
+            </a:r>
+            <a:r>
+              <a:rPr/>
+              <a:t> </a:t>
+            </a:r>
+            <a:r>
+              <a:rPr/>
+              <a:t>of</a:t>
+            </a:r>
+            <a:r>
+              <a:rPr/>
+              <a:t> </a:t>
+            </a:r>
+            <a:r>
+              <a:rPr/>
+              <a:t>200hPa</a:t>
+            </a:r>
+            <a:r>
+              <a:rPr/>
+              <a:t> </a:t>
+            </a:r>
+            <a:r>
+              <a:rPr/>
+              <a:t>geopotential</a:t>
+            </a:r>
+            <a:r>
+              <a:rPr/>
+              <a:t> </a:t>
+            </a:r>
+            <a:r>
+              <a:rPr/>
+              <a:t>height</a:t>
+            </a:r>
+            <a:r>
+              <a:rPr/>
+              <a:t> </a:t>
+            </a:r>
+            <a:r>
+              <a:rPr/>
+              <a:t>and</a:t>
+            </a:r>
+            <a:r>
+              <a:rPr/>
+              <a:t> </a:t>
+            </a:r>
+            <a:r>
+              <a:rPr/>
+              <a:t>QS3</a:t>
+            </a:r>
+            <a:r>
+              <a:rPr/>
+              <a:t> </a:t>
+            </a:r>
+            <a:r>
+              <a:rPr/>
+              <a:t>standarized</a:t>
+            </a:r>
+            <a:r>
+              <a:rPr/>
+              <a:t> </a:t>
+            </a:r>
+            <a:r>
+              <a:rPr/>
+              <a:t>index,</a:t>
+            </a:r>
+            <a:r>
+              <a:rPr/>
+              <a:t> </a:t>
+            </a:r>
+            <a:r>
+              <a:rPr/>
+              <a:t>and</a:t>
             </a:r>
             <a:r>
               <a:rPr/>
@@ -12753,39 +14506,229 @@
             </a:r>
             <a:r>
               <a:rPr/>
-              <a:t>amplitude</a:t>
-            </a:r>
-            <a:r>
-              <a:rPr/>
-              <a:t> </a:t>
-            </a:r>
-            <a:r>
-              <a:rPr/>
-              <a:t>(shaded)</a:t>
-            </a:r>
-            <a:r>
-              <a:rPr/>
-              <a:t> </a:t>
-            </a:r>
-            <a:r>
-              <a:rPr/>
-              <a:t>and</a:t>
-            </a:r>
-            <a:r>
-              <a:rPr/>
-              <a:t> </a:t>
-            </a:r>
-            <a:r>
-              <a:rPr/>
-              <a:t>stationarity</a:t>
-            </a:r>
-            <a:r>
-              <a:rPr/>
-              <a:t> </a:t>
-            </a:r>
-            <a:r>
-              <a:rPr/>
-              <a:t>(contours).</a:t>
+              <a:t>acivity</a:t>
+            </a:r>
+            <a:r>
+              <a:rPr/>
+              <a:t> </a:t>
+            </a:r>
+            <a:r>
+              <a:rPr/>
+              <a:t>flux</a:t>
+            </a:r>
+            <a:r>
+              <a:rPr/>
+              <a:t> </a:t>
+            </a:r>
+            <a:r>
+              <a:rPr/>
+              <a:t>computed</a:t>
+            </a:r>
+            <a:r>
+              <a:rPr/>
+              <a:t> </a:t>
+            </a:r>
+            <a:r>
+              <a:rPr/>
+              <a:t>from</a:t>
+            </a:r>
+            <a:r>
+              <a:rPr/>
+              <a:t> </a:t>
+            </a:r>
+            <a:r>
+              <a:rPr/>
+              <a:t>regression</a:t>
+            </a:r>
+            <a:r>
+              <a:rPr/>
+              <a:t> </a:t>
+            </a:r>
+            <a:r>
+              <a:rPr/>
+              <a:t>of</a:t>
+            </a:r>
+            <a:r>
+              <a:rPr/>
+              <a:t> </a:t>
+            </a:r>
+            <a:r>
+              <a:rPr/>
+              <a:t>0.201</a:t>
+            </a:r>
+            <a:r>
+              <a:rPr/>
+              <a:t> </a:t>
+            </a:r>
+            <a:r>
+              <a:rPr/>
+              <a:t>sigma.</a:t>
+            </a:r>
+          </a:p>
+        </p:txBody>
+      </p:sp>
+    </p:spTree>
+  </p:cSld>
+</p:sld>
+</file>
+
+<file path=ppt/slides/slide8.xml><?xml version="1.0" encoding="utf-8"?>
+<p:sld xmlns:a="http://schemas.openxmlformats.org/drawingml/2006/main" xmlns:r="http://schemas.openxmlformats.org/officeDocument/2006/relationships" xmlns:p="http://schemas.openxmlformats.org/presentationml/2006/main">
+  <p:cSld>
+    <p:spTree>
+      <p:nvGrpSpPr>
+        <p:cNvPr id="1" name=""/>
+        <p:cNvGrpSpPr/>
+        <p:nvPr/>
+      </p:nvGrpSpPr>
+      <p:grpSpPr>
+        <a:xfrm>
+          <a:off x="0" y="0"/>
+          <a:ext cx="0" cy="0"/>
+          <a:chOff x="0" y="0"/>
+          <a:chExt cx="0" cy="0"/>
+        </a:xfrm>
+      </p:grpSpPr>
+      <p:pic>
+        <p:nvPicPr>
+          <p:cNvPr descr="fig/06-paper_tesis/unnamed-chunk-1-1.png" id="0" name="Picture 1"/>
+          <p:cNvPicPr>
+            <a:picLocks noGrp="1" noChangeAspect="1"/>
+          </p:cNvPicPr>
+          <p:nvPr/>
+        </p:nvPicPr>
+        <p:blipFill>
+          <a:blip r:embed="rId2"/>
+          <a:stretch>
+            <a:fillRect/>
+          </a:stretch>
+        </p:blipFill>
+        <p:spPr bwMode="auto">
+          <a:xfrm>
+            <a:off x="190500" y="1155700"/>
+            <a:ext cx="11671300" cy="5308600"/>
+          </a:xfrm>
+          <a:prstGeom prst="rect">
+            <a:avLst/>
+          </a:prstGeom>
+          <a:noFill/>
+          <a:ln w="9525">
+            <a:noFill/>
+            <a:headEnd/>
+            <a:tailEnd/>
+          </a:ln>
+        </p:spPr>
+      </p:pic>
+    </p:spTree>
+  </p:cSld>
+</p:sld>
+</file>
+
+<file path=ppt/slides/slide9.xml><?xml version="1.0" encoding="utf-8"?>
+<p:sld xmlns:a="http://schemas.openxmlformats.org/drawingml/2006/main" xmlns:r="http://schemas.openxmlformats.org/officeDocument/2006/relationships" xmlns:p="http://schemas.openxmlformats.org/presentationml/2006/main">
+  <p:cSld>
+    <p:spTree>
+      <p:nvGrpSpPr>
+        <p:cNvPr id="1" name=""/>
+        <p:cNvGrpSpPr/>
+        <p:nvPr/>
+      </p:nvGrpSpPr>
+      <p:grpSpPr>
+        <a:xfrm>
+          <a:off x="0" y="0"/>
+          <a:ext cx="0" cy="0"/>
+          <a:chOff x="0" y="0"/>
+          <a:chExt cx="0" cy="0"/>
+        </a:xfrm>
+      </p:grpSpPr>
+      <p:pic>
+        <p:nvPicPr>
+          <p:cNvPr descr="fig/06-paper_tesis/wavelets-1.png" id="0" name="Picture 1"/>
+          <p:cNvPicPr>
+            <a:picLocks noGrp="1" noChangeAspect="1"/>
+          </p:cNvPicPr>
+          <p:nvPr/>
+        </p:nvPicPr>
+        <p:blipFill>
+          <a:blip r:embed="rId3"/>
+          <a:stretch>
+            <a:fillRect/>
+          </a:stretch>
+        </p:blipFill>
+        <p:spPr bwMode="auto">
+          <a:xfrm>
+            <a:off x="279400" y="939800"/>
+            <a:ext cx="11480800" cy="5219700"/>
+          </a:xfrm>
+          <a:prstGeom prst="rect">
+            <a:avLst/>
+          </a:prstGeom>
+          <a:noFill/>
+          <a:ln w="9525">
+            <a:noFill/>
+            <a:headEnd/>
+            <a:tailEnd/>
+          </a:ln>
+        </p:spPr>
+      </p:pic>
+      <p:sp>
+        <p:nvSpPr>
+          <p:cNvPr id="1" name="TextBox 3"/>
+          <p:cNvSpPr txBox="1"/>
+          <p:nvPr/>
+        </p:nvSpPr>
+        <p:spPr>
+          <a:xfrm>
+            <a:off x="190500" y="6159500"/>
+            <a:ext cx="11671300" cy="508000"/>
+          </a:xfrm>
+          <a:prstGeom prst="rect">
+            <a:avLst/>
+          </a:prstGeom>
+          <a:noFill/>
+        </p:spPr>
+        <p:txBody>
+          <a:bodyPr/>
+          <a:lstStyle/>
+          <a:p>
+            <a:pPr lvl="0" marL="0" indent="0" algn="ctr">
+              <a:buNone/>
+            </a:pPr>
+            <a:r>
+              <a:rPr/>
+              <a:t>Wavelet</a:t>
+            </a:r>
+            <a:r>
+              <a:rPr/>
+              <a:t> </a:t>
+            </a:r>
+            <a:r>
+              <a:rPr/>
+              <a:t>analysis</a:t>
+            </a:r>
+            <a:r>
+              <a:rPr/>
+              <a:t> </a:t>
+            </a:r>
+            <a:r>
+              <a:rPr/>
+              <a:t>of</a:t>
+            </a:r>
+            <a:r>
+              <a:rPr/>
+              <a:t> </a:t>
+            </a:r>
+            <a:r>
+              <a:rPr/>
+              <a:t>QS3</a:t>
+            </a:r>
+            <a:r>
+              <a:rPr/>
+              <a:t> </a:t>
+            </a:r>
+            <a:r>
+              <a:rPr/>
+              <a:t>index</a:t>
             </a:r>
           </a:p>
         </p:txBody>
